--- a/all/Intro to Programming_all.pptx
+++ b/all/Intro to Programming_all.pptx
@@ -4,6 +4,9 @@
   <p:sldMasterIdLst>
     <p:sldMasterId id="2147483648" r:id="rId1"/>
   </p:sldMasterIdLst>
+  <p:notesMasterIdLst>
+    <p:notesMasterId r:id="rId29"/>
+  </p:notesMasterIdLst>
   <p:sldIdLst>
     <p:sldId id="256" r:id="rId2"/>
     <p:sldId id="258" r:id="rId3"/>
@@ -22,6 +25,16 @@
     <p:sldId id="269" r:id="rId16"/>
     <p:sldId id="270" r:id="rId17"/>
     <p:sldId id="271" r:id="rId18"/>
+    <p:sldId id="274" r:id="rId19"/>
+    <p:sldId id="275" r:id="rId20"/>
+    <p:sldId id="276" r:id="rId21"/>
+    <p:sldId id="277" r:id="rId22"/>
+    <p:sldId id="278" r:id="rId23"/>
+    <p:sldId id="279" r:id="rId24"/>
+    <p:sldId id="281" r:id="rId25"/>
+    <p:sldId id="280" r:id="rId26"/>
+    <p:sldId id="282" r:id="rId27"/>
+    <p:sldId id="283" r:id="rId28"/>
   </p:sldIdLst>
   <p:sldSz cx="12192000" cy="6858000"/>
   <p:notesSz cx="7315200" cy="9601200"/>
@@ -128,6 +141,355 @@
 </p:presentation>
 </file>
 
+<file path=ppt/notesMasters/notesMaster1.xml><?xml version="1.0" encoding="utf-8"?>
+<p:notesMaster xmlns:a="http://schemas.openxmlformats.org/drawingml/2006/main" xmlns:r="http://schemas.openxmlformats.org/officeDocument/2006/relationships" xmlns:p="http://schemas.openxmlformats.org/presentationml/2006/main">
+  <p:cSld>
+    <p:bg>
+      <p:bgRef idx="1001">
+        <a:schemeClr val="bg1"/>
+      </p:bgRef>
+    </p:bg>
+    <p:spTree>
+      <p:nvGrpSpPr>
+        <p:cNvPr id="1" name=""/>
+        <p:cNvGrpSpPr/>
+        <p:nvPr/>
+      </p:nvGrpSpPr>
+      <p:grpSpPr>
+        <a:xfrm>
+          <a:off x="0" y="0"/>
+          <a:ext cx="0" cy="0"/>
+          <a:chOff x="0" y="0"/>
+          <a:chExt cx="0" cy="0"/>
+        </a:xfrm>
+      </p:grpSpPr>
+      <p:sp>
+        <p:nvSpPr>
+          <p:cNvPr id="2" name="Header Placeholder 1"/>
+          <p:cNvSpPr>
+            <a:spLocks noGrp="1"/>
+          </p:cNvSpPr>
+          <p:nvPr>
+            <p:ph type="hdr" sz="quarter"/>
+          </p:nvPr>
+        </p:nvSpPr>
+        <p:spPr>
+          <a:xfrm>
+            <a:off x="0" y="0"/>
+            <a:ext cx="3170238" cy="481013"/>
+          </a:xfrm>
+          <a:prstGeom prst="rect">
+            <a:avLst/>
+          </a:prstGeom>
+        </p:spPr>
+        <p:txBody>
+          <a:bodyPr vert="horz" lIns="91440" tIns="45720" rIns="91440" bIns="45720" rtlCol="0"/>
+          <a:lstStyle>
+            <a:lvl1pPr algn="l">
+              <a:defRPr sz="1200"/>
+            </a:lvl1pPr>
+          </a:lstStyle>
+          <a:p>
+            <a:endParaRPr lang="en-US"/>
+          </a:p>
+        </p:txBody>
+      </p:sp>
+      <p:sp>
+        <p:nvSpPr>
+          <p:cNvPr id="3" name="Date Placeholder 2"/>
+          <p:cNvSpPr>
+            <a:spLocks noGrp="1"/>
+          </p:cNvSpPr>
+          <p:nvPr>
+            <p:ph type="dt" idx="1"/>
+          </p:nvPr>
+        </p:nvSpPr>
+        <p:spPr>
+          <a:xfrm>
+            <a:off x="4143375" y="0"/>
+            <a:ext cx="3170238" cy="481013"/>
+          </a:xfrm>
+          <a:prstGeom prst="rect">
+            <a:avLst/>
+          </a:prstGeom>
+        </p:spPr>
+        <p:txBody>
+          <a:bodyPr vert="horz" lIns="91440" tIns="45720" rIns="91440" bIns="45720" rtlCol="0"/>
+          <a:lstStyle>
+            <a:lvl1pPr algn="r">
+              <a:defRPr sz="1200"/>
+            </a:lvl1pPr>
+          </a:lstStyle>
+          <a:p>
+            <a:fld id="{03FEC988-D264-4851-9784-E262DEC12FF7}" type="datetimeFigureOut">
+              <a:rPr lang="en-US" smtClean="0"/>
+              <a:t>10/1/2025</a:t>
+            </a:fld>
+            <a:endParaRPr lang="en-US"/>
+          </a:p>
+        </p:txBody>
+      </p:sp>
+      <p:sp>
+        <p:nvSpPr>
+          <p:cNvPr id="4" name="Slide Image Placeholder 3"/>
+          <p:cNvSpPr>
+            <a:spLocks noGrp="1" noRot="1" noChangeAspect="1"/>
+          </p:cNvSpPr>
+          <p:nvPr>
+            <p:ph type="sldImg" idx="2"/>
+          </p:nvPr>
+        </p:nvSpPr>
+        <p:spPr>
+          <a:xfrm>
+            <a:off x="777875" y="1200150"/>
+            <a:ext cx="5759450" cy="3240088"/>
+          </a:xfrm>
+          <a:prstGeom prst="rect">
+            <a:avLst/>
+          </a:prstGeom>
+          <a:noFill/>
+          <a:ln w="12700">
+            <a:solidFill>
+              <a:prstClr val="black"/>
+            </a:solidFill>
+          </a:ln>
+        </p:spPr>
+        <p:txBody>
+          <a:bodyPr vert="horz" lIns="91440" tIns="45720" rIns="91440" bIns="45720" rtlCol="0" anchor="ctr"/>
+          <a:lstStyle/>
+          <a:p>
+            <a:endParaRPr lang="en-US"/>
+          </a:p>
+        </p:txBody>
+      </p:sp>
+      <p:sp>
+        <p:nvSpPr>
+          <p:cNvPr id="5" name="Notes Placeholder 4"/>
+          <p:cNvSpPr>
+            <a:spLocks noGrp="1"/>
+          </p:cNvSpPr>
+          <p:nvPr>
+            <p:ph type="body" sz="quarter" idx="3"/>
+          </p:nvPr>
+        </p:nvSpPr>
+        <p:spPr>
+          <a:xfrm>
+            <a:off x="731838" y="4621213"/>
+            <a:ext cx="5851525" cy="3779837"/>
+          </a:xfrm>
+          <a:prstGeom prst="rect">
+            <a:avLst/>
+          </a:prstGeom>
+        </p:spPr>
+        <p:txBody>
+          <a:bodyPr vert="horz" lIns="91440" tIns="45720" rIns="91440" bIns="45720" rtlCol="0"/>
+          <a:lstStyle/>
+          <a:p>
+            <a:pPr lvl="0"/>
+            <a:r>
+              <a:rPr lang="en-US"/>
+              <a:t>Click to edit Master text styles</a:t>
+            </a:r>
+          </a:p>
+          <a:p>
+            <a:pPr lvl="1"/>
+            <a:r>
+              <a:rPr lang="en-US"/>
+              <a:t>Second level</a:t>
+            </a:r>
+          </a:p>
+          <a:p>
+            <a:pPr lvl="2"/>
+            <a:r>
+              <a:rPr lang="en-US"/>
+              <a:t>Third level</a:t>
+            </a:r>
+          </a:p>
+          <a:p>
+            <a:pPr lvl="3"/>
+            <a:r>
+              <a:rPr lang="en-US"/>
+              <a:t>Fourth level</a:t>
+            </a:r>
+          </a:p>
+          <a:p>
+            <a:pPr lvl="4"/>
+            <a:r>
+              <a:rPr lang="en-US"/>
+              <a:t>Fifth level</a:t>
+            </a:r>
+          </a:p>
+        </p:txBody>
+      </p:sp>
+      <p:sp>
+        <p:nvSpPr>
+          <p:cNvPr id="6" name="Footer Placeholder 5"/>
+          <p:cNvSpPr>
+            <a:spLocks noGrp="1"/>
+          </p:cNvSpPr>
+          <p:nvPr>
+            <p:ph type="ftr" sz="quarter" idx="4"/>
+          </p:nvPr>
+        </p:nvSpPr>
+        <p:spPr>
+          <a:xfrm>
+            <a:off x="0" y="9120188"/>
+            <a:ext cx="3170238" cy="481012"/>
+          </a:xfrm>
+          <a:prstGeom prst="rect">
+            <a:avLst/>
+          </a:prstGeom>
+        </p:spPr>
+        <p:txBody>
+          <a:bodyPr vert="horz" lIns="91440" tIns="45720" rIns="91440" bIns="45720" rtlCol="0" anchor="b"/>
+          <a:lstStyle>
+            <a:lvl1pPr algn="l">
+              <a:defRPr sz="1200"/>
+            </a:lvl1pPr>
+          </a:lstStyle>
+          <a:p>
+            <a:endParaRPr lang="en-US"/>
+          </a:p>
+        </p:txBody>
+      </p:sp>
+      <p:sp>
+        <p:nvSpPr>
+          <p:cNvPr id="7" name="Slide Number Placeholder 6"/>
+          <p:cNvSpPr>
+            <a:spLocks noGrp="1"/>
+          </p:cNvSpPr>
+          <p:nvPr>
+            <p:ph type="sldNum" sz="quarter" idx="5"/>
+          </p:nvPr>
+        </p:nvSpPr>
+        <p:spPr>
+          <a:xfrm>
+            <a:off x="4143375" y="9120188"/>
+            <a:ext cx="3170238" cy="481012"/>
+          </a:xfrm>
+          <a:prstGeom prst="rect">
+            <a:avLst/>
+          </a:prstGeom>
+        </p:spPr>
+        <p:txBody>
+          <a:bodyPr vert="horz" lIns="91440" tIns="45720" rIns="91440" bIns="45720" rtlCol="0" anchor="b"/>
+          <a:lstStyle>
+            <a:lvl1pPr algn="r">
+              <a:defRPr sz="1200"/>
+            </a:lvl1pPr>
+          </a:lstStyle>
+          <a:p>
+            <a:fld id="{76D1B746-F1BE-4FDA-B1C6-BC3A66A5A04A}" type="slidenum">
+              <a:rPr lang="en-US" smtClean="0"/>
+              <a:t>‹#›</a:t>
+            </a:fld>
+            <a:endParaRPr lang="en-US"/>
+          </a:p>
+        </p:txBody>
+      </p:sp>
+    </p:spTree>
+    <p:extLst>
+      <p:ext uri="{BB962C8B-B14F-4D97-AF65-F5344CB8AC3E}">
+        <p14:creationId xmlns:p14="http://schemas.microsoft.com/office/powerpoint/2010/main" val="877211297"/>
+      </p:ext>
+    </p:extLst>
+  </p:cSld>
+  <p:clrMap bg1="lt1" tx1="dk1" bg2="lt2" tx2="dk2" accent1="accent1" accent2="accent2" accent3="accent3" accent4="accent4" accent5="accent5" accent6="accent6" hlink="hlink" folHlink="folHlink"/>
+  <p:notesStyle>
+    <a:lvl1pPr marL="0" algn="l" defTabSz="914400" rtl="0" eaLnBrk="1" latinLnBrk="0" hangingPunct="1">
+      <a:defRPr sz="1200" kern="1200">
+        <a:solidFill>
+          <a:schemeClr val="tx1"/>
+        </a:solidFill>
+        <a:latin typeface="+mn-lt"/>
+        <a:ea typeface="+mn-ea"/>
+        <a:cs typeface="+mn-cs"/>
+      </a:defRPr>
+    </a:lvl1pPr>
+    <a:lvl2pPr marL="457200" algn="l" defTabSz="914400" rtl="0" eaLnBrk="1" latinLnBrk="0" hangingPunct="1">
+      <a:defRPr sz="1200" kern="1200">
+        <a:solidFill>
+          <a:schemeClr val="tx1"/>
+        </a:solidFill>
+        <a:latin typeface="+mn-lt"/>
+        <a:ea typeface="+mn-ea"/>
+        <a:cs typeface="+mn-cs"/>
+      </a:defRPr>
+    </a:lvl2pPr>
+    <a:lvl3pPr marL="914400" algn="l" defTabSz="914400" rtl="0" eaLnBrk="1" latinLnBrk="0" hangingPunct="1">
+      <a:defRPr sz="1200" kern="1200">
+        <a:solidFill>
+          <a:schemeClr val="tx1"/>
+        </a:solidFill>
+        <a:latin typeface="+mn-lt"/>
+        <a:ea typeface="+mn-ea"/>
+        <a:cs typeface="+mn-cs"/>
+      </a:defRPr>
+    </a:lvl3pPr>
+    <a:lvl4pPr marL="1371600" algn="l" defTabSz="914400" rtl="0" eaLnBrk="1" latinLnBrk="0" hangingPunct="1">
+      <a:defRPr sz="1200" kern="1200">
+        <a:solidFill>
+          <a:schemeClr val="tx1"/>
+        </a:solidFill>
+        <a:latin typeface="+mn-lt"/>
+        <a:ea typeface="+mn-ea"/>
+        <a:cs typeface="+mn-cs"/>
+      </a:defRPr>
+    </a:lvl4pPr>
+    <a:lvl5pPr marL="1828800" algn="l" defTabSz="914400" rtl="0" eaLnBrk="1" latinLnBrk="0" hangingPunct="1">
+      <a:defRPr sz="1200" kern="1200">
+        <a:solidFill>
+          <a:schemeClr val="tx1"/>
+        </a:solidFill>
+        <a:latin typeface="+mn-lt"/>
+        <a:ea typeface="+mn-ea"/>
+        <a:cs typeface="+mn-cs"/>
+      </a:defRPr>
+    </a:lvl5pPr>
+    <a:lvl6pPr marL="2286000" algn="l" defTabSz="914400" rtl="0" eaLnBrk="1" latinLnBrk="0" hangingPunct="1">
+      <a:defRPr sz="1200" kern="1200">
+        <a:solidFill>
+          <a:schemeClr val="tx1"/>
+        </a:solidFill>
+        <a:latin typeface="+mn-lt"/>
+        <a:ea typeface="+mn-ea"/>
+        <a:cs typeface="+mn-cs"/>
+      </a:defRPr>
+    </a:lvl6pPr>
+    <a:lvl7pPr marL="2743200" algn="l" defTabSz="914400" rtl="0" eaLnBrk="1" latinLnBrk="0" hangingPunct="1">
+      <a:defRPr sz="1200" kern="1200">
+        <a:solidFill>
+          <a:schemeClr val="tx1"/>
+        </a:solidFill>
+        <a:latin typeface="+mn-lt"/>
+        <a:ea typeface="+mn-ea"/>
+        <a:cs typeface="+mn-cs"/>
+      </a:defRPr>
+    </a:lvl7pPr>
+    <a:lvl8pPr marL="3200400" algn="l" defTabSz="914400" rtl="0" eaLnBrk="1" latinLnBrk="0" hangingPunct="1">
+      <a:defRPr sz="1200" kern="1200">
+        <a:solidFill>
+          <a:schemeClr val="tx1"/>
+        </a:solidFill>
+        <a:latin typeface="+mn-lt"/>
+        <a:ea typeface="+mn-ea"/>
+        <a:cs typeface="+mn-cs"/>
+      </a:defRPr>
+    </a:lvl8pPr>
+    <a:lvl9pPr marL="3657600" algn="l" defTabSz="914400" rtl="0" eaLnBrk="1" latinLnBrk="0" hangingPunct="1">
+      <a:defRPr sz="1200" kern="1200">
+        <a:solidFill>
+          <a:schemeClr val="tx1"/>
+        </a:solidFill>
+        <a:latin typeface="+mn-lt"/>
+        <a:ea typeface="+mn-ea"/>
+        <a:cs typeface="+mn-cs"/>
+      </a:defRPr>
+    </a:lvl9pPr>
+  </p:notesStyle>
+</p:notesMaster>
+</file>
+
 <file path=ppt/slideLayouts/slideLayout1.xml><?xml version="1.0" encoding="utf-8"?>
 <p:sldLayout xmlns:a="http://schemas.openxmlformats.org/drawingml/2006/main" xmlns:r="http://schemas.openxmlformats.org/officeDocument/2006/relationships" xmlns:p="http://schemas.openxmlformats.org/presentationml/2006/main" type="title" preserve="1">
   <p:cSld name="Title Slide">
@@ -275,7 +637,7 @@
           <a:p>
             <a:fld id="{FC9FB2DD-DF35-4B84-9135-C0E6A5E9FBB3}" type="datetimeFigureOut">
               <a:rPr lang="en-US" smtClean="0"/>
-              <a:t>9/25/2025</a:t>
+              <a:t>10/1/2025</a:t>
             </a:fld>
             <a:endParaRPr lang="en-US"/>
           </a:p>
@@ -473,7 +835,7 @@
           <a:p>
             <a:fld id="{FC9FB2DD-DF35-4B84-9135-C0E6A5E9FBB3}" type="datetimeFigureOut">
               <a:rPr lang="en-US" smtClean="0"/>
-              <a:t>9/25/2025</a:t>
+              <a:t>10/1/2025</a:t>
             </a:fld>
             <a:endParaRPr lang="en-US"/>
           </a:p>
@@ -681,7 +1043,7 @@
           <a:p>
             <a:fld id="{FC9FB2DD-DF35-4B84-9135-C0E6A5E9FBB3}" type="datetimeFigureOut">
               <a:rPr lang="en-US" smtClean="0"/>
-              <a:t>9/25/2025</a:t>
+              <a:t>10/1/2025</a:t>
             </a:fld>
             <a:endParaRPr lang="en-US"/>
           </a:p>
@@ -879,7 +1241,7 @@
           <a:p>
             <a:fld id="{FC9FB2DD-DF35-4B84-9135-C0E6A5E9FBB3}" type="datetimeFigureOut">
               <a:rPr lang="en-US" smtClean="0"/>
-              <a:t>9/25/2025</a:t>
+              <a:t>10/1/2025</a:t>
             </a:fld>
             <a:endParaRPr lang="en-US"/>
           </a:p>
@@ -1154,7 +1516,7 @@
           <a:p>
             <a:fld id="{FC9FB2DD-DF35-4B84-9135-C0E6A5E9FBB3}" type="datetimeFigureOut">
               <a:rPr lang="en-US" smtClean="0"/>
-              <a:t>9/25/2025</a:t>
+              <a:t>10/1/2025</a:t>
             </a:fld>
             <a:endParaRPr lang="en-US"/>
           </a:p>
@@ -1419,7 +1781,7 @@
           <a:p>
             <a:fld id="{FC9FB2DD-DF35-4B84-9135-C0E6A5E9FBB3}" type="datetimeFigureOut">
               <a:rPr lang="en-US" smtClean="0"/>
-              <a:t>9/25/2025</a:t>
+              <a:t>10/1/2025</a:t>
             </a:fld>
             <a:endParaRPr lang="en-US"/>
           </a:p>
@@ -1831,7 +2193,7 @@
           <a:p>
             <a:fld id="{FC9FB2DD-DF35-4B84-9135-C0E6A5E9FBB3}" type="datetimeFigureOut">
               <a:rPr lang="en-US" smtClean="0"/>
-              <a:t>9/25/2025</a:t>
+              <a:t>10/1/2025</a:t>
             </a:fld>
             <a:endParaRPr lang="en-US"/>
           </a:p>
@@ -1972,7 +2334,7 @@
           <a:p>
             <a:fld id="{FC9FB2DD-DF35-4B84-9135-C0E6A5E9FBB3}" type="datetimeFigureOut">
               <a:rPr lang="en-US" smtClean="0"/>
-              <a:t>9/25/2025</a:t>
+              <a:t>10/1/2025</a:t>
             </a:fld>
             <a:endParaRPr lang="en-US"/>
           </a:p>
@@ -2085,7 +2447,7 @@
           <a:p>
             <a:fld id="{FC9FB2DD-DF35-4B84-9135-C0E6A5E9FBB3}" type="datetimeFigureOut">
               <a:rPr lang="en-US" smtClean="0"/>
-              <a:t>9/25/2025</a:t>
+              <a:t>10/1/2025</a:t>
             </a:fld>
             <a:endParaRPr lang="en-US"/>
           </a:p>
@@ -2396,7 +2758,7 @@
           <a:p>
             <a:fld id="{FC9FB2DD-DF35-4B84-9135-C0E6A5E9FBB3}" type="datetimeFigureOut">
               <a:rPr lang="en-US" smtClean="0"/>
-              <a:t>9/25/2025</a:t>
+              <a:t>10/1/2025</a:t>
             </a:fld>
             <a:endParaRPr lang="en-US"/>
           </a:p>
@@ -2684,7 +3046,7 @@
           <a:p>
             <a:fld id="{FC9FB2DD-DF35-4B84-9135-C0E6A5E9FBB3}" type="datetimeFigureOut">
               <a:rPr lang="en-US" smtClean="0"/>
-              <a:t>9/25/2025</a:t>
+              <a:t>10/1/2025</a:t>
             </a:fld>
             <a:endParaRPr lang="en-US"/>
           </a:p>
@@ -2925,7 +3287,7 @@
           <a:p>
             <a:fld id="{FC9FB2DD-DF35-4B84-9135-C0E6A5E9FBB3}" type="datetimeFigureOut">
               <a:rPr lang="en-US" smtClean="0"/>
-              <a:t>9/25/2025</a:t>
+              <a:t>10/1/2025</a:t>
             </a:fld>
             <a:endParaRPr lang="en-US"/>
           </a:p>
@@ -3410,6 +3772,34 @@
           </a:p>
         </p:txBody>
       </p:sp>
+      <p:sp>
+        <p:nvSpPr>
+          <p:cNvPr id="5" name="Footer Placeholder 4">
+            <a:extLst>
+              <a:ext uri="{FF2B5EF4-FFF2-40B4-BE49-F238E27FC236}">
+                <a16:creationId xmlns:a16="http://schemas.microsoft.com/office/drawing/2014/main" id="{1CBAEF45-3E72-6245-F9E7-6B2B148CDED2}"/>
+              </a:ext>
+            </a:extLst>
+          </p:cNvPr>
+          <p:cNvSpPr>
+            <a:spLocks noGrp="1"/>
+          </p:cNvSpPr>
+          <p:nvPr>
+            <p:ph type="ftr" sz="quarter" idx="11"/>
+          </p:nvPr>
+        </p:nvSpPr>
+        <p:spPr/>
+        <p:txBody>
+          <a:bodyPr/>
+          <a:lstStyle/>
+          <a:p>
+            <a:r>
+              <a:rPr lang="en-US"/>
+              <a:t>Week 1</a:t>
+            </a:r>
+          </a:p>
+        </p:txBody>
+      </p:sp>
     </p:spTree>
     <p:extLst>
       <p:ext uri="{BB962C8B-B14F-4D97-AF65-F5344CB8AC3E}">
@@ -3577,6 +3967,34 @@
           </a:p>
         </p:txBody>
       </p:sp>
+      <p:sp>
+        <p:nvSpPr>
+          <p:cNvPr id="5" name="Footer Placeholder 4">
+            <a:extLst>
+              <a:ext uri="{FF2B5EF4-FFF2-40B4-BE49-F238E27FC236}">
+                <a16:creationId xmlns:a16="http://schemas.microsoft.com/office/drawing/2014/main" id="{EF24BBFE-B686-23F7-3D90-BC4B07807F6E}"/>
+              </a:ext>
+            </a:extLst>
+          </p:cNvPr>
+          <p:cNvSpPr>
+            <a:spLocks noGrp="1"/>
+          </p:cNvSpPr>
+          <p:nvPr>
+            <p:ph type="ftr" sz="quarter" idx="11"/>
+          </p:nvPr>
+        </p:nvSpPr>
+        <p:spPr/>
+        <p:txBody>
+          <a:bodyPr/>
+          <a:lstStyle/>
+          <a:p>
+            <a:r>
+              <a:rPr lang="en-US"/>
+              <a:t>Week 2</a:t>
+            </a:r>
+          </a:p>
+        </p:txBody>
+      </p:sp>
     </p:spTree>
     <p:extLst>
       <p:ext uri="{BB962C8B-B14F-4D97-AF65-F5344CB8AC3E}">
@@ -3710,6 +4128,34 @@
           </a:p>
         </p:txBody>
       </p:sp>
+      <p:sp>
+        <p:nvSpPr>
+          <p:cNvPr id="5" name="Footer Placeholder 4">
+            <a:extLst>
+              <a:ext uri="{FF2B5EF4-FFF2-40B4-BE49-F238E27FC236}">
+                <a16:creationId xmlns:a16="http://schemas.microsoft.com/office/drawing/2014/main" id="{F60EC462-67C7-04B5-DFCD-FA0C294B243A}"/>
+              </a:ext>
+            </a:extLst>
+          </p:cNvPr>
+          <p:cNvSpPr>
+            <a:spLocks noGrp="1"/>
+          </p:cNvSpPr>
+          <p:nvPr>
+            <p:ph type="ftr" sz="quarter" idx="11"/>
+          </p:nvPr>
+        </p:nvSpPr>
+        <p:spPr/>
+        <p:txBody>
+          <a:bodyPr/>
+          <a:lstStyle/>
+          <a:p>
+            <a:r>
+              <a:rPr lang="en-US"/>
+              <a:t>Week 2</a:t>
+            </a:r>
+          </a:p>
+        </p:txBody>
+      </p:sp>
     </p:spTree>
     <p:extLst>
       <p:ext uri="{BB962C8B-B14F-4D97-AF65-F5344CB8AC3E}">
@@ -3869,6 +4315,34 @@
           </a:p>
         </p:txBody>
       </p:sp>
+      <p:sp>
+        <p:nvSpPr>
+          <p:cNvPr id="5" name="Footer Placeholder 4">
+            <a:extLst>
+              <a:ext uri="{FF2B5EF4-FFF2-40B4-BE49-F238E27FC236}">
+                <a16:creationId xmlns:a16="http://schemas.microsoft.com/office/drawing/2014/main" id="{31E1999D-AF9C-A43D-51EB-598EADBE1357}"/>
+              </a:ext>
+            </a:extLst>
+          </p:cNvPr>
+          <p:cNvSpPr>
+            <a:spLocks noGrp="1"/>
+          </p:cNvSpPr>
+          <p:nvPr>
+            <p:ph type="ftr" sz="quarter" idx="11"/>
+          </p:nvPr>
+        </p:nvSpPr>
+        <p:spPr/>
+        <p:txBody>
+          <a:bodyPr/>
+          <a:lstStyle/>
+          <a:p>
+            <a:r>
+              <a:rPr lang="en-US"/>
+              <a:t>Week 2</a:t>
+            </a:r>
+          </a:p>
+        </p:txBody>
+      </p:sp>
     </p:spTree>
     <p:extLst>
       <p:ext uri="{BB962C8B-B14F-4D97-AF65-F5344CB8AC3E}">
@@ -4046,6 +4520,34 @@
           <a:p>
             <a:pPr lvl="1"/>
             <a:endParaRPr lang="en-US" dirty="0"/>
+          </a:p>
+        </p:txBody>
+      </p:sp>
+      <p:sp>
+        <p:nvSpPr>
+          <p:cNvPr id="5" name="Footer Placeholder 4">
+            <a:extLst>
+              <a:ext uri="{FF2B5EF4-FFF2-40B4-BE49-F238E27FC236}">
+                <a16:creationId xmlns:a16="http://schemas.microsoft.com/office/drawing/2014/main" id="{90687523-90A2-16CA-BA2C-6DEA3C1FC6C6}"/>
+              </a:ext>
+            </a:extLst>
+          </p:cNvPr>
+          <p:cNvSpPr>
+            <a:spLocks noGrp="1"/>
+          </p:cNvSpPr>
+          <p:nvPr>
+            <p:ph type="ftr" sz="quarter" idx="11"/>
+          </p:nvPr>
+        </p:nvSpPr>
+        <p:spPr/>
+        <p:txBody>
+          <a:bodyPr/>
+          <a:lstStyle/>
+          <a:p>
+            <a:r>
+              <a:rPr lang="en-US"/>
+              <a:t>Week 2</a:t>
+            </a:r>
           </a:p>
         </p:txBody>
       </p:sp>
@@ -6215,6 +6717,34 @@
           </a:graphicData>
         </a:graphic>
       </p:graphicFrame>
+      <p:sp>
+        <p:nvSpPr>
+          <p:cNvPr id="3" name="Footer Placeholder 2">
+            <a:extLst>
+              <a:ext uri="{FF2B5EF4-FFF2-40B4-BE49-F238E27FC236}">
+                <a16:creationId xmlns:a16="http://schemas.microsoft.com/office/drawing/2014/main" id="{14426879-2AA7-FAA7-0DCA-DFD84FA6B8F5}"/>
+              </a:ext>
+            </a:extLst>
+          </p:cNvPr>
+          <p:cNvSpPr>
+            <a:spLocks noGrp="1"/>
+          </p:cNvSpPr>
+          <p:nvPr>
+            <p:ph type="ftr" sz="quarter" idx="11"/>
+          </p:nvPr>
+        </p:nvSpPr>
+        <p:spPr/>
+        <p:txBody>
+          <a:bodyPr/>
+          <a:lstStyle/>
+          <a:p>
+            <a:r>
+              <a:rPr lang="en-US"/>
+              <a:t>Week 2</a:t>
+            </a:r>
+          </a:p>
+        </p:txBody>
+      </p:sp>
     </p:spTree>
     <p:extLst>
       <p:ext uri="{BB962C8B-B14F-4D97-AF65-F5344CB8AC3E}">
@@ -6410,6 +6940,34 @@
           </a:p>
         </p:txBody>
       </p:sp>
+      <p:sp>
+        <p:nvSpPr>
+          <p:cNvPr id="5" name="Footer Placeholder 4">
+            <a:extLst>
+              <a:ext uri="{FF2B5EF4-FFF2-40B4-BE49-F238E27FC236}">
+                <a16:creationId xmlns:a16="http://schemas.microsoft.com/office/drawing/2014/main" id="{F386C5BE-0FB7-69DE-FFC0-020D439E73AC}"/>
+              </a:ext>
+            </a:extLst>
+          </p:cNvPr>
+          <p:cNvSpPr>
+            <a:spLocks noGrp="1"/>
+          </p:cNvSpPr>
+          <p:nvPr>
+            <p:ph type="ftr" sz="quarter" idx="11"/>
+          </p:nvPr>
+        </p:nvSpPr>
+        <p:spPr/>
+        <p:txBody>
+          <a:bodyPr/>
+          <a:lstStyle/>
+          <a:p>
+            <a:r>
+              <a:rPr lang="en-US"/>
+              <a:t>Week 2</a:t>
+            </a:r>
+          </a:p>
+        </p:txBody>
+      </p:sp>
     </p:spTree>
     <p:extLst>
       <p:ext uri="{BB962C8B-B14F-4D97-AF65-F5344CB8AC3E}">
@@ -6571,6 +7129,34 @@
           </a:p>
         </p:txBody>
       </p:sp>
+      <p:sp>
+        <p:nvSpPr>
+          <p:cNvPr id="5" name="Footer Placeholder 4">
+            <a:extLst>
+              <a:ext uri="{FF2B5EF4-FFF2-40B4-BE49-F238E27FC236}">
+                <a16:creationId xmlns:a16="http://schemas.microsoft.com/office/drawing/2014/main" id="{5AE350AF-09B5-77BD-D0F5-F13394446BD3}"/>
+              </a:ext>
+            </a:extLst>
+          </p:cNvPr>
+          <p:cNvSpPr>
+            <a:spLocks noGrp="1"/>
+          </p:cNvSpPr>
+          <p:nvPr>
+            <p:ph type="ftr" sz="quarter" idx="11"/>
+          </p:nvPr>
+        </p:nvSpPr>
+        <p:spPr/>
+        <p:txBody>
+          <a:bodyPr/>
+          <a:lstStyle/>
+          <a:p>
+            <a:r>
+              <a:rPr lang="en-US"/>
+              <a:t>Week 2</a:t>
+            </a:r>
+          </a:p>
+        </p:txBody>
+      </p:sp>
     </p:spTree>
     <p:extLst>
       <p:ext uri="{BB962C8B-B14F-4D97-AF65-F5344CB8AC3E}">
@@ -6624,7 +7210,7 @@
           <a:p>
             <a:r>
               <a:rPr lang="en-US" dirty="0"/>
-              <a:t>Code : Count digits in a number</a:t>
+              <a:t>Advanced : Count digits in a number</a:t>
             </a:r>
           </a:p>
         </p:txBody>
@@ -6760,6 +7346,34 @@
           <a:p>
             <a:pPr lvl="1"/>
             <a:endParaRPr lang="en-US" dirty="0"/>
+          </a:p>
+        </p:txBody>
+      </p:sp>
+      <p:sp>
+        <p:nvSpPr>
+          <p:cNvPr id="5" name="Footer Placeholder 4">
+            <a:extLst>
+              <a:ext uri="{FF2B5EF4-FFF2-40B4-BE49-F238E27FC236}">
+                <a16:creationId xmlns:a16="http://schemas.microsoft.com/office/drawing/2014/main" id="{BE23F6B7-ED44-D03D-A20C-C0D76A56C611}"/>
+              </a:ext>
+            </a:extLst>
+          </p:cNvPr>
+          <p:cNvSpPr>
+            <a:spLocks noGrp="1"/>
+          </p:cNvSpPr>
+          <p:nvPr>
+            <p:ph type="ftr" sz="quarter" idx="11"/>
+          </p:nvPr>
+        </p:nvSpPr>
+        <p:spPr/>
+        <p:txBody>
+          <a:bodyPr/>
+          <a:lstStyle/>
+          <a:p>
+            <a:r>
+              <a:rPr lang="en-US"/>
+              <a:t>Week 2</a:t>
+            </a:r>
           </a:p>
         </p:txBody>
       </p:sp>
@@ -6767,6 +7381,374 @@
     <p:extLst>
       <p:ext uri="{BB962C8B-B14F-4D97-AF65-F5344CB8AC3E}">
         <p14:creationId xmlns:p14="http://schemas.microsoft.com/office/powerpoint/2010/main" val="1049240581"/>
+      </p:ext>
+    </p:extLst>
+  </p:cSld>
+  <p:clrMapOvr>
+    <a:masterClrMapping/>
+  </p:clrMapOvr>
+</p:sld>
+</file>
+
+<file path=ppt/slides/slide18.xml><?xml version="1.0" encoding="utf-8"?>
+<p:sld xmlns:a="http://schemas.openxmlformats.org/drawingml/2006/main" xmlns:r="http://schemas.openxmlformats.org/officeDocument/2006/relationships" xmlns:p="http://schemas.openxmlformats.org/presentationml/2006/main">
+  <p:cSld>
+    <p:spTree>
+      <p:nvGrpSpPr>
+        <p:cNvPr id="1" name=""/>
+        <p:cNvGrpSpPr/>
+        <p:nvPr/>
+      </p:nvGrpSpPr>
+      <p:grpSpPr>
+        <a:xfrm>
+          <a:off x="0" y="0"/>
+          <a:ext cx="0" cy="0"/>
+          <a:chOff x="0" y="0"/>
+          <a:chExt cx="0" cy="0"/>
+        </a:xfrm>
+      </p:grpSpPr>
+      <p:sp>
+        <p:nvSpPr>
+          <p:cNvPr id="2" name="Title 1">
+            <a:extLst>
+              <a:ext uri="{FF2B5EF4-FFF2-40B4-BE49-F238E27FC236}">
+                <a16:creationId xmlns:a16="http://schemas.microsoft.com/office/drawing/2014/main" id="{B981AC0A-B54E-AD2E-E940-0B0F128BE261}"/>
+              </a:ext>
+            </a:extLst>
+          </p:cNvPr>
+          <p:cNvSpPr>
+            <a:spLocks noGrp="1"/>
+          </p:cNvSpPr>
+          <p:nvPr>
+            <p:ph type="title"/>
+          </p:nvPr>
+        </p:nvSpPr>
+        <p:spPr/>
+        <p:txBody>
+          <a:bodyPr/>
+          <a:lstStyle/>
+          <a:p>
+            <a:r>
+              <a:rPr lang="en-US" dirty="0"/>
+              <a:t>Input , Output and Processing for Humans</a:t>
+            </a:r>
+          </a:p>
+        </p:txBody>
+      </p:sp>
+      <p:sp>
+        <p:nvSpPr>
+          <p:cNvPr id="3" name="Content Placeholder 2">
+            <a:extLst>
+              <a:ext uri="{FF2B5EF4-FFF2-40B4-BE49-F238E27FC236}">
+                <a16:creationId xmlns:a16="http://schemas.microsoft.com/office/drawing/2014/main" id="{1EAEABAD-57C8-5AA9-B61C-AB1BFC0EAB6B}"/>
+              </a:ext>
+            </a:extLst>
+          </p:cNvPr>
+          <p:cNvSpPr>
+            <a:spLocks noGrp="1"/>
+          </p:cNvSpPr>
+          <p:nvPr>
+            <p:ph idx="1"/>
+          </p:nvPr>
+        </p:nvSpPr>
+        <p:spPr/>
+        <p:txBody>
+          <a:bodyPr/>
+          <a:lstStyle/>
+          <a:p>
+            <a:r>
+              <a:rPr lang="en-US" dirty="0"/>
+              <a:t>Speech </a:t>
+            </a:r>
+          </a:p>
+          <a:p>
+            <a:pPr lvl="1"/>
+            <a:r>
+              <a:rPr lang="en-US" dirty="0"/>
+              <a:t>Process </a:t>
+            </a:r>
+            <a:r>
+              <a:rPr lang="en-US" dirty="0">
+                <a:sym typeface="Wingdings" panose="05000000000000000000" pitchFamily="2" charset="2"/>
+              </a:rPr>
+              <a:t></a:t>
+            </a:r>
+            <a:r>
+              <a:rPr lang="en-US" dirty="0"/>
+              <a:t>Speak  </a:t>
+            </a:r>
+            <a:r>
+              <a:rPr lang="en-US" dirty="0">
+                <a:sym typeface="Wingdings" panose="05000000000000000000" pitchFamily="2" charset="2"/>
+              </a:rPr>
+              <a:t>L</a:t>
+            </a:r>
+            <a:r>
+              <a:rPr lang="en-US" dirty="0"/>
+              <a:t>isten</a:t>
+            </a:r>
+          </a:p>
+          <a:p>
+            <a:r>
+              <a:rPr lang="en-US" dirty="0"/>
+              <a:t>Book</a:t>
+            </a:r>
+          </a:p>
+          <a:p>
+            <a:pPr lvl="1"/>
+            <a:r>
+              <a:rPr lang="en-US" dirty="0"/>
+              <a:t>Read </a:t>
+            </a:r>
+            <a:r>
+              <a:rPr lang="en-US" dirty="0">
+                <a:sym typeface="Wingdings" panose="05000000000000000000" pitchFamily="2" charset="2"/>
+              </a:rPr>
+              <a:t></a:t>
+            </a:r>
+            <a:r>
+              <a:rPr lang="en-US" dirty="0"/>
+              <a:t>Process </a:t>
+            </a:r>
+            <a:r>
+              <a:rPr lang="en-US" dirty="0">
+                <a:sym typeface="Wingdings" panose="05000000000000000000" pitchFamily="2" charset="2"/>
+              </a:rPr>
+              <a:t> Memorize</a:t>
+            </a:r>
+            <a:endParaRPr lang="en-US" dirty="0"/>
+          </a:p>
+          <a:p>
+            <a:r>
+              <a:rPr lang="en-US" dirty="0"/>
+              <a:t>Conversation </a:t>
+            </a:r>
+          </a:p>
+          <a:p>
+            <a:pPr lvl="1"/>
+            <a:r>
+              <a:rPr lang="en-US" dirty="0"/>
+              <a:t>Listen </a:t>
+            </a:r>
+            <a:r>
+              <a:rPr lang="en-US" dirty="0">
+                <a:sym typeface="Wingdings" panose="05000000000000000000" pitchFamily="2" charset="2"/>
+              </a:rPr>
+              <a:t> Speak Listen Speak ….</a:t>
+            </a:r>
+            <a:endParaRPr lang="en-US" dirty="0"/>
+          </a:p>
+        </p:txBody>
+      </p:sp>
+      <p:sp>
+        <p:nvSpPr>
+          <p:cNvPr id="4" name="Footer Placeholder 3">
+            <a:extLst>
+              <a:ext uri="{FF2B5EF4-FFF2-40B4-BE49-F238E27FC236}">
+                <a16:creationId xmlns:a16="http://schemas.microsoft.com/office/drawing/2014/main" id="{06283DE3-0D9A-C177-82DC-2D37F3AC27A7}"/>
+              </a:ext>
+            </a:extLst>
+          </p:cNvPr>
+          <p:cNvSpPr>
+            <a:spLocks noGrp="1"/>
+          </p:cNvSpPr>
+          <p:nvPr>
+            <p:ph type="ftr" sz="quarter" idx="11"/>
+          </p:nvPr>
+        </p:nvSpPr>
+        <p:spPr/>
+        <p:txBody>
+          <a:bodyPr/>
+          <a:lstStyle/>
+          <a:p>
+            <a:r>
+              <a:rPr lang="en-US"/>
+              <a:t>Week 3</a:t>
+            </a:r>
+          </a:p>
+        </p:txBody>
+      </p:sp>
+    </p:spTree>
+    <p:extLst>
+      <p:ext uri="{BB962C8B-B14F-4D97-AF65-F5344CB8AC3E}">
+        <p14:creationId xmlns:p14="http://schemas.microsoft.com/office/powerpoint/2010/main" val="2053379662"/>
+      </p:ext>
+    </p:extLst>
+  </p:cSld>
+  <p:clrMapOvr>
+    <a:masterClrMapping/>
+  </p:clrMapOvr>
+</p:sld>
+</file>
+
+<file path=ppt/slides/slide19.xml><?xml version="1.0" encoding="utf-8"?>
+<p:sld xmlns:a="http://schemas.openxmlformats.org/drawingml/2006/main" xmlns:r="http://schemas.openxmlformats.org/officeDocument/2006/relationships" xmlns:p="http://schemas.openxmlformats.org/presentationml/2006/main">
+  <p:cSld>
+    <p:spTree>
+      <p:nvGrpSpPr>
+        <p:cNvPr id="1" name=""/>
+        <p:cNvGrpSpPr/>
+        <p:nvPr/>
+      </p:nvGrpSpPr>
+      <p:grpSpPr>
+        <a:xfrm>
+          <a:off x="0" y="0"/>
+          <a:ext cx="0" cy="0"/>
+          <a:chOff x="0" y="0"/>
+          <a:chExt cx="0" cy="0"/>
+        </a:xfrm>
+      </p:grpSpPr>
+      <p:sp>
+        <p:nvSpPr>
+          <p:cNvPr id="2" name="Title 1">
+            <a:extLst>
+              <a:ext uri="{FF2B5EF4-FFF2-40B4-BE49-F238E27FC236}">
+                <a16:creationId xmlns:a16="http://schemas.microsoft.com/office/drawing/2014/main" id="{6BD1CB75-5CD6-20EF-7219-A6065D9FA239}"/>
+              </a:ext>
+            </a:extLst>
+          </p:cNvPr>
+          <p:cNvSpPr>
+            <a:spLocks noGrp="1"/>
+          </p:cNvSpPr>
+          <p:nvPr>
+            <p:ph type="title"/>
+          </p:nvPr>
+        </p:nvSpPr>
+        <p:spPr/>
+        <p:txBody>
+          <a:bodyPr/>
+          <a:lstStyle/>
+          <a:p>
+            <a:r>
+              <a:rPr lang="en-US" dirty="0"/>
+              <a:t>I/O and processing for Computers</a:t>
+            </a:r>
+          </a:p>
+        </p:txBody>
+      </p:sp>
+      <p:sp>
+        <p:nvSpPr>
+          <p:cNvPr id="3" name="Content Placeholder 2">
+            <a:extLst>
+              <a:ext uri="{FF2B5EF4-FFF2-40B4-BE49-F238E27FC236}">
+                <a16:creationId xmlns:a16="http://schemas.microsoft.com/office/drawing/2014/main" id="{C4899BA1-8B22-2B6E-6711-B96BA4087957}"/>
+              </a:ext>
+            </a:extLst>
+          </p:cNvPr>
+          <p:cNvSpPr>
+            <a:spLocks noGrp="1"/>
+          </p:cNvSpPr>
+          <p:nvPr>
+            <p:ph idx="1"/>
+          </p:nvPr>
+        </p:nvSpPr>
+        <p:spPr/>
+        <p:txBody>
+          <a:bodyPr/>
+          <a:lstStyle/>
+          <a:p>
+            <a:r>
+              <a:rPr lang="en-US" dirty="0"/>
+              <a:t>Video games </a:t>
+            </a:r>
+          </a:p>
+          <a:p>
+            <a:pPr lvl="1"/>
+            <a:r>
+              <a:rPr lang="en-US" dirty="0"/>
+              <a:t>Input (controllers) </a:t>
+            </a:r>
+            <a:r>
+              <a:rPr lang="en-US" dirty="0">
+                <a:sym typeface="Wingdings" panose="05000000000000000000" pitchFamily="2" charset="2"/>
+              </a:rPr>
+              <a:t></a:t>
+            </a:r>
+            <a:r>
+              <a:rPr lang="en-US" dirty="0"/>
+              <a:t>Process  </a:t>
+            </a:r>
+            <a:r>
+              <a:rPr lang="en-US" dirty="0">
+                <a:sym typeface="Wingdings" panose="05000000000000000000" pitchFamily="2" charset="2"/>
+              </a:rPr>
+              <a:t></a:t>
+            </a:r>
+            <a:r>
+              <a:rPr lang="en-US" dirty="0"/>
+              <a:t>Output (Screen)</a:t>
+            </a:r>
+          </a:p>
+          <a:p>
+            <a:r>
+              <a:rPr lang="en-US" dirty="0"/>
+              <a:t>Movies </a:t>
+            </a:r>
+          </a:p>
+          <a:p>
+            <a:pPr lvl="1"/>
+            <a:r>
+              <a:rPr lang="en-US" dirty="0"/>
+              <a:t>Input (network) </a:t>
+            </a:r>
+            <a:r>
+              <a:rPr lang="en-US" dirty="0">
+                <a:sym typeface="Wingdings" panose="05000000000000000000" pitchFamily="2" charset="2"/>
+              </a:rPr>
+              <a:t>Process  Output (visuals, audio)</a:t>
+            </a:r>
+          </a:p>
+          <a:p>
+            <a:r>
+              <a:rPr lang="en-US" dirty="0">
+                <a:sym typeface="Wingdings" panose="05000000000000000000" pitchFamily="2" charset="2"/>
+              </a:rPr>
+              <a:t>Console </a:t>
+            </a:r>
+          </a:p>
+          <a:p>
+            <a:pPr lvl="1"/>
+            <a:r>
+              <a:rPr lang="en-US" dirty="0">
+                <a:sym typeface="Wingdings" panose="05000000000000000000" pitchFamily="2" charset="2"/>
+              </a:rPr>
+              <a:t>Input(char, int, float)  Process Output (char(s), int, float)</a:t>
+            </a:r>
+          </a:p>
+        </p:txBody>
+      </p:sp>
+      <p:sp>
+        <p:nvSpPr>
+          <p:cNvPr id="4" name="Footer Placeholder 3">
+            <a:extLst>
+              <a:ext uri="{FF2B5EF4-FFF2-40B4-BE49-F238E27FC236}">
+                <a16:creationId xmlns:a16="http://schemas.microsoft.com/office/drawing/2014/main" id="{C89382A5-9D07-D206-1544-30EDACFF0B85}"/>
+              </a:ext>
+            </a:extLst>
+          </p:cNvPr>
+          <p:cNvSpPr>
+            <a:spLocks noGrp="1"/>
+          </p:cNvSpPr>
+          <p:nvPr>
+            <p:ph type="ftr" sz="quarter" idx="11"/>
+          </p:nvPr>
+        </p:nvSpPr>
+        <p:spPr/>
+        <p:txBody>
+          <a:bodyPr/>
+          <a:lstStyle/>
+          <a:p>
+            <a:r>
+              <a:rPr lang="en-US"/>
+              <a:t>Week 3</a:t>
+            </a:r>
+          </a:p>
+        </p:txBody>
+      </p:sp>
+    </p:spTree>
+    <p:extLst>
+      <p:ext uri="{BB962C8B-B14F-4D97-AF65-F5344CB8AC3E}">
+        <p14:creationId xmlns:p14="http://schemas.microsoft.com/office/powerpoint/2010/main" val="1837238020"/>
       </p:ext>
     </p:extLst>
   </p:cSld>
@@ -6912,10 +7894,3969 @@
           </a:p>
         </p:txBody>
       </p:sp>
+      <p:sp>
+        <p:nvSpPr>
+          <p:cNvPr id="5" name="Footer Placeholder 4">
+            <a:extLst>
+              <a:ext uri="{FF2B5EF4-FFF2-40B4-BE49-F238E27FC236}">
+                <a16:creationId xmlns:a16="http://schemas.microsoft.com/office/drawing/2014/main" id="{7D25A585-6BDC-2F90-FDFB-576C1BD1374F}"/>
+              </a:ext>
+            </a:extLst>
+          </p:cNvPr>
+          <p:cNvSpPr>
+            <a:spLocks noGrp="1"/>
+          </p:cNvSpPr>
+          <p:nvPr>
+            <p:ph type="ftr" sz="quarter" idx="11"/>
+          </p:nvPr>
+        </p:nvSpPr>
+        <p:spPr/>
+        <p:txBody>
+          <a:bodyPr/>
+          <a:lstStyle/>
+          <a:p>
+            <a:r>
+              <a:rPr lang="en-US"/>
+              <a:t>Week 1</a:t>
+            </a:r>
+          </a:p>
+        </p:txBody>
+      </p:sp>
     </p:spTree>
     <p:extLst>
       <p:ext uri="{BB962C8B-B14F-4D97-AF65-F5344CB8AC3E}">
         <p14:creationId xmlns:p14="http://schemas.microsoft.com/office/powerpoint/2010/main" val="707790788"/>
+      </p:ext>
+    </p:extLst>
+  </p:cSld>
+  <p:clrMapOvr>
+    <a:masterClrMapping/>
+  </p:clrMapOvr>
+</p:sld>
+</file>
+
+<file path=ppt/slides/slide20.xml><?xml version="1.0" encoding="utf-8"?>
+<p:sld xmlns:a="http://schemas.openxmlformats.org/drawingml/2006/main" xmlns:r="http://schemas.openxmlformats.org/officeDocument/2006/relationships" xmlns:p="http://schemas.openxmlformats.org/presentationml/2006/main">
+  <p:cSld>
+    <p:spTree>
+      <p:nvGrpSpPr>
+        <p:cNvPr id="1" name=""/>
+        <p:cNvGrpSpPr/>
+        <p:nvPr/>
+      </p:nvGrpSpPr>
+      <p:grpSpPr>
+        <a:xfrm>
+          <a:off x="0" y="0"/>
+          <a:ext cx="0" cy="0"/>
+          <a:chOff x="0" y="0"/>
+          <a:chExt cx="0" cy="0"/>
+        </a:xfrm>
+      </p:grpSpPr>
+      <p:sp>
+        <p:nvSpPr>
+          <p:cNvPr id="2" name="Title 1">
+            <a:extLst>
+              <a:ext uri="{FF2B5EF4-FFF2-40B4-BE49-F238E27FC236}">
+                <a16:creationId xmlns:a16="http://schemas.microsoft.com/office/drawing/2014/main" id="{AD5ACA65-11E3-9741-5B3D-A4814F194DA1}"/>
+              </a:ext>
+            </a:extLst>
+          </p:cNvPr>
+          <p:cNvSpPr>
+            <a:spLocks noGrp="1"/>
+          </p:cNvSpPr>
+          <p:nvPr>
+            <p:ph type="title"/>
+          </p:nvPr>
+        </p:nvSpPr>
+        <p:spPr/>
+        <p:txBody>
+          <a:bodyPr/>
+          <a:lstStyle/>
+          <a:p>
+            <a:r>
+              <a:rPr lang="en-US" dirty="0"/>
+              <a:t>Standard Input </a:t>
+            </a:r>
+          </a:p>
+        </p:txBody>
+      </p:sp>
+      <p:sp>
+        <p:nvSpPr>
+          <p:cNvPr id="3" name="Content Placeholder 2">
+            <a:extLst>
+              <a:ext uri="{FF2B5EF4-FFF2-40B4-BE49-F238E27FC236}">
+                <a16:creationId xmlns:a16="http://schemas.microsoft.com/office/drawing/2014/main" id="{C83E99E3-82CB-C1F8-26A9-2DC15AAA6BB3}"/>
+              </a:ext>
+            </a:extLst>
+          </p:cNvPr>
+          <p:cNvSpPr>
+            <a:spLocks noGrp="1"/>
+          </p:cNvSpPr>
+          <p:nvPr>
+            <p:ph idx="1"/>
+          </p:nvPr>
+        </p:nvSpPr>
+        <p:spPr/>
+        <p:txBody>
+          <a:bodyPr/>
+          <a:lstStyle/>
+          <a:p>
+            <a:r>
+              <a:rPr lang="en-US" dirty="0" err="1"/>
+              <a:t>cin</a:t>
+            </a:r>
+            <a:endParaRPr lang="en-US" dirty="0"/>
+          </a:p>
+          <a:p>
+            <a:pPr lvl="1"/>
+            <a:r>
+              <a:rPr lang="en-US" dirty="0"/>
+              <a:t>Read data from keyboard</a:t>
+            </a:r>
+          </a:p>
+          <a:p>
+            <a:pPr lvl="1"/>
+            <a:r>
+              <a:rPr lang="en-US" dirty="0"/>
+              <a:t>Store it in variables</a:t>
+            </a:r>
+          </a:p>
+          <a:p>
+            <a:r>
+              <a:rPr lang="en-US" dirty="0"/>
+              <a:t>Extraction operator </a:t>
+            </a:r>
+          </a:p>
+          <a:p>
+            <a:pPr lvl="1"/>
+            <a:r>
+              <a:rPr lang="en-US" dirty="0"/>
+              <a:t>&gt;&gt;</a:t>
+            </a:r>
+          </a:p>
+          <a:p>
+            <a:r>
+              <a:rPr lang="en-US" dirty="0"/>
+              <a:t>Can use multiple data types ( char, int, float , …)</a:t>
+            </a:r>
+          </a:p>
+          <a:p>
+            <a:r>
+              <a:rPr lang="en-US" dirty="0"/>
+              <a:t>Example</a:t>
+            </a:r>
+          </a:p>
+          <a:p>
+            <a:pPr lvl="1"/>
+            <a:r>
+              <a:rPr lang="en-US" dirty="0"/>
+              <a:t>int age;</a:t>
+            </a:r>
+          </a:p>
+          <a:p>
+            <a:pPr lvl="1"/>
+            <a:r>
+              <a:rPr lang="en-US" dirty="0" err="1"/>
+              <a:t>cin</a:t>
+            </a:r>
+            <a:r>
+              <a:rPr lang="en-US" dirty="0"/>
+              <a:t> &gt;&gt; age;</a:t>
+            </a:r>
+            <a:br>
+              <a:rPr lang="en-US" dirty="0"/>
+            </a:br>
+            <a:endParaRPr lang="en-US" dirty="0"/>
+          </a:p>
+          <a:p>
+            <a:pPr lvl="1"/>
+            <a:endParaRPr lang="en-US" dirty="0"/>
+          </a:p>
+        </p:txBody>
+      </p:sp>
+      <p:sp>
+        <p:nvSpPr>
+          <p:cNvPr id="4" name="Footer Placeholder 3">
+            <a:extLst>
+              <a:ext uri="{FF2B5EF4-FFF2-40B4-BE49-F238E27FC236}">
+                <a16:creationId xmlns:a16="http://schemas.microsoft.com/office/drawing/2014/main" id="{841E8EF1-0F06-C338-BF29-D4BD4090915A}"/>
+              </a:ext>
+            </a:extLst>
+          </p:cNvPr>
+          <p:cNvSpPr>
+            <a:spLocks noGrp="1"/>
+          </p:cNvSpPr>
+          <p:nvPr>
+            <p:ph type="ftr" sz="quarter" idx="11"/>
+          </p:nvPr>
+        </p:nvSpPr>
+        <p:spPr/>
+        <p:txBody>
+          <a:bodyPr/>
+          <a:lstStyle/>
+          <a:p>
+            <a:r>
+              <a:rPr lang="en-US"/>
+              <a:t>Week 3</a:t>
+            </a:r>
+          </a:p>
+        </p:txBody>
+      </p:sp>
+    </p:spTree>
+    <p:extLst>
+      <p:ext uri="{BB962C8B-B14F-4D97-AF65-F5344CB8AC3E}">
+        <p14:creationId xmlns:p14="http://schemas.microsoft.com/office/powerpoint/2010/main" val="1300548389"/>
+      </p:ext>
+    </p:extLst>
+  </p:cSld>
+  <p:clrMapOvr>
+    <a:masterClrMapping/>
+  </p:clrMapOvr>
+</p:sld>
+</file>
+
+<file path=ppt/slides/slide21.xml><?xml version="1.0" encoding="utf-8"?>
+<p:sld xmlns:a="http://schemas.openxmlformats.org/drawingml/2006/main" xmlns:r="http://schemas.openxmlformats.org/officeDocument/2006/relationships" xmlns:p="http://schemas.openxmlformats.org/presentationml/2006/main">
+  <p:cSld>
+    <p:spTree>
+      <p:nvGrpSpPr>
+        <p:cNvPr id="1" name=""/>
+        <p:cNvGrpSpPr/>
+        <p:nvPr/>
+      </p:nvGrpSpPr>
+      <p:grpSpPr>
+        <a:xfrm>
+          <a:off x="0" y="0"/>
+          <a:ext cx="0" cy="0"/>
+          <a:chOff x="0" y="0"/>
+          <a:chExt cx="0" cy="0"/>
+        </a:xfrm>
+      </p:grpSpPr>
+      <p:sp>
+        <p:nvSpPr>
+          <p:cNvPr id="2" name="Title 1">
+            <a:extLst>
+              <a:ext uri="{FF2B5EF4-FFF2-40B4-BE49-F238E27FC236}">
+                <a16:creationId xmlns:a16="http://schemas.microsoft.com/office/drawing/2014/main" id="{FBEEAF88-59CE-F3D8-3021-9A22E93FEF55}"/>
+              </a:ext>
+            </a:extLst>
+          </p:cNvPr>
+          <p:cNvSpPr>
+            <a:spLocks noGrp="1"/>
+          </p:cNvSpPr>
+          <p:nvPr>
+            <p:ph type="title"/>
+          </p:nvPr>
+        </p:nvSpPr>
+        <p:spPr/>
+        <p:txBody>
+          <a:bodyPr/>
+          <a:lstStyle/>
+          <a:p>
+            <a:r>
+              <a:rPr lang="en-US" dirty="0"/>
+              <a:t>Standard Output</a:t>
+            </a:r>
+          </a:p>
+        </p:txBody>
+      </p:sp>
+      <p:sp>
+        <p:nvSpPr>
+          <p:cNvPr id="3" name="Content Placeholder 2">
+            <a:extLst>
+              <a:ext uri="{FF2B5EF4-FFF2-40B4-BE49-F238E27FC236}">
+                <a16:creationId xmlns:a16="http://schemas.microsoft.com/office/drawing/2014/main" id="{204C9D8D-2C08-44C3-8A6B-5ABFD2C1BA5B}"/>
+              </a:ext>
+            </a:extLst>
+          </p:cNvPr>
+          <p:cNvSpPr>
+            <a:spLocks noGrp="1"/>
+          </p:cNvSpPr>
+          <p:nvPr>
+            <p:ph idx="1"/>
+          </p:nvPr>
+        </p:nvSpPr>
+        <p:spPr/>
+        <p:txBody>
+          <a:bodyPr/>
+          <a:lstStyle/>
+          <a:p>
+            <a:r>
+              <a:rPr lang="en-US" dirty="0" err="1"/>
+              <a:t>cout</a:t>
+            </a:r>
+            <a:r>
+              <a:rPr lang="en-US" dirty="0"/>
+              <a:t> </a:t>
+            </a:r>
+          </a:p>
+          <a:p>
+            <a:pPr lvl="1"/>
+            <a:r>
+              <a:rPr lang="en-US" dirty="0"/>
+              <a:t>Write data to console/Screen</a:t>
+            </a:r>
+          </a:p>
+          <a:p>
+            <a:pPr lvl="1"/>
+            <a:r>
+              <a:rPr lang="en-US" dirty="0"/>
+              <a:t>Reads from memory</a:t>
+            </a:r>
+          </a:p>
+          <a:p>
+            <a:r>
+              <a:rPr lang="en-US" dirty="0"/>
+              <a:t>Insertion operator </a:t>
+            </a:r>
+          </a:p>
+          <a:p>
+            <a:pPr lvl="1"/>
+            <a:r>
+              <a:rPr lang="en-US" dirty="0"/>
+              <a:t>&lt;&lt;</a:t>
+            </a:r>
+          </a:p>
+          <a:p>
+            <a:r>
+              <a:rPr lang="en-US" dirty="0"/>
+              <a:t>Can use multiple data types(variables, literals, constants)</a:t>
+            </a:r>
+          </a:p>
+          <a:p>
+            <a:r>
+              <a:rPr lang="en-US" dirty="0"/>
+              <a:t>Example </a:t>
+            </a:r>
+          </a:p>
+          <a:p>
+            <a:pPr lvl="1"/>
+            <a:r>
+              <a:rPr lang="en-US" dirty="0"/>
+              <a:t>int age = 172;</a:t>
+            </a:r>
+          </a:p>
+          <a:p>
+            <a:pPr lvl="1"/>
+            <a:r>
+              <a:rPr lang="en-US" dirty="0" err="1"/>
+              <a:t>cout</a:t>
+            </a:r>
+            <a:r>
+              <a:rPr lang="en-US" dirty="0"/>
+              <a:t> &lt;&lt; age;</a:t>
+            </a:r>
+            <a:br>
+              <a:rPr lang="en-US" dirty="0"/>
+            </a:br>
+            <a:endParaRPr lang="en-US" dirty="0"/>
+          </a:p>
+          <a:p>
+            <a:pPr lvl="1"/>
+            <a:endParaRPr lang="en-US" dirty="0"/>
+          </a:p>
+          <a:p>
+            <a:pPr lvl="1"/>
+            <a:endParaRPr lang="en-US" dirty="0"/>
+          </a:p>
+        </p:txBody>
+      </p:sp>
+      <p:sp>
+        <p:nvSpPr>
+          <p:cNvPr id="4" name="Footer Placeholder 3">
+            <a:extLst>
+              <a:ext uri="{FF2B5EF4-FFF2-40B4-BE49-F238E27FC236}">
+                <a16:creationId xmlns:a16="http://schemas.microsoft.com/office/drawing/2014/main" id="{CD721593-33DF-47B8-2965-876031C673DD}"/>
+              </a:ext>
+            </a:extLst>
+          </p:cNvPr>
+          <p:cNvSpPr>
+            <a:spLocks noGrp="1"/>
+          </p:cNvSpPr>
+          <p:nvPr>
+            <p:ph type="ftr" sz="quarter" idx="11"/>
+          </p:nvPr>
+        </p:nvSpPr>
+        <p:spPr/>
+        <p:txBody>
+          <a:bodyPr/>
+          <a:lstStyle/>
+          <a:p>
+            <a:r>
+              <a:rPr lang="en-US"/>
+              <a:t>Week 3</a:t>
+            </a:r>
+          </a:p>
+        </p:txBody>
+      </p:sp>
+    </p:spTree>
+    <p:extLst>
+      <p:ext uri="{BB962C8B-B14F-4D97-AF65-F5344CB8AC3E}">
+        <p14:creationId xmlns:p14="http://schemas.microsoft.com/office/powerpoint/2010/main" val="3766364398"/>
+      </p:ext>
+    </p:extLst>
+  </p:cSld>
+  <p:clrMapOvr>
+    <a:masterClrMapping/>
+  </p:clrMapOvr>
+</p:sld>
+</file>
+
+<file path=ppt/slides/slide22.xml><?xml version="1.0" encoding="utf-8"?>
+<p:sld xmlns:a="http://schemas.openxmlformats.org/drawingml/2006/main" xmlns:r="http://schemas.openxmlformats.org/officeDocument/2006/relationships" xmlns:p="http://schemas.openxmlformats.org/presentationml/2006/main">
+  <p:cSld>
+    <p:spTree>
+      <p:nvGrpSpPr>
+        <p:cNvPr id="1" name=""/>
+        <p:cNvGrpSpPr/>
+        <p:nvPr/>
+      </p:nvGrpSpPr>
+      <p:grpSpPr>
+        <a:xfrm>
+          <a:off x="0" y="0"/>
+          <a:ext cx="0" cy="0"/>
+          <a:chOff x="0" y="0"/>
+          <a:chExt cx="0" cy="0"/>
+        </a:xfrm>
+      </p:grpSpPr>
+      <p:sp>
+        <p:nvSpPr>
+          <p:cNvPr id="2" name="Title 1">
+            <a:extLst>
+              <a:ext uri="{FF2B5EF4-FFF2-40B4-BE49-F238E27FC236}">
+                <a16:creationId xmlns:a16="http://schemas.microsoft.com/office/drawing/2014/main" id="{F2661F75-1E62-8677-6D5A-0C3FA4D7F18B}"/>
+              </a:ext>
+            </a:extLst>
+          </p:cNvPr>
+          <p:cNvSpPr>
+            <a:spLocks noGrp="1"/>
+          </p:cNvSpPr>
+          <p:nvPr>
+            <p:ph type="title"/>
+          </p:nvPr>
+        </p:nvSpPr>
+        <p:spPr/>
+        <p:txBody>
+          <a:bodyPr/>
+          <a:lstStyle/>
+          <a:p>
+            <a:r>
+              <a:rPr lang="en-US" dirty="0"/>
+              <a:t>Operators &gt;&gt;,&lt;&lt;</a:t>
+            </a:r>
+          </a:p>
+        </p:txBody>
+      </p:sp>
+      <p:sp>
+        <p:nvSpPr>
+          <p:cNvPr id="3" name="Content Placeholder 2">
+            <a:extLst>
+              <a:ext uri="{FF2B5EF4-FFF2-40B4-BE49-F238E27FC236}">
+                <a16:creationId xmlns:a16="http://schemas.microsoft.com/office/drawing/2014/main" id="{FCE42FBE-1CE8-9A89-1CD2-C667240436DB}"/>
+              </a:ext>
+            </a:extLst>
+          </p:cNvPr>
+          <p:cNvSpPr>
+            <a:spLocks noGrp="1"/>
+          </p:cNvSpPr>
+          <p:nvPr>
+            <p:ph idx="1"/>
+          </p:nvPr>
+        </p:nvSpPr>
+        <p:spPr/>
+        <p:txBody>
+          <a:bodyPr/>
+          <a:lstStyle/>
+          <a:p>
+            <a:r>
+              <a:rPr lang="en-US" dirty="0"/>
+              <a:t>Extraction and Insertion operators </a:t>
+            </a:r>
+          </a:p>
+          <a:p>
+            <a:r>
+              <a:rPr lang="en-US" dirty="0"/>
+              <a:t>Can be cascaded </a:t>
+            </a:r>
+          </a:p>
+          <a:p>
+            <a:pPr lvl="1"/>
+            <a:r>
+              <a:rPr lang="en-US" dirty="0" err="1"/>
+              <a:t>cin</a:t>
+            </a:r>
+            <a:r>
+              <a:rPr lang="en-US" dirty="0"/>
+              <a:t> &gt;&gt;age &gt;&gt; name;</a:t>
+            </a:r>
+          </a:p>
+          <a:p>
+            <a:pPr lvl="1"/>
+            <a:r>
+              <a:rPr lang="en-US" dirty="0" err="1"/>
+              <a:t>cout</a:t>
+            </a:r>
+            <a:r>
+              <a:rPr lang="en-US" dirty="0"/>
+              <a:t>&lt;&lt;age &lt;&lt; name;</a:t>
+            </a:r>
+          </a:p>
+          <a:p>
+            <a:r>
+              <a:rPr lang="en-US" dirty="0"/>
+              <a:t>&lt;&lt; works with stream modifiers</a:t>
+            </a:r>
+          </a:p>
+          <a:p>
+            <a:pPr lvl="1"/>
+            <a:r>
+              <a:rPr lang="en-US" dirty="0"/>
+              <a:t>“\n” : newline </a:t>
+            </a:r>
+          </a:p>
+          <a:p>
+            <a:pPr lvl="2"/>
+            <a:r>
+              <a:rPr lang="en-US" dirty="0" err="1"/>
+              <a:t>cout</a:t>
+            </a:r>
+            <a:r>
+              <a:rPr lang="en-US" dirty="0"/>
+              <a:t> &lt;&lt;“\n”; //moves the cursor to new line</a:t>
+            </a:r>
+          </a:p>
+          <a:p>
+            <a:pPr lvl="1"/>
+            <a:r>
+              <a:rPr lang="en-US" dirty="0"/>
+              <a:t>Or </a:t>
+            </a:r>
+            <a:br>
+              <a:rPr lang="en-US" dirty="0"/>
+            </a:br>
+            <a:r>
+              <a:rPr lang="en-US" dirty="0" err="1"/>
+              <a:t>cout</a:t>
+            </a:r>
+            <a:r>
+              <a:rPr lang="en-US" dirty="0"/>
+              <a:t> &lt;&lt;</a:t>
+            </a:r>
+            <a:r>
+              <a:rPr lang="en-US" dirty="0" err="1"/>
+              <a:t>endl</a:t>
+            </a:r>
+            <a:r>
+              <a:rPr lang="en-US" dirty="0"/>
+              <a:t>; //Same visual effect as “\n” but is different</a:t>
+            </a:r>
+          </a:p>
+          <a:p>
+            <a:pPr lvl="1"/>
+            <a:r>
+              <a:rPr lang="en-US" dirty="0"/>
+              <a:t>(there are other stream modifiers too)</a:t>
+            </a:r>
+          </a:p>
+          <a:p>
+            <a:endParaRPr lang="en-US" dirty="0"/>
+          </a:p>
+          <a:p>
+            <a:pPr lvl="1"/>
+            <a:endParaRPr lang="en-US" dirty="0"/>
+          </a:p>
+          <a:p>
+            <a:pPr lvl="1"/>
+            <a:endParaRPr lang="en-US" dirty="0"/>
+          </a:p>
+        </p:txBody>
+      </p:sp>
+      <p:sp>
+        <p:nvSpPr>
+          <p:cNvPr id="4" name="Footer Placeholder 3">
+            <a:extLst>
+              <a:ext uri="{FF2B5EF4-FFF2-40B4-BE49-F238E27FC236}">
+                <a16:creationId xmlns:a16="http://schemas.microsoft.com/office/drawing/2014/main" id="{FE3FC915-75C0-D0B1-3A14-5AE42CF1BF13}"/>
+              </a:ext>
+            </a:extLst>
+          </p:cNvPr>
+          <p:cNvSpPr>
+            <a:spLocks noGrp="1"/>
+          </p:cNvSpPr>
+          <p:nvPr>
+            <p:ph type="ftr" sz="quarter" idx="11"/>
+          </p:nvPr>
+        </p:nvSpPr>
+        <p:spPr/>
+        <p:txBody>
+          <a:bodyPr/>
+          <a:lstStyle/>
+          <a:p>
+            <a:r>
+              <a:rPr lang="en-US"/>
+              <a:t>Week 3</a:t>
+            </a:r>
+          </a:p>
+        </p:txBody>
+      </p:sp>
+    </p:spTree>
+    <p:extLst>
+      <p:ext uri="{BB962C8B-B14F-4D97-AF65-F5344CB8AC3E}">
+        <p14:creationId xmlns:p14="http://schemas.microsoft.com/office/powerpoint/2010/main" val="107023751"/>
+      </p:ext>
+    </p:extLst>
+  </p:cSld>
+  <p:clrMapOvr>
+    <a:masterClrMapping/>
+  </p:clrMapOvr>
+</p:sld>
+</file>
+
+<file path=ppt/slides/slide23.xml><?xml version="1.0" encoding="utf-8"?>
+<p:sld xmlns:a="http://schemas.openxmlformats.org/drawingml/2006/main" xmlns:r="http://schemas.openxmlformats.org/officeDocument/2006/relationships" xmlns:p="http://schemas.openxmlformats.org/presentationml/2006/main">
+  <p:cSld>
+    <p:spTree>
+      <p:nvGrpSpPr>
+        <p:cNvPr id="1" name=""/>
+        <p:cNvGrpSpPr/>
+        <p:nvPr/>
+      </p:nvGrpSpPr>
+      <p:grpSpPr>
+        <a:xfrm>
+          <a:off x="0" y="0"/>
+          <a:ext cx="0" cy="0"/>
+          <a:chOff x="0" y="0"/>
+          <a:chExt cx="0" cy="0"/>
+        </a:xfrm>
+      </p:grpSpPr>
+      <p:sp>
+        <p:nvSpPr>
+          <p:cNvPr id="2" name="Title 1">
+            <a:extLst>
+              <a:ext uri="{FF2B5EF4-FFF2-40B4-BE49-F238E27FC236}">
+                <a16:creationId xmlns:a16="http://schemas.microsoft.com/office/drawing/2014/main" id="{6C7A0D4E-A35E-A5AA-3E6D-1F5E7C5A0C6B}"/>
+              </a:ext>
+            </a:extLst>
+          </p:cNvPr>
+          <p:cNvSpPr>
+            <a:spLocks noGrp="1"/>
+          </p:cNvSpPr>
+          <p:nvPr>
+            <p:ph type="title"/>
+          </p:nvPr>
+        </p:nvSpPr>
+        <p:spPr/>
+        <p:txBody>
+          <a:bodyPr/>
+          <a:lstStyle/>
+          <a:p>
+            <a:r>
+              <a:rPr lang="en-US" dirty="0"/>
+              <a:t>Lab</a:t>
+            </a:r>
+          </a:p>
+        </p:txBody>
+      </p:sp>
+      <p:sp>
+        <p:nvSpPr>
+          <p:cNvPr id="3" name="Content Placeholder 2">
+            <a:extLst>
+              <a:ext uri="{FF2B5EF4-FFF2-40B4-BE49-F238E27FC236}">
+                <a16:creationId xmlns:a16="http://schemas.microsoft.com/office/drawing/2014/main" id="{DDC5F3B9-458B-4D9D-2A33-70A3D4DF24F0}"/>
+              </a:ext>
+            </a:extLst>
+          </p:cNvPr>
+          <p:cNvSpPr>
+            <a:spLocks noGrp="1"/>
+          </p:cNvSpPr>
+          <p:nvPr>
+            <p:ph idx="1"/>
+          </p:nvPr>
+        </p:nvSpPr>
+        <p:spPr/>
+        <p:txBody>
+          <a:bodyPr>
+            <a:normAutofit lnSpcReduction="10000"/>
+          </a:bodyPr>
+          <a:lstStyle/>
+          <a:p>
+            <a:r>
+              <a:rPr lang="en-US" dirty="0"/>
+              <a:t>Using Cin ( </a:t>
+            </a:r>
+            <a:r>
+              <a:rPr lang="en-US" sz="1800" dirty="0"/>
+              <a:t>Hint: define a variable first</a:t>
+            </a:r>
+            <a:r>
+              <a:rPr lang="en-US" dirty="0"/>
+              <a:t>)</a:t>
+            </a:r>
+          </a:p>
+          <a:p>
+            <a:pPr lvl="1"/>
+            <a:r>
+              <a:rPr lang="en-US" dirty="0"/>
+              <a:t>Input a character (char)</a:t>
+            </a:r>
+          </a:p>
+          <a:p>
+            <a:pPr lvl="1"/>
+            <a:r>
+              <a:rPr lang="en-US" dirty="0"/>
+              <a:t>Input an integer(int) </a:t>
+            </a:r>
+          </a:p>
+          <a:p>
+            <a:pPr lvl="1"/>
+            <a:r>
+              <a:rPr lang="en-US" dirty="0"/>
+              <a:t>Input a decimal( float)</a:t>
+            </a:r>
+          </a:p>
+          <a:p>
+            <a:r>
+              <a:rPr lang="en-US" dirty="0"/>
+              <a:t>Using </a:t>
+            </a:r>
+            <a:r>
+              <a:rPr lang="en-US" dirty="0" err="1"/>
+              <a:t>cout</a:t>
+            </a:r>
+            <a:endParaRPr lang="en-US" dirty="0"/>
+          </a:p>
+          <a:p>
+            <a:pPr lvl="1"/>
+            <a:r>
+              <a:rPr lang="en-US" dirty="0"/>
+              <a:t>Output a character</a:t>
+            </a:r>
+          </a:p>
+          <a:p>
+            <a:pPr lvl="1"/>
+            <a:r>
+              <a:rPr lang="en-US" dirty="0"/>
+              <a:t>Output an integer</a:t>
+            </a:r>
+          </a:p>
+          <a:p>
+            <a:pPr lvl="1"/>
+            <a:r>
+              <a:rPr lang="en-US" dirty="0"/>
+              <a:t>Output a decimal. </a:t>
+            </a:r>
+          </a:p>
+          <a:p>
+            <a:r>
+              <a:rPr lang="en-US" dirty="0"/>
+              <a:t>Use </a:t>
+            </a:r>
+            <a:r>
+              <a:rPr lang="en-US" dirty="0" err="1"/>
+              <a:t>endl</a:t>
+            </a:r>
+            <a:r>
+              <a:rPr lang="en-US" dirty="0"/>
+              <a:t> and “\n”</a:t>
+            </a:r>
+          </a:p>
+          <a:p>
+            <a:r>
+              <a:rPr lang="en-US" dirty="0"/>
+              <a:t>Cascade the operators</a:t>
+            </a:r>
+          </a:p>
+          <a:p>
+            <a:pPr lvl="1"/>
+            <a:endParaRPr lang="en-US" dirty="0"/>
+          </a:p>
+          <a:p>
+            <a:pPr lvl="1"/>
+            <a:endParaRPr lang="en-US" dirty="0"/>
+          </a:p>
+        </p:txBody>
+      </p:sp>
+      <p:sp>
+        <p:nvSpPr>
+          <p:cNvPr id="4" name="Footer Placeholder 3">
+            <a:extLst>
+              <a:ext uri="{FF2B5EF4-FFF2-40B4-BE49-F238E27FC236}">
+                <a16:creationId xmlns:a16="http://schemas.microsoft.com/office/drawing/2014/main" id="{9102E3F5-A0A2-BB24-1BF9-F789F305029C}"/>
+              </a:ext>
+            </a:extLst>
+          </p:cNvPr>
+          <p:cNvSpPr>
+            <a:spLocks noGrp="1"/>
+          </p:cNvSpPr>
+          <p:nvPr>
+            <p:ph type="ftr" sz="quarter" idx="11"/>
+          </p:nvPr>
+        </p:nvSpPr>
+        <p:spPr/>
+        <p:txBody>
+          <a:bodyPr/>
+          <a:lstStyle/>
+          <a:p>
+            <a:r>
+              <a:rPr lang="en-US"/>
+              <a:t>Week 3</a:t>
+            </a:r>
+          </a:p>
+        </p:txBody>
+      </p:sp>
+    </p:spTree>
+    <p:extLst>
+      <p:ext uri="{BB962C8B-B14F-4D97-AF65-F5344CB8AC3E}">
+        <p14:creationId xmlns:p14="http://schemas.microsoft.com/office/powerpoint/2010/main" val="3712083035"/>
+      </p:ext>
+    </p:extLst>
+  </p:cSld>
+  <p:clrMapOvr>
+    <a:masterClrMapping/>
+  </p:clrMapOvr>
+</p:sld>
+</file>
+
+<file path=ppt/slides/slide24.xml><?xml version="1.0" encoding="utf-8"?>
+<p:sld xmlns:a="http://schemas.openxmlformats.org/drawingml/2006/main" xmlns:r="http://schemas.openxmlformats.org/officeDocument/2006/relationships" xmlns:p="http://schemas.openxmlformats.org/presentationml/2006/main">
+  <p:cSld>
+    <p:spTree>
+      <p:nvGrpSpPr>
+        <p:cNvPr id="1" name=""/>
+        <p:cNvGrpSpPr/>
+        <p:nvPr/>
+      </p:nvGrpSpPr>
+      <p:grpSpPr>
+        <a:xfrm>
+          <a:off x="0" y="0"/>
+          <a:ext cx="0" cy="0"/>
+          <a:chOff x="0" y="0"/>
+          <a:chExt cx="0" cy="0"/>
+        </a:xfrm>
+      </p:grpSpPr>
+      <p:sp>
+        <p:nvSpPr>
+          <p:cNvPr id="2" name="Title 1">
+            <a:extLst>
+              <a:ext uri="{FF2B5EF4-FFF2-40B4-BE49-F238E27FC236}">
+                <a16:creationId xmlns:a16="http://schemas.microsoft.com/office/drawing/2014/main" id="{7F3F2022-DBA0-F8BB-70DA-B01A01136D53}"/>
+              </a:ext>
+            </a:extLst>
+          </p:cNvPr>
+          <p:cNvSpPr>
+            <a:spLocks noGrp="1"/>
+          </p:cNvSpPr>
+          <p:nvPr>
+            <p:ph type="title"/>
+          </p:nvPr>
+        </p:nvSpPr>
+        <p:spPr/>
+        <p:txBody>
+          <a:bodyPr/>
+          <a:lstStyle/>
+          <a:p>
+            <a:r>
+              <a:rPr lang="en-US" dirty="0"/>
+              <a:t>string data type</a:t>
+            </a:r>
+          </a:p>
+        </p:txBody>
+      </p:sp>
+      <p:sp>
+        <p:nvSpPr>
+          <p:cNvPr id="3" name="Content Placeholder 2">
+            <a:extLst>
+              <a:ext uri="{FF2B5EF4-FFF2-40B4-BE49-F238E27FC236}">
+                <a16:creationId xmlns:a16="http://schemas.microsoft.com/office/drawing/2014/main" id="{12C7C63C-7B86-C453-D132-93C8AB055AC5}"/>
+              </a:ext>
+            </a:extLst>
+          </p:cNvPr>
+          <p:cNvSpPr>
+            <a:spLocks noGrp="1"/>
+          </p:cNvSpPr>
+          <p:nvPr>
+            <p:ph idx="1"/>
+          </p:nvPr>
+        </p:nvSpPr>
+        <p:spPr/>
+        <p:txBody>
+          <a:bodyPr>
+            <a:normAutofit fontScale="92500" lnSpcReduction="10000"/>
+          </a:bodyPr>
+          <a:lstStyle/>
+          <a:p>
+            <a:r>
+              <a:rPr lang="en-US" dirty="0"/>
+              <a:t>We know </a:t>
+            </a:r>
+          </a:p>
+          <a:p>
+            <a:pPr lvl="1"/>
+            <a:r>
+              <a:rPr lang="en-US" dirty="0"/>
+              <a:t>Int , float , char</a:t>
+            </a:r>
+          </a:p>
+          <a:p>
+            <a:r>
+              <a:rPr lang="en-US" dirty="0"/>
+              <a:t>string </a:t>
+            </a:r>
+          </a:p>
+          <a:p>
+            <a:pPr lvl="1"/>
+            <a:r>
+              <a:rPr lang="en-US" dirty="0"/>
+              <a:t>Derived data type, </a:t>
+            </a:r>
+          </a:p>
+          <a:p>
+            <a:pPr lvl="1"/>
+            <a:r>
+              <a:rPr lang="en-US" dirty="0"/>
+              <a:t>Useful for names, description etc. </a:t>
+            </a:r>
+          </a:p>
+          <a:p>
+            <a:r>
+              <a:rPr lang="en-US" dirty="0"/>
+              <a:t>Header </a:t>
+            </a:r>
+          </a:p>
+          <a:p>
+            <a:pPr lvl="1"/>
+            <a:r>
+              <a:rPr lang="en-US" dirty="0"/>
+              <a:t>#include&lt;string&gt;</a:t>
+            </a:r>
+          </a:p>
+          <a:p>
+            <a:r>
+              <a:rPr lang="en-US" dirty="0"/>
+              <a:t>Usage </a:t>
+            </a:r>
+          </a:p>
+          <a:p>
+            <a:pPr lvl="1"/>
+            <a:r>
+              <a:rPr lang="en-US" dirty="0"/>
+              <a:t>string name;</a:t>
+            </a:r>
+          </a:p>
+          <a:p>
+            <a:pPr lvl="1"/>
+            <a:r>
+              <a:rPr lang="en-US" dirty="0" err="1"/>
+              <a:t>cin</a:t>
+            </a:r>
+            <a:r>
+              <a:rPr lang="en-US" dirty="0"/>
+              <a:t> &gt;&gt; name;</a:t>
+            </a:r>
+          </a:p>
+          <a:p>
+            <a:pPr lvl="1"/>
+            <a:r>
+              <a:rPr lang="en-US" dirty="0" err="1"/>
+              <a:t>cout</a:t>
+            </a:r>
+            <a:r>
+              <a:rPr lang="en-US" dirty="0"/>
+              <a:t> &lt;&lt;name;</a:t>
+            </a:r>
+            <a:br>
+              <a:rPr lang="en-US" dirty="0"/>
+            </a:br>
+            <a:endParaRPr lang="en-US" dirty="0"/>
+          </a:p>
+        </p:txBody>
+      </p:sp>
+      <p:sp>
+        <p:nvSpPr>
+          <p:cNvPr id="4" name="Footer Placeholder 3">
+            <a:extLst>
+              <a:ext uri="{FF2B5EF4-FFF2-40B4-BE49-F238E27FC236}">
+                <a16:creationId xmlns:a16="http://schemas.microsoft.com/office/drawing/2014/main" id="{975DF1C2-BCB7-988E-2E18-DF5C6412B181}"/>
+              </a:ext>
+            </a:extLst>
+          </p:cNvPr>
+          <p:cNvSpPr>
+            <a:spLocks noGrp="1"/>
+          </p:cNvSpPr>
+          <p:nvPr>
+            <p:ph type="ftr" sz="quarter" idx="11"/>
+          </p:nvPr>
+        </p:nvSpPr>
+        <p:spPr/>
+        <p:txBody>
+          <a:bodyPr/>
+          <a:lstStyle/>
+          <a:p>
+            <a:r>
+              <a:rPr lang="en-US"/>
+              <a:t>Week 3</a:t>
+            </a:r>
+          </a:p>
+        </p:txBody>
+      </p:sp>
+    </p:spTree>
+    <p:extLst>
+      <p:ext uri="{BB962C8B-B14F-4D97-AF65-F5344CB8AC3E}">
+        <p14:creationId xmlns:p14="http://schemas.microsoft.com/office/powerpoint/2010/main" val="4193919016"/>
+      </p:ext>
+    </p:extLst>
+  </p:cSld>
+  <p:clrMapOvr>
+    <a:masterClrMapping/>
+  </p:clrMapOvr>
+</p:sld>
+</file>
+
+<file path=ppt/slides/slide25.xml><?xml version="1.0" encoding="utf-8"?>
+<p:sld xmlns:a="http://schemas.openxmlformats.org/drawingml/2006/main" xmlns:r="http://schemas.openxmlformats.org/officeDocument/2006/relationships" xmlns:p="http://schemas.openxmlformats.org/presentationml/2006/main">
+  <p:cSld>
+    <p:spTree>
+      <p:nvGrpSpPr>
+        <p:cNvPr id="1" name=""/>
+        <p:cNvGrpSpPr/>
+        <p:nvPr/>
+      </p:nvGrpSpPr>
+      <p:grpSpPr>
+        <a:xfrm>
+          <a:off x="0" y="0"/>
+          <a:ext cx="0" cy="0"/>
+          <a:chOff x="0" y="0"/>
+          <a:chExt cx="0" cy="0"/>
+        </a:xfrm>
+      </p:grpSpPr>
+      <p:sp>
+        <p:nvSpPr>
+          <p:cNvPr id="2" name="Title 1">
+            <a:extLst>
+              <a:ext uri="{FF2B5EF4-FFF2-40B4-BE49-F238E27FC236}">
+                <a16:creationId xmlns:a16="http://schemas.microsoft.com/office/drawing/2014/main" id="{E200E8C3-C253-A4E1-D6C6-22F92DEF5E6D}"/>
+              </a:ext>
+            </a:extLst>
+          </p:cNvPr>
+          <p:cNvSpPr>
+            <a:spLocks noGrp="1"/>
+          </p:cNvSpPr>
+          <p:nvPr>
+            <p:ph type="title"/>
+          </p:nvPr>
+        </p:nvSpPr>
+        <p:spPr/>
+        <p:txBody>
+          <a:bodyPr/>
+          <a:lstStyle/>
+          <a:p>
+            <a:r>
+              <a:rPr lang="en-US" dirty="0"/>
+              <a:t>Assignment : Mad libs story</a:t>
+            </a:r>
+          </a:p>
+        </p:txBody>
+      </p:sp>
+      <p:sp>
+        <p:nvSpPr>
+          <p:cNvPr id="3" name="Content Placeholder 2">
+            <a:extLst>
+              <a:ext uri="{FF2B5EF4-FFF2-40B4-BE49-F238E27FC236}">
+                <a16:creationId xmlns:a16="http://schemas.microsoft.com/office/drawing/2014/main" id="{B5C51557-5BD8-5906-AACF-13A27654F922}"/>
+              </a:ext>
+            </a:extLst>
+          </p:cNvPr>
+          <p:cNvSpPr>
+            <a:spLocks noGrp="1"/>
+          </p:cNvSpPr>
+          <p:nvPr>
+            <p:ph idx="1"/>
+          </p:nvPr>
+        </p:nvSpPr>
+        <p:spPr/>
+        <p:txBody>
+          <a:bodyPr>
+            <a:normAutofit fontScale="62500" lnSpcReduction="20000"/>
+          </a:bodyPr>
+          <a:lstStyle/>
+          <a:p>
+            <a:pPr marL="0" indent="0">
+              <a:buNone/>
+            </a:pPr>
+            <a:br>
+              <a:rPr lang="en-US" sz="1800" dirty="0">
+                <a:solidFill>
+                  <a:srgbClr val="5B5B5B"/>
+                </a:solidFill>
+                <a:effectLst/>
+                <a:latin typeface="Cascadia Mono" panose="020B0609020000020004" pitchFamily="49" charset="0"/>
+              </a:rPr>
+            </a:br>
+            <a:r>
+              <a:rPr lang="en-US" sz="1800" dirty="0">
+                <a:solidFill>
+                  <a:srgbClr val="5B5B5B"/>
+                </a:solidFill>
+                <a:effectLst/>
+                <a:latin typeface="Cascadia Mono" panose="020B0609020000020004" pitchFamily="49" charset="0"/>
+              </a:rPr>
+              <a:t>#include</a:t>
+            </a:r>
+            <a:r>
+              <a:rPr lang="en-US" sz="1800" dirty="0">
+                <a:solidFill>
+                  <a:srgbClr val="000000"/>
+                </a:solidFill>
+                <a:effectLst/>
+                <a:latin typeface="Cascadia Mono" panose="020B0609020000020004" pitchFamily="49" charset="0"/>
+              </a:rPr>
+              <a:t> </a:t>
+            </a:r>
+            <a:r>
+              <a:rPr lang="en-US" sz="1800" dirty="0">
+                <a:solidFill>
+                  <a:srgbClr val="E21F1F"/>
+                </a:solidFill>
+                <a:effectLst/>
+                <a:latin typeface="Cascadia Mono" panose="020B0609020000020004" pitchFamily="49" charset="0"/>
+              </a:rPr>
+              <a:t>&lt;</a:t>
+            </a:r>
+            <a:r>
+              <a:rPr lang="en-US" sz="1800" dirty="0">
+                <a:solidFill>
+                  <a:srgbClr val="A31515"/>
+                </a:solidFill>
+                <a:effectLst/>
+                <a:latin typeface="Cascadia Mono" panose="020B0609020000020004" pitchFamily="49" charset="0"/>
+              </a:rPr>
+              <a:t>iostream</a:t>
+            </a:r>
+            <a:r>
+              <a:rPr lang="en-US" sz="1800" dirty="0">
+                <a:solidFill>
+                  <a:srgbClr val="E21F1F"/>
+                </a:solidFill>
+                <a:effectLst/>
+                <a:latin typeface="Cascadia Mono" panose="020B0609020000020004" pitchFamily="49" charset="0"/>
+              </a:rPr>
+              <a:t>&gt;</a:t>
+            </a:r>
+            <a:r>
+              <a:rPr lang="en-US" sz="1800" dirty="0">
+                <a:solidFill>
+                  <a:srgbClr val="000000"/>
+                </a:solidFill>
+                <a:effectLst/>
+                <a:latin typeface="Cascadia Mono" panose="020B0609020000020004" pitchFamily="49" charset="0"/>
+              </a:rPr>
+              <a:t> </a:t>
+            </a:r>
+            <a:r>
+              <a:rPr lang="en-US" sz="1800" dirty="0">
+                <a:solidFill>
+                  <a:srgbClr val="066555"/>
+                </a:solidFill>
+                <a:effectLst/>
+                <a:latin typeface="Cascadia Mono" panose="020B0609020000020004" pitchFamily="49" charset="0"/>
+              </a:rPr>
+              <a:t>// Required for input/output operations (</a:t>
+            </a:r>
+            <a:r>
+              <a:rPr lang="en-US" sz="1800" dirty="0" err="1">
+                <a:solidFill>
+                  <a:srgbClr val="066555"/>
+                </a:solidFill>
+                <a:effectLst/>
+                <a:latin typeface="Cascadia Mono" panose="020B0609020000020004" pitchFamily="49" charset="0"/>
+              </a:rPr>
+              <a:t>cout</a:t>
+            </a:r>
+            <a:r>
+              <a:rPr lang="en-US" sz="1800" dirty="0">
+                <a:solidFill>
+                  <a:srgbClr val="066555"/>
+                </a:solidFill>
+                <a:effectLst/>
+                <a:latin typeface="Cascadia Mono" panose="020B0609020000020004" pitchFamily="49" charset="0"/>
+              </a:rPr>
+              <a:t>, </a:t>
+            </a:r>
+            <a:r>
+              <a:rPr lang="en-US" sz="1800" dirty="0" err="1">
+                <a:solidFill>
+                  <a:srgbClr val="066555"/>
+                </a:solidFill>
+                <a:effectLst/>
+                <a:latin typeface="Cascadia Mono" panose="020B0609020000020004" pitchFamily="49" charset="0"/>
+              </a:rPr>
+              <a:t>cin</a:t>
+            </a:r>
+            <a:r>
+              <a:rPr lang="en-US" sz="1800" dirty="0">
+                <a:solidFill>
+                  <a:srgbClr val="066555"/>
+                </a:solidFill>
+                <a:effectLst/>
+                <a:latin typeface="Cascadia Mono" panose="020B0609020000020004" pitchFamily="49" charset="0"/>
+              </a:rPr>
+              <a:t>)</a:t>
+            </a:r>
+            <a:br>
+              <a:rPr lang="en-US" sz="1800" dirty="0">
+                <a:solidFill>
+                  <a:srgbClr val="000000"/>
+                </a:solidFill>
+                <a:effectLst/>
+                <a:latin typeface="Cascadia Mono" panose="020B0609020000020004" pitchFamily="49" charset="0"/>
+              </a:rPr>
+            </a:br>
+            <a:r>
+              <a:rPr lang="en-US" sz="1800" dirty="0">
+                <a:solidFill>
+                  <a:srgbClr val="5B5B5B"/>
+                </a:solidFill>
+                <a:effectLst/>
+                <a:latin typeface="Cascadia Mono" panose="020B0609020000020004" pitchFamily="49" charset="0"/>
+              </a:rPr>
+              <a:t>#include</a:t>
+            </a:r>
+            <a:r>
+              <a:rPr lang="en-US" sz="1800" dirty="0">
+                <a:solidFill>
+                  <a:srgbClr val="000000"/>
+                </a:solidFill>
+                <a:effectLst/>
+                <a:latin typeface="Cascadia Mono" panose="020B0609020000020004" pitchFamily="49" charset="0"/>
+              </a:rPr>
+              <a:t> </a:t>
+            </a:r>
+            <a:r>
+              <a:rPr lang="en-US" sz="1800" dirty="0">
+                <a:solidFill>
+                  <a:srgbClr val="E21F1F"/>
+                </a:solidFill>
+                <a:effectLst/>
+                <a:latin typeface="Cascadia Mono" panose="020B0609020000020004" pitchFamily="49" charset="0"/>
+              </a:rPr>
+              <a:t>&lt;</a:t>
+            </a:r>
+            <a:r>
+              <a:rPr lang="en-US" sz="1800" dirty="0">
+                <a:solidFill>
+                  <a:srgbClr val="A31515"/>
+                </a:solidFill>
+                <a:effectLst/>
+                <a:latin typeface="Cascadia Mono" panose="020B0609020000020004" pitchFamily="49" charset="0"/>
+              </a:rPr>
+              <a:t>string</a:t>
+            </a:r>
+            <a:r>
+              <a:rPr lang="en-US" sz="1800" dirty="0">
+                <a:solidFill>
+                  <a:srgbClr val="E21F1F"/>
+                </a:solidFill>
+                <a:effectLst/>
+                <a:latin typeface="Cascadia Mono" panose="020B0609020000020004" pitchFamily="49" charset="0"/>
+              </a:rPr>
+              <a:t>&gt;</a:t>
+            </a:r>
+            <a:r>
+              <a:rPr lang="en-US" sz="1800" dirty="0">
+                <a:solidFill>
+                  <a:srgbClr val="000000"/>
+                </a:solidFill>
+                <a:effectLst/>
+                <a:latin typeface="Cascadia Mono" panose="020B0609020000020004" pitchFamily="49" charset="0"/>
+              </a:rPr>
+              <a:t>   </a:t>
+            </a:r>
+            <a:r>
+              <a:rPr lang="en-US" sz="1800" dirty="0">
+                <a:solidFill>
+                  <a:srgbClr val="066555"/>
+                </a:solidFill>
+                <a:effectLst/>
+                <a:latin typeface="Cascadia Mono" panose="020B0609020000020004" pitchFamily="49" charset="0"/>
+              </a:rPr>
+              <a:t>// Required for using string data type</a:t>
+            </a:r>
+            <a:br>
+              <a:rPr lang="en-US" sz="1800" dirty="0">
+                <a:solidFill>
+                  <a:srgbClr val="000000"/>
+                </a:solidFill>
+                <a:effectLst/>
+                <a:latin typeface="Cascadia Mono" panose="020B0609020000020004" pitchFamily="49" charset="0"/>
+              </a:rPr>
+            </a:br>
+            <a:r>
+              <a:rPr lang="en-US" sz="1800" dirty="0">
+                <a:solidFill>
+                  <a:srgbClr val="000000"/>
+                </a:solidFill>
+                <a:effectLst/>
+                <a:latin typeface="Cascadia Mono" panose="020B0609020000020004" pitchFamily="49" charset="0"/>
+              </a:rPr>
+              <a:t> </a:t>
+            </a:r>
+            <a:br>
+              <a:rPr lang="en-US" sz="1800" dirty="0">
+                <a:solidFill>
+                  <a:srgbClr val="000000"/>
+                </a:solidFill>
+                <a:effectLst/>
+                <a:latin typeface="Cascadia Mono" panose="020B0609020000020004" pitchFamily="49" charset="0"/>
+              </a:rPr>
+            </a:br>
+            <a:r>
+              <a:rPr lang="en-US" sz="1800" dirty="0">
+                <a:solidFill>
+                  <a:srgbClr val="0000FF"/>
+                </a:solidFill>
+                <a:effectLst/>
+                <a:latin typeface="Cascadia Mono" panose="020B0609020000020004" pitchFamily="49" charset="0"/>
+              </a:rPr>
+              <a:t>int</a:t>
+            </a:r>
+            <a:r>
+              <a:rPr lang="en-US" sz="1800" dirty="0">
+                <a:solidFill>
+                  <a:srgbClr val="000000"/>
+                </a:solidFill>
+                <a:effectLst/>
+                <a:latin typeface="Cascadia Mono" panose="020B0609020000020004" pitchFamily="49" charset="0"/>
+              </a:rPr>
+              <a:t> </a:t>
+            </a:r>
+            <a:r>
+              <a:rPr lang="en-US" sz="1800" dirty="0">
+                <a:solidFill>
+                  <a:srgbClr val="74531F"/>
+                </a:solidFill>
+                <a:effectLst/>
+                <a:latin typeface="Cascadia Mono" panose="020B0609020000020004" pitchFamily="49" charset="0"/>
+              </a:rPr>
+              <a:t>main</a:t>
+            </a:r>
+            <a:r>
+              <a:rPr lang="en-US" sz="1800" dirty="0">
+                <a:solidFill>
+                  <a:srgbClr val="000000"/>
+                </a:solidFill>
+                <a:effectLst/>
+                <a:latin typeface="Cascadia Mono" panose="020B0609020000020004" pitchFamily="49" charset="0"/>
+              </a:rPr>
+              <a:t>() {</a:t>
+            </a:r>
+            <a:br>
+              <a:rPr lang="en-US" sz="1800" dirty="0">
+                <a:solidFill>
+                  <a:srgbClr val="000000"/>
+                </a:solidFill>
+                <a:effectLst/>
+                <a:latin typeface="Cascadia Mono" panose="020B0609020000020004" pitchFamily="49" charset="0"/>
+              </a:rPr>
+            </a:br>
+            <a:br>
+              <a:rPr lang="en-US" sz="1800" dirty="0">
+                <a:solidFill>
+                  <a:srgbClr val="000000"/>
+                </a:solidFill>
+                <a:effectLst/>
+                <a:latin typeface="Cascadia Mono" panose="020B0609020000020004" pitchFamily="49" charset="0"/>
+              </a:rPr>
+            </a:br>
+            <a:r>
+              <a:rPr lang="en-US" sz="1800" dirty="0">
+                <a:solidFill>
+                  <a:srgbClr val="000000"/>
+                </a:solidFill>
+                <a:effectLst/>
+                <a:latin typeface="Cascadia Mono" panose="020B0609020000020004" pitchFamily="49" charset="0"/>
+              </a:rPr>
+              <a:t>        std::</a:t>
+            </a:r>
+            <a:r>
+              <a:rPr lang="en-US" sz="1800" dirty="0">
+                <a:solidFill>
+                  <a:srgbClr val="066555"/>
+                </a:solidFill>
+                <a:effectLst/>
+                <a:latin typeface="Cascadia Mono" panose="020B0609020000020004" pitchFamily="49" charset="0"/>
+              </a:rPr>
+              <a:t>string</a:t>
+            </a:r>
+            <a:r>
+              <a:rPr lang="en-US" sz="1800" dirty="0">
+                <a:solidFill>
+                  <a:srgbClr val="000000"/>
+                </a:solidFill>
+                <a:effectLst/>
+                <a:latin typeface="Cascadia Mono" panose="020B0609020000020004" pitchFamily="49" charset="0"/>
+              </a:rPr>
+              <a:t> </a:t>
+            </a:r>
+            <a:r>
+              <a:rPr lang="en-US" sz="1800" dirty="0">
+                <a:solidFill>
+                  <a:srgbClr val="1F377F"/>
+                </a:solidFill>
+                <a:effectLst/>
+                <a:latin typeface="Cascadia Mono" panose="020B0609020000020004" pitchFamily="49" charset="0"/>
+              </a:rPr>
+              <a:t>adjective1</a:t>
+            </a:r>
+            <a:r>
+              <a:rPr lang="en-US" sz="1800" dirty="0">
+                <a:solidFill>
+                  <a:srgbClr val="000000"/>
+                </a:solidFill>
+                <a:effectLst/>
+                <a:latin typeface="Cascadia Mono" panose="020B0609020000020004" pitchFamily="49" charset="0"/>
+              </a:rPr>
+              <a:t>, </a:t>
+            </a:r>
+            <a:r>
+              <a:rPr lang="en-US" sz="1800" dirty="0">
+                <a:solidFill>
+                  <a:srgbClr val="1F377F"/>
+                </a:solidFill>
+                <a:effectLst/>
+                <a:latin typeface="Cascadia Mono" panose="020B0609020000020004" pitchFamily="49" charset="0"/>
+              </a:rPr>
+              <a:t>noun1</a:t>
+            </a:r>
+            <a:r>
+              <a:rPr lang="en-US" sz="1800" dirty="0">
+                <a:solidFill>
+                  <a:srgbClr val="000000"/>
+                </a:solidFill>
+                <a:effectLst/>
+                <a:latin typeface="Cascadia Mono" panose="020B0609020000020004" pitchFamily="49" charset="0"/>
+              </a:rPr>
+              <a:t>, </a:t>
+            </a:r>
+            <a:r>
+              <a:rPr lang="en-US" sz="1800" dirty="0">
+                <a:solidFill>
+                  <a:srgbClr val="1F377F"/>
+                </a:solidFill>
+                <a:effectLst/>
+                <a:latin typeface="Cascadia Mono" panose="020B0609020000020004" pitchFamily="49" charset="0"/>
+              </a:rPr>
+              <a:t>verb1</a:t>
+            </a:r>
+            <a:r>
+              <a:rPr lang="en-US" sz="1800" dirty="0">
+                <a:solidFill>
+                  <a:srgbClr val="000000"/>
+                </a:solidFill>
+                <a:effectLst/>
+                <a:latin typeface="Cascadia Mono" panose="020B0609020000020004" pitchFamily="49" charset="0"/>
+              </a:rPr>
+              <a:t>, </a:t>
+            </a:r>
+            <a:r>
+              <a:rPr lang="en-US" sz="1800" dirty="0">
+                <a:solidFill>
+                  <a:srgbClr val="1F377F"/>
+                </a:solidFill>
+                <a:effectLst/>
+                <a:latin typeface="Cascadia Mono" panose="020B0609020000020004" pitchFamily="49" charset="0"/>
+              </a:rPr>
+              <a:t>adjective2</a:t>
+            </a:r>
+            <a:r>
+              <a:rPr lang="en-US" sz="1800" dirty="0">
+                <a:solidFill>
+                  <a:srgbClr val="000000"/>
+                </a:solidFill>
+                <a:effectLst/>
+                <a:latin typeface="Cascadia Mono" panose="020B0609020000020004" pitchFamily="49" charset="0"/>
+              </a:rPr>
+              <a:t>, </a:t>
+            </a:r>
+            <a:r>
+              <a:rPr lang="en-US" sz="1800" dirty="0">
+                <a:solidFill>
+                  <a:srgbClr val="1F377F"/>
+                </a:solidFill>
+                <a:effectLst/>
+                <a:latin typeface="Cascadia Mono" panose="020B0609020000020004" pitchFamily="49" charset="0"/>
+              </a:rPr>
+              <a:t>noun2</a:t>
+            </a:r>
+            <a:r>
+              <a:rPr lang="en-US" sz="1800" dirty="0">
+                <a:solidFill>
+                  <a:srgbClr val="000000"/>
+                </a:solidFill>
+                <a:effectLst/>
+                <a:latin typeface="Cascadia Mono" panose="020B0609020000020004" pitchFamily="49" charset="0"/>
+              </a:rPr>
+              <a:t>;</a:t>
+            </a:r>
+            <a:br>
+              <a:rPr lang="en-US" sz="1800" dirty="0">
+                <a:solidFill>
+                  <a:srgbClr val="000000"/>
+                </a:solidFill>
+                <a:effectLst/>
+                <a:latin typeface="Cascadia Mono" panose="020B0609020000020004" pitchFamily="49" charset="0"/>
+              </a:rPr>
+            </a:br>
+            <a:r>
+              <a:rPr lang="en-US" sz="1800" dirty="0">
+                <a:solidFill>
+                  <a:srgbClr val="000000"/>
+                </a:solidFill>
+                <a:effectLst/>
+                <a:latin typeface="Cascadia Mono" panose="020B0609020000020004" pitchFamily="49" charset="0"/>
+              </a:rPr>
+              <a:t> </a:t>
+            </a:r>
+            <a:br>
+              <a:rPr lang="en-US" sz="1800" dirty="0">
+                <a:solidFill>
+                  <a:srgbClr val="000000"/>
+                </a:solidFill>
+                <a:effectLst/>
+                <a:latin typeface="Cascadia Mono" panose="020B0609020000020004" pitchFamily="49" charset="0"/>
+              </a:rPr>
+            </a:br>
+            <a:r>
+              <a:rPr lang="en-US" sz="1800" dirty="0">
+                <a:solidFill>
+                  <a:srgbClr val="000000"/>
+                </a:solidFill>
+                <a:effectLst/>
+                <a:latin typeface="Cascadia Mono" panose="020B0609020000020004" pitchFamily="49" charset="0"/>
+              </a:rPr>
+              <a:t>        </a:t>
+            </a:r>
+            <a:r>
+              <a:rPr lang="en-US" sz="1800" dirty="0">
+                <a:solidFill>
+                  <a:srgbClr val="066555"/>
+                </a:solidFill>
+                <a:effectLst/>
+                <a:latin typeface="Cascadia Mono" panose="020B0609020000020004" pitchFamily="49" charset="0"/>
+              </a:rPr>
+              <a:t>// Prompt the user for input and store it in the variables</a:t>
+            </a:r>
+            <a:br>
+              <a:rPr lang="en-US" sz="1800" dirty="0">
+                <a:solidFill>
+                  <a:srgbClr val="000000"/>
+                </a:solidFill>
+                <a:effectLst/>
+                <a:latin typeface="Cascadia Mono" panose="020B0609020000020004" pitchFamily="49" charset="0"/>
+              </a:rPr>
+            </a:br>
+            <a:r>
+              <a:rPr lang="en-US" sz="1800" dirty="0">
+                <a:solidFill>
+                  <a:srgbClr val="000000"/>
+                </a:solidFill>
+                <a:effectLst/>
+                <a:latin typeface="Cascadia Mono" panose="020B0609020000020004" pitchFamily="49" charset="0"/>
+              </a:rPr>
+              <a:t>        std::</a:t>
+            </a:r>
+            <a:r>
+              <a:rPr lang="en-US" sz="1800" dirty="0" err="1">
+                <a:solidFill>
+                  <a:srgbClr val="000000"/>
+                </a:solidFill>
+                <a:effectLst/>
+                <a:latin typeface="Cascadia Mono" panose="020B0609020000020004" pitchFamily="49" charset="0"/>
+              </a:rPr>
+              <a:t>cout</a:t>
+            </a:r>
+            <a:r>
+              <a:rPr lang="en-US" sz="1800" dirty="0">
+                <a:solidFill>
+                  <a:srgbClr val="000000"/>
+                </a:solidFill>
+                <a:effectLst/>
+                <a:latin typeface="Cascadia Mono" panose="020B0609020000020004" pitchFamily="49" charset="0"/>
+              </a:rPr>
+              <a:t> </a:t>
+            </a:r>
+            <a:r>
+              <a:rPr lang="en-US" sz="1800" dirty="0">
+                <a:solidFill>
+                  <a:srgbClr val="066555"/>
+                </a:solidFill>
+                <a:effectLst/>
+                <a:latin typeface="Cascadia Mono" panose="020B0609020000020004" pitchFamily="49" charset="0"/>
+              </a:rPr>
+              <a:t>&lt;&lt;</a:t>
+            </a:r>
+            <a:r>
+              <a:rPr lang="en-US" sz="1800" dirty="0">
+                <a:solidFill>
+                  <a:srgbClr val="000000"/>
+                </a:solidFill>
+                <a:effectLst/>
+                <a:latin typeface="Cascadia Mono" panose="020B0609020000020004" pitchFamily="49" charset="0"/>
+              </a:rPr>
+              <a:t> </a:t>
+            </a:r>
+            <a:r>
+              <a:rPr lang="en-US" sz="1800" dirty="0">
+                <a:solidFill>
+                  <a:srgbClr val="E21F1F"/>
+                </a:solidFill>
+                <a:effectLst/>
+                <a:latin typeface="Cascadia Mono" panose="020B0609020000020004" pitchFamily="49" charset="0"/>
+              </a:rPr>
+              <a:t>"</a:t>
+            </a:r>
+            <a:r>
+              <a:rPr lang="en-US" sz="1800" dirty="0">
+                <a:solidFill>
+                  <a:srgbClr val="A31515"/>
+                </a:solidFill>
+                <a:effectLst/>
+                <a:latin typeface="Cascadia Mono" panose="020B0609020000020004" pitchFamily="49" charset="0"/>
+              </a:rPr>
+              <a:t>Enter an adjective: </a:t>
+            </a:r>
+            <a:r>
+              <a:rPr lang="en-US" sz="1800" dirty="0">
+                <a:solidFill>
+                  <a:srgbClr val="E21F1F"/>
+                </a:solidFill>
+                <a:effectLst/>
+                <a:latin typeface="Cascadia Mono" panose="020B0609020000020004" pitchFamily="49" charset="0"/>
+              </a:rPr>
+              <a:t>"</a:t>
+            </a:r>
+            <a:r>
+              <a:rPr lang="en-US" sz="1800" dirty="0">
+                <a:solidFill>
+                  <a:srgbClr val="000000"/>
+                </a:solidFill>
+                <a:effectLst/>
+                <a:latin typeface="Cascadia Mono" panose="020B0609020000020004" pitchFamily="49" charset="0"/>
+              </a:rPr>
+              <a:t>;</a:t>
+            </a:r>
+            <a:br>
+              <a:rPr lang="en-US" sz="1800" dirty="0">
+                <a:solidFill>
+                  <a:srgbClr val="000000"/>
+                </a:solidFill>
+                <a:effectLst/>
+                <a:latin typeface="Cascadia Mono" panose="020B0609020000020004" pitchFamily="49" charset="0"/>
+              </a:rPr>
+            </a:br>
+            <a:r>
+              <a:rPr lang="en-US" sz="1800" dirty="0">
+                <a:solidFill>
+                  <a:srgbClr val="000000"/>
+                </a:solidFill>
+                <a:effectLst/>
+                <a:latin typeface="Cascadia Mono" panose="020B0609020000020004" pitchFamily="49" charset="0"/>
+              </a:rPr>
+              <a:t>        std::</a:t>
+            </a:r>
+            <a:r>
+              <a:rPr lang="en-US" sz="1800" dirty="0" err="1">
+                <a:solidFill>
+                  <a:srgbClr val="000000"/>
+                </a:solidFill>
+                <a:effectLst/>
+                <a:latin typeface="Cascadia Mono" panose="020B0609020000020004" pitchFamily="49" charset="0"/>
+              </a:rPr>
+              <a:t>cin</a:t>
+            </a:r>
+            <a:r>
+              <a:rPr lang="en-US" sz="1800" dirty="0">
+                <a:solidFill>
+                  <a:srgbClr val="000000"/>
+                </a:solidFill>
+                <a:effectLst/>
+                <a:latin typeface="Cascadia Mono" panose="020B0609020000020004" pitchFamily="49" charset="0"/>
+              </a:rPr>
+              <a:t> </a:t>
+            </a:r>
+            <a:r>
+              <a:rPr lang="en-US" sz="1800" dirty="0">
+                <a:solidFill>
+                  <a:srgbClr val="066555"/>
+                </a:solidFill>
+                <a:effectLst/>
+                <a:latin typeface="Cascadia Mono" panose="020B0609020000020004" pitchFamily="49" charset="0"/>
+              </a:rPr>
+              <a:t>&gt;&gt;</a:t>
+            </a:r>
+            <a:r>
+              <a:rPr lang="en-US" sz="1800" dirty="0">
+                <a:solidFill>
+                  <a:srgbClr val="000000"/>
+                </a:solidFill>
+                <a:effectLst/>
+                <a:latin typeface="Cascadia Mono" panose="020B0609020000020004" pitchFamily="49" charset="0"/>
+              </a:rPr>
+              <a:t> </a:t>
+            </a:r>
+            <a:r>
+              <a:rPr lang="en-US" sz="1800" dirty="0">
+                <a:solidFill>
+                  <a:srgbClr val="1F377F"/>
+                </a:solidFill>
+                <a:effectLst/>
+                <a:latin typeface="Cascadia Mono" panose="020B0609020000020004" pitchFamily="49" charset="0"/>
+              </a:rPr>
+              <a:t>adjective1</a:t>
+            </a:r>
+            <a:r>
+              <a:rPr lang="en-US" sz="1800" dirty="0">
+                <a:solidFill>
+                  <a:srgbClr val="000000"/>
+                </a:solidFill>
+                <a:effectLst/>
+                <a:latin typeface="Cascadia Mono" panose="020B0609020000020004" pitchFamily="49" charset="0"/>
+              </a:rPr>
+              <a:t>;</a:t>
+            </a:r>
+            <a:br>
+              <a:rPr lang="en-US" sz="1800" dirty="0">
+                <a:solidFill>
+                  <a:srgbClr val="000000"/>
+                </a:solidFill>
+                <a:effectLst/>
+                <a:latin typeface="Cascadia Mono" panose="020B0609020000020004" pitchFamily="49" charset="0"/>
+              </a:rPr>
+            </a:br>
+            <a:r>
+              <a:rPr lang="en-US" sz="1800" dirty="0">
+                <a:solidFill>
+                  <a:srgbClr val="000000"/>
+                </a:solidFill>
+                <a:effectLst/>
+                <a:latin typeface="Cascadia Mono" panose="020B0609020000020004" pitchFamily="49" charset="0"/>
+              </a:rPr>
+              <a:t> </a:t>
+            </a:r>
+            <a:br>
+              <a:rPr lang="en-US" sz="1800" dirty="0">
+                <a:solidFill>
+                  <a:srgbClr val="000000"/>
+                </a:solidFill>
+                <a:effectLst/>
+                <a:latin typeface="Cascadia Mono" panose="020B0609020000020004" pitchFamily="49" charset="0"/>
+              </a:rPr>
+            </a:br>
+            <a:r>
+              <a:rPr lang="en-US" sz="1800" dirty="0">
+                <a:solidFill>
+                  <a:srgbClr val="000000"/>
+                </a:solidFill>
+                <a:effectLst/>
+                <a:latin typeface="Cascadia Mono" panose="020B0609020000020004" pitchFamily="49" charset="0"/>
+              </a:rPr>
+              <a:t>        std::</a:t>
+            </a:r>
+            <a:r>
+              <a:rPr lang="en-US" sz="1800" dirty="0" err="1">
+                <a:solidFill>
+                  <a:srgbClr val="000000"/>
+                </a:solidFill>
+                <a:effectLst/>
+                <a:latin typeface="Cascadia Mono" panose="020B0609020000020004" pitchFamily="49" charset="0"/>
+              </a:rPr>
+              <a:t>cout</a:t>
+            </a:r>
+            <a:r>
+              <a:rPr lang="en-US" sz="1800" dirty="0">
+                <a:solidFill>
+                  <a:srgbClr val="000000"/>
+                </a:solidFill>
+                <a:effectLst/>
+                <a:latin typeface="Cascadia Mono" panose="020B0609020000020004" pitchFamily="49" charset="0"/>
+              </a:rPr>
+              <a:t> </a:t>
+            </a:r>
+            <a:r>
+              <a:rPr lang="en-US" sz="1800" dirty="0">
+                <a:solidFill>
+                  <a:srgbClr val="066555"/>
+                </a:solidFill>
+                <a:effectLst/>
+                <a:latin typeface="Cascadia Mono" panose="020B0609020000020004" pitchFamily="49" charset="0"/>
+              </a:rPr>
+              <a:t>&lt;&lt;</a:t>
+            </a:r>
+            <a:r>
+              <a:rPr lang="en-US" sz="1800" dirty="0">
+                <a:solidFill>
+                  <a:srgbClr val="000000"/>
+                </a:solidFill>
+                <a:effectLst/>
+                <a:latin typeface="Cascadia Mono" panose="020B0609020000020004" pitchFamily="49" charset="0"/>
+              </a:rPr>
+              <a:t> </a:t>
+            </a:r>
+            <a:r>
+              <a:rPr lang="en-US" sz="1800" dirty="0">
+                <a:solidFill>
+                  <a:srgbClr val="E21F1F"/>
+                </a:solidFill>
+                <a:effectLst/>
+                <a:latin typeface="Cascadia Mono" panose="020B0609020000020004" pitchFamily="49" charset="0"/>
+              </a:rPr>
+              <a:t>"</a:t>
+            </a:r>
+            <a:r>
+              <a:rPr lang="en-US" sz="1800" dirty="0">
+                <a:solidFill>
+                  <a:srgbClr val="A31515"/>
+                </a:solidFill>
+                <a:effectLst/>
+                <a:latin typeface="Cascadia Mono" panose="020B0609020000020004" pitchFamily="49" charset="0"/>
+              </a:rPr>
+              <a:t>Enter a noun: </a:t>
+            </a:r>
+            <a:r>
+              <a:rPr lang="en-US" sz="1800" dirty="0">
+                <a:solidFill>
+                  <a:srgbClr val="E21F1F"/>
+                </a:solidFill>
+                <a:effectLst/>
+                <a:latin typeface="Cascadia Mono" panose="020B0609020000020004" pitchFamily="49" charset="0"/>
+              </a:rPr>
+              <a:t>"</a:t>
+            </a:r>
+            <a:r>
+              <a:rPr lang="en-US" sz="1800" dirty="0">
+                <a:solidFill>
+                  <a:srgbClr val="000000"/>
+                </a:solidFill>
+                <a:effectLst/>
+                <a:latin typeface="Cascadia Mono" panose="020B0609020000020004" pitchFamily="49" charset="0"/>
+              </a:rPr>
+              <a:t>;</a:t>
+            </a:r>
+            <a:br>
+              <a:rPr lang="en-US" sz="1800" dirty="0">
+                <a:solidFill>
+                  <a:srgbClr val="000000"/>
+                </a:solidFill>
+                <a:effectLst/>
+                <a:latin typeface="Cascadia Mono" panose="020B0609020000020004" pitchFamily="49" charset="0"/>
+              </a:rPr>
+            </a:br>
+            <a:r>
+              <a:rPr lang="en-US" sz="1800" dirty="0">
+                <a:solidFill>
+                  <a:srgbClr val="000000"/>
+                </a:solidFill>
+                <a:effectLst/>
+                <a:latin typeface="Cascadia Mono" panose="020B0609020000020004" pitchFamily="49" charset="0"/>
+              </a:rPr>
+              <a:t>        std::</a:t>
+            </a:r>
+            <a:r>
+              <a:rPr lang="en-US" sz="1800" dirty="0" err="1">
+                <a:solidFill>
+                  <a:srgbClr val="000000"/>
+                </a:solidFill>
+                <a:effectLst/>
+                <a:latin typeface="Cascadia Mono" panose="020B0609020000020004" pitchFamily="49" charset="0"/>
+              </a:rPr>
+              <a:t>cin</a:t>
+            </a:r>
+            <a:r>
+              <a:rPr lang="en-US" sz="1800" dirty="0">
+                <a:solidFill>
+                  <a:srgbClr val="000000"/>
+                </a:solidFill>
+                <a:effectLst/>
+                <a:latin typeface="Cascadia Mono" panose="020B0609020000020004" pitchFamily="49" charset="0"/>
+              </a:rPr>
+              <a:t> </a:t>
+            </a:r>
+            <a:r>
+              <a:rPr lang="en-US" sz="1800" dirty="0">
+                <a:solidFill>
+                  <a:srgbClr val="066555"/>
+                </a:solidFill>
+                <a:effectLst/>
+                <a:latin typeface="Cascadia Mono" panose="020B0609020000020004" pitchFamily="49" charset="0"/>
+              </a:rPr>
+              <a:t>&gt;&gt;</a:t>
+            </a:r>
+            <a:r>
+              <a:rPr lang="en-US" sz="1800" dirty="0">
+                <a:solidFill>
+                  <a:srgbClr val="000000"/>
+                </a:solidFill>
+                <a:effectLst/>
+                <a:latin typeface="Cascadia Mono" panose="020B0609020000020004" pitchFamily="49" charset="0"/>
+              </a:rPr>
+              <a:t> </a:t>
+            </a:r>
+            <a:r>
+              <a:rPr lang="en-US" sz="1800" dirty="0">
+                <a:solidFill>
+                  <a:srgbClr val="1F377F"/>
+                </a:solidFill>
+                <a:effectLst/>
+                <a:latin typeface="Cascadia Mono" panose="020B0609020000020004" pitchFamily="49" charset="0"/>
+              </a:rPr>
+              <a:t>noun1</a:t>
+            </a:r>
+            <a:r>
+              <a:rPr lang="en-US" sz="1800" dirty="0">
+                <a:solidFill>
+                  <a:srgbClr val="000000"/>
+                </a:solidFill>
+                <a:effectLst/>
+                <a:latin typeface="Cascadia Mono" panose="020B0609020000020004" pitchFamily="49" charset="0"/>
+              </a:rPr>
+              <a:t>;</a:t>
+            </a:r>
+            <a:br>
+              <a:rPr lang="en-US" sz="1800" dirty="0">
+                <a:solidFill>
+                  <a:srgbClr val="000000"/>
+                </a:solidFill>
+                <a:effectLst/>
+                <a:latin typeface="Cascadia Mono" panose="020B0609020000020004" pitchFamily="49" charset="0"/>
+              </a:rPr>
+            </a:br>
+            <a:r>
+              <a:rPr lang="en-US" sz="1800" dirty="0">
+                <a:solidFill>
+                  <a:srgbClr val="000000"/>
+                </a:solidFill>
+                <a:effectLst/>
+                <a:latin typeface="Cascadia Mono" panose="020B0609020000020004" pitchFamily="49" charset="0"/>
+              </a:rPr>
+              <a:t> </a:t>
+            </a:r>
+            <a:br>
+              <a:rPr lang="en-US" sz="1800" dirty="0">
+                <a:solidFill>
+                  <a:srgbClr val="000000"/>
+                </a:solidFill>
+                <a:effectLst/>
+                <a:latin typeface="Cascadia Mono" panose="020B0609020000020004" pitchFamily="49" charset="0"/>
+              </a:rPr>
+            </a:br>
+            <a:r>
+              <a:rPr lang="en-US" sz="1800" dirty="0">
+                <a:solidFill>
+                  <a:srgbClr val="000000"/>
+                </a:solidFill>
+                <a:effectLst/>
+                <a:latin typeface="Cascadia Mono" panose="020B0609020000020004" pitchFamily="49" charset="0"/>
+              </a:rPr>
+              <a:t>        std::</a:t>
+            </a:r>
+            <a:r>
+              <a:rPr lang="en-US" sz="1800" dirty="0" err="1">
+                <a:solidFill>
+                  <a:srgbClr val="000000"/>
+                </a:solidFill>
+                <a:effectLst/>
+                <a:latin typeface="Cascadia Mono" panose="020B0609020000020004" pitchFamily="49" charset="0"/>
+              </a:rPr>
+              <a:t>cout</a:t>
+            </a:r>
+            <a:r>
+              <a:rPr lang="en-US" sz="1800" dirty="0">
+                <a:solidFill>
+                  <a:srgbClr val="000000"/>
+                </a:solidFill>
+                <a:effectLst/>
+                <a:latin typeface="Cascadia Mono" panose="020B0609020000020004" pitchFamily="49" charset="0"/>
+              </a:rPr>
+              <a:t> </a:t>
+            </a:r>
+            <a:r>
+              <a:rPr lang="en-US" sz="1800" dirty="0">
+                <a:solidFill>
+                  <a:srgbClr val="066555"/>
+                </a:solidFill>
+                <a:effectLst/>
+                <a:latin typeface="Cascadia Mono" panose="020B0609020000020004" pitchFamily="49" charset="0"/>
+              </a:rPr>
+              <a:t>&lt;&lt;</a:t>
+            </a:r>
+            <a:r>
+              <a:rPr lang="en-US" sz="1800" dirty="0">
+                <a:solidFill>
+                  <a:srgbClr val="000000"/>
+                </a:solidFill>
+                <a:effectLst/>
+                <a:latin typeface="Cascadia Mono" panose="020B0609020000020004" pitchFamily="49" charset="0"/>
+              </a:rPr>
+              <a:t> </a:t>
+            </a:r>
+            <a:r>
+              <a:rPr lang="en-US" sz="1800" dirty="0">
+                <a:solidFill>
+                  <a:srgbClr val="E21F1F"/>
+                </a:solidFill>
+                <a:effectLst/>
+                <a:latin typeface="Cascadia Mono" panose="020B0609020000020004" pitchFamily="49" charset="0"/>
+              </a:rPr>
+              <a:t>"</a:t>
+            </a:r>
+            <a:r>
+              <a:rPr lang="en-US" sz="1800" dirty="0">
+                <a:solidFill>
+                  <a:srgbClr val="A31515"/>
+                </a:solidFill>
+                <a:effectLst/>
+                <a:latin typeface="Cascadia Mono" panose="020B0609020000020004" pitchFamily="49" charset="0"/>
+              </a:rPr>
+              <a:t>Enter a verb: </a:t>
+            </a:r>
+            <a:r>
+              <a:rPr lang="en-US" sz="1800" dirty="0">
+                <a:solidFill>
+                  <a:srgbClr val="E21F1F"/>
+                </a:solidFill>
+                <a:effectLst/>
+                <a:latin typeface="Cascadia Mono" panose="020B0609020000020004" pitchFamily="49" charset="0"/>
+              </a:rPr>
+              <a:t>"</a:t>
+            </a:r>
+            <a:r>
+              <a:rPr lang="en-US" sz="1800" dirty="0">
+                <a:solidFill>
+                  <a:srgbClr val="000000"/>
+                </a:solidFill>
+                <a:effectLst/>
+                <a:latin typeface="Cascadia Mono" panose="020B0609020000020004" pitchFamily="49" charset="0"/>
+              </a:rPr>
+              <a:t>;</a:t>
+            </a:r>
+            <a:br>
+              <a:rPr lang="en-US" sz="1800" dirty="0">
+                <a:solidFill>
+                  <a:srgbClr val="000000"/>
+                </a:solidFill>
+                <a:effectLst/>
+                <a:latin typeface="Cascadia Mono" panose="020B0609020000020004" pitchFamily="49" charset="0"/>
+              </a:rPr>
+            </a:br>
+            <a:r>
+              <a:rPr lang="en-US" sz="1800" dirty="0">
+                <a:solidFill>
+                  <a:srgbClr val="000000"/>
+                </a:solidFill>
+                <a:effectLst/>
+                <a:latin typeface="Cascadia Mono" panose="020B0609020000020004" pitchFamily="49" charset="0"/>
+              </a:rPr>
+              <a:t>        std::</a:t>
+            </a:r>
+            <a:r>
+              <a:rPr lang="en-US" sz="1800" dirty="0" err="1">
+                <a:solidFill>
+                  <a:srgbClr val="000000"/>
+                </a:solidFill>
+                <a:effectLst/>
+                <a:latin typeface="Cascadia Mono" panose="020B0609020000020004" pitchFamily="49" charset="0"/>
+              </a:rPr>
+              <a:t>cin</a:t>
+            </a:r>
+            <a:r>
+              <a:rPr lang="en-US" sz="1800" dirty="0">
+                <a:solidFill>
+                  <a:srgbClr val="000000"/>
+                </a:solidFill>
+                <a:effectLst/>
+                <a:latin typeface="Cascadia Mono" panose="020B0609020000020004" pitchFamily="49" charset="0"/>
+              </a:rPr>
+              <a:t> </a:t>
+            </a:r>
+            <a:r>
+              <a:rPr lang="en-US" sz="1800" dirty="0">
+                <a:solidFill>
+                  <a:srgbClr val="066555"/>
+                </a:solidFill>
+                <a:effectLst/>
+                <a:latin typeface="Cascadia Mono" panose="020B0609020000020004" pitchFamily="49" charset="0"/>
+              </a:rPr>
+              <a:t>&gt;&gt;</a:t>
+            </a:r>
+            <a:r>
+              <a:rPr lang="en-US" sz="1800" dirty="0">
+                <a:solidFill>
+                  <a:srgbClr val="000000"/>
+                </a:solidFill>
+                <a:effectLst/>
+                <a:latin typeface="Cascadia Mono" panose="020B0609020000020004" pitchFamily="49" charset="0"/>
+              </a:rPr>
+              <a:t> </a:t>
+            </a:r>
+            <a:r>
+              <a:rPr lang="en-US" sz="1800" dirty="0">
+                <a:solidFill>
+                  <a:srgbClr val="1F377F"/>
+                </a:solidFill>
+                <a:effectLst/>
+                <a:latin typeface="Cascadia Mono" panose="020B0609020000020004" pitchFamily="49" charset="0"/>
+              </a:rPr>
+              <a:t>verb1</a:t>
+            </a:r>
+            <a:r>
+              <a:rPr lang="en-US" sz="1800" dirty="0">
+                <a:solidFill>
+                  <a:srgbClr val="000000"/>
+                </a:solidFill>
+                <a:effectLst/>
+                <a:latin typeface="Cascadia Mono" panose="020B0609020000020004" pitchFamily="49" charset="0"/>
+              </a:rPr>
+              <a:t>;</a:t>
+            </a:r>
+            <a:br>
+              <a:rPr lang="en-US" sz="1800" dirty="0">
+                <a:solidFill>
+                  <a:srgbClr val="000000"/>
+                </a:solidFill>
+                <a:effectLst/>
+                <a:latin typeface="Cascadia Mono" panose="020B0609020000020004" pitchFamily="49" charset="0"/>
+              </a:rPr>
+            </a:br>
+            <a:r>
+              <a:rPr lang="en-US" sz="1800" dirty="0">
+                <a:solidFill>
+                  <a:srgbClr val="000000"/>
+                </a:solidFill>
+                <a:effectLst/>
+                <a:latin typeface="Cascadia Mono" panose="020B0609020000020004" pitchFamily="49" charset="0"/>
+              </a:rPr>
+              <a:t> </a:t>
+            </a:r>
+            <a:br>
+              <a:rPr lang="en-US" sz="1800" dirty="0">
+                <a:solidFill>
+                  <a:srgbClr val="000000"/>
+                </a:solidFill>
+                <a:effectLst/>
+                <a:latin typeface="Cascadia Mono" panose="020B0609020000020004" pitchFamily="49" charset="0"/>
+              </a:rPr>
+            </a:br>
+            <a:r>
+              <a:rPr lang="en-US" sz="1800" dirty="0">
+                <a:solidFill>
+                  <a:srgbClr val="000000"/>
+                </a:solidFill>
+                <a:effectLst/>
+                <a:latin typeface="Cascadia Mono" panose="020B0609020000020004" pitchFamily="49" charset="0"/>
+              </a:rPr>
+              <a:t>        std::</a:t>
+            </a:r>
+            <a:r>
+              <a:rPr lang="en-US" sz="1800" dirty="0" err="1">
+                <a:solidFill>
+                  <a:srgbClr val="000000"/>
+                </a:solidFill>
+                <a:effectLst/>
+                <a:latin typeface="Cascadia Mono" panose="020B0609020000020004" pitchFamily="49" charset="0"/>
+              </a:rPr>
+              <a:t>cout</a:t>
+            </a:r>
+            <a:r>
+              <a:rPr lang="en-US" sz="1800" dirty="0">
+                <a:solidFill>
+                  <a:srgbClr val="000000"/>
+                </a:solidFill>
+                <a:effectLst/>
+                <a:latin typeface="Cascadia Mono" panose="020B0609020000020004" pitchFamily="49" charset="0"/>
+              </a:rPr>
+              <a:t> </a:t>
+            </a:r>
+            <a:r>
+              <a:rPr lang="en-US" sz="1800" dirty="0">
+                <a:solidFill>
+                  <a:srgbClr val="066555"/>
+                </a:solidFill>
+                <a:effectLst/>
+                <a:latin typeface="Cascadia Mono" panose="020B0609020000020004" pitchFamily="49" charset="0"/>
+              </a:rPr>
+              <a:t>&lt;&lt;</a:t>
+            </a:r>
+            <a:r>
+              <a:rPr lang="en-US" sz="1800" dirty="0">
+                <a:solidFill>
+                  <a:srgbClr val="000000"/>
+                </a:solidFill>
+                <a:effectLst/>
+                <a:latin typeface="Cascadia Mono" panose="020B0609020000020004" pitchFamily="49" charset="0"/>
+              </a:rPr>
+              <a:t> </a:t>
+            </a:r>
+            <a:r>
+              <a:rPr lang="en-US" sz="1800" dirty="0">
+                <a:solidFill>
+                  <a:srgbClr val="E21F1F"/>
+                </a:solidFill>
+                <a:effectLst/>
+                <a:latin typeface="Cascadia Mono" panose="020B0609020000020004" pitchFamily="49" charset="0"/>
+              </a:rPr>
+              <a:t>"</a:t>
+            </a:r>
+            <a:r>
+              <a:rPr lang="en-US" sz="1800" dirty="0">
+                <a:solidFill>
+                  <a:srgbClr val="A31515"/>
+                </a:solidFill>
+                <a:effectLst/>
+                <a:latin typeface="Cascadia Mono" panose="020B0609020000020004" pitchFamily="49" charset="0"/>
+              </a:rPr>
+              <a:t>Enter another adjective: </a:t>
+            </a:r>
+            <a:r>
+              <a:rPr lang="en-US" sz="1800" dirty="0">
+                <a:solidFill>
+                  <a:srgbClr val="E21F1F"/>
+                </a:solidFill>
+                <a:effectLst/>
+                <a:latin typeface="Cascadia Mono" panose="020B0609020000020004" pitchFamily="49" charset="0"/>
+              </a:rPr>
+              <a:t>"</a:t>
+            </a:r>
+            <a:r>
+              <a:rPr lang="en-US" sz="1800" dirty="0">
+                <a:solidFill>
+                  <a:srgbClr val="000000"/>
+                </a:solidFill>
+                <a:effectLst/>
+                <a:latin typeface="Cascadia Mono" panose="020B0609020000020004" pitchFamily="49" charset="0"/>
+              </a:rPr>
+              <a:t>;</a:t>
+            </a:r>
+            <a:br>
+              <a:rPr lang="en-US" sz="1800" dirty="0">
+                <a:solidFill>
+                  <a:srgbClr val="000000"/>
+                </a:solidFill>
+                <a:effectLst/>
+                <a:latin typeface="Cascadia Mono" panose="020B0609020000020004" pitchFamily="49" charset="0"/>
+              </a:rPr>
+            </a:br>
+            <a:r>
+              <a:rPr lang="en-US" sz="1800" dirty="0">
+                <a:solidFill>
+                  <a:srgbClr val="000000"/>
+                </a:solidFill>
+                <a:effectLst/>
+                <a:latin typeface="Cascadia Mono" panose="020B0609020000020004" pitchFamily="49" charset="0"/>
+              </a:rPr>
+              <a:t>        std::</a:t>
+            </a:r>
+            <a:r>
+              <a:rPr lang="en-US" sz="1800" dirty="0" err="1">
+                <a:solidFill>
+                  <a:srgbClr val="000000"/>
+                </a:solidFill>
+                <a:effectLst/>
+                <a:latin typeface="Cascadia Mono" panose="020B0609020000020004" pitchFamily="49" charset="0"/>
+              </a:rPr>
+              <a:t>cin</a:t>
+            </a:r>
+            <a:r>
+              <a:rPr lang="en-US" sz="1800" dirty="0">
+                <a:solidFill>
+                  <a:srgbClr val="000000"/>
+                </a:solidFill>
+                <a:effectLst/>
+                <a:latin typeface="Cascadia Mono" panose="020B0609020000020004" pitchFamily="49" charset="0"/>
+              </a:rPr>
+              <a:t> </a:t>
+            </a:r>
+            <a:r>
+              <a:rPr lang="en-US" sz="1800" dirty="0">
+                <a:solidFill>
+                  <a:srgbClr val="066555"/>
+                </a:solidFill>
+                <a:effectLst/>
+                <a:latin typeface="Cascadia Mono" panose="020B0609020000020004" pitchFamily="49" charset="0"/>
+              </a:rPr>
+              <a:t>&gt;&gt;</a:t>
+            </a:r>
+            <a:r>
+              <a:rPr lang="en-US" sz="1800" dirty="0">
+                <a:solidFill>
+                  <a:srgbClr val="000000"/>
+                </a:solidFill>
+                <a:effectLst/>
+                <a:latin typeface="Cascadia Mono" panose="020B0609020000020004" pitchFamily="49" charset="0"/>
+              </a:rPr>
+              <a:t> </a:t>
+            </a:r>
+            <a:r>
+              <a:rPr lang="en-US" sz="1800" dirty="0">
+                <a:solidFill>
+                  <a:srgbClr val="1F377F"/>
+                </a:solidFill>
+                <a:effectLst/>
+                <a:latin typeface="Cascadia Mono" panose="020B0609020000020004" pitchFamily="49" charset="0"/>
+              </a:rPr>
+              <a:t>adjective2</a:t>
+            </a:r>
+            <a:r>
+              <a:rPr lang="en-US" sz="1800" dirty="0">
+                <a:solidFill>
+                  <a:srgbClr val="000000"/>
+                </a:solidFill>
+                <a:effectLst/>
+                <a:latin typeface="Cascadia Mono" panose="020B0609020000020004" pitchFamily="49" charset="0"/>
+              </a:rPr>
+              <a:t>;</a:t>
+            </a:r>
+            <a:br>
+              <a:rPr lang="en-US" sz="1800" dirty="0">
+                <a:solidFill>
+                  <a:srgbClr val="000000"/>
+                </a:solidFill>
+                <a:effectLst/>
+                <a:latin typeface="Cascadia Mono" panose="020B0609020000020004" pitchFamily="49" charset="0"/>
+              </a:rPr>
+            </a:br>
+            <a:r>
+              <a:rPr lang="en-US" sz="1800" dirty="0">
+                <a:solidFill>
+                  <a:srgbClr val="000000"/>
+                </a:solidFill>
+                <a:effectLst/>
+                <a:latin typeface="Cascadia Mono" panose="020B0609020000020004" pitchFamily="49" charset="0"/>
+              </a:rPr>
+              <a:t> </a:t>
+            </a:r>
+            <a:br>
+              <a:rPr lang="en-US" sz="1800" dirty="0">
+                <a:solidFill>
+                  <a:srgbClr val="000000"/>
+                </a:solidFill>
+                <a:effectLst/>
+                <a:latin typeface="Cascadia Mono" panose="020B0609020000020004" pitchFamily="49" charset="0"/>
+              </a:rPr>
+            </a:br>
+            <a:r>
+              <a:rPr lang="en-US" sz="1800" dirty="0">
+                <a:solidFill>
+                  <a:srgbClr val="000000"/>
+                </a:solidFill>
+                <a:effectLst/>
+                <a:latin typeface="Cascadia Mono" panose="020B0609020000020004" pitchFamily="49" charset="0"/>
+              </a:rPr>
+              <a:t>        std::</a:t>
+            </a:r>
+            <a:r>
+              <a:rPr lang="en-US" sz="1800" dirty="0" err="1">
+                <a:solidFill>
+                  <a:srgbClr val="000000"/>
+                </a:solidFill>
+                <a:effectLst/>
+                <a:latin typeface="Cascadia Mono" panose="020B0609020000020004" pitchFamily="49" charset="0"/>
+              </a:rPr>
+              <a:t>cout</a:t>
+            </a:r>
+            <a:r>
+              <a:rPr lang="en-US" sz="1800" dirty="0">
+                <a:solidFill>
+                  <a:srgbClr val="000000"/>
+                </a:solidFill>
+                <a:effectLst/>
+                <a:latin typeface="Cascadia Mono" panose="020B0609020000020004" pitchFamily="49" charset="0"/>
+              </a:rPr>
+              <a:t> </a:t>
+            </a:r>
+            <a:r>
+              <a:rPr lang="en-US" sz="1800" dirty="0">
+                <a:solidFill>
+                  <a:srgbClr val="066555"/>
+                </a:solidFill>
+                <a:effectLst/>
+                <a:latin typeface="Cascadia Mono" panose="020B0609020000020004" pitchFamily="49" charset="0"/>
+              </a:rPr>
+              <a:t>&lt;&lt;</a:t>
+            </a:r>
+            <a:r>
+              <a:rPr lang="en-US" sz="1800" dirty="0">
+                <a:solidFill>
+                  <a:srgbClr val="000000"/>
+                </a:solidFill>
+                <a:effectLst/>
+                <a:latin typeface="Cascadia Mono" panose="020B0609020000020004" pitchFamily="49" charset="0"/>
+              </a:rPr>
+              <a:t> </a:t>
+            </a:r>
+            <a:r>
+              <a:rPr lang="en-US" sz="1800" dirty="0">
+                <a:solidFill>
+                  <a:srgbClr val="E21F1F"/>
+                </a:solidFill>
+                <a:effectLst/>
+                <a:latin typeface="Cascadia Mono" panose="020B0609020000020004" pitchFamily="49" charset="0"/>
+              </a:rPr>
+              <a:t>"</a:t>
+            </a:r>
+            <a:r>
+              <a:rPr lang="en-US" sz="1800" dirty="0">
+                <a:solidFill>
+                  <a:srgbClr val="A31515"/>
+                </a:solidFill>
+                <a:effectLst/>
+                <a:latin typeface="Cascadia Mono" panose="020B0609020000020004" pitchFamily="49" charset="0"/>
+              </a:rPr>
+              <a:t>Enter another noun: </a:t>
+            </a:r>
+            <a:r>
+              <a:rPr lang="en-US" sz="1800" dirty="0">
+                <a:solidFill>
+                  <a:srgbClr val="E21F1F"/>
+                </a:solidFill>
+                <a:effectLst/>
+                <a:latin typeface="Cascadia Mono" panose="020B0609020000020004" pitchFamily="49" charset="0"/>
+              </a:rPr>
+              <a:t>"</a:t>
+            </a:r>
+            <a:r>
+              <a:rPr lang="en-US" sz="1800" dirty="0">
+                <a:solidFill>
+                  <a:srgbClr val="000000"/>
+                </a:solidFill>
+                <a:effectLst/>
+                <a:latin typeface="Cascadia Mono" panose="020B0609020000020004" pitchFamily="49" charset="0"/>
+              </a:rPr>
+              <a:t>;</a:t>
+            </a:r>
+            <a:br>
+              <a:rPr lang="en-US" sz="1800" dirty="0">
+                <a:solidFill>
+                  <a:srgbClr val="000000"/>
+                </a:solidFill>
+                <a:effectLst/>
+                <a:latin typeface="Cascadia Mono" panose="020B0609020000020004" pitchFamily="49" charset="0"/>
+              </a:rPr>
+            </a:br>
+            <a:r>
+              <a:rPr lang="en-US" sz="1800" dirty="0">
+                <a:solidFill>
+                  <a:srgbClr val="000000"/>
+                </a:solidFill>
+                <a:effectLst/>
+                <a:latin typeface="Cascadia Mono" panose="020B0609020000020004" pitchFamily="49" charset="0"/>
+              </a:rPr>
+              <a:t>        std::</a:t>
+            </a:r>
+            <a:r>
+              <a:rPr lang="en-US" sz="1800" dirty="0" err="1">
+                <a:solidFill>
+                  <a:srgbClr val="000000"/>
+                </a:solidFill>
+                <a:effectLst/>
+                <a:latin typeface="Cascadia Mono" panose="020B0609020000020004" pitchFamily="49" charset="0"/>
+              </a:rPr>
+              <a:t>cin</a:t>
+            </a:r>
+            <a:r>
+              <a:rPr lang="en-US" sz="1800" dirty="0">
+                <a:solidFill>
+                  <a:srgbClr val="000000"/>
+                </a:solidFill>
+                <a:effectLst/>
+                <a:latin typeface="Cascadia Mono" panose="020B0609020000020004" pitchFamily="49" charset="0"/>
+              </a:rPr>
+              <a:t> </a:t>
+            </a:r>
+            <a:r>
+              <a:rPr lang="en-US" sz="1800" dirty="0">
+                <a:solidFill>
+                  <a:srgbClr val="066555"/>
+                </a:solidFill>
+                <a:effectLst/>
+                <a:latin typeface="Cascadia Mono" panose="020B0609020000020004" pitchFamily="49" charset="0"/>
+              </a:rPr>
+              <a:t>&gt;&gt;</a:t>
+            </a:r>
+            <a:r>
+              <a:rPr lang="en-US" sz="1800" dirty="0">
+                <a:solidFill>
+                  <a:srgbClr val="000000"/>
+                </a:solidFill>
+                <a:effectLst/>
+                <a:latin typeface="Cascadia Mono" panose="020B0609020000020004" pitchFamily="49" charset="0"/>
+              </a:rPr>
+              <a:t> </a:t>
+            </a:r>
+            <a:r>
+              <a:rPr lang="en-US" sz="1800" dirty="0">
+                <a:solidFill>
+                  <a:srgbClr val="1F377F"/>
+                </a:solidFill>
+                <a:effectLst/>
+                <a:latin typeface="Cascadia Mono" panose="020B0609020000020004" pitchFamily="49" charset="0"/>
+              </a:rPr>
+              <a:t>noun2</a:t>
+            </a:r>
+            <a:r>
+              <a:rPr lang="en-US" sz="1800" dirty="0">
+                <a:solidFill>
+                  <a:srgbClr val="000000"/>
+                </a:solidFill>
+                <a:effectLst/>
+                <a:latin typeface="Cascadia Mono" panose="020B0609020000020004" pitchFamily="49" charset="0"/>
+              </a:rPr>
+              <a:t>;</a:t>
+            </a:r>
+            <a:br>
+              <a:rPr lang="en-US" sz="1800" dirty="0">
+                <a:solidFill>
+                  <a:srgbClr val="000000"/>
+                </a:solidFill>
+                <a:effectLst/>
+                <a:latin typeface="Cascadia Mono" panose="020B0609020000020004" pitchFamily="49" charset="0"/>
+              </a:rPr>
+            </a:br>
+            <a:r>
+              <a:rPr lang="en-US" sz="1800" dirty="0">
+                <a:solidFill>
+                  <a:srgbClr val="000000"/>
+                </a:solidFill>
+                <a:effectLst/>
+                <a:latin typeface="Cascadia Mono" panose="020B0609020000020004" pitchFamily="49" charset="0"/>
+              </a:rPr>
+              <a:t> </a:t>
+            </a:r>
+            <a:br>
+              <a:rPr lang="en-US" sz="1800" dirty="0">
+                <a:solidFill>
+                  <a:srgbClr val="000000"/>
+                </a:solidFill>
+                <a:effectLst/>
+                <a:latin typeface="Cascadia Mono" panose="020B0609020000020004" pitchFamily="49" charset="0"/>
+              </a:rPr>
+            </a:br>
+            <a:r>
+              <a:rPr lang="en-US" sz="1800" dirty="0">
+                <a:solidFill>
+                  <a:srgbClr val="000000"/>
+                </a:solidFill>
+                <a:effectLst/>
+                <a:latin typeface="Cascadia Mono" panose="020B0609020000020004" pitchFamily="49" charset="0"/>
+              </a:rPr>
+              <a:t>        </a:t>
+            </a:r>
+            <a:r>
+              <a:rPr lang="en-US" sz="1800" dirty="0">
+                <a:solidFill>
+                  <a:srgbClr val="066555"/>
+                </a:solidFill>
+                <a:effectLst/>
+                <a:latin typeface="Cascadia Mono" panose="020B0609020000020004" pitchFamily="49" charset="0"/>
+              </a:rPr>
+              <a:t>// Construct and print the Mad Libs story</a:t>
+            </a:r>
+            <a:br>
+              <a:rPr lang="en-US" sz="1800" dirty="0">
+                <a:solidFill>
+                  <a:srgbClr val="000000"/>
+                </a:solidFill>
+                <a:effectLst/>
+                <a:latin typeface="Cascadia Mono" panose="020B0609020000020004" pitchFamily="49" charset="0"/>
+              </a:rPr>
+            </a:br>
+            <a:r>
+              <a:rPr lang="en-US" sz="1800" dirty="0">
+                <a:solidFill>
+                  <a:srgbClr val="000000"/>
+                </a:solidFill>
+                <a:effectLst/>
+                <a:latin typeface="Cascadia Mono" panose="020B0609020000020004" pitchFamily="49" charset="0"/>
+              </a:rPr>
+              <a:t>        std::</a:t>
+            </a:r>
+            <a:r>
+              <a:rPr lang="en-US" sz="1800" dirty="0" err="1">
+                <a:solidFill>
+                  <a:srgbClr val="000000"/>
+                </a:solidFill>
+                <a:effectLst/>
+                <a:latin typeface="Cascadia Mono" panose="020B0609020000020004" pitchFamily="49" charset="0"/>
+              </a:rPr>
+              <a:t>cout</a:t>
+            </a:r>
+            <a:r>
+              <a:rPr lang="en-US" sz="1800" dirty="0">
+                <a:solidFill>
+                  <a:srgbClr val="000000"/>
+                </a:solidFill>
+                <a:effectLst/>
+                <a:latin typeface="Cascadia Mono" panose="020B0609020000020004" pitchFamily="49" charset="0"/>
+              </a:rPr>
+              <a:t> </a:t>
+            </a:r>
+            <a:r>
+              <a:rPr lang="en-US" sz="1800" dirty="0">
+                <a:solidFill>
+                  <a:srgbClr val="066555"/>
+                </a:solidFill>
+                <a:effectLst/>
+                <a:latin typeface="Cascadia Mono" panose="020B0609020000020004" pitchFamily="49" charset="0"/>
+              </a:rPr>
+              <a:t>&lt;&lt;</a:t>
+            </a:r>
+            <a:r>
+              <a:rPr lang="en-US" sz="1800" dirty="0">
+                <a:solidFill>
+                  <a:srgbClr val="000000"/>
+                </a:solidFill>
+                <a:effectLst/>
+                <a:latin typeface="Cascadia Mono" panose="020B0609020000020004" pitchFamily="49" charset="0"/>
+              </a:rPr>
+              <a:t> </a:t>
+            </a:r>
+            <a:r>
+              <a:rPr lang="en-US" sz="1800" dirty="0">
+                <a:solidFill>
+                  <a:srgbClr val="E21F1F"/>
+                </a:solidFill>
+                <a:effectLst/>
+                <a:latin typeface="Cascadia Mono" panose="020B0609020000020004" pitchFamily="49" charset="0"/>
+              </a:rPr>
+              <a:t>"</a:t>
+            </a:r>
+            <a:r>
+              <a:rPr lang="en-US" sz="1800" dirty="0">
+                <a:solidFill>
+                  <a:srgbClr val="9B4FE7"/>
+                </a:solidFill>
+                <a:effectLst/>
+                <a:latin typeface="Cascadia Mono" panose="020B0609020000020004" pitchFamily="49" charset="0"/>
+              </a:rPr>
+              <a:t>\n</a:t>
+            </a:r>
+            <a:r>
+              <a:rPr lang="en-US" sz="1800" dirty="0">
+                <a:solidFill>
+                  <a:srgbClr val="A31515"/>
+                </a:solidFill>
+                <a:effectLst/>
+                <a:latin typeface="Cascadia Mono" panose="020B0609020000020004" pitchFamily="49" charset="0"/>
+              </a:rPr>
+              <a:t>--- Your Mad Libs Story ---</a:t>
+            </a:r>
+            <a:r>
+              <a:rPr lang="en-US" sz="1800" dirty="0">
+                <a:solidFill>
+                  <a:srgbClr val="9B4FE7"/>
+                </a:solidFill>
+                <a:effectLst/>
+                <a:latin typeface="Cascadia Mono" panose="020B0609020000020004" pitchFamily="49" charset="0"/>
+              </a:rPr>
+              <a:t>\n</a:t>
+            </a:r>
+            <a:r>
+              <a:rPr lang="en-US" sz="1800" dirty="0">
+                <a:solidFill>
+                  <a:srgbClr val="E21F1F"/>
+                </a:solidFill>
+                <a:effectLst/>
+                <a:latin typeface="Cascadia Mono" panose="020B0609020000020004" pitchFamily="49" charset="0"/>
+              </a:rPr>
+              <a:t>"</a:t>
+            </a:r>
+            <a:r>
+              <a:rPr lang="en-US" sz="1800" dirty="0">
+                <a:solidFill>
+                  <a:srgbClr val="000000"/>
+                </a:solidFill>
+                <a:effectLst/>
+                <a:latin typeface="Cascadia Mono" panose="020B0609020000020004" pitchFamily="49" charset="0"/>
+              </a:rPr>
+              <a:t>;</a:t>
+            </a:r>
+            <a:br>
+              <a:rPr lang="en-US" sz="1800" dirty="0">
+                <a:solidFill>
+                  <a:srgbClr val="000000"/>
+                </a:solidFill>
+                <a:effectLst/>
+                <a:latin typeface="Cascadia Mono" panose="020B0609020000020004" pitchFamily="49" charset="0"/>
+              </a:rPr>
+            </a:br>
+            <a:r>
+              <a:rPr lang="en-US" sz="1800" dirty="0">
+                <a:solidFill>
+                  <a:srgbClr val="000000"/>
+                </a:solidFill>
+                <a:effectLst/>
+                <a:latin typeface="Cascadia Mono" panose="020B0609020000020004" pitchFamily="49" charset="0"/>
+              </a:rPr>
+              <a:t>        std::</a:t>
+            </a:r>
+            <a:r>
+              <a:rPr lang="en-US" sz="1800" dirty="0" err="1">
+                <a:solidFill>
+                  <a:srgbClr val="000000"/>
+                </a:solidFill>
+                <a:effectLst/>
+                <a:latin typeface="Cascadia Mono" panose="020B0609020000020004" pitchFamily="49" charset="0"/>
+              </a:rPr>
+              <a:t>cout</a:t>
+            </a:r>
+            <a:r>
+              <a:rPr lang="en-US" sz="1800" dirty="0">
+                <a:solidFill>
+                  <a:srgbClr val="000000"/>
+                </a:solidFill>
+                <a:effectLst/>
+                <a:latin typeface="Cascadia Mono" panose="020B0609020000020004" pitchFamily="49" charset="0"/>
+              </a:rPr>
+              <a:t> </a:t>
+            </a:r>
+            <a:r>
+              <a:rPr lang="en-US" sz="1800" dirty="0">
+                <a:solidFill>
+                  <a:srgbClr val="066555"/>
+                </a:solidFill>
+                <a:effectLst/>
+                <a:latin typeface="Cascadia Mono" panose="020B0609020000020004" pitchFamily="49" charset="0"/>
+              </a:rPr>
+              <a:t>&lt;&lt;</a:t>
+            </a:r>
+            <a:r>
+              <a:rPr lang="en-US" sz="1800" dirty="0">
+                <a:solidFill>
+                  <a:srgbClr val="000000"/>
+                </a:solidFill>
+                <a:effectLst/>
+                <a:latin typeface="Cascadia Mono" panose="020B0609020000020004" pitchFamily="49" charset="0"/>
+              </a:rPr>
+              <a:t> </a:t>
+            </a:r>
+            <a:r>
+              <a:rPr lang="en-US" sz="1800" dirty="0">
+                <a:solidFill>
+                  <a:srgbClr val="E21F1F"/>
+                </a:solidFill>
+                <a:effectLst/>
+                <a:latin typeface="Cascadia Mono" panose="020B0609020000020004" pitchFamily="49" charset="0"/>
+              </a:rPr>
+              <a:t>"</a:t>
+            </a:r>
+            <a:r>
+              <a:rPr lang="en-US" sz="1800" dirty="0">
+                <a:solidFill>
+                  <a:srgbClr val="A31515"/>
+                </a:solidFill>
+                <a:effectLst/>
+                <a:latin typeface="Cascadia Mono" panose="020B0609020000020004" pitchFamily="49" charset="0"/>
+              </a:rPr>
+              <a:t>Once upon a time, there was a </a:t>
+            </a:r>
+            <a:r>
+              <a:rPr lang="en-US" sz="1800" dirty="0">
+                <a:solidFill>
+                  <a:srgbClr val="E21F1F"/>
+                </a:solidFill>
+                <a:effectLst/>
+                <a:latin typeface="Cascadia Mono" panose="020B0609020000020004" pitchFamily="49" charset="0"/>
+              </a:rPr>
+              <a:t>"</a:t>
+            </a:r>
+            <a:r>
+              <a:rPr lang="en-US" sz="1800" dirty="0">
+                <a:solidFill>
+                  <a:srgbClr val="000000"/>
+                </a:solidFill>
+                <a:effectLst/>
+                <a:latin typeface="Cascadia Mono" panose="020B0609020000020004" pitchFamily="49" charset="0"/>
+              </a:rPr>
+              <a:t> </a:t>
+            </a:r>
+            <a:r>
+              <a:rPr lang="en-US" sz="1800" dirty="0">
+                <a:solidFill>
+                  <a:srgbClr val="066555"/>
+                </a:solidFill>
+                <a:effectLst/>
+                <a:latin typeface="Cascadia Mono" panose="020B0609020000020004" pitchFamily="49" charset="0"/>
+              </a:rPr>
+              <a:t>&lt;&lt;</a:t>
+            </a:r>
+            <a:r>
+              <a:rPr lang="en-US" sz="1800" dirty="0">
+                <a:solidFill>
+                  <a:srgbClr val="000000"/>
+                </a:solidFill>
+                <a:effectLst/>
+                <a:latin typeface="Cascadia Mono" panose="020B0609020000020004" pitchFamily="49" charset="0"/>
+              </a:rPr>
+              <a:t> </a:t>
+            </a:r>
+            <a:r>
+              <a:rPr lang="en-US" sz="1800" dirty="0">
+                <a:solidFill>
+                  <a:srgbClr val="1F377F"/>
+                </a:solidFill>
+                <a:effectLst/>
+                <a:latin typeface="Cascadia Mono" panose="020B0609020000020004" pitchFamily="49" charset="0"/>
+              </a:rPr>
+              <a:t>adjective1</a:t>
+            </a:r>
+            <a:r>
+              <a:rPr lang="en-US" sz="1800" dirty="0">
+                <a:solidFill>
+                  <a:srgbClr val="000000"/>
+                </a:solidFill>
+                <a:effectLst/>
+                <a:latin typeface="Cascadia Mono" panose="020B0609020000020004" pitchFamily="49" charset="0"/>
+              </a:rPr>
+              <a:t> </a:t>
+            </a:r>
+            <a:r>
+              <a:rPr lang="en-US" sz="1800" dirty="0">
+                <a:solidFill>
+                  <a:srgbClr val="066555"/>
+                </a:solidFill>
+                <a:effectLst/>
+                <a:latin typeface="Cascadia Mono" panose="020B0609020000020004" pitchFamily="49" charset="0"/>
+              </a:rPr>
+              <a:t>&lt;&lt;</a:t>
+            </a:r>
+            <a:r>
+              <a:rPr lang="en-US" sz="1800" dirty="0">
+                <a:solidFill>
+                  <a:srgbClr val="000000"/>
+                </a:solidFill>
+                <a:effectLst/>
+                <a:latin typeface="Cascadia Mono" panose="020B0609020000020004" pitchFamily="49" charset="0"/>
+              </a:rPr>
+              <a:t> </a:t>
+            </a:r>
+            <a:r>
+              <a:rPr lang="en-US" sz="1800" dirty="0">
+                <a:solidFill>
+                  <a:srgbClr val="E21F1F"/>
+                </a:solidFill>
+                <a:effectLst/>
+                <a:latin typeface="Cascadia Mono" panose="020B0609020000020004" pitchFamily="49" charset="0"/>
+              </a:rPr>
+              <a:t>"</a:t>
+            </a:r>
+            <a:r>
+              <a:rPr lang="en-US" sz="1800" dirty="0">
+                <a:solidFill>
+                  <a:srgbClr val="A31515"/>
+                </a:solidFill>
+                <a:effectLst/>
+                <a:latin typeface="Cascadia Mono" panose="020B0609020000020004" pitchFamily="49" charset="0"/>
+              </a:rPr>
+              <a:t> </a:t>
+            </a:r>
+            <a:r>
+              <a:rPr lang="en-US" sz="1800" dirty="0">
+                <a:solidFill>
+                  <a:srgbClr val="E21F1F"/>
+                </a:solidFill>
+                <a:effectLst/>
+                <a:latin typeface="Cascadia Mono" panose="020B0609020000020004" pitchFamily="49" charset="0"/>
+              </a:rPr>
+              <a:t>"</a:t>
+            </a:r>
+            <a:r>
+              <a:rPr lang="en-US" sz="1800" dirty="0">
+                <a:solidFill>
+                  <a:srgbClr val="000000"/>
+                </a:solidFill>
+                <a:effectLst/>
+                <a:latin typeface="Cascadia Mono" panose="020B0609020000020004" pitchFamily="49" charset="0"/>
+              </a:rPr>
+              <a:t> </a:t>
+            </a:r>
+            <a:r>
+              <a:rPr lang="en-US" sz="1800" dirty="0">
+                <a:solidFill>
+                  <a:srgbClr val="066555"/>
+                </a:solidFill>
+                <a:effectLst/>
+                <a:latin typeface="Cascadia Mono" panose="020B0609020000020004" pitchFamily="49" charset="0"/>
+              </a:rPr>
+              <a:t>&lt;&lt;</a:t>
+            </a:r>
+            <a:r>
+              <a:rPr lang="en-US" sz="1800" dirty="0">
+                <a:solidFill>
+                  <a:srgbClr val="000000"/>
+                </a:solidFill>
+                <a:effectLst/>
+                <a:latin typeface="Cascadia Mono" panose="020B0609020000020004" pitchFamily="49" charset="0"/>
+              </a:rPr>
+              <a:t> </a:t>
+            </a:r>
+            <a:r>
+              <a:rPr lang="en-US" sz="1800" dirty="0">
+                <a:solidFill>
+                  <a:srgbClr val="1F377F"/>
+                </a:solidFill>
+                <a:effectLst/>
+                <a:latin typeface="Cascadia Mono" panose="020B0609020000020004" pitchFamily="49" charset="0"/>
+              </a:rPr>
+              <a:t>noun1</a:t>
+            </a:r>
+            <a:br>
+              <a:rPr lang="en-US" sz="1800" dirty="0">
+                <a:solidFill>
+                  <a:srgbClr val="000000"/>
+                </a:solidFill>
+                <a:effectLst/>
+                <a:latin typeface="Cascadia Mono" panose="020B0609020000020004" pitchFamily="49" charset="0"/>
+              </a:rPr>
+            </a:br>
+            <a:r>
+              <a:rPr lang="en-US" sz="1800" dirty="0">
+                <a:solidFill>
+                  <a:srgbClr val="000000"/>
+                </a:solidFill>
+                <a:effectLst/>
+                <a:latin typeface="Cascadia Mono" panose="020B0609020000020004" pitchFamily="49" charset="0"/>
+              </a:rPr>
+              <a:t>                </a:t>
+            </a:r>
+            <a:r>
+              <a:rPr lang="en-US" sz="1800" dirty="0">
+                <a:solidFill>
+                  <a:srgbClr val="066555"/>
+                </a:solidFill>
+                <a:effectLst/>
+                <a:latin typeface="Cascadia Mono" panose="020B0609020000020004" pitchFamily="49" charset="0"/>
+              </a:rPr>
+              <a:t>&lt;&lt;</a:t>
+            </a:r>
+            <a:r>
+              <a:rPr lang="en-US" sz="1800" dirty="0">
+                <a:solidFill>
+                  <a:srgbClr val="000000"/>
+                </a:solidFill>
+                <a:effectLst/>
+                <a:latin typeface="Cascadia Mono" panose="020B0609020000020004" pitchFamily="49" charset="0"/>
+              </a:rPr>
+              <a:t> </a:t>
+            </a:r>
+            <a:r>
+              <a:rPr lang="en-US" sz="1800" dirty="0">
+                <a:solidFill>
+                  <a:srgbClr val="E21F1F"/>
+                </a:solidFill>
+                <a:effectLst/>
+                <a:latin typeface="Cascadia Mono" panose="020B0609020000020004" pitchFamily="49" charset="0"/>
+              </a:rPr>
+              <a:t>"</a:t>
+            </a:r>
+            <a:r>
+              <a:rPr lang="en-US" sz="1800" dirty="0">
+                <a:solidFill>
+                  <a:srgbClr val="A31515"/>
+                </a:solidFill>
+                <a:effectLst/>
+                <a:latin typeface="Cascadia Mono" panose="020B0609020000020004" pitchFamily="49" charset="0"/>
+              </a:rPr>
+              <a:t>. It loved to </a:t>
+            </a:r>
+            <a:r>
+              <a:rPr lang="en-US" sz="1800" dirty="0">
+                <a:solidFill>
+                  <a:srgbClr val="E21F1F"/>
+                </a:solidFill>
+                <a:effectLst/>
+                <a:latin typeface="Cascadia Mono" panose="020B0609020000020004" pitchFamily="49" charset="0"/>
+              </a:rPr>
+              <a:t>"</a:t>
+            </a:r>
+            <a:r>
+              <a:rPr lang="en-US" sz="1800" dirty="0">
+                <a:solidFill>
+                  <a:srgbClr val="000000"/>
+                </a:solidFill>
+                <a:effectLst/>
+                <a:latin typeface="Cascadia Mono" panose="020B0609020000020004" pitchFamily="49" charset="0"/>
+              </a:rPr>
+              <a:t> </a:t>
+            </a:r>
+            <a:r>
+              <a:rPr lang="en-US" sz="1800" dirty="0">
+                <a:solidFill>
+                  <a:srgbClr val="066555"/>
+                </a:solidFill>
+                <a:effectLst/>
+                <a:latin typeface="Cascadia Mono" panose="020B0609020000020004" pitchFamily="49" charset="0"/>
+              </a:rPr>
+              <a:t>&lt;&lt;</a:t>
+            </a:r>
+            <a:r>
+              <a:rPr lang="en-US" sz="1800" dirty="0">
+                <a:solidFill>
+                  <a:srgbClr val="000000"/>
+                </a:solidFill>
+                <a:effectLst/>
+                <a:latin typeface="Cascadia Mono" panose="020B0609020000020004" pitchFamily="49" charset="0"/>
+              </a:rPr>
+              <a:t> </a:t>
+            </a:r>
+            <a:r>
+              <a:rPr lang="en-US" sz="1800" dirty="0">
+                <a:solidFill>
+                  <a:srgbClr val="1F377F"/>
+                </a:solidFill>
+                <a:effectLst/>
+                <a:latin typeface="Cascadia Mono" panose="020B0609020000020004" pitchFamily="49" charset="0"/>
+              </a:rPr>
+              <a:t>verb1</a:t>
+            </a:r>
+            <a:r>
+              <a:rPr lang="en-US" sz="1800" dirty="0">
+                <a:solidFill>
+                  <a:srgbClr val="000000"/>
+                </a:solidFill>
+                <a:effectLst/>
+                <a:latin typeface="Cascadia Mono" panose="020B0609020000020004" pitchFamily="49" charset="0"/>
+              </a:rPr>
+              <a:t> </a:t>
+            </a:r>
+            <a:r>
+              <a:rPr lang="en-US" sz="1800" dirty="0">
+                <a:solidFill>
+                  <a:srgbClr val="066555"/>
+                </a:solidFill>
+                <a:effectLst/>
+                <a:latin typeface="Cascadia Mono" panose="020B0609020000020004" pitchFamily="49" charset="0"/>
+              </a:rPr>
+              <a:t>&lt;&lt;</a:t>
+            </a:r>
+            <a:r>
+              <a:rPr lang="en-US" sz="1800" dirty="0">
+                <a:solidFill>
+                  <a:srgbClr val="000000"/>
+                </a:solidFill>
+                <a:effectLst/>
+                <a:latin typeface="Cascadia Mono" panose="020B0609020000020004" pitchFamily="49" charset="0"/>
+              </a:rPr>
+              <a:t> </a:t>
+            </a:r>
+            <a:r>
+              <a:rPr lang="en-US" sz="1800" dirty="0">
+                <a:solidFill>
+                  <a:srgbClr val="E21F1F"/>
+                </a:solidFill>
+                <a:effectLst/>
+                <a:latin typeface="Cascadia Mono" panose="020B0609020000020004" pitchFamily="49" charset="0"/>
+              </a:rPr>
+              <a:t>"</a:t>
+            </a:r>
+            <a:r>
+              <a:rPr lang="en-US" sz="1800" dirty="0">
+                <a:solidFill>
+                  <a:srgbClr val="A31515"/>
+                </a:solidFill>
+                <a:effectLst/>
+                <a:latin typeface="Cascadia Mono" panose="020B0609020000020004" pitchFamily="49" charset="0"/>
+              </a:rPr>
+              <a:t> all day long.</a:t>
+            </a:r>
+            <a:r>
+              <a:rPr lang="en-US" sz="1800" dirty="0">
+                <a:solidFill>
+                  <a:srgbClr val="9B4FE7"/>
+                </a:solidFill>
+                <a:effectLst/>
+                <a:latin typeface="Cascadia Mono" panose="020B0609020000020004" pitchFamily="49" charset="0"/>
+              </a:rPr>
+              <a:t>\n</a:t>
+            </a:r>
+            <a:r>
+              <a:rPr lang="en-US" sz="1800" dirty="0">
+                <a:solidFill>
+                  <a:srgbClr val="E21F1F"/>
+                </a:solidFill>
+                <a:effectLst/>
+                <a:latin typeface="Cascadia Mono" panose="020B0609020000020004" pitchFamily="49" charset="0"/>
+              </a:rPr>
+              <a:t>"</a:t>
+            </a:r>
+            <a:br>
+              <a:rPr lang="en-US" sz="1800" dirty="0">
+                <a:solidFill>
+                  <a:srgbClr val="000000"/>
+                </a:solidFill>
+                <a:effectLst/>
+                <a:latin typeface="Cascadia Mono" panose="020B0609020000020004" pitchFamily="49" charset="0"/>
+              </a:rPr>
+            </a:br>
+            <a:r>
+              <a:rPr lang="en-US" sz="1800" dirty="0">
+                <a:solidFill>
+                  <a:srgbClr val="000000"/>
+                </a:solidFill>
+                <a:effectLst/>
+                <a:latin typeface="Cascadia Mono" panose="020B0609020000020004" pitchFamily="49" charset="0"/>
+              </a:rPr>
+              <a:t>                </a:t>
+            </a:r>
+            <a:r>
+              <a:rPr lang="en-US" sz="1800" dirty="0">
+                <a:solidFill>
+                  <a:srgbClr val="066555"/>
+                </a:solidFill>
+                <a:effectLst/>
+                <a:latin typeface="Cascadia Mono" panose="020B0609020000020004" pitchFamily="49" charset="0"/>
+              </a:rPr>
+              <a:t>&lt;&lt;</a:t>
+            </a:r>
+            <a:r>
+              <a:rPr lang="en-US" sz="1800" dirty="0">
+                <a:solidFill>
+                  <a:srgbClr val="000000"/>
+                </a:solidFill>
+                <a:effectLst/>
+                <a:latin typeface="Cascadia Mono" panose="020B0609020000020004" pitchFamily="49" charset="0"/>
+              </a:rPr>
+              <a:t> </a:t>
+            </a:r>
+            <a:r>
+              <a:rPr lang="en-US" sz="1800" dirty="0">
+                <a:solidFill>
+                  <a:srgbClr val="E21F1F"/>
+                </a:solidFill>
+                <a:effectLst/>
+                <a:latin typeface="Cascadia Mono" panose="020B0609020000020004" pitchFamily="49" charset="0"/>
+              </a:rPr>
+              <a:t>"</a:t>
+            </a:r>
+            <a:r>
+              <a:rPr lang="en-US" sz="1800" dirty="0">
+                <a:solidFill>
+                  <a:srgbClr val="A31515"/>
+                </a:solidFill>
+                <a:effectLst/>
+                <a:latin typeface="Cascadia Mono" panose="020B0609020000020004" pitchFamily="49" charset="0"/>
+              </a:rPr>
+              <a:t>One day, it met a </a:t>
+            </a:r>
+            <a:r>
+              <a:rPr lang="en-US" sz="1800" dirty="0">
+                <a:solidFill>
+                  <a:srgbClr val="E21F1F"/>
+                </a:solidFill>
+                <a:effectLst/>
+                <a:latin typeface="Cascadia Mono" panose="020B0609020000020004" pitchFamily="49" charset="0"/>
+              </a:rPr>
+              <a:t>"</a:t>
+            </a:r>
+            <a:r>
+              <a:rPr lang="en-US" sz="1800" dirty="0">
+                <a:solidFill>
+                  <a:srgbClr val="000000"/>
+                </a:solidFill>
+                <a:effectLst/>
+                <a:latin typeface="Cascadia Mono" panose="020B0609020000020004" pitchFamily="49" charset="0"/>
+              </a:rPr>
+              <a:t> </a:t>
+            </a:r>
+            <a:r>
+              <a:rPr lang="en-US" sz="1800" dirty="0">
+                <a:solidFill>
+                  <a:srgbClr val="066555"/>
+                </a:solidFill>
+                <a:effectLst/>
+                <a:latin typeface="Cascadia Mono" panose="020B0609020000020004" pitchFamily="49" charset="0"/>
+              </a:rPr>
+              <a:t>&lt;&lt;</a:t>
+            </a:r>
+            <a:r>
+              <a:rPr lang="en-US" sz="1800" dirty="0">
+                <a:solidFill>
+                  <a:srgbClr val="000000"/>
+                </a:solidFill>
+                <a:effectLst/>
+                <a:latin typeface="Cascadia Mono" panose="020B0609020000020004" pitchFamily="49" charset="0"/>
+              </a:rPr>
+              <a:t> </a:t>
+            </a:r>
+            <a:r>
+              <a:rPr lang="en-US" sz="1800" dirty="0">
+                <a:solidFill>
+                  <a:srgbClr val="1F377F"/>
+                </a:solidFill>
+                <a:effectLst/>
+                <a:latin typeface="Cascadia Mono" panose="020B0609020000020004" pitchFamily="49" charset="0"/>
+              </a:rPr>
+              <a:t>adjective2</a:t>
+            </a:r>
+            <a:r>
+              <a:rPr lang="en-US" sz="1800" dirty="0">
+                <a:solidFill>
+                  <a:srgbClr val="000000"/>
+                </a:solidFill>
+                <a:effectLst/>
+                <a:latin typeface="Cascadia Mono" panose="020B0609020000020004" pitchFamily="49" charset="0"/>
+              </a:rPr>
+              <a:t> </a:t>
+            </a:r>
+            <a:r>
+              <a:rPr lang="en-US" sz="1800" dirty="0">
+                <a:solidFill>
+                  <a:srgbClr val="066555"/>
+                </a:solidFill>
+                <a:effectLst/>
+                <a:latin typeface="Cascadia Mono" panose="020B0609020000020004" pitchFamily="49" charset="0"/>
+              </a:rPr>
+              <a:t>&lt;&lt;</a:t>
+            </a:r>
+            <a:r>
+              <a:rPr lang="en-US" sz="1800" dirty="0">
+                <a:solidFill>
+                  <a:srgbClr val="000000"/>
+                </a:solidFill>
+                <a:effectLst/>
+                <a:latin typeface="Cascadia Mono" panose="020B0609020000020004" pitchFamily="49" charset="0"/>
+              </a:rPr>
+              <a:t> </a:t>
+            </a:r>
+            <a:r>
+              <a:rPr lang="en-US" sz="1800" dirty="0">
+                <a:solidFill>
+                  <a:srgbClr val="E21F1F"/>
+                </a:solidFill>
+                <a:effectLst/>
+                <a:latin typeface="Cascadia Mono" panose="020B0609020000020004" pitchFamily="49" charset="0"/>
+              </a:rPr>
+              <a:t>"</a:t>
+            </a:r>
+            <a:r>
+              <a:rPr lang="en-US" sz="1800" dirty="0">
+                <a:solidFill>
+                  <a:srgbClr val="A31515"/>
+                </a:solidFill>
+                <a:effectLst/>
+                <a:latin typeface="Cascadia Mono" panose="020B0609020000020004" pitchFamily="49" charset="0"/>
+              </a:rPr>
+              <a:t> </a:t>
+            </a:r>
+            <a:r>
+              <a:rPr lang="en-US" sz="1800" dirty="0">
+                <a:solidFill>
+                  <a:srgbClr val="E21F1F"/>
+                </a:solidFill>
+                <a:effectLst/>
+                <a:latin typeface="Cascadia Mono" panose="020B0609020000020004" pitchFamily="49" charset="0"/>
+              </a:rPr>
+              <a:t>"</a:t>
+            </a:r>
+            <a:r>
+              <a:rPr lang="en-US" sz="1800" dirty="0">
+                <a:solidFill>
+                  <a:srgbClr val="000000"/>
+                </a:solidFill>
+                <a:effectLst/>
+                <a:latin typeface="Cascadia Mono" panose="020B0609020000020004" pitchFamily="49" charset="0"/>
+              </a:rPr>
+              <a:t> </a:t>
+            </a:r>
+            <a:r>
+              <a:rPr lang="en-US" sz="1800" dirty="0">
+                <a:solidFill>
+                  <a:srgbClr val="066555"/>
+                </a:solidFill>
+                <a:effectLst/>
+                <a:latin typeface="Cascadia Mono" panose="020B0609020000020004" pitchFamily="49" charset="0"/>
+              </a:rPr>
+              <a:t>&lt;&lt;</a:t>
+            </a:r>
+            <a:r>
+              <a:rPr lang="en-US" sz="1800" dirty="0">
+                <a:solidFill>
+                  <a:srgbClr val="000000"/>
+                </a:solidFill>
+                <a:effectLst/>
+                <a:latin typeface="Cascadia Mono" panose="020B0609020000020004" pitchFamily="49" charset="0"/>
+              </a:rPr>
+              <a:t> </a:t>
+            </a:r>
+            <a:r>
+              <a:rPr lang="en-US" sz="1800" dirty="0">
+                <a:solidFill>
+                  <a:srgbClr val="1F377F"/>
+                </a:solidFill>
+                <a:effectLst/>
+                <a:latin typeface="Cascadia Mono" panose="020B0609020000020004" pitchFamily="49" charset="0"/>
+              </a:rPr>
+              <a:t>noun2</a:t>
+            </a:r>
+            <a:br>
+              <a:rPr lang="en-US" sz="1800" dirty="0">
+                <a:solidFill>
+                  <a:srgbClr val="000000"/>
+                </a:solidFill>
+                <a:effectLst/>
+                <a:latin typeface="Cascadia Mono" panose="020B0609020000020004" pitchFamily="49" charset="0"/>
+              </a:rPr>
+            </a:br>
+            <a:r>
+              <a:rPr lang="en-US" sz="1800" dirty="0">
+                <a:solidFill>
+                  <a:srgbClr val="000000"/>
+                </a:solidFill>
+                <a:effectLst/>
+                <a:latin typeface="Cascadia Mono" panose="020B0609020000020004" pitchFamily="49" charset="0"/>
+              </a:rPr>
+              <a:t>                </a:t>
+            </a:r>
+            <a:r>
+              <a:rPr lang="en-US" sz="1800" dirty="0">
+                <a:solidFill>
+                  <a:srgbClr val="066555"/>
+                </a:solidFill>
+                <a:effectLst/>
+                <a:latin typeface="Cascadia Mono" panose="020B0609020000020004" pitchFamily="49" charset="0"/>
+              </a:rPr>
+              <a:t>&lt;&lt;</a:t>
+            </a:r>
+            <a:r>
+              <a:rPr lang="en-US" sz="1800" dirty="0">
+                <a:solidFill>
+                  <a:srgbClr val="000000"/>
+                </a:solidFill>
+                <a:effectLst/>
+                <a:latin typeface="Cascadia Mono" panose="020B0609020000020004" pitchFamily="49" charset="0"/>
+              </a:rPr>
+              <a:t> </a:t>
+            </a:r>
+            <a:r>
+              <a:rPr lang="en-US" sz="1800" dirty="0">
+                <a:solidFill>
+                  <a:srgbClr val="E21F1F"/>
+                </a:solidFill>
+                <a:effectLst/>
+                <a:latin typeface="Cascadia Mono" panose="020B0609020000020004" pitchFamily="49" charset="0"/>
+              </a:rPr>
+              <a:t>"</a:t>
+            </a:r>
+            <a:r>
+              <a:rPr lang="en-US" sz="1800" dirty="0">
+                <a:solidFill>
+                  <a:srgbClr val="A31515"/>
+                </a:solidFill>
+                <a:effectLst/>
+                <a:latin typeface="Cascadia Mono" panose="020B0609020000020004" pitchFamily="49" charset="0"/>
+              </a:rPr>
+              <a:t>, and they lived happily ever after.</a:t>
+            </a:r>
+            <a:r>
+              <a:rPr lang="en-US" sz="1800" dirty="0">
+                <a:solidFill>
+                  <a:srgbClr val="9B4FE7"/>
+                </a:solidFill>
+                <a:effectLst/>
+                <a:latin typeface="Cascadia Mono" panose="020B0609020000020004" pitchFamily="49" charset="0"/>
+              </a:rPr>
+              <a:t>\n</a:t>
+            </a:r>
+            <a:r>
+              <a:rPr lang="en-US" sz="1800" dirty="0">
+                <a:solidFill>
+                  <a:srgbClr val="E21F1F"/>
+                </a:solidFill>
+                <a:effectLst/>
+                <a:latin typeface="Cascadia Mono" panose="020B0609020000020004" pitchFamily="49" charset="0"/>
+              </a:rPr>
+              <a:t>"</a:t>
+            </a:r>
+            <a:r>
+              <a:rPr lang="en-US" sz="1800" dirty="0">
+                <a:solidFill>
+                  <a:srgbClr val="000000"/>
+                </a:solidFill>
+                <a:effectLst/>
+                <a:latin typeface="Cascadia Mono" panose="020B0609020000020004" pitchFamily="49" charset="0"/>
+              </a:rPr>
+              <a:t>;</a:t>
+            </a:r>
+            <a:br>
+              <a:rPr lang="en-US" sz="1800" dirty="0">
+                <a:solidFill>
+                  <a:srgbClr val="000000"/>
+                </a:solidFill>
+                <a:effectLst/>
+                <a:latin typeface="Cascadia Mono" panose="020B0609020000020004" pitchFamily="49" charset="0"/>
+              </a:rPr>
+            </a:br>
+            <a:r>
+              <a:rPr lang="en-US" sz="1800" dirty="0">
+                <a:solidFill>
+                  <a:srgbClr val="000000"/>
+                </a:solidFill>
+                <a:effectLst/>
+                <a:latin typeface="Cascadia Mono" panose="020B0609020000020004" pitchFamily="49" charset="0"/>
+              </a:rPr>
+              <a:t> </a:t>
+            </a:r>
+            <a:br>
+              <a:rPr lang="en-US" sz="1800" dirty="0">
+                <a:solidFill>
+                  <a:srgbClr val="000000"/>
+                </a:solidFill>
+                <a:effectLst/>
+                <a:latin typeface="Cascadia Mono" panose="020B0609020000020004" pitchFamily="49" charset="0"/>
+              </a:rPr>
+            </a:br>
+            <a:r>
+              <a:rPr lang="en-US" sz="1800" dirty="0">
+                <a:solidFill>
+                  <a:srgbClr val="000000"/>
+                </a:solidFill>
+                <a:effectLst/>
+                <a:latin typeface="Cascadia Mono" panose="020B0609020000020004" pitchFamily="49" charset="0"/>
+              </a:rPr>
+              <a:t>        </a:t>
+            </a:r>
+            <a:r>
+              <a:rPr lang="en-US" sz="1800" dirty="0">
+                <a:solidFill>
+                  <a:srgbClr val="8F08C4"/>
+                </a:solidFill>
+                <a:effectLst/>
+                <a:latin typeface="Cascadia Mono" panose="020B0609020000020004" pitchFamily="49" charset="0"/>
+              </a:rPr>
+              <a:t>return</a:t>
+            </a:r>
+            <a:r>
+              <a:rPr lang="en-US" sz="1800" dirty="0">
+                <a:solidFill>
+                  <a:srgbClr val="000000"/>
+                </a:solidFill>
+                <a:effectLst/>
+                <a:latin typeface="Cascadia Mono" panose="020B0609020000020004" pitchFamily="49" charset="0"/>
+              </a:rPr>
+              <a:t> 0; </a:t>
+            </a:r>
+            <a:r>
+              <a:rPr lang="en-US" sz="1800" dirty="0">
+                <a:solidFill>
+                  <a:srgbClr val="066555"/>
+                </a:solidFill>
+                <a:effectLst/>
+                <a:latin typeface="Cascadia Mono" panose="020B0609020000020004" pitchFamily="49" charset="0"/>
+              </a:rPr>
+              <a:t>// Indicate successful program execution</a:t>
+            </a:r>
+            <a:br>
+              <a:rPr lang="en-US" sz="1800" dirty="0">
+                <a:solidFill>
+                  <a:srgbClr val="000000"/>
+                </a:solidFill>
+                <a:effectLst/>
+                <a:latin typeface="Cascadia Mono" panose="020B0609020000020004" pitchFamily="49" charset="0"/>
+              </a:rPr>
+            </a:br>
+            <a:r>
+              <a:rPr lang="en-US" sz="1800" dirty="0">
+                <a:solidFill>
+                  <a:srgbClr val="000000"/>
+                </a:solidFill>
+                <a:effectLst/>
+                <a:latin typeface="Cascadia Mono" panose="020B0609020000020004" pitchFamily="49" charset="0"/>
+              </a:rPr>
+              <a:t>}</a:t>
+            </a:r>
+            <a:endParaRPr lang="en-US" dirty="0"/>
+          </a:p>
+        </p:txBody>
+      </p:sp>
+      <p:sp>
+        <p:nvSpPr>
+          <p:cNvPr id="5" name="Footer Placeholder 4">
+            <a:extLst>
+              <a:ext uri="{FF2B5EF4-FFF2-40B4-BE49-F238E27FC236}">
+                <a16:creationId xmlns:a16="http://schemas.microsoft.com/office/drawing/2014/main" id="{6A9D101D-5C2D-690A-2C0C-5EF5EBF5D15E}"/>
+              </a:ext>
+            </a:extLst>
+          </p:cNvPr>
+          <p:cNvSpPr>
+            <a:spLocks noGrp="1"/>
+          </p:cNvSpPr>
+          <p:nvPr>
+            <p:ph type="ftr" sz="quarter" idx="11"/>
+          </p:nvPr>
+        </p:nvSpPr>
+        <p:spPr/>
+        <p:txBody>
+          <a:bodyPr/>
+          <a:lstStyle/>
+          <a:p>
+            <a:r>
+              <a:rPr lang="en-US"/>
+              <a:t>Week 3</a:t>
+            </a:r>
+          </a:p>
+        </p:txBody>
+      </p:sp>
+    </p:spTree>
+    <p:extLst>
+      <p:ext uri="{BB962C8B-B14F-4D97-AF65-F5344CB8AC3E}">
+        <p14:creationId xmlns:p14="http://schemas.microsoft.com/office/powerpoint/2010/main" val="2059197913"/>
+      </p:ext>
+    </p:extLst>
+  </p:cSld>
+  <p:clrMapOvr>
+    <a:masterClrMapping/>
+  </p:clrMapOvr>
+</p:sld>
+</file>
+
+<file path=ppt/slides/slide26.xml><?xml version="1.0" encoding="utf-8"?>
+<p:sld xmlns:a="http://schemas.openxmlformats.org/drawingml/2006/main" xmlns:r="http://schemas.openxmlformats.org/officeDocument/2006/relationships" xmlns:p="http://schemas.openxmlformats.org/presentationml/2006/main">
+  <p:cSld>
+    <p:spTree>
+      <p:nvGrpSpPr>
+        <p:cNvPr id="1" name=""/>
+        <p:cNvGrpSpPr/>
+        <p:nvPr/>
+      </p:nvGrpSpPr>
+      <p:grpSpPr>
+        <a:xfrm>
+          <a:off x="0" y="0"/>
+          <a:ext cx="0" cy="0"/>
+          <a:chOff x="0" y="0"/>
+          <a:chExt cx="0" cy="0"/>
+        </a:xfrm>
+      </p:grpSpPr>
+      <p:sp>
+        <p:nvSpPr>
+          <p:cNvPr id="2" name="Title 1">
+            <a:extLst>
+              <a:ext uri="{FF2B5EF4-FFF2-40B4-BE49-F238E27FC236}">
+                <a16:creationId xmlns:a16="http://schemas.microsoft.com/office/drawing/2014/main" id="{C0EFF876-DCA9-DDF0-8507-EDCB5ABEB682}"/>
+              </a:ext>
+            </a:extLst>
+          </p:cNvPr>
+          <p:cNvSpPr>
+            <a:spLocks noGrp="1"/>
+          </p:cNvSpPr>
+          <p:nvPr>
+            <p:ph type="title"/>
+          </p:nvPr>
+        </p:nvSpPr>
+        <p:spPr/>
+        <p:txBody>
+          <a:bodyPr/>
+          <a:lstStyle/>
+          <a:p>
+            <a:r>
+              <a:rPr lang="en-US" dirty="0"/>
+              <a:t>Boss Assignment</a:t>
+            </a:r>
+          </a:p>
+        </p:txBody>
+      </p:sp>
+      <p:sp>
+        <p:nvSpPr>
+          <p:cNvPr id="3" name="Content Placeholder 2">
+            <a:extLst>
+              <a:ext uri="{FF2B5EF4-FFF2-40B4-BE49-F238E27FC236}">
+                <a16:creationId xmlns:a16="http://schemas.microsoft.com/office/drawing/2014/main" id="{2431AECC-DEFA-FF48-C9D3-F60CED7C59C1}"/>
+              </a:ext>
+            </a:extLst>
+          </p:cNvPr>
+          <p:cNvSpPr>
+            <a:spLocks noGrp="1"/>
+          </p:cNvSpPr>
+          <p:nvPr>
+            <p:ph idx="1"/>
+          </p:nvPr>
+        </p:nvSpPr>
+        <p:spPr/>
+        <p:txBody>
+          <a:bodyPr>
+            <a:normAutofit fontScale="62500" lnSpcReduction="20000"/>
+          </a:bodyPr>
+          <a:lstStyle/>
+          <a:p>
+            <a:r>
+              <a:rPr lang="en-US" dirty="0"/>
+              <a:t>Input student details </a:t>
+            </a:r>
+          </a:p>
+          <a:p>
+            <a:pPr lvl="1"/>
+            <a:r>
+              <a:rPr lang="en-US" dirty="0"/>
+              <a:t>Student Name</a:t>
+            </a:r>
+          </a:p>
+          <a:p>
+            <a:pPr lvl="1"/>
+            <a:r>
+              <a:rPr lang="en-US" dirty="0"/>
+              <a:t>Subject name </a:t>
+            </a:r>
+          </a:p>
+          <a:p>
+            <a:pPr lvl="1"/>
+            <a:r>
+              <a:rPr lang="en-US" dirty="0"/>
+              <a:t>Marks ( out of 100)</a:t>
+            </a:r>
+          </a:p>
+          <a:p>
+            <a:r>
+              <a:rPr lang="en-US" dirty="0"/>
+              <a:t>Process</a:t>
+            </a:r>
+          </a:p>
+          <a:p>
+            <a:pPr lvl="1"/>
+            <a:r>
+              <a:rPr lang="en-US" dirty="0"/>
+              <a:t>Find grade using this table </a:t>
+            </a:r>
+          </a:p>
+          <a:p>
+            <a:pPr lvl="1"/>
+            <a:r>
+              <a:rPr lang="en-US" dirty="0"/>
+              <a:t>90 &lt;marks </a:t>
+            </a:r>
+            <a:r>
+              <a:rPr lang="en-US" dirty="0">
+                <a:sym typeface="Wingdings" panose="05000000000000000000" pitchFamily="2" charset="2"/>
+              </a:rPr>
+              <a:t>A</a:t>
+            </a:r>
+          </a:p>
+          <a:p>
+            <a:pPr lvl="1"/>
+            <a:r>
+              <a:rPr lang="en-US" dirty="0">
+                <a:sym typeface="Wingdings" panose="05000000000000000000" pitchFamily="2" charset="2"/>
+              </a:rPr>
+              <a:t>75 &lt;= marks &lt; 90  B</a:t>
+            </a:r>
+          </a:p>
+          <a:p>
+            <a:pPr lvl="1"/>
+            <a:r>
+              <a:rPr lang="en-US" dirty="0">
+                <a:sym typeface="Wingdings" panose="05000000000000000000" pitchFamily="2" charset="2"/>
+              </a:rPr>
+              <a:t>60 &lt;= marks &lt;=74 C</a:t>
+            </a:r>
+          </a:p>
+          <a:p>
+            <a:pPr lvl="1"/>
+            <a:r>
+              <a:rPr lang="en-US" dirty="0">
+                <a:sym typeface="Wingdings" panose="05000000000000000000" pitchFamily="2" charset="2"/>
+              </a:rPr>
+              <a:t>marks &lt;60 D</a:t>
+            </a:r>
+          </a:p>
+          <a:p>
+            <a:r>
+              <a:rPr lang="en-US" dirty="0">
+                <a:sym typeface="Wingdings" panose="05000000000000000000" pitchFamily="2" charset="2"/>
+              </a:rPr>
+              <a:t>Output</a:t>
+            </a:r>
+          </a:p>
+          <a:p>
+            <a:pPr lvl="1"/>
+            <a:r>
+              <a:rPr lang="en-US" dirty="0">
+                <a:sym typeface="Wingdings" panose="05000000000000000000" pitchFamily="2" charset="2"/>
+              </a:rPr>
+              <a:t>Grade for the student</a:t>
+            </a:r>
+          </a:p>
+          <a:p>
+            <a:r>
+              <a:rPr lang="en-US" dirty="0">
+                <a:sym typeface="Wingdings" panose="05000000000000000000" pitchFamily="2" charset="2"/>
+              </a:rPr>
+              <a:t>Challenge</a:t>
+            </a:r>
+          </a:p>
+          <a:p>
+            <a:pPr lvl="1"/>
+            <a:r>
+              <a:rPr lang="en-US" dirty="0">
+                <a:sym typeface="Wingdings" panose="05000000000000000000" pitchFamily="2" charset="2"/>
+              </a:rPr>
+              <a:t>Enter multiple students, print how many students had A, B , C and D grades each. </a:t>
+            </a:r>
+          </a:p>
+          <a:p>
+            <a:r>
+              <a:rPr lang="en-US" dirty="0">
+                <a:sym typeface="Wingdings" panose="05000000000000000000" pitchFamily="2" charset="2"/>
+              </a:rPr>
+              <a:t>Hint </a:t>
+            </a:r>
+          </a:p>
+          <a:p>
+            <a:pPr lvl="1"/>
+            <a:r>
+              <a:rPr lang="en-US" dirty="0">
+                <a:sym typeface="Wingdings" panose="05000000000000000000" pitchFamily="2" charset="2"/>
+              </a:rPr>
+              <a:t>Need to know conditional (if-else)</a:t>
+            </a:r>
+          </a:p>
+          <a:p>
+            <a:pPr lvl="1"/>
+            <a:r>
+              <a:rPr lang="en-US" dirty="0">
+                <a:sym typeface="Wingdings" panose="05000000000000000000" pitchFamily="2" charset="2"/>
+              </a:rPr>
+              <a:t>May need to know loop (while)</a:t>
+            </a:r>
+          </a:p>
+          <a:p>
+            <a:pPr lvl="1"/>
+            <a:endParaRPr lang="en-US" dirty="0"/>
+          </a:p>
+          <a:p>
+            <a:pPr marL="914400" lvl="2" indent="0">
+              <a:buNone/>
+            </a:pPr>
+            <a:endParaRPr lang="en-US" dirty="0"/>
+          </a:p>
+          <a:p>
+            <a:pPr lvl="1"/>
+            <a:endParaRPr lang="en-US" dirty="0"/>
+          </a:p>
+        </p:txBody>
+      </p:sp>
+      <p:sp>
+        <p:nvSpPr>
+          <p:cNvPr id="4" name="Footer Placeholder 3">
+            <a:extLst>
+              <a:ext uri="{FF2B5EF4-FFF2-40B4-BE49-F238E27FC236}">
+                <a16:creationId xmlns:a16="http://schemas.microsoft.com/office/drawing/2014/main" id="{A2AA2C54-3147-41DE-0736-4E47834753C7}"/>
+              </a:ext>
+            </a:extLst>
+          </p:cNvPr>
+          <p:cNvSpPr>
+            <a:spLocks noGrp="1"/>
+          </p:cNvSpPr>
+          <p:nvPr>
+            <p:ph type="ftr" sz="quarter" idx="11"/>
+          </p:nvPr>
+        </p:nvSpPr>
+        <p:spPr/>
+        <p:txBody>
+          <a:bodyPr/>
+          <a:lstStyle/>
+          <a:p>
+            <a:r>
+              <a:rPr lang="en-US"/>
+              <a:t>Week 3</a:t>
+            </a:r>
+          </a:p>
+        </p:txBody>
+      </p:sp>
+    </p:spTree>
+    <p:extLst>
+      <p:ext uri="{BB962C8B-B14F-4D97-AF65-F5344CB8AC3E}">
+        <p14:creationId xmlns:p14="http://schemas.microsoft.com/office/powerpoint/2010/main" val="1322446758"/>
+      </p:ext>
+    </p:extLst>
+  </p:cSld>
+  <p:clrMapOvr>
+    <a:masterClrMapping/>
+  </p:clrMapOvr>
+</p:sld>
+</file>
+
+<file path=ppt/slides/slide27.xml><?xml version="1.0" encoding="utf-8"?>
+<p:sld xmlns:a="http://schemas.openxmlformats.org/drawingml/2006/main" xmlns:r="http://schemas.openxmlformats.org/officeDocument/2006/relationships" xmlns:p="http://schemas.openxmlformats.org/presentationml/2006/main">
+  <p:cSld>
+    <p:spTree>
+      <p:nvGrpSpPr>
+        <p:cNvPr id="1" name=""/>
+        <p:cNvGrpSpPr/>
+        <p:nvPr/>
+      </p:nvGrpSpPr>
+      <p:grpSpPr>
+        <a:xfrm>
+          <a:off x="0" y="0"/>
+          <a:ext cx="0" cy="0"/>
+          <a:chOff x="0" y="0"/>
+          <a:chExt cx="0" cy="0"/>
+        </a:xfrm>
+      </p:grpSpPr>
+      <p:sp>
+        <p:nvSpPr>
+          <p:cNvPr id="2" name="Title 1">
+            <a:extLst>
+              <a:ext uri="{FF2B5EF4-FFF2-40B4-BE49-F238E27FC236}">
+                <a16:creationId xmlns:a16="http://schemas.microsoft.com/office/drawing/2014/main" id="{A751F430-7C06-CF5B-E6EF-E902F014C4C9}"/>
+              </a:ext>
+            </a:extLst>
+          </p:cNvPr>
+          <p:cNvSpPr>
+            <a:spLocks noGrp="1"/>
+          </p:cNvSpPr>
+          <p:nvPr>
+            <p:ph type="title"/>
+          </p:nvPr>
+        </p:nvSpPr>
+        <p:spPr/>
+        <p:txBody>
+          <a:bodyPr/>
+          <a:lstStyle/>
+          <a:p>
+            <a:r>
+              <a:rPr lang="en-US" dirty="0"/>
+              <a:t>Conditionals</a:t>
+            </a:r>
+          </a:p>
+        </p:txBody>
+      </p:sp>
+      <p:sp>
+        <p:nvSpPr>
+          <p:cNvPr id="3" name="Content Placeholder 2">
+            <a:extLst>
+              <a:ext uri="{FF2B5EF4-FFF2-40B4-BE49-F238E27FC236}">
+                <a16:creationId xmlns:a16="http://schemas.microsoft.com/office/drawing/2014/main" id="{BAFADAAE-FBA2-1009-7247-5FD2F5FFDDD2}"/>
+              </a:ext>
+            </a:extLst>
+          </p:cNvPr>
+          <p:cNvSpPr>
+            <a:spLocks noGrp="1"/>
+          </p:cNvSpPr>
+          <p:nvPr>
+            <p:ph idx="1"/>
+          </p:nvPr>
+        </p:nvSpPr>
+        <p:spPr/>
+        <p:txBody>
+          <a:bodyPr>
+            <a:normAutofit lnSpcReduction="10000"/>
+          </a:bodyPr>
+          <a:lstStyle/>
+          <a:p>
+            <a:r>
+              <a:rPr lang="en-US" dirty="0"/>
+              <a:t>Are you going to store?</a:t>
+            </a:r>
+          </a:p>
+          <a:p>
+            <a:pPr lvl="1"/>
+            <a:r>
+              <a:rPr lang="en-US" dirty="0"/>
+              <a:t>Yes</a:t>
+            </a:r>
+          </a:p>
+          <a:p>
+            <a:r>
+              <a:rPr lang="en-US" dirty="0"/>
+              <a:t>If they have chocolate, get two , if not then get </a:t>
+            </a:r>
+            <a:r>
+              <a:rPr lang="en-US" dirty="0" err="1"/>
+              <a:t>icecream</a:t>
+            </a:r>
+            <a:endParaRPr lang="en-US" dirty="0"/>
+          </a:p>
+          <a:p>
+            <a:pPr lvl="1"/>
+            <a:r>
+              <a:rPr lang="en-US" dirty="0"/>
+              <a:t>Ok.</a:t>
+            </a:r>
+          </a:p>
+          <a:p>
+            <a:r>
+              <a:rPr lang="en-US" dirty="0"/>
+              <a:t>Code </a:t>
+            </a:r>
+          </a:p>
+          <a:p>
+            <a:pPr lvl="1"/>
+            <a:r>
+              <a:rPr lang="en-US" dirty="0"/>
+              <a:t>if( </a:t>
+            </a:r>
+            <a:r>
+              <a:rPr lang="en-US" dirty="0" err="1"/>
+              <a:t>haveChocolate</a:t>
+            </a:r>
+            <a:r>
+              <a:rPr lang="en-US" dirty="0"/>
+              <a:t>)</a:t>
+            </a:r>
+            <a:br>
+              <a:rPr lang="en-US" dirty="0"/>
+            </a:br>
+            <a:r>
+              <a:rPr lang="en-US" dirty="0"/>
+              <a:t>{</a:t>
+            </a:r>
+            <a:br>
+              <a:rPr lang="en-US" dirty="0"/>
+            </a:br>
+            <a:r>
+              <a:rPr lang="en-US" dirty="0"/>
+              <a:t>     //Buy 2 chocolate</a:t>
+            </a:r>
+            <a:br>
+              <a:rPr lang="en-US" dirty="0"/>
+            </a:br>
+            <a:r>
+              <a:rPr lang="en-US" dirty="0"/>
+              <a:t>} else</a:t>
+            </a:r>
+            <a:br>
+              <a:rPr lang="en-US" dirty="0"/>
+            </a:br>
+            <a:r>
+              <a:rPr lang="en-US" dirty="0"/>
+              <a:t>{</a:t>
+            </a:r>
+            <a:br>
+              <a:rPr lang="en-US" dirty="0"/>
+            </a:br>
+            <a:r>
+              <a:rPr lang="en-US" dirty="0"/>
+              <a:t>    //Buy </a:t>
+            </a:r>
+            <a:r>
+              <a:rPr lang="en-US" dirty="0" err="1"/>
+              <a:t>icecream</a:t>
+            </a:r>
+            <a:br>
+              <a:rPr lang="en-US" dirty="0"/>
+            </a:br>
+            <a:r>
+              <a:rPr lang="en-US" dirty="0"/>
+              <a:t>}</a:t>
+            </a:r>
+          </a:p>
+          <a:p>
+            <a:pPr marL="0" indent="0">
+              <a:buNone/>
+            </a:pPr>
+            <a:endParaRPr lang="en-US" dirty="0"/>
+          </a:p>
+        </p:txBody>
+      </p:sp>
+    </p:spTree>
+    <p:extLst>
+      <p:ext uri="{BB962C8B-B14F-4D97-AF65-F5344CB8AC3E}">
+        <p14:creationId xmlns:p14="http://schemas.microsoft.com/office/powerpoint/2010/main" val="3301446926"/>
       </p:ext>
     </p:extLst>
   </p:cSld>
@@ -7040,6 +11981,34 @@
             <a:r>
               <a:rPr lang="en-US" dirty="0"/>
               <a:t>Makes you digital native</a:t>
+            </a:r>
+          </a:p>
+        </p:txBody>
+      </p:sp>
+      <p:sp>
+        <p:nvSpPr>
+          <p:cNvPr id="5" name="Footer Placeholder 4">
+            <a:extLst>
+              <a:ext uri="{FF2B5EF4-FFF2-40B4-BE49-F238E27FC236}">
+                <a16:creationId xmlns:a16="http://schemas.microsoft.com/office/drawing/2014/main" id="{A22F7425-4B4C-77D3-EB54-25D41D294774}"/>
+              </a:ext>
+            </a:extLst>
+          </p:cNvPr>
+          <p:cNvSpPr>
+            <a:spLocks noGrp="1"/>
+          </p:cNvSpPr>
+          <p:nvPr>
+            <p:ph type="ftr" sz="quarter" idx="11"/>
+          </p:nvPr>
+        </p:nvSpPr>
+        <p:spPr/>
+        <p:txBody>
+          <a:bodyPr/>
+          <a:lstStyle/>
+          <a:p>
+            <a:r>
+              <a:rPr lang="en-US"/>
+              <a:t>Week 1</a:t>
             </a:r>
           </a:p>
         </p:txBody>
@@ -7167,6 +12136,34 @@
           </a:p>
         </p:txBody>
       </p:sp>
+      <p:sp>
+        <p:nvSpPr>
+          <p:cNvPr id="5" name="Footer Placeholder 4">
+            <a:extLst>
+              <a:ext uri="{FF2B5EF4-FFF2-40B4-BE49-F238E27FC236}">
+                <a16:creationId xmlns:a16="http://schemas.microsoft.com/office/drawing/2014/main" id="{2F44A38F-C1D7-41C3-73B9-5F99DA01E9B1}"/>
+              </a:ext>
+            </a:extLst>
+          </p:cNvPr>
+          <p:cNvSpPr>
+            <a:spLocks noGrp="1"/>
+          </p:cNvSpPr>
+          <p:nvPr>
+            <p:ph type="ftr" sz="quarter" idx="11"/>
+          </p:nvPr>
+        </p:nvSpPr>
+        <p:spPr/>
+        <p:txBody>
+          <a:bodyPr/>
+          <a:lstStyle/>
+          <a:p>
+            <a:r>
+              <a:rPr lang="en-US"/>
+              <a:t>Week 1</a:t>
+            </a:r>
+          </a:p>
+        </p:txBody>
+      </p:sp>
     </p:spTree>
     <p:extLst>
       <p:ext uri="{BB962C8B-B14F-4D97-AF65-F5344CB8AC3E}">
@@ -7316,6 +12313,34 @@
           </a:p>
         </p:txBody>
       </p:sp>
+      <p:sp>
+        <p:nvSpPr>
+          <p:cNvPr id="5" name="Footer Placeholder 4">
+            <a:extLst>
+              <a:ext uri="{FF2B5EF4-FFF2-40B4-BE49-F238E27FC236}">
+                <a16:creationId xmlns:a16="http://schemas.microsoft.com/office/drawing/2014/main" id="{D0B06F2D-F989-7055-43A2-A44CA0924FC6}"/>
+              </a:ext>
+            </a:extLst>
+          </p:cNvPr>
+          <p:cNvSpPr>
+            <a:spLocks noGrp="1"/>
+          </p:cNvSpPr>
+          <p:nvPr>
+            <p:ph type="ftr" sz="quarter" idx="11"/>
+          </p:nvPr>
+        </p:nvSpPr>
+        <p:spPr/>
+        <p:txBody>
+          <a:bodyPr/>
+          <a:lstStyle/>
+          <a:p>
+            <a:r>
+              <a:rPr lang="en-US"/>
+              <a:t>Week 1</a:t>
+            </a:r>
+          </a:p>
+        </p:txBody>
+      </p:sp>
     </p:spTree>
     <p:extLst>
       <p:ext uri="{BB962C8B-B14F-4D97-AF65-F5344CB8AC3E}">
@@ -7439,6 +12464,34 @@
           </a:p>
         </p:txBody>
       </p:sp>
+      <p:sp>
+        <p:nvSpPr>
+          <p:cNvPr id="5" name="Footer Placeholder 4">
+            <a:extLst>
+              <a:ext uri="{FF2B5EF4-FFF2-40B4-BE49-F238E27FC236}">
+                <a16:creationId xmlns:a16="http://schemas.microsoft.com/office/drawing/2014/main" id="{1CF6B1EE-E0A9-69D0-7A80-C7F98B0E0E88}"/>
+              </a:ext>
+            </a:extLst>
+          </p:cNvPr>
+          <p:cNvSpPr>
+            <a:spLocks noGrp="1"/>
+          </p:cNvSpPr>
+          <p:nvPr>
+            <p:ph type="ftr" sz="quarter" idx="11"/>
+          </p:nvPr>
+        </p:nvSpPr>
+        <p:spPr/>
+        <p:txBody>
+          <a:bodyPr/>
+          <a:lstStyle/>
+          <a:p>
+            <a:r>
+              <a:rPr lang="en-US"/>
+              <a:t>Week 1</a:t>
+            </a:r>
+          </a:p>
+        </p:txBody>
+      </p:sp>
     </p:spTree>
     <p:extLst>
       <p:ext uri="{BB962C8B-B14F-4D97-AF65-F5344CB8AC3E}">
@@ -7617,6 +12670,34 @@
           </a:p>
         </p:txBody>
       </p:sp>
+      <p:sp>
+        <p:nvSpPr>
+          <p:cNvPr id="5" name="Footer Placeholder 4">
+            <a:extLst>
+              <a:ext uri="{FF2B5EF4-FFF2-40B4-BE49-F238E27FC236}">
+                <a16:creationId xmlns:a16="http://schemas.microsoft.com/office/drawing/2014/main" id="{8AB5E504-A1D2-41B7-8834-6C7AED7DA066}"/>
+              </a:ext>
+            </a:extLst>
+          </p:cNvPr>
+          <p:cNvSpPr>
+            <a:spLocks noGrp="1"/>
+          </p:cNvSpPr>
+          <p:nvPr>
+            <p:ph type="ftr" sz="quarter" idx="11"/>
+          </p:nvPr>
+        </p:nvSpPr>
+        <p:spPr/>
+        <p:txBody>
+          <a:bodyPr/>
+          <a:lstStyle/>
+          <a:p>
+            <a:r>
+              <a:rPr lang="en-US"/>
+              <a:t>Week 1</a:t>
+            </a:r>
+          </a:p>
+        </p:txBody>
+      </p:sp>
     </p:spTree>
     <p:extLst>
       <p:ext uri="{BB962C8B-B14F-4D97-AF65-F5344CB8AC3E}">
@@ -7742,6 +12823,34 @@
           </a:p>
         </p:txBody>
       </p:sp>
+      <p:sp>
+        <p:nvSpPr>
+          <p:cNvPr id="5" name="Footer Placeholder 4">
+            <a:extLst>
+              <a:ext uri="{FF2B5EF4-FFF2-40B4-BE49-F238E27FC236}">
+                <a16:creationId xmlns:a16="http://schemas.microsoft.com/office/drawing/2014/main" id="{6D5A2B45-0087-CF15-EE27-CD8B97F493F2}"/>
+              </a:ext>
+            </a:extLst>
+          </p:cNvPr>
+          <p:cNvSpPr>
+            <a:spLocks noGrp="1"/>
+          </p:cNvSpPr>
+          <p:nvPr>
+            <p:ph type="ftr" sz="quarter" idx="11"/>
+          </p:nvPr>
+        </p:nvSpPr>
+        <p:spPr/>
+        <p:txBody>
+          <a:bodyPr/>
+          <a:lstStyle/>
+          <a:p>
+            <a:r>
+              <a:rPr lang="en-US"/>
+              <a:t>Week 1</a:t>
+            </a:r>
+          </a:p>
+        </p:txBody>
+      </p:sp>
     </p:spTree>
     <p:extLst>
       <p:ext uri="{BB962C8B-B14F-4D97-AF65-F5344CB8AC3E}">
@@ -7829,6 +12938,34 @@
           </a:xfrm>
         </p:spPr>
       </p:pic>
+      <p:sp>
+        <p:nvSpPr>
+          <p:cNvPr id="4" name="Footer Placeholder 3">
+            <a:extLst>
+              <a:ext uri="{FF2B5EF4-FFF2-40B4-BE49-F238E27FC236}">
+                <a16:creationId xmlns:a16="http://schemas.microsoft.com/office/drawing/2014/main" id="{7066B2DA-A8A3-214C-5169-DE43F8D106CF}"/>
+              </a:ext>
+            </a:extLst>
+          </p:cNvPr>
+          <p:cNvSpPr>
+            <a:spLocks noGrp="1"/>
+          </p:cNvSpPr>
+          <p:nvPr>
+            <p:ph type="ftr" sz="quarter" idx="11"/>
+          </p:nvPr>
+        </p:nvSpPr>
+        <p:spPr/>
+        <p:txBody>
+          <a:bodyPr/>
+          <a:lstStyle/>
+          <a:p>
+            <a:r>
+              <a:rPr lang="en-US"/>
+              <a:t>Week 2</a:t>
+            </a:r>
+          </a:p>
+        </p:txBody>
+      </p:sp>
     </p:spTree>
     <p:extLst>
       <p:ext uri="{BB962C8B-B14F-4D97-AF65-F5344CB8AC3E}">
@@ -8155,4 +13292,319 @@
     </a:ext>
   </a:extLst>
 </a:theme>
+</file>
+
+<file path=ppt/theme/theme2.xml><?xml version="1.0" encoding="utf-8"?>
+<a:theme xmlns:a="http://schemas.openxmlformats.org/drawingml/2006/main" name="Office Theme">
+  <a:themeElements>
+    <a:clrScheme name="Office">
+      <a:dk1>
+        <a:sysClr val="windowText" lastClr="000000"/>
+      </a:dk1>
+      <a:lt1>
+        <a:sysClr val="window" lastClr="FFFFFF"/>
+      </a:lt1>
+      <a:dk2>
+        <a:srgbClr val="0E2841"/>
+      </a:dk2>
+      <a:lt2>
+        <a:srgbClr val="E8E8E8"/>
+      </a:lt2>
+      <a:accent1>
+        <a:srgbClr val="156082"/>
+      </a:accent1>
+      <a:accent2>
+        <a:srgbClr val="E97132"/>
+      </a:accent2>
+      <a:accent3>
+        <a:srgbClr val="196B24"/>
+      </a:accent3>
+      <a:accent4>
+        <a:srgbClr val="0F9ED5"/>
+      </a:accent4>
+      <a:accent5>
+        <a:srgbClr val="A02B93"/>
+      </a:accent5>
+      <a:accent6>
+        <a:srgbClr val="4EA72E"/>
+      </a:accent6>
+      <a:hlink>
+        <a:srgbClr val="467886"/>
+      </a:hlink>
+      <a:folHlink>
+        <a:srgbClr val="96607D"/>
+      </a:folHlink>
+    </a:clrScheme>
+    <a:fontScheme name="Office">
+      <a:majorFont>
+        <a:latin typeface="Aptos Display" panose="02110004020202020204"/>
+        <a:ea typeface=""/>
+        <a:cs typeface=""/>
+        <a:font script="Jpan" typeface="游ゴシック Light"/>
+        <a:font script="Hang" typeface="맑은 고딕"/>
+        <a:font script="Hans" typeface="等线 Light"/>
+        <a:font script="Hant" typeface="新細明體"/>
+        <a:font script="Arab" typeface="Times New Roman"/>
+        <a:font script="Hebr" typeface="Times New Roman"/>
+        <a:font script="Thai" typeface="Angsana New"/>
+        <a:font script="Ethi" typeface="Nyala"/>
+        <a:font script="Beng" typeface="Vrinda"/>
+        <a:font script="Gujr" typeface="Shruti"/>
+        <a:font script="Khmr" typeface="MoolBoran"/>
+        <a:font script="Knda" typeface="Tunga"/>
+        <a:font script="Guru" typeface="Raavi"/>
+        <a:font script="Cans" typeface="Euphemia"/>
+        <a:font script="Cher" typeface="Plantagenet Cherokee"/>
+        <a:font script="Yiii" typeface="Microsoft Yi Baiti"/>
+        <a:font script="Tibt" typeface="Microsoft Himalaya"/>
+        <a:font script="Thaa" typeface="MV Boli"/>
+        <a:font script="Deva" typeface="Mangal"/>
+        <a:font script="Telu" typeface="Gautami"/>
+        <a:font script="Taml" typeface="Latha"/>
+        <a:font script="Syrc" typeface="Estrangelo Edessa"/>
+        <a:font script="Orya" typeface="Kalinga"/>
+        <a:font script="Mlym" typeface="Kartika"/>
+        <a:font script="Laoo" typeface="DokChampa"/>
+        <a:font script="Sinh" typeface="Iskoola Pota"/>
+        <a:font script="Mong" typeface="Mongolian Baiti"/>
+        <a:font script="Viet" typeface="Times New Roman"/>
+        <a:font script="Uigh" typeface="Microsoft Uighur"/>
+        <a:font script="Geor" typeface="Sylfaen"/>
+        <a:font script="Armn" typeface="Arial"/>
+        <a:font script="Bugi" typeface="Leelawadee UI"/>
+        <a:font script="Bopo" typeface="Microsoft JhengHei"/>
+        <a:font script="Java" typeface="Javanese Text"/>
+        <a:font script="Lisu" typeface="Segoe UI"/>
+        <a:font script="Mymr" typeface="Myanmar Text"/>
+        <a:font script="Nkoo" typeface="Ebrima"/>
+        <a:font script="Olck" typeface="Nirmala UI"/>
+        <a:font script="Osma" typeface="Ebrima"/>
+        <a:font script="Phag" typeface="Phagspa"/>
+        <a:font script="Syrn" typeface="Estrangelo Edessa"/>
+        <a:font script="Syrj" typeface="Estrangelo Edessa"/>
+        <a:font script="Syre" typeface="Estrangelo Edessa"/>
+        <a:font script="Sora" typeface="Nirmala UI"/>
+        <a:font script="Tale" typeface="Microsoft Tai Le"/>
+        <a:font script="Talu" typeface="Microsoft New Tai Lue"/>
+        <a:font script="Tfng" typeface="Ebrima"/>
+      </a:majorFont>
+      <a:minorFont>
+        <a:latin typeface="Aptos" panose="02110004020202020204"/>
+        <a:ea typeface=""/>
+        <a:cs typeface=""/>
+        <a:font script="Jpan" typeface="游ゴシック"/>
+        <a:font script="Hang" typeface="맑은 고딕"/>
+        <a:font script="Hans" typeface="等线"/>
+        <a:font script="Hant" typeface="新細明體"/>
+        <a:font script="Arab" typeface="Arial"/>
+        <a:font script="Hebr" typeface="Arial"/>
+        <a:font script="Thai" typeface="Cordia New"/>
+        <a:font script="Ethi" typeface="Nyala"/>
+        <a:font script="Beng" typeface="Vrinda"/>
+        <a:font script="Gujr" typeface="Shruti"/>
+        <a:font script="Khmr" typeface="DaunPenh"/>
+        <a:font script="Knda" typeface="Tunga"/>
+        <a:font script="Guru" typeface="Raavi"/>
+        <a:font script="Cans" typeface="Euphemia"/>
+        <a:font script="Cher" typeface="Plantagenet Cherokee"/>
+        <a:font script="Yiii" typeface="Microsoft Yi Baiti"/>
+        <a:font script="Tibt" typeface="Microsoft Himalaya"/>
+        <a:font script="Thaa" typeface="MV Boli"/>
+        <a:font script="Deva" typeface="Mangal"/>
+        <a:font script="Telu" typeface="Gautami"/>
+        <a:font script="Taml" typeface="Latha"/>
+        <a:font script="Syrc" typeface="Estrangelo Edessa"/>
+        <a:font script="Orya" typeface="Kalinga"/>
+        <a:font script="Mlym" typeface="Kartika"/>
+        <a:font script="Laoo" typeface="DokChampa"/>
+        <a:font script="Sinh" typeface="Iskoola Pota"/>
+        <a:font script="Mong" typeface="Mongolian Baiti"/>
+        <a:font script="Viet" typeface="Arial"/>
+        <a:font script="Uigh" typeface="Microsoft Uighur"/>
+        <a:font script="Geor" typeface="Sylfaen"/>
+        <a:font script="Armn" typeface="Arial"/>
+        <a:font script="Bugi" typeface="Leelawadee UI"/>
+        <a:font script="Bopo" typeface="Microsoft JhengHei"/>
+        <a:font script="Java" typeface="Javanese Text"/>
+        <a:font script="Lisu" typeface="Segoe UI"/>
+        <a:font script="Mymr" typeface="Myanmar Text"/>
+        <a:font script="Nkoo" typeface="Ebrima"/>
+        <a:font script="Olck" typeface="Nirmala UI"/>
+        <a:font script="Osma" typeface="Ebrima"/>
+        <a:font script="Phag" typeface="Phagspa"/>
+        <a:font script="Syrn" typeface="Estrangelo Edessa"/>
+        <a:font script="Syrj" typeface="Estrangelo Edessa"/>
+        <a:font script="Syre" typeface="Estrangelo Edessa"/>
+        <a:font script="Sora" typeface="Nirmala UI"/>
+        <a:font script="Tale" typeface="Microsoft Tai Le"/>
+        <a:font script="Talu" typeface="Microsoft New Tai Lue"/>
+        <a:font script="Tfng" typeface="Ebrima"/>
+      </a:minorFont>
+    </a:fontScheme>
+    <a:fmtScheme name="Office">
+      <a:fillStyleLst>
+        <a:solidFill>
+          <a:schemeClr val="phClr"/>
+        </a:solidFill>
+        <a:gradFill rotWithShape="1">
+          <a:gsLst>
+            <a:gs pos="0">
+              <a:schemeClr val="phClr">
+                <a:lumMod val="110000"/>
+                <a:satMod val="105000"/>
+                <a:tint val="67000"/>
+              </a:schemeClr>
+            </a:gs>
+            <a:gs pos="50000">
+              <a:schemeClr val="phClr">
+                <a:lumMod val="105000"/>
+                <a:satMod val="103000"/>
+                <a:tint val="73000"/>
+              </a:schemeClr>
+            </a:gs>
+            <a:gs pos="100000">
+              <a:schemeClr val="phClr">
+                <a:lumMod val="105000"/>
+                <a:satMod val="109000"/>
+                <a:tint val="81000"/>
+              </a:schemeClr>
+            </a:gs>
+          </a:gsLst>
+          <a:lin ang="5400000" scaled="0"/>
+        </a:gradFill>
+        <a:gradFill rotWithShape="1">
+          <a:gsLst>
+            <a:gs pos="0">
+              <a:schemeClr val="phClr">
+                <a:satMod val="103000"/>
+                <a:lumMod val="102000"/>
+                <a:tint val="94000"/>
+              </a:schemeClr>
+            </a:gs>
+            <a:gs pos="50000">
+              <a:schemeClr val="phClr">
+                <a:satMod val="110000"/>
+                <a:lumMod val="100000"/>
+                <a:shade val="100000"/>
+              </a:schemeClr>
+            </a:gs>
+            <a:gs pos="100000">
+              <a:schemeClr val="phClr">
+                <a:lumMod val="99000"/>
+                <a:satMod val="120000"/>
+                <a:shade val="78000"/>
+              </a:schemeClr>
+            </a:gs>
+          </a:gsLst>
+          <a:lin ang="5400000" scaled="0"/>
+        </a:gradFill>
+      </a:fillStyleLst>
+      <a:lnStyleLst>
+        <a:ln w="12700" cap="flat" cmpd="sng" algn="ctr">
+          <a:solidFill>
+            <a:schemeClr val="phClr"/>
+          </a:solidFill>
+          <a:prstDash val="solid"/>
+          <a:miter lim="800000"/>
+        </a:ln>
+        <a:ln w="19050" cap="flat" cmpd="sng" algn="ctr">
+          <a:solidFill>
+            <a:schemeClr val="phClr"/>
+          </a:solidFill>
+          <a:prstDash val="solid"/>
+          <a:miter lim="800000"/>
+        </a:ln>
+        <a:ln w="25400" cap="flat" cmpd="sng" algn="ctr">
+          <a:solidFill>
+            <a:schemeClr val="phClr"/>
+          </a:solidFill>
+          <a:prstDash val="solid"/>
+          <a:miter lim="800000"/>
+        </a:ln>
+      </a:lnStyleLst>
+      <a:effectStyleLst>
+        <a:effectStyle>
+          <a:effectLst/>
+        </a:effectStyle>
+        <a:effectStyle>
+          <a:effectLst/>
+        </a:effectStyle>
+        <a:effectStyle>
+          <a:effectLst>
+            <a:outerShdw blurRad="57150" dist="19050" dir="5400000" algn="ctr" rotWithShape="0">
+              <a:srgbClr val="000000">
+                <a:alpha val="63000"/>
+              </a:srgbClr>
+            </a:outerShdw>
+          </a:effectLst>
+        </a:effectStyle>
+      </a:effectStyleLst>
+      <a:bgFillStyleLst>
+        <a:solidFill>
+          <a:schemeClr val="phClr"/>
+        </a:solidFill>
+        <a:solidFill>
+          <a:schemeClr val="phClr">
+            <a:tint val="95000"/>
+            <a:satMod val="170000"/>
+          </a:schemeClr>
+        </a:solidFill>
+        <a:gradFill rotWithShape="1">
+          <a:gsLst>
+            <a:gs pos="0">
+              <a:schemeClr val="phClr">
+                <a:tint val="93000"/>
+                <a:satMod val="150000"/>
+                <a:shade val="98000"/>
+                <a:lumMod val="102000"/>
+              </a:schemeClr>
+            </a:gs>
+            <a:gs pos="50000">
+              <a:schemeClr val="phClr">
+                <a:tint val="98000"/>
+                <a:satMod val="130000"/>
+                <a:shade val="90000"/>
+                <a:lumMod val="103000"/>
+              </a:schemeClr>
+            </a:gs>
+            <a:gs pos="100000">
+              <a:schemeClr val="phClr">
+                <a:shade val="63000"/>
+                <a:satMod val="120000"/>
+              </a:schemeClr>
+            </a:gs>
+          </a:gsLst>
+          <a:lin ang="5400000" scaled="0"/>
+        </a:gradFill>
+      </a:bgFillStyleLst>
+    </a:fmtScheme>
+  </a:themeElements>
+  <a:objectDefaults>
+    <a:lnDef>
+      <a:spPr/>
+      <a:bodyPr/>
+      <a:lstStyle/>
+      <a:style>
+        <a:lnRef idx="2">
+          <a:schemeClr val="accent1"/>
+        </a:lnRef>
+        <a:fillRef idx="0">
+          <a:schemeClr val="accent1"/>
+        </a:fillRef>
+        <a:effectRef idx="1">
+          <a:schemeClr val="accent1"/>
+        </a:effectRef>
+        <a:fontRef idx="minor">
+          <a:schemeClr val="tx1"/>
+        </a:fontRef>
+      </a:style>
+    </a:lnDef>
+  </a:objectDefaults>
+  <a:extraClrSchemeLst/>
+  <a:extLst>
+    <a:ext uri="{05A4C25C-085E-4340-85A3-A5531E510DB2}">
+      <thm15:themeFamily xmlns:thm15="http://schemas.microsoft.com/office/thememl/2012/main" name="Office Theme" id="{2E142A2C-CD16-42D6-873A-C26D2A0506FA}" vid="{1BDDFF52-6CD6-40A5-AB3C-68EB2F1E4D0A}"/>
+    </a:ext>
+  </a:extLst>
+</a:theme>
 </file>
--- a/all/Intro to Programming_all.pptx
+++ b/all/Intro to Programming_all.pptx
@@ -1,11 +1,11 @@
 
 <file path=ppt/presentation.xml><?xml version="1.0" encoding="utf-8"?>
-<p:presentation xmlns:a="http://schemas.openxmlformats.org/drawingml/2006/main" xmlns:r="http://schemas.openxmlformats.org/officeDocument/2006/relationships" xmlns:p="http://schemas.openxmlformats.org/presentationml/2006/main" saveSubsetFonts="1">
+<p:presentation xmlns:a="http://schemas.openxmlformats.org/drawingml/2006/main" xmlns:r="http://schemas.openxmlformats.org/officeDocument/2006/relationships" xmlns:p="http://schemas.openxmlformats.org/presentationml/2006/main" embedTrueTypeFonts="1">
   <p:sldMasterIdLst>
     <p:sldMasterId id="2147483648" r:id="rId1"/>
   </p:sldMasterIdLst>
   <p:notesMasterIdLst>
-    <p:notesMasterId r:id="rId29"/>
+    <p:notesMasterId r:id="rId41"/>
   </p:notesMasterIdLst>
   <p:sldIdLst>
     <p:sldId id="256" r:id="rId2"/>
@@ -31,10 +31,22 @@
     <p:sldId id="277" r:id="rId22"/>
     <p:sldId id="278" r:id="rId23"/>
     <p:sldId id="279" r:id="rId24"/>
-    <p:sldId id="281" r:id="rId25"/>
-    <p:sldId id="280" r:id="rId26"/>
-    <p:sldId id="282" r:id="rId27"/>
-    <p:sldId id="283" r:id="rId28"/>
+    <p:sldId id="280" r:id="rId25"/>
+    <p:sldId id="282" r:id="rId26"/>
+    <p:sldId id="292" r:id="rId27"/>
+    <p:sldId id="293" r:id="rId28"/>
+    <p:sldId id="294" r:id="rId29"/>
+    <p:sldId id="283" r:id="rId30"/>
+    <p:sldId id="285" r:id="rId31"/>
+    <p:sldId id="286" r:id="rId32"/>
+    <p:sldId id="288" r:id="rId33"/>
+    <p:sldId id="284" r:id="rId34"/>
+    <p:sldId id="289" r:id="rId35"/>
+    <p:sldId id="290" r:id="rId36"/>
+    <p:sldId id="291" r:id="rId37"/>
+    <p:sldId id="295" r:id="rId38"/>
+    <p:sldId id="296" r:id="rId39"/>
+    <p:sldId id="281" r:id="rId40"/>
   </p:sldIdLst>
   <p:sldSz cx="12192000" cy="6858000"/>
   <p:notesSz cx="7315200" cy="9601200"/>
@@ -223,7 +235,7 @@
           <a:p>
             <a:fld id="{03FEC988-D264-4851-9784-E262DEC12FF7}" type="datetimeFigureOut">
               <a:rPr lang="en-US" smtClean="0"/>
-              <a:t>10/1/2025</a:t>
+              <a:t>10/9/2025</a:t>
             </a:fld>
             <a:endParaRPr lang="en-US"/>
           </a:p>
@@ -637,7 +649,7 @@
           <a:p>
             <a:fld id="{FC9FB2DD-DF35-4B84-9135-C0E6A5E9FBB3}" type="datetimeFigureOut">
               <a:rPr lang="en-US" smtClean="0"/>
-              <a:t>10/1/2025</a:t>
+              <a:t>10/9/2025</a:t>
             </a:fld>
             <a:endParaRPr lang="en-US"/>
           </a:p>
@@ -835,7 +847,7 @@
           <a:p>
             <a:fld id="{FC9FB2DD-DF35-4B84-9135-C0E6A5E9FBB3}" type="datetimeFigureOut">
               <a:rPr lang="en-US" smtClean="0"/>
-              <a:t>10/1/2025</a:t>
+              <a:t>10/9/2025</a:t>
             </a:fld>
             <a:endParaRPr lang="en-US"/>
           </a:p>
@@ -1043,7 +1055,7 @@
           <a:p>
             <a:fld id="{FC9FB2DD-DF35-4B84-9135-C0E6A5E9FBB3}" type="datetimeFigureOut">
               <a:rPr lang="en-US" smtClean="0"/>
-              <a:t>10/1/2025</a:t>
+              <a:t>10/9/2025</a:t>
             </a:fld>
             <a:endParaRPr lang="en-US"/>
           </a:p>
@@ -1241,7 +1253,7 @@
           <a:p>
             <a:fld id="{FC9FB2DD-DF35-4B84-9135-C0E6A5E9FBB3}" type="datetimeFigureOut">
               <a:rPr lang="en-US" smtClean="0"/>
-              <a:t>10/1/2025</a:t>
+              <a:t>10/9/2025</a:t>
             </a:fld>
             <a:endParaRPr lang="en-US"/>
           </a:p>
@@ -1516,7 +1528,7 @@
           <a:p>
             <a:fld id="{FC9FB2DD-DF35-4B84-9135-C0E6A5E9FBB3}" type="datetimeFigureOut">
               <a:rPr lang="en-US" smtClean="0"/>
-              <a:t>10/1/2025</a:t>
+              <a:t>10/9/2025</a:t>
             </a:fld>
             <a:endParaRPr lang="en-US"/>
           </a:p>
@@ -1781,7 +1793,7 @@
           <a:p>
             <a:fld id="{FC9FB2DD-DF35-4B84-9135-C0E6A5E9FBB3}" type="datetimeFigureOut">
               <a:rPr lang="en-US" smtClean="0"/>
-              <a:t>10/1/2025</a:t>
+              <a:t>10/9/2025</a:t>
             </a:fld>
             <a:endParaRPr lang="en-US"/>
           </a:p>
@@ -2193,7 +2205,7 @@
           <a:p>
             <a:fld id="{FC9FB2DD-DF35-4B84-9135-C0E6A5E9FBB3}" type="datetimeFigureOut">
               <a:rPr lang="en-US" smtClean="0"/>
-              <a:t>10/1/2025</a:t>
+              <a:t>10/9/2025</a:t>
             </a:fld>
             <a:endParaRPr lang="en-US"/>
           </a:p>
@@ -2334,7 +2346,7 @@
           <a:p>
             <a:fld id="{FC9FB2DD-DF35-4B84-9135-C0E6A5E9FBB3}" type="datetimeFigureOut">
               <a:rPr lang="en-US" smtClean="0"/>
-              <a:t>10/1/2025</a:t>
+              <a:t>10/9/2025</a:t>
             </a:fld>
             <a:endParaRPr lang="en-US"/>
           </a:p>
@@ -2447,7 +2459,7 @@
           <a:p>
             <a:fld id="{FC9FB2DD-DF35-4B84-9135-C0E6A5E9FBB3}" type="datetimeFigureOut">
               <a:rPr lang="en-US" smtClean="0"/>
-              <a:t>10/1/2025</a:t>
+              <a:t>10/9/2025</a:t>
             </a:fld>
             <a:endParaRPr lang="en-US"/>
           </a:p>
@@ -2758,7 +2770,7 @@
           <a:p>
             <a:fld id="{FC9FB2DD-DF35-4B84-9135-C0E6A5E9FBB3}" type="datetimeFigureOut">
               <a:rPr lang="en-US" smtClean="0"/>
-              <a:t>10/1/2025</a:t>
+              <a:t>10/9/2025</a:t>
             </a:fld>
             <a:endParaRPr lang="en-US"/>
           </a:p>
@@ -3046,7 +3058,7 @@
           <a:p>
             <a:fld id="{FC9FB2DD-DF35-4B84-9135-C0E6A5E9FBB3}" type="datetimeFigureOut">
               <a:rPr lang="en-US" smtClean="0"/>
-              <a:t>10/1/2025</a:t>
+              <a:t>10/9/2025</a:t>
             </a:fld>
             <a:endParaRPr lang="en-US"/>
           </a:p>
@@ -3287,7 +3299,7 @@
           <a:p>
             <a:fld id="{FC9FB2DD-DF35-4B84-9135-C0E6A5E9FBB3}" type="datetimeFigureOut">
               <a:rPr lang="en-US" smtClean="0"/>
-              <a:t>10/1/2025</a:t>
+              <a:t>10/9/2025</a:t>
             </a:fld>
             <a:endParaRPr lang="en-US"/>
           </a:p>
@@ -4597,19 +4609,19 @@
             <p:ph idx="1"/>
             <p:extLst>
               <p:ext uri="{D42A27DB-BD31-4B8C-83A1-F6EECF244321}">
-                <p14:modId xmlns:p14="http://schemas.microsoft.com/office/powerpoint/2010/main" val="468217349"/>
+                <p14:modId xmlns:p14="http://schemas.microsoft.com/office/powerpoint/2010/main" val="1470535764"/>
               </p:ext>
             </p:extLst>
           </p:nvPr>
         </p:nvGraphicFramePr>
         <p:xfrm>
           <a:off x="520117" y="213918"/>
-          <a:ext cx="10976994" cy="6542462"/>
+          <a:ext cx="10976994" cy="6537578"/>
         </p:xfrm>
         <a:graphic>
           <a:graphicData uri="http://schemas.openxmlformats.org/drawingml/2006/table">
             <a:tbl>
-              <a:tblPr/>
+              <a:tblPr firstRow="1"/>
               <a:tblGrid>
                 <a:gridCol w="2051109">
                   <a:extLst>
@@ -4647,6 +4659,136 @@
                     <a:lstStyle/>
                     <a:p>
                       <a:r>
+                        <a:rPr lang="en-US" sz="1600" b="1" i="1" dirty="0">
+                          <a:solidFill>
+                            <a:schemeClr val="accent2">
+                              <a:lumMod val="75000"/>
+                            </a:schemeClr>
+                          </a:solidFill>
+                        </a:rPr>
+                        <a:t>For  reference ….</a:t>
+                      </a:r>
+                    </a:p>
+                  </a:txBody>
+                  <a:tcPr marL="25596" marR="25596" marT="12798" marB="12798" anchor="ctr">
+                    <a:lnL>
+                      <a:noFill/>
+                    </a:lnL>
+                    <a:lnR>
+                      <a:noFill/>
+                    </a:lnR>
+                    <a:lnT>
+                      <a:noFill/>
+                    </a:lnT>
+                    <a:lnB>
+                      <a:noFill/>
+                    </a:lnB>
+                    <a:noFill/>
+                  </a:tcPr>
+                </a:tc>
+                <a:tc>
+                  <a:txBody>
+                    <a:bodyPr/>
+                    <a:lstStyle/>
+                    <a:p>
+                      <a:r>
+                        <a:rPr lang="en-US" sz="1600" b="1" i="1" dirty="0">
+                          <a:solidFill>
+                            <a:schemeClr val="accent2">
+                              <a:lumMod val="75000"/>
+                            </a:schemeClr>
+                          </a:solidFill>
+                        </a:rPr>
+                        <a:t>no need to </a:t>
+                      </a:r>
+                    </a:p>
+                  </a:txBody>
+                  <a:tcPr marL="25596" marR="25596" marT="12798" marB="12798" anchor="ctr">
+                    <a:lnL>
+                      <a:noFill/>
+                    </a:lnL>
+                    <a:lnR>
+                      <a:noFill/>
+                    </a:lnR>
+                    <a:lnT>
+                      <a:noFill/>
+                    </a:lnT>
+                    <a:lnB>
+                      <a:noFill/>
+                    </a:lnB>
+                    <a:noFill/>
+                  </a:tcPr>
+                </a:tc>
+                <a:tc>
+                  <a:txBody>
+                    <a:bodyPr/>
+                    <a:lstStyle/>
+                    <a:p>
+                      <a:r>
+                        <a:rPr lang="en-US" sz="1600" b="1" i="1" dirty="0">
+                          <a:solidFill>
+                            <a:schemeClr val="accent2">
+                              <a:lumMod val="75000"/>
+                            </a:schemeClr>
+                          </a:solidFill>
+                        </a:rPr>
+                        <a:t>memorize</a:t>
+                      </a:r>
+                    </a:p>
+                  </a:txBody>
+                  <a:tcPr marL="25596" marR="25596" marT="12798" marB="12798" anchor="ctr">
+                    <a:lnL>
+                      <a:noFill/>
+                    </a:lnL>
+                    <a:lnR>
+                      <a:noFill/>
+                    </a:lnR>
+                    <a:lnT>
+                      <a:noFill/>
+                    </a:lnT>
+                    <a:lnB>
+                      <a:noFill/>
+                    </a:lnB>
+                    <a:noFill/>
+                  </a:tcPr>
+                </a:tc>
+                <a:tc>
+                  <a:txBody>
+                    <a:bodyPr/>
+                    <a:lstStyle/>
+                    <a:p>
+                      <a:endParaRPr lang="en-US" sz="1600" b="1" dirty="0"/>
+                    </a:p>
+                  </a:txBody>
+                  <a:tcPr marL="25596" marR="25596" marT="12798" marB="12798" anchor="ctr">
+                    <a:lnL>
+                      <a:noFill/>
+                    </a:lnL>
+                    <a:lnR>
+                      <a:noFill/>
+                    </a:lnR>
+                    <a:lnT>
+                      <a:noFill/>
+                    </a:lnT>
+                    <a:lnB>
+                      <a:noFill/>
+                    </a:lnB>
+                    <a:noFill/>
+                  </a:tcPr>
+                </a:tc>
+                <a:extLst>
+                  <a:ext uri="{0D108BD9-81ED-4DB2-BD59-A6C34878D82A}">
+                    <a16:rowId xmlns:a16="http://schemas.microsoft.com/office/drawing/2014/main" val="2284735406"/>
+                  </a:ext>
+                </a:extLst>
+              </a:tr>
+              <a:tr h="197991">
+                <a:tc>
+                  <a:txBody>
+                    <a:bodyPr/>
+                    <a:lstStyle/>
+                    <a:p>
+                      <a:r>
                         <a:rPr lang="en-US" sz="1600" b="1" dirty="0"/>
                         <a:t>Type Name</a:t>
                       </a:r>
@@ -5134,7 +5276,7 @@
                     <a:lstStyle/>
                     <a:p>
                       <a:r>
-                        <a:rPr lang="en-US" sz="1800" b="0"/>
+                        <a:rPr lang="en-US" sz="1800" b="0" dirty="0"/>
                         <a:t>1</a:t>
                       </a:r>
                     </a:p>
@@ -5191,10 +5333,6 @@
                         <a:rPr lang="en-US" sz="1800" b="0" dirty="0"/>
                         <a:t>-128 to 127 by default</a:t>
                       </a:r>
-                      <a:br>
-                        <a:rPr lang="en-US" sz="1800" b="0" dirty="0"/>
-                      </a:br>
-                      <a:endParaRPr lang="en-US" sz="1800" b="0" dirty="0"/>
                     </a:p>
                   </a:txBody>
                   <a:tcPr marL="25596" marR="25596" marT="12798" marB="12798" anchor="ctr">
@@ -5909,7 +6047,7 @@
                   </a:ext>
                 </a:extLst>
               </a:tr>
-              <a:tr h="363469">
+              <a:tr h="408955">
                 <a:tc>
                   <a:txBody>
                     <a:bodyPr/>
@@ -8739,7 +8877,7 @@
           <p:cNvPr id="2" name="Title 1">
             <a:extLst>
               <a:ext uri="{FF2B5EF4-FFF2-40B4-BE49-F238E27FC236}">
-                <a16:creationId xmlns:a16="http://schemas.microsoft.com/office/drawing/2014/main" id="{7F3F2022-DBA0-F8BB-70DA-B01A01136D53}"/>
+                <a16:creationId xmlns:a16="http://schemas.microsoft.com/office/drawing/2014/main" id="{E200E8C3-C253-A4E1-D6C6-22F92DEF5E6D}"/>
               </a:ext>
             </a:extLst>
           </p:cNvPr>
@@ -8757,126 +8895,17 @@
           <a:p>
             <a:r>
               <a:rPr lang="en-US" dirty="0"/>
-              <a:t>string data type</a:t>
-            </a:r>
-          </a:p>
-        </p:txBody>
-      </p:sp>
-      <p:sp>
-        <p:nvSpPr>
-          <p:cNvPr id="3" name="Content Placeholder 2">
-            <a:extLst>
-              <a:ext uri="{FF2B5EF4-FFF2-40B4-BE49-F238E27FC236}">
-                <a16:creationId xmlns:a16="http://schemas.microsoft.com/office/drawing/2014/main" id="{12C7C63C-7B86-C453-D132-93C8AB055AC5}"/>
-              </a:ext>
-            </a:extLst>
-          </p:cNvPr>
-          <p:cNvSpPr>
-            <a:spLocks noGrp="1"/>
-          </p:cNvSpPr>
-          <p:nvPr>
-            <p:ph idx="1"/>
-          </p:nvPr>
-        </p:nvSpPr>
-        <p:spPr/>
-        <p:txBody>
-          <a:bodyPr>
-            <a:normAutofit fontScale="92500" lnSpcReduction="10000"/>
-          </a:bodyPr>
-          <a:lstStyle/>
-          <a:p>
-            <a:r>
-              <a:rPr lang="en-US" dirty="0"/>
-              <a:t>We know </a:t>
-            </a:r>
-          </a:p>
-          <a:p>
-            <a:pPr lvl="1"/>
-            <a:r>
-              <a:rPr lang="en-US" dirty="0"/>
-              <a:t>Int , float , char</a:t>
-            </a:r>
-          </a:p>
-          <a:p>
-            <a:r>
-              <a:rPr lang="en-US" dirty="0"/>
-              <a:t>string </a:t>
-            </a:r>
-          </a:p>
-          <a:p>
-            <a:pPr lvl="1"/>
-            <a:r>
-              <a:rPr lang="en-US" dirty="0"/>
-              <a:t>Derived data type, </a:t>
-            </a:r>
-          </a:p>
-          <a:p>
-            <a:pPr lvl="1"/>
-            <a:r>
-              <a:rPr lang="en-US" dirty="0"/>
-              <a:t>Useful for names, description etc. </a:t>
-            </a:r>
-          </a:p>
-          <a:p>
-            <a:r>
-              <a:rPr lang="en-US" dirty="0"/>
-              <a:t>Header </a:t>
-            </a:r>
-          </a:p>
-          <a:p>
-            <a:pPr lvl="1"/>
-            <a:r>
-              <a:rPr lang="en-US" dirty="0"/>
-              <a:t>#include&lt;string&gt;</a:t>
-            </a:r>
-          </a:p>
-          <a:p>
-            <a:r>
-              <a:rPr lang="en-US" dirty="0"/>
-              <a:t>Usage </a:t>
-            </a:r>
-          </a:p>
-          <a:p>
-            <a:pPr lvl="1"/>
-            <a:r>
-              <a:rPr lang="en-US" dirty="0"/>
-              <a:t>string name;</a:t>
-            </a:r>
-          </a:p>
-          <a:p>
-            <a:pPr lvl="1"/>
-            <a:r>
-              <a:rPr lang="en-US" dirty="0" err="1"/>
-              <a:t>cin</a:t>
-            </a:r>
-            <a:r>
-              <a:rPr lang="en-US" dirty="0"/>
-              <a:t> &gt;&gt; name;</a:t>
-            </a:r>
-          </a:p>
-          <a:p>
-            <a:pPr lvl="1"/>
-            <a:r>
-              <a:rPr lang="en-US" dirty="0" err="1"/>
-              <a:t>cout</a:t>
-            </a:r>
-            <a:r>
-              <a:rPr lang="en-US" dirty="0"/>
-              <a:t> &lt;&lt;name;</a:t>
-            </a:r>
-            <a:br>
-              <a:rPr lang="en-US" dirty="0"/>
-            </a:br>
-            <a:endParaRPr lang="en-US" dirty="0"/>
-          </a:p>
-        </p:txBody>
-      </p:sp>
-      <p:sp>
-        <p:nvSpPr>
-          <p:cNvPr id="4" name="Footer Placeholder 3">
-            <a:extLst>
-              <a:ext uri="{FF2B5EF4-FFF2-40B4-BE49-F238E27FC236}">
-                <a16:creationId xmlns:a16="http://schemas.microsoft.com/office/drawing/2014/main" id="{975DF1C2-BCB7-988E-2E18-DF5C6412B181}"/>
+              <a:t>Assignment : Mad libs story</a:t>
+            </a:r>
+          </a:p>
+        </p:txBody>
+      </p:sp>
+      <p:sp>
+        <p:nvSpPr>
+          <p:cNvPr id="5" name="Footer Placeholder 4">
+            <a:extLst>
+              <a:ext uri="{FF2B5EF4-FFF2-40B4-BE49-F238E27FC236}">
+                <a16:creationId xmlns:a16="http://schemas.microsoft.com/office/drawing/2014/main" id="{6A9D101D-5C2D-690A-2C0C-5EF5EBF5D15E}"/>
               </a:ext>
             </a:extLst>
           </p:cNvPr>
@@ -8899,10 +8928,40 @@
           </a:p>
         </p:txBody>
       </p:sp>
+      <p:pic>
+        <p:nvPicPr>
+          <p:cNvPr id="6" name="Picture 5">
+            <a:extLst>
+              <a:ext uri="{FF2B5EF4-FFF2-40B4-BE49-F238E27FC236}">
+                <a16:creationId xmlns:a16="http://schemas.microsoft.com/office/drawing/2014/main" id="{7F72BD80-CC89-E730-0882-E6A70752294D}"/>
+              </a:ext>
+            </a:extLst>
+          </p:cNvPr>
+          <p:cNvPicPr>
+            <a:picLocks noChangeAspect="1"/>
+          </p:cNvPicPr>
+          <p:nvPr/>
+        </p:nvPicPr>
+        <p:blipFill>
+          <a:blip r:embed="rId2"/>
+          <a:stretch>
+            <a:fillRect/>
+          </a:stretch>
+        </p:blipFill>
+        <p:spPr>
+          <a:xfrm>
+            <a:off x="838200" y="1931182"/>
+            <a:ext cx="8124176" cy="4080028"/>
+          </a:xfrm>
+          <a:prstGeom prst="rect">
+            <a:avLst/>
+          </a:prstGeom>
+        </p:spPr>
+      </p:pic>
     </p:spTree>
     <p:extLst>
       <p:ext uri="{BB962C8B-B14F-4D97-AF65-F5344CB8AC3E}">
-        <p14:creationId xmlns:p14="http://schemas.microsoft.com/office/powerpoint/2010/main" val="4193919016"/>
+        <p14:creationId xmlns:p14="http://schemas.microsoft.com/office/powerpoint/2010/main" val="2059197913"/>
       </p:ext>
     </p:extLst>
   </p:cSld>
@@ -8934,7 +8993,7 @@
           <p:cNvPr id="2" name="Title 1">
             <a:extLst>
               <a:ext uri="{FF2B5EF4-FFF2-40B4-BE49-F238E27FC236}">
-                <a16:creationId xmlns:a16="http://schemas.microsoft.com/office/drawing/2014/main" id="{E200E8C3-C253-A4E1-D6C6-22F92DEF5E6D}"/>
+                <a16:creationId xmlns:a16="http://schemas.microsoft.com/office/drawing/2014/main" id="{C0EFF876-DCA9-DDF0-8507-EDCB5ABEB682}"/>
               </a:ext>
             </a:extLst>
           </p:cNvPr>
@@ -8952,7 +9011,7 @@
           <a:p>
             <a:r>
               <a:rPr lang="en-US" dirty="0"/>
-              <a:t>Assignment : Mad libs story</a:t>
+              <a:t>Boss Assignment</a:t>
             </a:r>
           </a:p>
         </p:txBody>
@@ -8962,7 +9021,7 @@
           <p:cNvPr id="3" name="Content Placeholder 2">
             <a:extLst>
               <a:ext uri="{FF2B5EF4-FFF2-40B4-BE49-F238E27FC236}">
-                <a16:creationId xmlns:a16="http://schemas.microsoft.com/office/drawing/2014/main" id="{B5C51557-5BD8-5906-AACF-13A27654F922}"/>
+                <a16:creationId xmlns:a16="http://schemas.microsoft.com/office/drawing/2014/main" id="{2431AECC-DEFA-FF48-C9D3-F60CED7C59C1}"/>
               </a:ext>
             </a:extLst>
           </p:cNvPr>
@@ -8980,2407 +9039,167 @@
           </a:bodyPr>
           <a:lstStyle/>
           <a:p>
-            <a:pPr marL="0" indent="0">
+            <a:r>
+              <a:rPr lang="en-US" dirty="0"/>
+              <a:t>Input student details </a:t>
+            </a:r>
+          </a:p>
+          <a:p>
+            <a:pPr lvl="1"/>
+            <a:r>
+              <a:rPr lang="en-US" dirty="0"/>
+              <a:t>Student Name</a:t>
+            </a:r>
+          </a:p>
+          <a:p>
+            <a:pPr lvl="1"/>
+            <a:r>
+              <a:rPr lang="en-US" dirty="0"/>
+              <a:t>Subject name </a:t>
+            </a:r>
+          </a:p>
+          <a:p>
+            <a:pPr lvl="1"/>
+            <a:r>
+              <a:rPr lang="en-US" dirty="0"/>
+              <a:t>Marks ( out of 100)</a:t>
+            </a:r>
+          </a:p>
+          <a:p>
+            <a:r>
+              <a:rPr lang="en-US" dirty="0"/>
+              <a:t>Process</a:t>
+            </a:r>
+          </a:p>
+          <a:p>
+            <a:pPr lvl="1"/>
+            <a:r>
+              <a:rPr lang="en-US" dirty="0"/>
+              <a:t>Find grade using this table </a:t>
+            </a:r>
+          </a:p>
+          <a:p>
+            <a:pPr lvl="1"/>
+            <a:r>
+              <a:rPr lang="en-US" dirty="0"/>
+              <a:t>90 &lt;marks </a:t>
+            </a:r>
+            <a:r>
+              <a:rPr lang="en-US" dirty="0">
+                <a:sym typeface="Wingdings" panose="05000000000000000000" pitchFamily="2" charset="2"/>
+              </a:rPr>
+              <a:t>A</a:t>
+            </a:r>
+          </a:p>
+          <a:p>
+            <a:pPr lvl="1"/>
+            <a:r>
+              <a:rPr lang="en-US" dirty="0">
+                <a:sym typeface="Wingdings" panose="05000000000000000000" pitchFamily="2" charset="2"/>
+              </a:rPr>
+              <a:t>75 &lt;= marks &lt; 90  B</a:t>
+            </a:r>
+          </a:p>
+          <a:p>
+            <a:pPr lvl="1"/>
+            <a:r>
+              <a:rPr lang="en-US" dirty="0">
+                <a:sym typeface="Wingdings" panose="05000000000000000000" pitchFamily="2" charset="2"/>
+              </a:rPr>
+              <a:t>60 &lt;= marks &lt;=74 C</a:t>
+            </a:r>
+          </a:p>
+          <a:p>
+            <a:pPr lvl="1"/>
+            <a:r>
+              <a:rPr lang="en-US" dirty="0">
+                <a:sym typeface="Wingdings" panose="05000000000000000000" pitchFamily="2" charset="2"/>
+              </a:rPr>
+              <a:t>marks &lt;60 D</a:t>
+            </a:r>
+          </a:p>
+          <a:p>
+            <a:r>
+              <a:rPr lang="en-US" dirty="0">
+                <a:sym typeface="Wingdings" panose="05000000000000000000" pitchFamily="2" charset="2"/>
+              </a:rPr>
+              <a:t>Output</a:t>
+            </a:r>
+          </a:p>
+          <a:p>
+            <a:pPr lvl="1"/>
+            <a:r>
+              <a:rPr lang="en-US" dirty="0">
+                <a:sym typeface="Wingdings" panose="05000000000000000000" pitchFamily="2" charset="2"/>
+              </a:rPr>
+              <a:t>Grade for the student</a:t>
+            </a:r>
+          </a:p>
+          <a:p>
+            <a:r>
+              <a:rPr lang="en-US" dirty="0">
+                <a:sym typeface="Wingdings" panose="05000000000000000000" pitchFamily="2" charset="2"/>
+              </a:rPr>
+              <a:t>Challenge</a:t>
+            </a:r>
+          </a:p>
+          <a:p>
+            <a:pPr lvl="1"/>
+            <a:r>
+              <a:rPr lang="en-US" dirty="0">
+                <a:sym typeface="Wingdings" panose="05000000000000000000" pitchFamily="2" charset="2"/>
+              </a:rPr>
+              <a:t>Enter multiple students, print how many students had A, B , C and D grades each. </a:t>
+            </a:r>
+          </a:p>
+          <a:p>
+            <a:r>
+              <a:rPr lang="en-US" dirty="0">
+                <a:sym typeface="Wingdings" panose="05000000000000000000" pitchFamily="2" charset="2"/>
+              </a:rPr>
+              <a:t>Hint </a:t>
+            </a:r>
+          </a:p>
+          <a:p>
+            <a:pPr lvl="1"/>
+            <a:r>
+              <a:rPr lang="en-US" dirty="0">
+                <a:sym typeface="Wingdings" panose="05000000000000000000" pitchFamily="2" charset="2"/>
+              </a:rPr>
+              <a:t>Need to know conditional (if-else)</a:t>
+            </a:r>
+          </a:p>
+          <a:p>
+            <a:pPr lvl="1"/>
+            <a:r>
+              <a:rPr lang="en-US" dirty="0">
+                <a:sym typeface="Wingdings" panose="05000000000000000000" pitchFamily="2" charset="2"/>
+              </a:rPr>
+              <a:t>May need to know loop (while)</a:t>
+            </a:r>
+          </a:p>
+          <a:p>
+            <a:pPr lvl="1"/>
+            <a:endParaRPr lang="en-US" dirty="0"/>
+          </a:p>
+          <a:p>
+            <a:pPr marL="914400" lvl="2" indent="0">
               <a:buNone/>
             </a:pPr>
-            <a:br>
-              <a:rPr lang="en-US" sz="1800" dirty="0">
-                <a:solidFill>
-                  <a:srgbClr val="5B5B5B"/>
-                </a:solidFill>
-                <a:effectLst/>
-                <a:latin typeface="Cascadia Mono" panose="020B0609020000020004" pitchFamily="49" charset="0"/>
-              </a:rPr>
-            </a:br>
-            <a:r>
-              <a:rPr lang="en-US" sz="1800" dirty="0">
-                <a:solidFill>
-                  <a:srgbClr val="5B5B5B"/>
-                </a:solidFill>
-                <a:effectLst/>
-                <a:latin typeface="Cascadia Mono" panose="020B0609020000020004" pitchFamily="49" charset="0"/>
-              </a:rPr>
-              <a:t>#include</a:t>
-            </a:r>
-            <a:r>
-              <a:rPr lang="en-US" sz="1800" dirty="0">
-                <a:solidFill>
-                  <a:srgbClr val="000000"/>
-                </a:solidFill>
-                <a:effectLst/>
-                <a:latin typeface="Cascadia Mono" panose="020B0609020000020004" pitchFamily="49" charset="0"/>
-              </a:rPr>
-              <a:t> </a:t>
-            </a:r>
-            <a:r>
-              <a:rPr lang="en-US" sz="1800" dirty="0">
-                <a:solidFill>
-                  <a:srgbClr val="E21F1F"/>
-                </a:solidFill>
-                <a:effectLst/>
-                <a:latin typeface="Cascadia Mono" panose="020B0609020000020004" pitchFamily="49" charset="0"/>
-              </a:rPr>
-              <a:t>&lt;</a:t>
-            </a:r>
-            <a:r>
-              <a:rPr lang="en-US" sz="1800" dirty="0">
-                <a:solidFill>
-                  <a:srgbClr val="A31515"/>
-                </a:solidFill>
-                <a:effectLst/>
-                <a:latin typeface="Cascadia Mono" panose="020B0609020000020004" pitchFamily="49" charset="0"/>
-              </a:rPr>
-              <a:t>iostream</a:t>
-            </a:r>
-            <a:r>
-              <a:rPr lang="en-US" sz="1800" dirty="0">
-                <a:solidFill>
-                  <a:srgbClr val="E21F1F"/>
-                </a:solidFill>
-                <a:effectLst/>
-                <a:latin typeface="Cascadia Mono" panose="020B0609020000020004" pitchFamily="49" charset="0"/>
-              </a:rPr>
-              <a:t>&gt;</a:t>
-            </a:r>
-            <a:r>
-              <a:rPr lang="en-US" sz="1800" dirty="0">
-                <a:solidFill>
-                  <a:srgbClr val="000000"/>
-                </a:solidFill>
-                <a:effectLst/>
-                <a:latin typeface="Cascadia Mono" panose="020B0609020000020004" pitchFamily="49" charset="0"/>
-              </a:rPr>
-              <a:t> </a:t>
-            </a:r>
-            <a:r>
-              <a:rPr lang="en-US" sz="1800" dirty="0">
-                <a:solidFill>
-                  <a:srgbClr val="066555"/>
-                </a:solidFill>
-                <a:effectLst/>
-                <a:latin typeface="Cascadia Mono" panose="020B0609020000020004" pitchFamily="49" charset="0"/>
-              </a:rPr>
-              <a:t>// Required for input/output operations (</a:t>
-            </a:r>
-            <a:r>
-              <a:rPr lang="en-US" sz="1800" dirty="0" err="1">
-                <a:solidFill>
-                  <a:srgbClr val="066555"/>
-                </a:solidFill>
-                <a:effectLst/>
-                <a:latin typeface="Cascadia Mono" panose="020B0609020000020004" pitchFamily="49" charset="0"/>
-              </a:rPr>
-              <a:t>cout</a:t>
-            </a:r>
-            <a:r>
-              <a:rPr lang="en-US" sz="1800" dirty="0">
-                <a:solidFill>
-                  <a:srgbClr val="066555"/>
-                </a:solidFill>
-                <a:effectLst/>
-                <a:latin typeface="Cascadia Mono" panose="020B0609020000020004" pitchFamily="49" charset="0"/>
-              </a:rPr>
-              <a:t>, </a:t>
-            </a:r>
-            <a:r>
-              <a:rPr lang="en-US" sz="1800" dirty="0" err="1">
-                <a:solidFill>
-                  <a:srgbClr val="066555"/>
-                </a:solidFill>
-                <a:effectLst/>
-                <a:latin typeface="Cascadia Mono" panose="020B0609020000020004" pitchFamily="49" charset="0"/>
-              </a:rPr>
-              <a:t>cin</a:t>
-            </a:r>
-            <a:r>
-              <a:rPr lang="en-US" sz="1800" dirty="0">
-                <a:solidFill>
-                  <a:srgbClr val="066555"/>
-                </a:solidFill>
-                <a:effectLst/>
-                <a:latin typeface="Cascadia Mono" panose="020B0609020000020004" pitchFamily="49" charset="0"/>
-              </a:rPr>
-              <a:t>)</a:t>
-            </a:r>
-            <a:br>
-              <a:rPr lang="en-US" sz="1800" dirty="0">
-                <a:solidFill>
-                  <a:srgbClr val="000000"/>
-                </a:solidFill>
-                <a:effectLst/>
-                <a:latin typeface="Cascadia Mono" panose="020B0609020000020004" pitchFamily="49" charset="0"/>
-              </a:rPr>
-            </a:br>
-            <a:r>
-              <a:rPr lang="en-US" sz="1800" dirty="0">
-                <a:solidFill>
-                  <a:srgbClr val="5B5B5B"/>
-                </a:solidFill>
-                <a:effectLst/>
-                <a:latin typeface="Cascadia Mono" panose="020B0609020000020004" pitchFamily="49" charset="0"/>
-              </a:rPr>
-              <a:t>#include</a:t>
-            </a:r>
-            <a:r>
-              <a:rPr lang="en-US" sz="1800" dirty="0">
-                <a:solidFill>
-                  <a:srgbClr val="000000"/>
-                </a:solidFill>
-                <a:effectLst/>
-                <a:latin typeface="Cascadia Mono" panose="020B0609020000020004" pitchFamily="49" charset="0"/>
-              </a:rPr>
-              <a:t> </a:t>
-            </a:r>
-            <a:r>
-              <a:rPr lang="en-US" sz="1800" dirty="0">
-                <a:solidFill>
-                  <a:srgbClr val="E21F1F"/>
-                </a:solidFill>
-                <a:effectLst/>
-                <a:latin typeface="Cascadia Mono" panose="020B0609020000020004" pitchFamily="49" charset="0"/>
-              </a:rPr>
-              <a:t>&lt;</a:t>
-            </a:r>
-            <a:r>
-              <a:rPr lang="en-US" sz="1800" dirty="0">
-                <a:solidFill>
-                  <a:srgbClr val="A31515"/>
-                </a:solidFill>
-                <a:effectLst/>
-                <a:latin typeface="Cascadia Mono" panose="020B0609020000020004" pitchFamily="49" charset="0"/>
-              </a:rPr>
-              <a:t>string</a:t>
-            </a:r>
-            <a:r>
-              <a:rPr lang="en-US" sz="1800" dirty="0">
-                <a:solidFill>
-                  <a:srgbClr val="E21F1F"/>
-                </a:solidFill>
-                <a:effectLst/>
-                <a:latin typeface="Cascadia Mono" panose="020B0609020000020004" pitchFamily="49" charset="0"/>
-              </a:rPr>
-              <a:t>&gt;</a:t>
-            </a:r>
-            <a:r>
-              <a:rPr lang="en-US" sz="1800" dirty="0">
-                <a:solidFill>
-                  <a:srgbClr val="000000"/>
-                </a:solidFill>
-                <a:effectLst/>
-                <a:latin typeface="Cascadia Mono" panose="020B0609020000020004" pitchFamily="49" charset="0"/>
-              </a:rPr>
-              <a:t>   </a:t>
-            </a:r>
-            <a:r>
-              <a:rPr lang="en-US" sz="1800" dirty="0">
-                <a:solidFill>
-                  <a:srgbClr val="066555"/>
-                </a:solidFill>
-                <a:effectLst/>
-                <a:latin typeface="Cascadia Mono" panose="020B0609020000020004" pitchFamily="49" charset="0"/>
-              </a:rPr>
-              <a:t>// Required for using string data type</a:t>
-            </a:r>
-            <a:br>
-              <a:rPr lang="en-US" sz="1800" dirty="0">
-                <a:solidFill>
-                  <a:srgbClr val="000000"/>
-                </a:solidFill>
-                <a:effectLst/>
-                <a:latin typeface="Cascadia Mono" panose="020B0609020000020004" pitchFamily="49" charset="0"/>
-              </a:rPr>
-            </a:br>
-            <a:r>
-              <a:rPr lang="en-US" sz="1800" dirty="0">
-                <a:solidFill>
-                  <a:srgbClr val="000000"/>
-                </a:solidFill>
-                <a:effectLst/>
-                <a:latin typeface="Cascadia Mono" panose="020B0609020000020004" pitchFamily="49" charset="0"/>
-              </a:rPr>
-              <a:t> </a:t>
-            </a:r>
-            <a:br>
-              <a:rPr lang="en-US" sz="1800" dirty="0">
-                <a:solidFill>
-                  <a:srgbClr val="000000"/>
-                </a:solidFill>
-                <a:effectLst/>
-                <a:latin typeface="Cascadia Mono" panose="020B0609020000020004" pitchFamily="49" charset="0"/>
-              </a:rPr>
-            </a:br>
-            <a:r>
-              <a:rPr lang="en-US" sz="1800" dirty="0">
-                <a:solidFill>
-                  <a:srgbClr val="0000FF"/>
-                </a:solidFill>
-                <a:effectLst/>
-                <a:latin typeface="Cascadia Mono" panose="020B0609020000020004" pitchFamily="49" charset="0"/>
-              </a:rPr>
-              <a:t>int</a:t>
-            </a:r>
-            <a:r>
-              <a:rPr lang="en-US" sz="1800" dirty="0">
-                <a:solidFill>
-                  <a:srgbClr val="000000"/>
-                </a:solidFill>
-                <a:effectLst/>
-                <a:latin typeface="Cascadia Mono" panose="020B0609020000020004" pitchFamily="49" charset="0"/>
-              </a:rPr>
-              <a:t> </a:t>
-            </a:r>
-            <a:r>
-              <a:rPr lang="en-US" sz="1800" dirty="0">
-                <a:solidFill>
-                  <a:srgbClr val="74531F"/>
-                </a:solidFill>
-                <a:effectLst/>
-                <a:latin typeface="Cascadia Mono" panose="020B0609020000020004" pitchFamily="49" charset="0"/>
-              </a:rPr>
-              <a:t>main</a:t>
-            </a:r>
-            <a:r>
-              <a:rPr lang="en-US" sz="1800" dirty="0">
-                <a:solidFill>
-                  <a:srgbClr val="000000"/>
-                </a:solidFill>
-                <a:effectLst/>
-                <a:latin typeface="Cascadia Mono" panose="020B0609020000020004" pitchFamily="49" charset="0"/>
-              </a:rPr>
-              <a:t>() {</a:t>
-            </a:r>
-            <a:br>
-              <a:rPr lang="en-US" sz="1800" dirty="0">
-                <a:solidFill>
-                  <a:srgbClr val="000000"/>
-                </a:solidFill>
-                <a:effectLst/>
-                <a:latin typeface="Cascadia Mono" panose="020B0609020000020004" pitchFamily="49" charset="0"/>
-              </a:rPr>
-            </a:br>
-            <a:br>
-              <a:rPr lang="en-US" sz="1800" dirty="0">
-                <a:solidFill>
-                  <a:srgbClr val="000000"/>
-                </a:solidFill>
-                <a:effectLst/>
-                <a:latin typeface="Cascadia Mono" panose="020B0609020000020004" pitchFamily="49" charset="0"/>
-              </a:rPr>
-            </a:br>
-            <a:r>
-              <a:rPr lang="en-US" sz="1800" dirty="0">
-                <a:solidFill>
-                  <a:srgbClr val="000000"/>
-                </a:solidFill>
-                <a:effectLst/>
-                <a:latin typeface="Cascadia Mono" panose="020B0609020000020004" pitchFamily="49" charset="0"/>
-              </a:rPr>
-              <a:t>        std::</a:t>
-            </a:r>
-            <a:r>
-              <a:rPr lang="en-US" sz="1800" dirty="0">
-                <a:solidFill>
-                  <a:srgbClr val="066555"/>
-                </a:solidFill>
-                <a:effectLst/>
-                <a:latin typeface="Cascadia Mono" panose="020B0609020000020004" pitchFamily="49" charset="0"/>
-              </a:rPr>
-              <a:t>string</a:t>
-            </a:r>
-            <a:r>
-              <a:rPr lang="en-US" sz="1800" dirty="0">
-                <a:solidFill>
-                  <a:srgbClr val="000000"/>
-                </a:solidFill>
-                <a:effectLst/>
-                <a:latin typeface="Cascadia Mono" panose="020B0609020000020004" pitchFamily="49" charset="0"/>
-              </a:rPr>
-              <a:t> </a:t>
-            </a:r>
-            <a:r>
-              <a:rPr lang="en-US" sz="1800" dirty="0">
-                <a:solidFill>
-                  <a:srgbClr val="1F377F"/>
-                </a:solidFill>
-                <a:effectLst/>
-                <a:latin typeface="Cascadia Mono" panose="020B0609020000020004" pitchFamily="49" charset="0"/>
-              </a:rPr>
-              <a:t>adjective1</a:t>
-            </a:r>
-            <a:r>
-              <a:rPr lang="en-US" sz="1800" dirty="0">
-                <a:solidFill>
-                  <a:srgbClr val="000000"/>
-                </a:solidFill>
-                <a:effectLst/>
-                <a:latin typeface="Cascadia Mono" panose="020B0609020000020004" pitchFamily="49" charset="0"/>
-              </a:rPr>
-              <a:t>, </a:t>
-            </a:r>
-            <a:r>
-              <a:rPr lang="en-US" sz="1800" dirty="0">
-                <a:solidFill>
-                  <a:srgbClr val="1F377F"/>
-                </a:solidFill>
-                <a:effectLst/>
-                <a:latin typeface="Cascadia Mono" panose="020B0609020000020004" pitchFamily="49" charset="0"/>
-              </a:rPr>
-              <a:t>noun1</a:t>
-            </a:r>
-            <a:r>
-              <a:rPr lang="en-US" sz="1800" dirty="0">
-                <a:solidFill>
-                  <a:srgbClr val="000000"/>
-                </a:solidFill>
-                <a:effectLst/>
-                <a:latin typeface="Cascadia Mono" panose="020B0609020000020004" pitchFamily="49" charset="0"/>
-              </a:rPr>
-              <a:t>, </a:t>
-            </a:r>
-            <a:r>
-              <a:rPr lang="en-US" sz="1800" dirty="0">
-                <a:solidFill>
-                  <a:srgbClr val="1F377F"/>
-                </a:solidFill>
-                <a:effectLst/>
-                <a:latin typeface="Cascadia Mono" panose="020B0609020000020004" pitchFamily="49" charset="0"/>
-              </a:rPr>
-              <a:t>verb1</a:t>
-            </a:r>
-            <a:r>
-              <a:rPr lang="en-US" sz="1800" dirty="0">
-                <a:solidFill>
-                  <a:srgbClr val="000000"/>
-                </a:solidFill>
-                <a:effectLst/>
-                <a:latin typeface="Cascadia Mono" panose="020B0609020000020004" pitchFamily="49" charset="0"/>
-              </a:rPr>
-              <a:t>, </a:t>
-            </a:r>
-            <a:r>
-              <a:rPr lang="en-US" sz="1800" dirty="0">
-                <a:solidFill>
-                  <a:srgbClr val="1F377F"/>
-                </a:solidFill>
-                <a:effectLst/>
-                <a:latin typeface="Cascadia Mono" panose="020B0609020000020004" pitchFamily="49" charset="0"/>
-              </a:rPr>
-              <a:t>adjective2</a:t>
-            </a:r>
-            <a:r>
-              <a:rPr lang="en-US" sz="1800" dirty="0">
-                <a:solidFill>
-                  <a:srgbClr val="000000"/>
-                </a:solidFill>
-                <a:effectLst/>
-                <a:latin typeface="Cascadia Mono" panose="020B0609020000020004" pitchFamily="49" charset="0"/>
-              </a:rPr>
-              <a:t>, </a:t>
-            </a:r>
-            <a:r>
-              <a:rPr lang="en-US" sz="1800" dirty="0">
-                <a:solidFill>
-                  <a:srgbClr val="1F377F"/>
-                </a:solidFill>
-                <a:effectLst/>
-                <a:latin typeface="Cascadia Mono" panose="020B0609020000020004" pitchFamily="49" charset="0"/>
-              </a:rPr>
-              <a:t>noun2</a:t>
-            </a:r>
-            <a:r>
-              <a:rPr lang="en-US" sz="1800" dirty="0">
-                <a:solidFill>
-                  <a:srgbClr val="000000"/>
-                </a:solidFill>
-                <a:effectLst/>
-                <a:latin typeface="Cascadia Mono" panose="020B0609020000020004" pitchFamily="49" charset="0"/>
-              </a:rPr>
-              <a:t>;</a:t>
-            </a:r>
-            <a:br>
-              <a:rPr lang="en-US" sz="1800" dirty="0">
-                <a:solidFill>
-                  <a:srgbClr val="000000"/>
-                </a:solidFill>
-                <a:effectLst/>
-                <a:latin typeface="Cascadia Mono" panose="020B0609020000020004" pitchFamily="49" charset="0"/>
-              </a:rPr>
-            </a:br>
-            <a:r>
-              <a:rPr lang="en-US" sz="1800" dirty="0">
-                <a:solidFill>
-                  <a:srgbClr val="000000"/>
-                </a:solidFill>
-                <a:effectLst/>
-                <a:latin typeface="Cascadia Mono" panose="020B0609020000020004" pitchFamily="49" charset="0"/>
-              </a:rPr>
-              <a:t> </a:t>
-            </a:r>
-            <a:br>
-              <a:rPr lang="en-US" sz="1800" dirty="0">
-                <a:solidFill>
-                  <a:srgbClr val="000000"/>
-                </a:solidFill>
-                <a:effectLst/>
-                <a:latin typeface="Cascadia Mono" panose="020B0609020000020004" pitchFamily="49" charset="0"/>
-              </a:rPr>
-            </a:br>
-            <a:r>
-              <a:rPr lang="en-US" sz="1800" dirty="0">
-                <a:solidFill>
-                  <a:srgbClr val="000000"/>
-                </a:solidFill>
-                <a:effectLst/>
-                <a:latin typeface="Cascadia Mono" panose="020B0609020000020004" pitchFamily="49" charset="0"/>
-              </a:rPr>
-              <a:t>        </a:t>
-            </a:r>
-            <a:r>
-              <a:rPr lang="en-US" sz="1800" dirty="0">
-                <a:solidFill>
-                  <a:srgbClr val="066555"/>
-                </a:solidFill>
-                <a:effectLst/>
-                <a:latin typeface="Cascadia Mono" panose="020B0609020000020004" pitchFamily="49" charset="0"/>
-              </a:rPr>
-              <a:t>// Prompt the user for input and store it in the variables</a:t>
-            </a:r>
-            <a:br>
-              <a:rPr lang="en-US" sz="1800" dirty="0">
-                <a:solidFill>
-                  <a:srgbClr val="000000"/>
-                </a:solidFill>
-                <a:effectLst/>
-                <a:latin typeface="Cascadia Mono" panose="020B0609020000020004" pitchFamily="49" charset="0"/>
-              </a:rPr>
-            </a:br>
-            <a:r>
-              <a:rPr lang="en-US" sz="1800" dirty="0">
-                <a:solidFill>
-                  <a:srgbClr val="000000"/>
-                </a:solidFill>
-                <a:effectLst/>
-                <a:latin typeface="Cascadia Mono" panose="020B0609020000020004" pitchFamily="49" charset="0"/>
-              </a:rPr>
-              <a:t>        std::</a:t>
-            </a:r>
-            <a:r>
-              <a:rPr lang="en-US" sz="1800" dirty="0" err="1">
-                <a:solidFill>
-                  <a:srgbClr val="000000"/>
-                </a:solidFill>
-                <a:effectLst/>
-                <a:latin typeface="Cascadia Mono" panose="020B0609020000020004" pitchFamily="49" charset="0"/>
-              </a:rPr>
-              <a:t>cout</a:t>
-            </a:r>
-            <a:r>
-              <a:rPr lang="en-US" sz="1800" dirty="0">
-                <a:solidFill>
-                  <a:srgbClr val="000000"/>
-                </a:solidFill>
-                <a:effectLst/>
-                <a:latin typeface="Cascadia Mono" panose="020B0609020000020004" pitchFamily="49" charset="0"/>
-              </a:rPr>
-              <a:t> </a:t>
-            </a:r>
-            <a:r>
-              <a:rPr lang="en-US" sz="1800" dirty="0">
-                <a:solidFill>
-                  <a:srgbClr val="066555"/>
-                </a:solidFill>
-                <a:effectLst/>
-                <a:latin typeface="Cascadia Mono" panose="020B0609020000020004" pitchFamily="49" charset="0"/>
-              </a:rPr>
-              <a:t>&lt;&lt;</a:t>
-            </a:r>
-            <a:r>
-              <a:rPr lang="en-US" sz="1800" dirty="0">
-                <a:solidFill>
-                  <a:srgbClr val="000000"/>
-                </a:solidFill>
-                <a:effectLst/>
-                <a:latin typeface="Cascadia Mono" panose="020B0609020000020004" pitchFamily="49" charset="0"/>
-              </a:rPr>
-              <a:t> </a:t>
-            </a:r>
-            <a:r>
-              <a:rPr lang="en-US" sz="1800" dirty="0">
-                <a:solidFill>
-                  <a:srgbClr val="E21F1F"/>
-                </a:solidFill>
-                <a:effectLst/>
-                <a:latin typeface="Cascadia Mono" panose="020B0609020000020004" pitchFamily="49" charset="0"/>
-              </a:rPr>
-              <a:t>"</a:t>
-            </a:r>
-            <a:r>
-              <a:rPr lang="en-US" sz="1800" dirty="0">
-                <a:solidFill>
-                  <a:srgbClr val="A31515"/>
-                </a:solidFill>
-                <a:effectLst/>
-                <a:latin typeface="Cascadia Mono" panose="020B0609020000020004" pitchFamily="49" charset="0"/>
-              </a:rPr>
-              <a:t>Enter an adjective: </a:t>
-            </a:r>
-            <a:r>
-              <a:rPr lang="en-US" sz="1800" dirty="0">
-                <a:solidFill>
-                  <a:srgbClr val="E21F1F"/>
-                </a:solidFill>
-                <a:effectLst/>
-                <a:latin typeface="Cascadia Mono" panose="020B0609020000020004" pitchFamily="49" charset="0"/>
-              </a:rPr>
-              <a:t>"</a:t>
-            </a:r>
-            <a:r>
-              <a:rPr lang="en-US" sz="1800" dirty="0">
-                <a:solidFill>
-                  <a:srgbClr val="000000"/>
-                </a:solidFill>
-                <a:effectLst/>
-                <a:latin typeface="Cascadia Mono" panose="020B0609020000020004" pitchFamily="49" charset="0"/>
-              </a:rPr>
-              <a:t>;</a:t>
-            </a:r>
-            <a:br>
-              <a:rPr lang="en-US" sz="1800" dirty="0">
-                <a:solidFill>
-                  <a:srgbClr val="000000"/>
-                </a:solidFill>
-                <a:effectLst/>
-                <a:latin typeface="Cascadia Mono" panose="020B0609020000020004" pitchFamily="49" charset="0"/>
-              </a:rPr>
-            </a:br>
-            <a:r>
-              <a:rPr lang="en-US" sz="1800" dirty="0">
-                <a:solidFill>
-                  <a:srgbClr val="000000"/>
-                </a:solidFill>
-                <a:effectLst/>
-                <a:latin typeface="Cascadia Mono" panose="020B0609020000020004" pitchFamily="49" charset="0"/>
-              </a:rPr>
-              <a:t>        std::</a:t>
-            </a:r>
-            <a:r>
-              <a:rPr lang="en-US" sz="1800" dirty="0" err="1">
-                <a:solidFill>
-                  <a:srgbClr val="000000"/>
-                </a:solidFill>
-                <a:effectLst/>
-                <a:latin typeface="Cascadia Mono" panose="020B0609020000020004" pitchFamily="49" charset="0"/>
-              </a:rPr>
-              <a:t>cin</a:t>
-            </a:r>
-            <a:r>
-              <a:rPr lang="en-US" sz="1800" dirty="0">
-                <a:solidFill>
-                  <a:srgbClr val="000000"/>
-                </a:solidFill>
-                <a:effectLst/>
-                <a:latin typeface="Cascadia Mono" panose="020B0609020000020004" pitchFamily="49" charset="0"/>
-              </a:rPr>
-              <a:t> </a:t>
-            </a:r>
-            <a:r>
-              <a:rPr lang="en-US" sz="1800" dirty="0">
-                <a:solidFill>
-                  <a:srgbClr val="066555"/>
-                </a:solidFill>
-                <a:effectLst/>
-                <a:latin typeface="Cascadia Mono" panose="020B0609020000020004" pitchFamily="49" charset="0"/>
-              </a:rPr>
-              <a:t>&gt;&gt;</a:t>
-            </a:r>
-            <a:r>
-              <a:rPr lang="en-US" sz="1800" dirty="0">
-                <a:solidFill>
-                  <a:srgbClr val="000000"/>
-                </a:solidFill>
-                <a:effectLst/>
-                <a:latin typeface="Cascadia Mono" panose="020B0609020000020004" pitchFamily="49" charset="0"/>
-              </a:rPr>
-              <a:t> </a:t>
-            </a:r>
-            <a:r>
-              <a:rPr lang="en-US" sz="1800" dirty="0">
-                <a:solidFill>
-                  <a:srgbClr val="1F377F"/>
-                </a:solidFill>
-                <a:effectLst/>
-                <a:latin typeface="Cascadia Mono" panose="020B0609020000020004" pitchFamily="49" charset="0"/>
-              </a:rPr>
-              <a:t>adjective1</a:t>
-            </a:r>
-            <a:r>
-              <a:rPr lang="en-US" sz="1800" dirty="0">
-                <a:solidFill>
-                  <a:srgbClr val="000000"/>
-                </a:solidFill>
-                <a:effectLst/>
-                <a:latin typeface="Cascadia Mono" panose="020B0609020000020004" pitchFamily="49" charset="0"/>
-              </a:rPr>
-              <a:t>;</a:t>
-            </a:r>
-            <a:br>
-              <a:rPr lang="en-US" sz="1800" dirty="0">
-                <a:solidFill>
-                  <a:srgbClr val="000000"/>
-                </a:solidFill>
-                <a:effectLst/>
-                <a:latin typeface="Cascadia Mono" panose="020B0609020000020004" pitchFamily="49" charset="0"/>
-              </a:rPr>
-            </a:br>
-            <a:r>
-              <a:rPr lang="en-US" sz="1800" dirty="0">
-                <a:solidFill>
-                  <a:srgbClr val="000000"/>
-                </a:solidFill>
-                <a:effectLst/>
-                <a:latin typeface="Cascadia Mono" panose="020B0609020000020004" pitchFamily="49" charset="0"/>
-              </a:rPr>
-              <a:t> </a:t>
-            </a:r>
-            <a:br>
-              <a:rPr lang="en-US" sz="1800" dirty="0">
-                <a:solidFill>
-                  <a:srgbClr val="000000"/>
-                </a:solidFill>
-                <a:effectLst/>
-                <a:latin typeface="Cascadia Mono" panose="020B0609020000020004" pitchFamily="49" charset="0"/>
-              </a:rPr>
-            </a:br>
-            <a:r>
-              <a:rPr lang="en-US" sz="1800" dirty="0">
-                <a:solidFill>
-                  <a:srgbClr val="000000"/>
-                </a:solidFill>
-                <a:effectLst/>
-                <a:latin typeface="Cascadia Mono" panose="020B0609020000020004" pitchFamily="49" charset="0"/>
-              </a:rPr>
-              <a:t>        std::</a:t>
-            </a:r>
-            <a:r>
-              <a:rPr lang="en-US" sz="1800" dirty="0" err="1">
-                <a:solidFill>
-                  <a:srgbClr val="000000"/>
-                </a:solidFill>
-                <a:effectLst/>
-                <a:latin typeface="Cascadia Mono" panose="020B0609020000020004" pitchFamily="49" charset="0"/>
-              </a:rPr>
-              <a:t>cout</a:t>
-            </a:r>
-            <a:r>
-              <a:rPr lang="en-US" sz="1800" dirty="0">
-                <a:solidFill>
-                  <a:srgbClr val="000000"/>
-                </a:solidFill>
-                <a:effectLst/>
-                <a:latin typeface="Cascadia Mono" panose="020B0609020000020004" pitchFamily="49" charset="0"/>
-              </a:rPr>
-              <a:t> </a:t>
-            </a:r>
-            <a:r>
-              <a:rPr lang="en-US" sz="1800" dirty="0">
-                <a:solidFill>
-                  <a:srgbClr val="066555"/>
-                </a:solidFill>
-                <a:effectLst/>
-                <a:latin typeface="Cascadia Mono" panose="020B0609020000020004" pitchFamily="49" charset="0"/>
-              </a:rPr>
-              <a:t>&lt;&lt;</a:t>
-            </a:r>
-            <a:r>
-              <a:rPr lang="en-US" sz="1800" dirty="0">
-                <a:solidFill>
-                  <a:srgbClr val="000000"/>
-                </a:solidFill>
-                <a:effectLst/>
-                <a:latin typeface="Cascadia Mono" panose="020B0609020000020004" pitchFamily="49" charset="0"/>
-              </a:rPr>
-              <a:t> </a:t>
-            </a:r>
-            <a:r>
-              <a:rPr lang="en-US" sz="1800" dirty="0">
-                <a:solidFill>
-                  <a:srgbClr val="E21F1F"/>
-                </a:solidFill>
-                <a:effectLst/>
-                <a:latin typeface="Cascadia Mono" panose="020B0609020000020004" pitchFamily="49" charset="0"/>
-              </a:rPr>
-              <a:t>"</a:t>
-            </a:r>
-            <a:r>
-              <a:rPr lang="en-US" sz="1800" dirty="0">
-                <a:solidFill>
-                  <a:srgbClr val="A31515"/>
-                </a:solidFill>
-                <a:effectLst/>
-                <a:latin typeface="Cascadia Mono" panose="020B0609020000020004" pitchFamily="49" charset="0"/>
-              </a:rPr>
-              <a:t>Enter a noun: </a:t>
-            </a:r>
-            <a:r>
-              <a:rPr lang="en-US" sz="1800" dirty="0">
-                <a:solidFill>
-                  <a:srgbClr val="E21F1F"/>
-                </a:solidFill>
-                <a:effectLst/>
-                <a:latin typeface="Cascadia Mono" panose="020B0609020000020004" pitchFamily="49" charset="0"/>
-              </a:rPr>
-              <a:t>"</a:t>
-            </a:r>
-            <a:r>
-              <a:rPr lang="en-US" sz="1800" dirty="0">
-                <a:solidFill>
-                  <a:srgbClr val="000000"/>
-                </a:solidFill>
-                <a:effectLst/>
-                <a:latin typeface="Cascadia Mono" panose="020B0609020000020004" pitchFamily="49" charset="0"/>
-              </a:rPr>
-              <a:t>;</a:t>
-            </a:r>
-            <a:br>
-              <a:rPr lang="en-US" sz="1800" dirty="0">
-                <a:solidFill>
-                  <a:srgbClr val="000000"/>
-                </a:solidFill>
-                <a:effectLst/>
-                <a:latin typeface="Cascadia Mono" panose="020B0609020000020004" pitchFamily="49" charset="0"/>
-              </a:rPr>
-            </a:br>
-            <a:r>
-              <a:rPr lang="en-US" sz="1800" dirty="0">
-                <a:solidFill>
-                  <a:srgbClr val="000000"/>
-                </a:solidFill>
-                <a:effectLst/>
-                <a:latin typeface="Cascadia Mono" panose="020B0609020000020004" pitchFamily="49" charset="0"/>
-              </a:rPr>
-              <a:t>        std::</a:t>
-            </a:r>
-            <a:r>
-              <a:rPr lang="en-US" sz="1800" dirty="0" err="1">
-                <a:solidFill>
-                  <a:srgbClr val="000000"/>
-                </a:solidFill>
-                <a:effectLst/>
-                <a:latin typeface="Cascadia Mono" panose="020B0609020000020004" pitchFamily="49" charset="0"/>
-              </a:rPr>
-              <a:t>cin</a:t>
-            </a:r>
-            <a:r>
-              <a:rPr lang="en-US" sz="1800" dirty="0">
-                <a:solidFill>
-                  <a:srgbClr val="000000"/>
-                </a:solidFill>
-                <a:effectLst/>
-                <a:latin typeface="Cascadia Mono" panose="020B0609020000020004" pitchFamily="49" charset="0"/>
-              </a:rPr>
-              <a:t> </a:t>
-            </a:r>
-            <a:r>
-              <a:rPr lang="en-US" sz="1800" dirty="0">
-                <a:solidFill>
-                  <a:srgbClr val="066555"/>
-                </a:solidFill>
-                <a:effectLst/>
-                <a:latin typeface="Cascadia Mono" panose="020B0609020000020004" pitchFamily="49" charset="0"/>
-              </a:rPr>
-              <a:t>&gt;&gt;</a:t>
-            </a:r>
-            <a:r>
-              <a:rPr lang="en-US" sz="1800" dirty="0">
-                <a:solidFill>
-                  <a:srgbClr val="000000"/>
-                </a:solidFill>
-                <a:effectLst/>
-                <a:latin typeface="Cascadia Mono" panose="020B0609020000020004" pitchFamily="49" charset="0"/>
-              </a:rPr>
-              <a:t> </a:t>
-            </a:r>
-            <a:r>
-              <a:rPr lang="en-US" sz="1800" dirty="0">
-                <a:solidFill>
-                  <a:srgbClr val="1F377F"/>
-                </a:solidFill>
-                <a:effectLst/>
-                <a:latin typeface="Cascadia Mono" panose="020B0609020000020004" pitchFamily="49" charset="0"/>
-              </a:rPr>
-              <a:t>noun1</a:t>
-            </a:r>
-            <a:r>
-              <a:rPr lang="en-US" sz="1800" dirty="0">
-                <a:solidFill>
-                  <a:srgbClr val="000000"/>
-                </a:solidFill>
-                <a:effectLst/>
-                <a:latin typeface="Cascadia Mono" panose="020B0609020000020004" pitchFamily="49" charset="0"/>
-              </a:rPr>
-              <a:t>;</a:t>
-            </a:r>
-            <a:br>
-              <a:rPr lang="en-US" sz="1800" dirty="0">
-                <a:solidFill>
-                  <a:srgbClr val="000000"/>
-                </a:solidFill>
-                <a:effectLst/>
-                <a:latin typeface="Cascadia Mono" panose="020B0609020000020004" pitchFamily="49" charset="0"/>
-              </a:rPr>
-            </a:br>
-            <a:r>
-              <a:rPr lang="en-US" sz="1800" dirty="0">
-                <a:solidFill>
-                  <a:srgbClr val="000000"/>
-                </a:solidFill>
-                <a:effectLst/>
-                <a:latin typeface="Cascadia Mono" panose="020B0609020000020004" pitchFamily="49" charset="0"/>
-              </a:rPr>
-              <a:t> </a:t>
-            </a:r>
-            <a:br>
-              <a:rPr lang="en-US" sz="1800" dirty="0">
-                <a:solidFill>
-                  <a:srgbClr val="000000"/>
-                </a:solidFill>
-                <a:effectLst/>
-                <a:latin typeface="Cascadia Mono" panose="020B0609020000020004" pitchFamily="49" charset="0"/>
-              </a:rPr>
-            </a:br>
-            <a:r>
-              <a:rPr lang="en-US" sz="1800" dirty="0">
-                <a:solidFill>
-                  <a:srgbClr val="000000"/>
-                </a:solidFill>
-                <a:effectLst/>
-                <a:latin typeface="Cascadia Mono" panose="020B0609020000020004" pitchFamily="49" charset="0"/>
-              </a:rPr>
-              <a:t>        std::</a:t>
-            </a:r>
-            <a:r>
-              <a:rPr lang="en-US" sz="1800" dirty="0" err="1">
-                <a:solidFill>
-                  <a:srgbClr val="000000"/>
-                </a:solidFill>
-                <a:effectLst/>
-                <a:latin typeface="Cascadia Mono" panose="020B0609020000020004" pitchFamily="49" charset="0"/>
-              </a:rPr>
-              <a:t>cout</a:t>
-            </a:r>
-            <a:r>
-              <a:rPr lang="en-US" sz="1800" dirty="0">
-                <a:solidFill>
-                  <a:srgbClr val="000000"/>
-                </a:solidFill>
-                <a:effectLst/>
-                <a:latin typeface="Cascadia Mono" panose="020B0609020000020004" pitchFamily="49" charset="0"/>
-              </a:rPr>
-              <a:t> </a:t>
-            </a:r>
-            <a:r>
-              <a:rPr lang="en-US" sz="1800" dirty="0">
-                <a:solidFill>
-                  <a:srgbClr val="066555"/>
-                </a:solidFill>
-                <a:effectLst/>
-                <a:latin typeface="Cascadia Mono" panose="020B0609020000020004" pitchFamily="49" charset="0"/>
-              </a:rPr>
-              <a:t>&lt;&lt;</a:t>
-            </a:r>
-            <a:r>
-              <a:rPr lang="en-US" sz="1800" dirty="0">
-                <a:solidFill>
-                  <a:srgbClr val="000000"/>
-                </a:solidFill>
-                <a:effectLst/>
-                <a:latin typeface="Cascadia Mono" panose="020B0609020000020004" pitchFamily="49" charset="0"/>
-              </a:rPr>
-              <a:t> </a:t>
-            </a:r>
-            <a:r>
-              <a:rPr lang="en-US" sz="1800" dirty="0">
-                <a:solidFill>
-                  <a:srgbClr val="E21F1F"/>
-                </a:solidFill>
-                <a:effectLst/>
-                <a:latin typeface="Cascadia Mono" panose="020B0609020000020004" pitchFamily="49" charset="0"/>
-              </a:rPr>
-              <a:t>"</a:t>
-            </a:r>
-            <a:r>
-              <a:rPr lang="en-US" sz="1800" dirty="0">
-                <a:solidFill>
-                  <a:srgbClr val="A31515"/>
-                </a:solidFill>
-                <a:effectLst/>
-                <a:latin typeface="Cascadia Mono" panose="020B0609020000020004" pitchFamily="49" charset="0"/>
-              </a:rPr>
-              <a:t>Enter a verb: </a:t>
-            </a:r>
-            <a:r>
-              <a:rPr lang="en-US" sz="1800" dirty="0">
-                <a:solidFill>
-                  <a:srgbClr val="E21F1F"/>
-                </a:solidFill>
-                <a:effectLst/>
-                <a:latin typeface="Cascadia Mono" panose="020B0609020000020004" pitchFamily="49" charset="0"/>
-              </a:rPr>
-              <a:t>"</a:t>
-            </a:r>
-            <a:r>
-              <a:rPr lang="en-US" sz="1800" dirty="0">
-                <a:solidFill>
-                  <a:srgbClr val="000000"/>
-                </a:solidFill>
-                <a:effectLst/>
-                <a:latin typeface="Cascadia Mono" panose="020B0609020000020004" pitchFamily="49" charset="0"/>
-              </a:rPr>
-              <a:t>;</a:t>
-            </a:r>
-            <a:br>
-              <a:rPr lang="en-US" sz="1800" dirty="0">
-                <a:solidFill>
-                  <a:srgbClr val="000000"/>
-                </a:solidFill>
-                <a:effectLst/>
-                <a:latin typeface="Cascadia Mono" panose="020B0609020000020004" pitchFamily="49" charset="0"/>
-              </a:rPr>
-            </a:br>
-            <a:r>
-              <a:rPr lang="en-US" sz="1800" dirty="0">
-                <a:solidFill>
-                  <a:srgbClr val="000000"/>
-                </a:solidFill>
-                <a:effectLst/>
-                <a:latin typeface="Cascadia Mono" panose="020B0609020000020004" pitchFamily="49" charset="0"/>
-              </a:rPr>
-              <a:t>        std::</a:t>
-            </a:r>
-            <a:r>
-              <a:rPr lang="en-US" sz="1800" dirty="0" err="1">
-                <a:solidFill>
-                  <a:srgbClr val="000000"/>
-                </a:solidFill>
-                <a:effectLst/>
-                <a:latin typeface="Cascadia Mono" panose="020B0609020000020004" pitchFamily="49" charset="0"/>
-              </a:rPr>
-              <a:t>cin</a:t>
-            </a:r>
-            <a:r>
-              <a:rPr lang="en-US" sz="1800" dirty="0">
-                <a:solidFill>
-                  <a:srgbClr val="000000"/>
-                </a:solidFill>
-                <a:effectLst/>
-                <a:latin typeface="Cascadia Mono" panose="020B0609020000020004" pitchFamily="49" charset="0"/>
-              </a:rPr>
-              <a:t> </a:t>
-            </a:r>
-            <a:r>
-              <a:rPr lang="en-US" sz="1800" dirty="0">
-                <a:solidFill>
-                  <a:srgbClr val="066555"/>
-                </a:solidFill>
-                <a:effectLst/>
-                <a:latin typeface="Cascadia Mono" panose="020B0609020000020004" pitchFamily="49" charset="0"/>
-              </a:rPr>
-              <a:t>&gt;&gt;</a:t>
-            </a:r>
-            <a:r>
-              <a:rPr lang="en-US" sz="1800" dirty="0">
-                <a:solidFill>
-                  <a:srgbClr val="000000"/>
-                </a:solidFill>
-                <a:effectLst/>
-                <a:latin typeface="Cascadia Mono" panose="020B0609020000020004" pitchFamily="49" charset="0"/>
-              </a:rPr>
-              <a:t> </a:t>
-            </a:r>
-            <a:r>
-              <a:rPr lang="en-US" sz="1800" dirty="0">
-                <a:solidFill>
-                  <a:srgbClr val="1F377F"/>
-                </a:solidFill>
-                <a:effectLst/>
-                <a:latin typeface="Cascadia Mono" panose="020B0609020000020004" pitchFamily="49" charset="0"/>
-              </a:rPr>
-              <a:t>verb1</a:t>
-            </a:r>
-            <a:r>
-              <a:rPr lang="en-US" sz="1800" dirty="0">
-                <a:solidFill>
-                  <a:srgbClr val="000000"/>
-                </a:solidFill>
-                <a:effectLst/>
-                <a:latin typeface="Cascadia Mono" panose="020B0609020000020004" pitchFamily="49" charset="0"/>
-              </a:rPr>
-              <a:t>;</a:t>
-            </a:r>
-            <a:br>
-              <a:rPr lang="en-US" sz="1800" dirty="0">
-                <a:solidFill>
-                  <a:srgbClr val="000000"/>
-                </a:solidFill>
-                <a:effectLst/>
-                <a:latin typeface="Cascadia Mono" panose="020B0609020000020004" pitchFamily="49" charset="0"/>
-              </a:rPr>
-            </a:br>
-            <a:r>
-              <a:rPr lang="en-US" sz="1800" dirty="0">
-                <a:solidFill>
-                  <a:srgbClr val="000000"/>
-                </a:solidFill>
-                <a:effectLst/>
-                <a:latin typeface="Cascadia Mono" panose="020B0609020000020004" pitchFamily="49" charset="0"/>
-              </a:rPr>
-              <a:t> </a:t>
-            </a:r>
-            <a:br>
-              <a:rPr lang="en-US" sz="1800" dirty="0">
-                <a:solidFill>
-                  <a:srgbClr val="000000"/>
-                </a:solidFill>
-                <a:effectLst/>
-                <a:latin typeface="Cascadia Mono" panose="020B0609020000020004" pitchFamily="49" charset="0"/>
-              </a:rPr>
-            </a:br>
-            <a:r>
-              <a:rPr lang="en-US" sz="1800" dirty="0">
-                <a:solidFill>
-                  <a:srgbClr val="000000"/>
-                </a:solidFill>
-                <a:effectLst/>
-                <a:latin typeface="Cascadia Mono" panose="020B0609020000020004" pitchFamily="49" charset="0"/>
-              </a:rPr>
-              <a:t>        std::</a:t>
-            </a:r>
-            <a:r>
-              <a:rPr lang="en-US" sz="1800" dirty="0" err="1">
-                <a:solidFill>
-                  <a:srgbClr val="000000"/>
-                </a:solidFill>
-                <a:effectLst/>
-                <a:latin typeface="Cascadia Mono" panose="020B0609020000020004" pitchFamily="49" charset="0"/>
-              </a:rPr>
-              <a:t>cout</a:t>
-            </a:r>
-            <a:r>
-              <a:rPr lang="en-US" sz="1800" dirty="0">
-                <a:solidFill>
-                  <a:srgbClr val="000000"/>
-                </a:solidFill>
-                <a:effectLst/>
-                <a:latin typeface="Cascadia Mono" panose="020B0609020000020004" pitchFamily="49" charset="0"/>
-              </a:rPr>
-              <a:t> </a:t>
-            </a:r>
-            <a:r>
-              <a:rPr lang="en-US" sz="1800" dirty="0">
-                <a:solidFill>
-                  <a:srgbClr val="066555"/>
-                </a:solidFill>
-                <a:effectLst/>
-                <a:latin typeface="Cascadia Mono" panose="020B0609020000020004" pitchFamily="49" charset="0"/>
-              </a:rPr>
-              <a:t>&lt;&lt;</a:t>
-            </a:r>
-            <a:r>
-              <a:rPr lang="en-US" sz="1800" dirty="0">
-                <a:solidFill>
-                  <a:srgbClr val="000000"/>
-                </a:solidFill>
-                <a:effectLst/>
-                <a:latin typeface="Cascadia Mono" panose="020B0609020000020004" pitchFamily="49" charset="0"/>
-              </a:rPr>
-              <a:t> </a:t>
-            </a:r>
-            <a:r>
-              <a:rPr lang="en-US" sz="1800" dirty="0">
-                <a:solidFill>
-                  <a:srgbClr val="E21F1F"/>
-                </a:solidFill>
-                <a:effectLst/>
-                <a:latin typeface="Cascadia Mono" panose="020B0609020000020004" pitchFamily="49" charset="0"/>
-              </a:rPr>
-              <a:t>"</a:t>
-            </a:r>
-            <a:r>
-              <a:rPr lang="en-US" sz="1800" dirty="0">
-                <a:solidFill>
-                  <a:srgbClr val="A31515"/>
-                </a:solidFill>
-                <a:effectLst/>
-                <a:latin typeface="Cascadia Mono" panose="020B0609020000020004" pitchFamily="49" charset="0"/>
-              </a:rPr>
-              <a:t>Enter another adjective: </a:t>
-            </a:r>
-            <a:r>
-              <a:rPr lang="en-US" sz="1800" dirty="0">
-                <a:solidFill>
-                  <a:srgbClr val="E21F1F"/>
-                </a:solidFill>
-                <a:effectLst/>
-                <a:latin typeface="Cascadia Mono" panose="020B0609020000020004" pitchFamily="49" charset="0"/>
-              </a:rPr>
-              <a:t>"</a:t>
-            </a:r>
-            <a:r>
-              <a:rPr lang="en-US" sz="1800" dirty="0">
-                <a:solidFill>
-                  <a:srgbClr val="000000"/>
-                </a:solidFill>
-                <a:effectLst/>
-                <a:latin typeface="Cascadia Mono" panose="020B0609020000020004" pitchFamily="49" charset="0"/>
-              </a:rPr>
-              <a:t>;</a:t>
-            </a:r>
-            <a:br>
-              <a:rPr lang="en-US" sz="1800" dirty="0">
-                <a:solidFill>
-                  <a:srgbClr val="000000"/>
-                </a:solidFill>
-                <a:effectLst/>
-                <a:latin typeface="Cascadia Mono" panose="020B0609020000020004" pitchFamily="49" charset="0"/>
-              </a:rPr>
-            </a:br>
-            <a:r>
-              <a:rPr lang="en-US" sz="1800" dirty="0">
-                <a:solidFill>
-                  <a:srgbClr val="000000"/>
-                </a:solidFill>
-                <a:effectLst/>
-                <a:latin typeface="Cascadia Mono" panose="020B0609020000020004" pitchFamily="49" charset="0"/>
-              </a:rPr>
-              <a:t>        std::</a:t>
-            </a:r>
-            <a:r>
-              <a:rPr lang="en-US" sz="1800" dirty="0" err="1">
-                <a:solidFill>
-                  <a:srgbClr val="000000"/>
-                </a:solidFill>
-                <a:effectLst/>
-                <a:latin typeface="Cascadia Mono" panose="020B0609020000020004" pitchFamily="49" charset="0"/>
-              </a:rPr>
-              <a:t>cin</a:t>
-            </a:r>
-            <a:r>
-              <a:rPr lang="en-US" sz="1800" dirty="0">
-                <a:solidFill>
-                  <a:srgbClr val="000000"/>
-                </a:solidFill>
-                <a:effectLst/>
-                <a:latin typeface="Cascadia Mono" panose="020B0609020000020004" pitchFamily="49" charset="0"/>
-              </a:rPr>
-              <a:t> </a:t>
-            </a:r>
-            <a:r>
-              <a:rPr lang="en-US" sz="1800" dirty="0">
-                <a:solidFill>
-                  <a:srgbClr val="066555"/>
-                </a:solidFill>
-                <a:effectLst/>
-                <a:latin typeface="Cascadia Mono" panose="020B0609020000020004" pitchFamily="49" charset="0"/>
-              </a:rPr>
-              <a:t>&gt;&gt;</a:t>
-            </a:r>
-            <a:r>
-              <a:rPr lang="en-US" sz="1800" dirty="0">
-                <a:solidFill>
-                  <a:srgbClr val="000000"/>
-                </a:solidFill>
-                <a:effectLst/>
-                <a:latin typeface="Cascadia Mono" panose="020B0609020000020004" pitchFamily="49" charset="0"/>
-              </a:rPr>
-              <a:t> </a:t>
-            </a:r>
-            <a:r>
-              <a:rPr lang="en-US" sz="1800" dirty="0">
-                <a:solidFill>
-                  <a:srgbClr val="1F377F"/>
-                </a:solidFill>
-                <a:effectLst/>
-                <a:latin typeface="Cascadia Mono" panose="020B0609020000020004" pitchFamily="49" charset="0"/>
-              </a:rPr>
-              <a:t>adjective2</a:t>
-            </a:r>
-            <a:r>
-              <a:rPr lang="en-US" sz="1800" dirty="0">
-                <a:solidFill>
-                  <a:srgbClr val="000000"/>
-                </a:solidFill>
-                <a:effectLst/>
-                <a:latin typeface="Cascadia Mono" panose="020B0609020000020004" pitchFamily="49" charset="0"/>
-              </a:rPr>
-              <a:t>;</a:t>
-            </a:r>
-            <a:br>
-              <a:rPr lang="en-US" sz="1800" dirty="0">
-                <a:solidFill>
-                  <a:srgbClr val="000000"/>
-                </a:solidFill>
-                <a:effectLst/>
-                <a:latin typeface="Cascadia Mono" panose="020B0609020000020004" pitchFamily="49" charset="0"/>
-              </a:rPr>
-            </a:br>
-            <a:r>
-              <a:rPr lang="en-US" sz="1800" dirty="0">
-                <a:solidFill>
-                  <a:srgbClr val="000000"/>
-                </a:solidFill>
-                <a:effectLst/>
-                <a:latin typeface="Cascadia Mono" panose="020B0609020000020004" pitchFamily="49" charset="0"/>
-              </a:rPr>
-              <a:t> </a:t>
-            </a:r>
-            <a:br>
-              <a:rPr lang="en-US" sz="1800" dirty="0">
-                <a:solidFill>
-                  <a:srgbClr val="000000"/>
-                </a:solidFill>
-                <a:effectLst/>
-                <a:latin typeface="Cascadia Mono" panose="020B0609020000020004" pitchFamily="49" charset="0"/>
-              </a:rPr>
-            </a:br>
-            <a:r>
-              <a:rPr lang="en-US" sz="1800" dirty="0">
-                <a:solidFill>
-                  <a:srgbClr val="000000"/>
-                </a:solidFill>
-                <a:effectLst/>
-                <a:latin typeface="Cascadia Mono" panose="020B0609020000020004" pitchFamily="49" charset="0"/>
-              </a:rPr>
-              <a:t>        std::</a:t>
-            </a:r>
-            <a:r>
-              <a:rPr lang="en-US" sz="1800" dirty="0" err="1">
-                <a:solidFill>
-                  <a:srgbClr val="000000"/>
-                </a:solidFill>
-                <a:effectLst/>
-                <a:latin typeface="Cascadia Mono" panose="020B0609020000020004" pitchFamily="49" charset="0"/>
-              </a:rPr>
-              <a:t>cout</a:t>
-            </a:r>
-            <a:r>
-              <a:rPr lang="en-US" sz="1800" dirty="0">
-                <a:solidFill>
-                  <a:srgbClr val="000000"/>
-                </a:solidFill>
-                <a:effectLst/>
-                <a:latin typeface="Cascadia Mono" panose="020B0609020000020004" pitchFamily="49" charset="0"/>
-              </a:rPr>
-              <a:t> </a:t>
-            </a:r>
-            <a:r>
-              <a:rPr lang="en-US" sz="1800" dirty="0">
-                <a:solidFill>
-                  <a:srgbClr val="066555"/>
-                </a:solidFill>
-                <a:effectLst/>
-                <a:latin typeface="Cascadia Mono" panose="020B0609020000020004" pitchFamily="49" charset="0"/>
-              </a:rPr>
-              <a:t>&lt;&lt;</a:t>
-            </a:r>
-            <a:r>
-              <a:rPr lang="en-US" sz="1800" dirty="0">
-                <a:solidFill>
-                  <a:srgbClr val="000000"/>
-                </a:solidFill>
-                <a:effectLst/>
-                <a:latin typeface="Cascadia Mono" panose="020B0609020000020004" pitchFamily="49" charset="0"/>
-              </a:rPr>
-              <a:t> </a:t>
-            </a:r>
-            <a:r>
-              <a:rPr lang="en-US" sz="1800" dirty="0">
-                <a:solidFill>
-                  <a:srgbClr val="E21F1F"/>
-                </a:solidFill>
-                <a:effectLst/>
-                <a:latin typeface="Cascadia Mono" panose="020B0609020000020004" pitchFamily="49" charset="0"/>
-              </a:rPr>
-              <a:t>"</a:t>
-            </a:r>
-            <a:r>
-              <a:rPr lang="en-US" sz="1800" dirty="0">
-                <a:solidFill>
-                  <a:srgbClr val="A31515"/>
-                </a:solidFill>
-                <a:effectLst/>
-                <a:latin typeface="Cascadia Mono" panose="020B0609020000020004" pitchFamily="49" charset="0"/>
-              </a:rPr>
-              <a:t>Enter another noun: </a:t>
-            </a:r>
-            <a:r>
-              <a:rPr lang="en-US" sz="1800" dirty="0">
-                <a:solidFill>
-                  <a:srgbClr val="E21F1F"/>
-                </a:solidFill>
-                <a:effectLst/>
-                <a:latin typeface="Cascadia Mono" panose="020B0609020000020004" pitchFamily="49" charset="0"/>
-              </a:rPr>
-              <a:t>"</a:t>
-            </a:r>
-            <a:r>
-              <a:rPr lang="en-US" sz="1800" dirty="0">
-                <a:solidFill>
-                  <a:srgbClr val="000000"/>
-                </a:solidFill>
-                <a:effectLst/>
-                <a:latin typeface="Cascadia Mono" panose="020B0609020000020004" pitchFamily="49" charset="0"/>
-              </a:rPr>
-              <a:t>;</a:t>
-            </a:r>
-            <a:br>
-              <a:rPr lang="en-US" sz="1800" dirty="0">
-                <a:solidFill>
-                  <a:srgbClr val="000000"/>
-                </a:solidFill>
-                <a:effectLst/>
-                <a:latin typeface="Cascadia Mono" panose="020B0609020000020004" pitchFamily="49" charset="0"/>
-              </a:rPr>
-            </a:br>
-            <a:r>
-              <a:rPr lang="en-US" sz="1800" dirty="0">
-                <a:solidFill>
-                  <a:srgbClr val="000000"/>
-                </a:solidFill>
-                <a:effectLst/>
-                <a:latin typeface="Cascadia Mono" panose="020B0609020000020004" pitchFamily="49" charset="0"/>
-              </a:rPr>
-              <a:t>        std::</a:t>
-            </a:r>
-            <a:r>
-              <a:rPr lang="en-US" sz="1800" dirty="0" err="1">
-                <a:solidFill>
-                  <a:srgbClr val="000000"/>
-                </a:solidFill>
-                <a:effectLst/>
-                <a:latin typeface="Cascadia Mono" panose="020B0609020000020004" pitchFamily="49" charset="0"/>
-              </a:rPr>
-              <a:t>cin</a:t>
-            </a:r>
-            <a:r>
-              <a:rPr lang="en-US" sz="1800" dirty="0">
-                <a:solidFill>
-                  <a:srgbClr val="000000"/>
-                </a:solidFill>
-                <a:effectLst/>
-                <a:latin typeface="Cascadia Mono" panose="020B0609020000020004" pitchFamily="49" charset="0"/>
-              </a:rPr>
-              <a:t> </a:t>
-            </a:r>
-            <a:r>
-              <a:rPr lang="en-US" sz="1800" dirty="0">
-                <a:solidFill>
-                  <a:srgbClr val="066555"/>
-                </a:solidFill>
-                <a:effectLst/>
-                <a:latin typeface="Cascadia Mono" panose="020B0609020000020004" pitchFamily="49" charset="0"/>
-              </a:rPr>
-              <a:t>&gt;&gt;</a:t>
-            </a:r>
-            <a:r>
-              <a:rPr lang="en-US" sz="1800" dirty="0">
-                <a:solidFill>
-                  <a:srgbClr val="000000"/>
-                </a:solidFill>
-                <a:effectLst/>
-                <a:latin typeface="Cascadia Mono" panose="020B0609020000020004" pitchFamily="49" charset="0"/>
-              </a:rPr>
-              <a:t> </a:t>
-            </a:r>
-            <a:r>
-              <a:rPr lang="en-US" sz="1800" dirty="0">
-                <a:solidFill>
-                  <a:srgbClr val="1F377F"/>
-                </a:solidFill>
-                <a:effectLst/>
-                <a:latin typeface="Cascadia Mono" panose="020B0609020000020004" pitchFamily="49" charset="0"/>
-              </a:rPr>
-              <a:t>noun2</a:t>
-            </a:r>
-            <a:r>
-              <a:rPr lang="en-US" sz="1800" dirty="0">
-                <a:solidFill>
-                  <a:srgbClr val="000000"/>
-                </a:solidFill>
-                <a:effectLst/>
-                <a:latin typeface="Cascadia Mono" panose="020B0609020000020004" pitchFamily="49" charset="0"/>
-              </a:rPr>
-              <a:t>;</a:t>
-            </a:r>
-            <a:br>
-              <a:rPr lang="en-US" sz="1800" dirty="0">
-                <a:solidFill>
-                  <a:srgbClr val="000000"/>
-                </a:solidFill>
-                <a:effectLst/>
-                <a:latin typeface="Cascadia Mono" panose="020B0609020000020004" pitchFamily="49" charset="0"/>
-              </a:rPr>
-            </a:br>
-            <a:r>
-              <a:rPr lang="en-US" sz="1800" dirty="0">
-                <a:solidFill>
-                  <a:srgbClr val="000000"/>
-                </a:solidFill>
-                <a:effectLst/>
-                <a:latin typeface="Cascadia Mono" panose="020B0609020000020004" pitchFamily="49" charset="0"/>
-              </a:rPr>
-              <a:t> </a:t>
-            </a:r>
-            <a:br>
-              <a:rPr lang="en-US" sz="1800" dirty="0">
-                <a:solidFill>
-                  <a:srgbClr val="000000"/>
-                </a:solidFill>
-                <a:effectLst/>
-                <a:latin typeface="Cascadia Mono" panose="020B0609020000020004" pitchFamily="49" charset="0"/>
-              </a:rPr>
-            </a:br>
-            <a:r>
-              <a:rPr lang="en-US" sz="1800" dirty="0">
-                <a:solidFill>
-                  <a:srgbClr val="000000"/>
-                </a:solidFill>
-                <a:effectLst/>
-                <a:latin typeface="Cascadia Mono" panose="020B0609020000020004" pitchFamily="49" charset="0"/>
-              </a:rPr>
-              <a:t>        </a:t>
-            </a:r>
-            <a:r>
-              <a:rPr lang="en-US" sz="1800" dirty="0">
-                <a:solidFill>
-                  <a:srgbClr val="066555"/>
-                </a:solidFill>
-                <a:effectLst/>
-                <a:latin typeface="Cascadia Mono" panose="020B0609020000020004" pitchFamily="49" charset="0"/>
-              </a:rPr>
-              <a:t>// Construct and print the Mad Libs story</a:t>
-            </a:r>
-            <a:br>
-              <a:rPr lang="en-US" sz="1800" dirty="0">
-                <a:solidFill>
-                  <a:srgbClr val="000000"/>
-                </a:solidFill>
-                <a:effectLst/>
-                <a:latin typeface="Cascadia Mono" panose="020B0609020000020004" pitchFamily="49" charset="0"/>
-              </a:rPr>
-            </a:br>
-            <a:r>
-              <a:rPr lang="en-US" sz="1800" dirty="0">
-                <a:solidFill>
-                  <a:srgbClr val="000000"/>
-                </a:solidFill>
-                <a:effectLst/>
-                <a:latin typeface="Cascadia Mono" panose="020B0609020000020004" pitchFamily="49" charset="0"/>
-              </a:rPr>
-              <a:t>        std::</a:t>
-            </a:r>
-            <a:r>
-              <a:rPr lang="en-US" sz="1800" dirty="0" err="1">
-                <a:solidFill>
-                  <a:srgbClr val="000000"/>
-                </a:solidFill>
-                <a:effectLst/>
-                <a:latin typeface="Cascadia Mono" panose="020B0609020000020004" pitchFamily="49" charset="0"/>
-              </a:rPr>
-              <a:t>cout</a:t>
-            </a:r>
-            <a:r>
-              <a:rPr lang="en-US" sz="1800" dirty="0">
-                <a:solidFill>
-                  <a:srgbClr val="000000"/>
-                </a:solidFill>
-                <a:effectLst/>
-                <a:latin typeface="Cascadia Mono" panose="020B0609020000020004" pitchFamily="49" charset="0"/>
-              </a:rPr>
-              <a:t> </a:t>
-            </a:r>
-            <a:r>
-              <a:rPr lang="en-US" sz="1800" dirty="0">
-                <a:solidFill>
-                  <a:srgbClr val="066555"/>
-                </a:solidFill>
-                <a:effectLst/>
-                <a:latin typeface="Cascadia Mono" panose="020B0609020000020004" pitchFamily="49" charset="0"/>
-              </a:rPr>
-              <a:t>&lt;&lt;</a:t>
-            </a:r>
-            <a:r>
-              <a:rPr lang="en-US" sz="1800" dirty="0">
-                <a:solidFill>
-                  <a:srgbClr val="000000"/>
-                </a:solidFill>
-                <a:effectLst/>
-                <a:latin typeface="Cascadia Mono" panose="020B0609020000020004" pitchFamily="49" charset="0"/>
-              </a:rPr>
-              <a:t> </a:t>
-            </a:r>
-            <a:r>
-              <a:rPr lang="en-US" sz="1800" dirty="0">
-                <a:solidFill>
-                  <a:srgbClr val="E21F1F"/>
-                </a:solidFill>
-                <a:effectLst/>
-                <a:latin typeface="Cascadia Mono" panose="020B0609020000020004" pitchFamily="49" charset="0"/>
-              </a:rPr>
-              <a:t>"</a:t>
-            </a:r>
-            <a:r>
-              <a:rPr lang="en-US" sz="1800" dirty="0">
-                <a:solidFill>
-                  <a:srgbClr val="9B4FE7"/>
-                </a:solidFill>
-                <a:effectLst/>
-                <a:latin typeface="Cascadia Mono" panose="020B0609020000020004" pitchFamily="49" charset="0"/>
-              </a:rPr>
-              <a:t>\n</a:t>
-            </a:r>
-            <a:r>
-              <a:rPr lang="en-US" sz="1800" dirty="0">
-                <a:solidFill>
-                  <a:srgbClr val="A31515"/>
-                </a:solidFill>
-                <a:effectLst/>
-                <a:latin typeface="Cascadia Mono" panose="020B0609020000020004" pitchFamily="49" charset="0"/>
-              </a:rPr>
-              <a:t>--- Your Mad Libs Story ---</a:t>
-            </a:r>
-            <a:r>
-              <a:rPr lang="en-US" sz="1800" dirty="0">
-                <a:solidFill>
-                  <a:srgbClr val="9B4FE7"/>
-                </a:solidFill>
-                <a:effectLst/>
-                <a:latin typeface="Cascadia Mono" panose="020B0609020000020004" pitchFamily="49" charset="0"/>
-              </a:rPr>
-              <a:t>\n</a:t>
-            </a:r>
-            <a:r>
-              <a:rPr lang="en-US" sz="1800" dirty="0">
-                <a:solidFill>
-                  <a:srgbClr val="E21F1F"/>
-                </a:solidFill>
-                <a:effectLst/>
-                <a:latin typeface="Cascadia Mono" panose="020B0609020000020004" pitchFamily="49" charset="0"/>
-              </a:rPr>
-              <a:t>"</a:t>
-            </a:r>
-            <a:r>
-              <a:rPr lang="en-US" sz="1800" dirty="0">
-                <a:solidFill>
-                  <a:srgbClr val="000000"/>
-                </a:solidFill>
-                <a:effectLst/>
-                <a:latin typeface="Cascadia Mono" panose="020B0609020000020004" pitchFamily="49" charset="0"/>
-              </a:rPr>
-              <a:t>;</a:t>
-            </a:r>
-            <a:br>
-              <a:rPr lang="en-US" sz="1800" dirty="0">
-                <a:solidFill>
-                  <a:srgbClr val="000000"/>
-                </a:solidFill>
-                <a:effectLst/>
-                <a:latin typeface="Cascadia Mono" panose="020B0609020000020004" pitchFamily="49" charset="0"/>
-              </a:rPr>
-            </a:br>
-            <a:r>
-              <a:rPr lang="en-US" sz="1800" dirty="0">
-                <a:solidFill>
-                  <a:srgbClr val="000000"/>
-                </a:solidFill>
-                <a:effectLst/>
-                <a:latin typeface="Cascadia Mono" panose="020B0609020000020004" pitchFamily="49" charset="0"/>
-              </a:rPr>
-              <a:t>        std::</a:t>
-            </a:r>
-            <a:r>
-              <a:rPr lang="en-US" sz="1800" dirty="0" err="1">
-                <a:solidFill>
-                  <a:srgbClr val="000000"/>
-                </a:solidFill>
-                <a:effectLst/>
-                <a:latin typeface="Cascadia Mono" panose="020B0609020000020004" pitchFamily="49" charset="0"/>
-              </a:rPr>
-              <a:t>cout</a:t>
-            </a:r>
-            <a:r>
-              <a:rPr lang="en-US" sz="1800" dirty="0">
-                <a:solidFill>
-                  <a:srgbClr val="000000"/>
-                </a:solidFill>
-                <a:effectLst/>
-                <a:latin typeface="Cascadia Mono" panose="020B0609020000020004" pitchFamily="49" charset="0"/>
-              </a:rPr>
-              <a:t> </a:t>
-            </a:r>
-            <a:r>
-              <a:rPr lang="en-US" sz="1800" dirty="0">
-                <a:solidFill>
-                  <a:srgbClr val="066555"/>
-                </a:solidFill>
-                <a:effectLst/>
-                <a:latin typeface="Cascadia Mono" panose="020B0609020000020004" pitchFamily="49" charset="0"/>
-              </a:rPr>
-              <a:t>&lt;&lt;</a:t>
-            </a:r>
-            <a:r>
-              <a:rPr lang="en-US" sz="1800" dirty="0">
-                <a:solidFill>
-                  <a:srgbClr val="000000"/>
-                </a:solidFill>
-                <a:effectLst/>
-                <a:latin typeface="Cascadia Mono" panose="020B0609020000020004" pitchFamily="49" charset="0"/>
-              </a:rPr>
-              <a:t> </a:t>
-            </a:r>
-            <a:r>
-              <a:rPr lang="en-US" sz="1800" dirty="0">
-                <a:solidFill>
-                  <a:srgbClr val="E21F1F"/>
-                </a:solidFill>
-                <a:effectLst/>
-                <a:latin typeface="Cascadia Mono" panose="020B0609020000020004" pitchFamily="49" charset="0"/>
-              </a:rPr>
-              <a:t>"</a:t>
-            </a:r>
-            <a:r>
-              <a:rPr lang="en-US" sz="1800" dirty="0">
-                <a:solidFill>
-                  <a:srgbClr val="A31515"/>
-                </a:solidFill>
-                <a:effectLst/>
-                <a:latin typeface="Cascadia Mono" panose="020B0609020000020004" pitchFamily="49" charset="0"/>
-              </a:rPr>
-              <a:t>Once upon a time, there was a </a:t>
-            </a:r>
-            <a:r>
-              <a:rPr lang="en-US" sz="1800" dirty="0">
-                <a:solidFill>
-                  <a:srgbClr val="E21F1F"/>
-                </a:solidFill>
-                <a:effectLst/>
-                <a:latin typeface="Cascadia Mono" panose="020B0609020000020004" pitchFamily="49" charset="0"/>
-              </a:rPr>
-              <a:t>"</a:t>
-            </a:r>
-            <a:r>
-              <a:rPr lang="en-US" sz="1800" dirty="0">
-                <a:solidFill>
-                  <a:srgbClr val="000000"/>
-                </a:solidFill>
-                <a:effectLst/>
-                <a:latin typeface="Cascadia Mono" panose="020B0609020000020004" pitchFamily="49" charset="0"/>
-              </a:rPr>
-              <a:t> </a:t>
-            </a:r>
-            <a:r>
-              <a:rPr lang="en-US" sz="1800" dirty="0">
-                <a:solidFill>
-                  <a:srgbClr val="066555"/>
-                </a:solidFill>
-                <a:effectLst/>
-                <a:latin typeface="Cascadia Mono" panose="020B0609020000020004" pitchFamily="49" charset="0"/>
-              </a:rPr>
-              <a:t>&lt;&lt;</a:t>
-            </a:r>
-            <a:r>
-              <a:rPr lang="en-US" sz="1800" dirty="0">
-                <a:solidFill>
-                  <a:srgbClr val="000000"/>
-                </a:solidFill>
-                <a:effectLst/>
-                <a:latin typeface="Cascadia Mono" panose="020B0609020000020004" pitchFamily="49" charset="0"/>
-              </a:rPr>
-              <a:t> </a:t>
-            </a:r>
-            <a:r>
-              <a:rPr lang="en-US" sz="1800" dirty="0">
-                <a:solidFill>
-                  <a:srgbClr val="1F377F"/>
-                </a:solidFill>
-                <a:effectLst/>
-                <a:latin typeface="Cascadia Mono" panose="020B0609020000020004" pitchFamily="49" charset="0"/>
-              </a:rPr>
-              <a:t>adjective1</a:t>
-            </a:r>
-            <a:r>
-              <a:rPr lang="en-US" sz="1800" dirty="0">
-                <a:solidFill>
-                  <a:srgbClr val="000000"/>
-                </a:solidFill>
-                <a:effectLst/>
-                <a:latin typeface="Cascadia Mono" panose="020B0609020000020004" pitchFamily="49" charset="0"/>
-              </a:rPr>
-              <a:t> </a:t>
-            </a:r>
-            <a:r>
-              <a:rPr lang="en-US" sz="1800" dirty="0">
-                <a:solidFill>
-                  <a:srgbClr val="066555"/>
-                </a:solidFill>
-                <a:effectLst/>
-                <a:latin typeface="Cascadia Mono" panose="020B0609020000020004" pitchFamily="49" charset="0"/>
-              </a:rPr>
-              <a:t>&lt;&lt;</a:t>
-            </a:r>
-            <a:r>
-              <a:rPr lang="en-US" sz="1800" dirty="0">
-                <a:solidFill>
-                  <a:srgbClr val="000000"/>
-                </a:solidFill>
-                <a:effectLst/>
-                <a:latin typeface="Cascadia Mono" panose="020B0609020000020004" pitchFamily="49" charset="0"/>
-              </a:rPr>
-              <a:t> </a:t>
-            </a:r>
-            <a:r>
-              <a:rPr lang="en-US" sz="1800" dirty="0">
-                <a:solidFill>
-                  <a:srgbClr val="E21F1F"/>
-                </a:solidFill>
-                <a:effectLst/>
-                <a:latin typeface="Cascadia Mono" panose="020B0609020000020004" pitchFamily="49" charset="0"/>
-              </a:rPr>
-              <a:t>"</a:t>
-            </a:r>
-            <a:r>
-              <a:rPr lang="en-US" sz="1800" dirty="0">
-                <a:solidFill>
-                  <a:srgbClr val="A31515"/>
-                </a:solidFill>
-                <a:effectLst/>
-                <a:latin typeface="Cascadia Mono" panose="020B0609020000020004" pitchFamily="49" charset="0"/>
-              </a:rPr>
-              <a:t> </a:t>
-            </a:r>
-            <a:r>
-              <a:rPr lang="en-US" sz="1800" dirty="0">
-                <a:solidFill>
-                  <a:srgbClr val="E21F1F"/>
-                </a:solidFill>
-                <a:effectLst/>
-                <a:latin typeface="Cascadia Mono" panose="020B0609020000020004" pitchFamily="49" charset="0"/>
-              </a:rPr>
-              <a:t>"</a:t>
-            </a:r>
-            <a:r>
-              <a:rPr lang="en-US" sz="1800" dirty="0">
-                <a:solidFill>
-                  <a:srgbClr val="000000"/>
-                </a:solidFill>
-                <a:effectLst/>
-                <a:latin typeface="Cascadia Mono" panose="020B0609020000020004" pitchFamily="49" charset="0"/>
-              </a:rPr>
-              <a:t> </a:t>
-            </a:r>
-            <a:r>
-              <a:rPr lang="en-US" sz="1800" dirty="0">
-                <a:solidFill>
-                  <a:srgbClr val="066555"/>
-                </a:solidFill>
-                <a:effectLst/>
-                <a:latin typeface="Cascadia Mono" panose="020B0609020000020004" pitchFamily="49" charset="0"/>
-              </a:rPr>
-              <a:t>&lt;&lt;</a:t>
-            </a:r>
-            <a:r>
-              <a:rPr lang="en-US" sz="1800" dirty="0">
-                <a:solidFill>
-                  <a:srgbClr val="000000"/>
-                </a:solidFill>
-                <a:effectLst/>
-                <a:latin typeface="Cascadia Mono" panose="020B0609020000020004" pitchFamily="49" charset="0"/>
-              </a:rPr>
-              <a:t> </a:t>
-            </a:r>
-            <a:r>
-              <a:rPr lang="en-US" sz="1800" dirty="0">
-                <a:solidFill>
-                  <a:srgbClr val="1F377F"/>
-                </a:solidFill>
-                <a:effectLst/>
-                <a:latin typeface="Cascadia Mono" panose="020B0609020000020004" pitchFamily="49" charset="0"/>
-              </a:rPr>
-              <a:t>noun1</a:t>
-            </a:r>
-            <a:br>
-              <a:rPr lang="en-US" sz="1800" dirty="0">
-                <a:solidFill>
-                  <a:srgbClr val="000000"/>
-                </a:solidFill>
-                <a:effectLst/>
-                <a:latin typeface="Cascadia Mono" panose="020B0609020000020004" pitchFamily="49" charset="0"/>
-              </a:rPr>
-            </a:br>
-            <a:r>
-              <a:rPr lang="en-US" sz="1800" dirty="0">
-                <a:solidFill>
-                  <a:srgbClr val="000000"/>
-                </a:solidFill>
-                <a:effectLst/>
-                <a:latin typeface="Cascadia Mono" panose="020B0609020000020004" pitchFamily="49" charset="0"/>
-              </a:rPr>
-              <a:t>                </a:t>
-            </a:r>
-            <a:r>
-              <a:rPr lang="en-US" sz="1800" dirty="0">
-                <a:solidFill>
-                  <a:srgbClr val="066555"/>
-                </a:solidFill>
-                <a:effectLst/>
-                <a:latin typeface="Cascadia Mono" panose="020B0609020000020004" pitchFamily="49" charset="0"/>
-              </a:rPr>
-              <a:t>&lt;&lt;</a:t>
-            </a:r>
-            <a:r>
-              <a:rPr lang="en-US" sz="1800" dirty="0">
-                <a:solidFill>
-                  <a:srgbClr val="000000"/>
-                </a:solidFill>
-                <a:effectLst/>
-                <a:latin typeface="Cascadia Mono" panose="020B0609020000020004" pitchFamily="49" charset="0"/>
-              </a:rPr>
-              <a:t> </a:t>
-            </a:r>
-            <a:r>
-              <a:rPr lang="en-US" sz="1800" dirty="0">
-                <a:solidFill>
-                  <a:srgbClr val="E21F1F"/>
-                </a:solidFill>
-                <a:effectLst/>
-                <a:latin typeface="Cascadia Mono" panose="020B0609020000020004" pitchFamily="49" charset="0"/>
-              </a:rPr>
-              <a:t>"</a:t>
-            </a:r>
-            <a:r>
-              <a:rPr lang="en-US" sz="1800" dirty="0">
-                <a:solidFill>
-                  <a:srgbClr val="A31515"/>
-                </a:solidFill>
-                <a:effectLst/>
-                <a:latin typeface="Cascadia Mono" panose="020B0609020000020004" pitchFamily="49" charset="0"/>
-              </a:rPr>
-              <a:t>. It loved to </a:t>
-            </a:r>
-            <a:r>
-              <a:rPr lang="en-US" sz="1800" dirty="0">
-                <a:solidFill>
-                  <a:srgbClr val="E21F1F"/>
-                </a:solidFill>
-                <a:effectLst/>
-                <a:latin typeface="Cascadia Mono" panose="020B0609020000020004" pitchFamily="49" charset="0"/>
-              </a:rPr>
-              <a:t>"</a:t>
-            </a:r>
-            <a:r>
-              <a:rPr lang="en-US" sz="1800" dirty="0">
-                <a:solidFill>
-                  <a:srgbClr val="000000"/>
-                </a:solidFill>
-                <a:effectLst/>
-                <a:latin typeface="Cascadia Mono" panose="020B0609020000020004" pitchFamily="49" charset="0"/>
-              </a:rPr>
-              <a:t> </a:t>
-            </a:r>
-            <a:r>
-              <a:rPr lang="en-US" sz="1800" dirty="0">
-                <a:solidFill>
-                  <a:srgbClr val="066555"/>
-                </a:solidFill>
-                <a:effectLst/>
-                <a:latin typeface="Cascadia Mono" panose="020B0609020000020004" pitchFamily="49" charset="0"/>
-              </a:rPr>
-              <a:t>&lt;&lt;</a:t>
-            </a:r>
-            <a:r>
-              <a:rPr lang="en-US" sz="1800" dirty="0">
-                <a:solidFill>
-                  <a:srgbClr val="000000"/>
-                </a:solidFill>
-                <a:effectLst/>
-                <a:latin typeface="Cascadia Mono" panose="020B0609020000020004" pitchFamily="49" charset="0"/>
-              </a:rPr>
-              <a:t> </a:t>
-            </a:r>
-            <a:r>
-              <a:rPr lang="en-US" sz="1800" dirty="0">
-                <a:solidFill>
-                  <a:srgbClr val="1F377F"/>
-                </a:solidFill>
-                <a:effectLst/>
-                <a:latin typeface="Cascadia Mono" panose="020B0609020000020004" pitchFamily="49" charset="0"/>
-              </a:rPr>
-              <a:t>verb1</a:t>
-            </a:r>
-            <a:r>
-              <a:rPr lang="en-US" sz="1800" dirty="0">
-                <a:solidFill>
-                  <a:srgbClr val="000000"/>
-                </a:solidFill>
-                <a:effectLst/>
-                <a:latin typeface="Cascadia Mono" panose="020B0609020000020004" pitchFamily="49" charset="0"/>
-              </a:rPr>
-              <a:t> </a:t>
-            </a:r>
-            <a:r>
-              <a:rPr lang="en-US" sz="1800" dirty="0">
-                <a:solidFill>
-                  <a:srgbClr val="066555"/>
-                </a:solidFill>
-                <a:effectLst/>
-                <a:latin typeface="Cascadia Mono" panose="020B0609020000020004" pitchFamily="49" charset="0"/>
-              </a:rPr>
-              <a:t>&lt;&lt;</a:t>
-            </a:r>
-            <a:r>
-              <a:rPr lang="en-US" sz="1800" dirty="0">
-                <a:solidFill>
-                  <a:srgbClr val="000000"/>
-                </a:solidFill>
-                <a:effectLst/>
-                <a:latin typeface="Cascadia Mono" panose="020B0609020000020004" pitchFamily="49" charset="0"/>
-              </a:rPr>
-              <a:t> </a:t>
-            </a:r>
-            <a:r>
-              <a:rPr lang="en-US" sz="1800" dirty="0">
-                <a:solidFill>
-                  <a:srgbClr val="E21F1F"/>
-                </a:solidFill>
-                <a:effectLst/>
-                <a:latin typeface="Cascadia Mono" panose="020B0609020000020004" pitchFamily="49" charset="0"/>
-              </a:rPr>
-              <a:t>"</a:t>
-            </a:r>
-            <a:r>
-              <a:rPr lang="en-US" sz="1800" dirty="0">
-                <a:solidFill>
-                  <a:srgbClr val="A31515"/>
-                </a:solidFill>
-                <a:effectLst/>
-                <a:latin typeface="Cascadia Mono" panose="020B0609020000020004" pitchFamily="49" charset="0"/>
-              </a:rPr>
-              <a:t> all day long.</a:t>
-            </a:r>
-            <a:r>
-              <a:rPr lang="en-US" sz="1800" dirty="0">
-                <a:solidFill>
-                  <a:srgbClr val="9B4FE7"/>
-                </a:solidFill>
-                <a:effectLst/>
-                <a:latin typeface="Cascadia Mono" panose="020B0609020000020004" pitchFamily="49" charset="0"/>
-              </a:rPr>
-              <a:t>\n</a:t>
-            </a:r>
-            <a:r>
-              <a:rPr lang="en-US" sz="1800" dirty="0">
-                <a:solidFill>
-                  <a:srgbClr val="E21F1F"/>
-                </a:solidFill>
-                <a:effectLst/>
-                <a:latin typeface="Cascadia Mono" panose="020B0609020000020004" pitchFamily="49" charset="0"/>
-              </a:rPr>
-              <a:t>"</a:t>
-            </a:r>
-            <a:br>
-              <a:rPr lang="en-US" sz="1800" dirty="0">
-                <a:solidFill>
-                  <a:srgbClr val="000000"/>
-                </a:solidFill>
-                <a:effectLst/>
-                <a:latin typeface="Cascadia Mono" panose="020B0609020000020004" pitchFamily="49" charset="0"/>
-              </a:rPr>
-            </a:br>
-            <a:r>
-              <a:rPr lang="en-US" sz="1800" dirty="0">
-                <a:solidFill>
-                  <a:srgbClr val="000000"/>
-                </a:solidFill>
-                <a:effectLst/>
-                <a:latin typeface="Cascadia Mono" panose="020B0609020000020004" pitchFamily="49" charset="0"/>
-              </a:rPr>
-              <a:t>                </a:t>
-            </a:r>
-            <a:r>
-              <a:rPr lang="en-US" sz="1800" dirty="0">
-                <a:solidFill>
-                  <a:srgbClr val="066555"/>
-                </a:solidFill>
-                <a:effectLst/>
-                <a:latin typeface="Cascadia Mono" panose="020B0609020000020004" pitchFamily="49" charset="0"/>
-              </a:rPr>
-              <a:t>&lt;&lt;</a:t>
-            </a:r>
-            <a:r>
-              <a:rPr lang="en-US" sz="1800" dirty="0">
-                <a:solidFill>
-                  <a:srgbClr val="000000"/>
-                </a:solidFill>
-                <a:effectLst/>
-                <a:latin typeface="Cascadia Mono" panose="020B0609020000020004" pitchFamily="49" charset="0"/>
-              </a:rPr>
-              <a:t> </a:t>
-            </a:r>
-            <a:r>
-              <a:rPr lang="en-US" sz="1800" dirty="0">
-                <a:solidFill>
-                  <a:srgbClr val="E21F1F"/>
-                </a:solidFill>
-                <a:effectLst/>
-                <a:latin typeface="Cascadia Mono" panose="020B0609020000020004" pitchFamily="49" charset="0"/>
-              </a:rPr>
-              <a:t>"</a:t>
-            </a:r>
-            <a:r>
-              <a:rPr lang="en-US" sz="1800" dirty="0">
-                <a:solidFill>
-                  <a:srgbClr val="A31515"/>
-                </a:solidFill>
-                <a:effectLst/>
-                <a:latin typeface="Cascadia Mono" panose="020B0609020000020004" pitchFamily="49" charset="0"/>
-              </a:rPr>
-              <a:t>One day, it met a </a:t>
-            </a:r>
-            <a:r>
-              <a:rPr lang="en-US" sz="1800" dirty="0">
-                <a:solidFill>
-                  <a:srgbClr val="E21F1F"/>
-                </a:solidFill>
-                <a:effectLst/>
-                <a:latin typeface="Cascadia Mono" panose="020B0609020000020004" pitchFamily="49" charset="0"/>
-              </a:rPr>
-              <a:t>"</a:t>
-            </a:r>
-            <a:r>
-              <a:rPr lang="en-US" sz="1800" dirty="0">
-                <a:solidFill>
-                  <a:srgbClr val="000000"/>
-                </a:solidFill>
-                <a:effectLst/>
-                <a:latin typeface="Cascadia Mono" panose="020B0609020000020004" pitchFamily="49" charset="0"/>
-              </a:rPr>
-              <a:t> </a:t>
-            </a:r>
-            <a:r>
-              <a:rPr lang="en-US" sz="1800" dirty="0">
-                <a:solidFill>
-                  <a:srgbClr val="066555"/>
-                </a:solidFill>
-                <a:effectLst/>
-                <a:latin typeface="Cascadia Mono" panose="020B0609020000020004" pitchFamily="49" charset="0"/>
-              </a:rPr>
-              <a:t>&lt;&lt;</a:t>
-            </a:r>
-            <a:r>
-              <a:rPr lang="en-US" sz="1800" dirty="0">
-                <a:solidFill>
-                  <a:srgbClr val="000000"/>
-                </a:solidFill>
-                <a:effectLst/>
-                <a:latin typeface="Cascadia Mono" panose="020B0609020000020004" pitchFamily="49" charset="0"/>
-              </a:rPr>
-              <a:t> </a:t>
-            </a:r>
-            <a:r>
-              <a:rPr lang="en-US" sz="1800" dirty="0">
-                <a:solidFill>
-                  <a:srgbClr val="1F377F"/>
-                </a:solidFill>
-                <a:effectLst/>
-                <a:latin typeface="Cascadia Mono" panose="020B0609020000020004" pitchFamily="49" charset="0"/>
-              </a:rPr>
-              <a:t>adjective2</a:t>
-            </a:r>
-            <a:r>
-              <a:rPr lang="en-US" sz="1800" dirty="0">
-                <a:solidFill>
-                  <a:srgbClr val="000000"/>
-                </a:solidFill>
-                <a:effectLst/>
-                <a:latin typeface="Cascadia Mono" panose="020B0609020000020004" pitchFamily="49" charset="0"/>
-              </a:rPr>
-              <a:t> </a:t>
-            </a:r>
-            <a:r>
-              <a:rPr lang="en-US" sz="1800" dirty="0">
-                <a:solidFill>
-                  <a:srgbClr val="066555"/>
-                </a:solidFill>
-                <a:effectLst/>
-                <a:latin typeface="Cascadia Mono" panose="020B0609020000020004" pitchFamily="49" charset="0"/>
-              </a:rPr>
-              <a:t>&lt;&lt;</a:t>
-            </a:r>
-            <a:r>
-              <a:rPr lang="en-US" sz="1800" dirty="0">
-                <a:solidFill>
-                  <a:srgbClr val="000000"/>
-                </a:solidFill>
-                <a:effectLst/>
-                <a:latin typeface="Cascadia Mono" panose="020B0609020000020004" pitchFamily="49" charset="0"/>
-              </a:rPr>
-              <a:t> </a:t>
-            </a:r>
-            <a:r>
-              <a:rPr lang="en-US" sz="1800" dirty="0">
-                <a:solidFill>
-                  <a:srgbClr val="E21F1F"/>
-                </a:solidFill>
-                <a:effectLst/>
-                <a:latin typeface="Cascadia Mono" panose="020B0609020000020004" pitchFamily="49" charset="0"/>
-              </a:rPr>
-              <a:t>"</a:t>
-            </a:r>
-            <a:r>
-              <a:rPr lang="en-US" sz="1800" dirty="0">
-                <a:solidFill>
-                  <a:srgbClr val="A31515"/>
-                </a:solidFill>
-                <a:effectLst/>
-                <a:latin typeface="Cascadia Mono" panose="020B0609020000020004" pitchFamily="49" charset="0"/>
-              </a:rPr>
-              <a:t> </a:t>
-            </a:r>
-            <a:r>
-              <a:rPr lang="en-US" sz="1800" dirty="0">
-                <a:solidFill>
-                  <a:srgbClr val="E21F1F"/>
-                </a:solidFill>
-                <a:effectLst/>
-                <a:latin typeface="Cascadia Mono" panose="020B0609020000020004" pitchFamily="49" charset="0"/>
-              </a:rPr>
-              <a:t>"</a:t>
-            </a:r>
-            <a:r>
-              <a:rPr lang="en-US" sz="1800" dirty="0">
-                <a:solidFill>
-                  <a:srgbClr val="000000"/>
-                </a:solidFill>
-                <a:effectLst/>
-                <a:latin typeface="Cascadia Mono" panose="020B0609020000020004" pitchFamily="49" charset="0"/>
-              </a:rPr>
-              <a:t> </a:t>
-            </a:r>
-            <a:r>
-              <a:rPr lang="en-US" sz="1800" dirty="0">
-                <a:solidFill>
-                  <a:srgbClr val="066555"/>
-                </a:solidFill>
-                <a:effectLst/>
-                <a:latin typeface="Cascadia Mono" panose="020B0609020000020004" pitchFamily="49" charset="0"/>
-              </a:rPr>
-              <a:t>&lt;&lt;</a:t>
-            </a:r>
-            <a:r>
-              <a:rPr lang="en-US" sz="1800" dirty="0">
-                <a:solidFill>
-                  <a:srgbClr val="000000"/>
-                </a:solidFill>
-                <a:effectLst/>
-                <a:latin typeface="Cascadia Mono" panose="020B0609020000020004" pitchFamily="49" charset="0"/>
-              </a:rPr>
-              <a:t> </a:t>
-            </a:r>
-            <a:r>
-              <a:rPr lang="en-US" sz="1800" dirty="0">
-                <a:solidFill>
-                  <a:srgbClr val="1F377F"/>
-                </a:solidFill>
-                <a:effectLst/>
-                <a:latin typeface="Cascadia Mono" panose="020B0609020000020004" pitchFamily="49" charset="0"/>
-              </a:rPr>
-              <a:t>noun2</a:t>
-            </a:r>
-            <a:br>
-              <a:rPr lang="en-US" sz="1800" dirty="0">
-                <a:solidFill>
-                  <a:srgbClr val="000000"/>
-                </a:solidFill>
-                <a:effectLst/>
-                <a:latin typeface="Cascadia Mono" panose="020B0609020000020004" pitchFamily="49" charset="0"/>
-              </a:rPr>
-            </a:br>
-            <a:r>
-              <a:rPr lang="en-US" sz="1800" dirty="0">
-                <a:solidFill>
-                  <a:srgbClr val="000000"/>
-                </a:solidFill>
-                <a:effectLst/>
-                <a:latin typeface="Cascadia Mono" panose="020B0609020000020004" pitchFamily="49" charset="0"/>
-              </a:rPr>
-              <a:t>                </a:t>
-            </a:r>
-            <a:r>
-              <a:rPr lang="en-US" sz="1800" dirty="0">
-                <a:solidFill>
-                  <a:srgbClr val="066555"/>
-                </a:solidFill>
-                <a:effectLst/>
-                <a:latin typeface="Cascadia Mono" panose="020B0609020000020004" pitchFamily="49" charset="0"/>
-              </a:rPr>
-              <a:t>&lt;&lt;</a:t>
-            </a:r>
-            <a:r>
-              <a:rPr lang="en-US" sz="1800" dirty="0">
-                <a:solidFill>
-                  <a:srgbClr val="000000"/>
-                </a:solidFill>
-                <a:effectLst/>
-                <a:latin typeface="Cascadia Mono" panose="020B0609020000020004" pitchFamily="49" charset="0"/>
-              </a:rPr>
-              <a:t> </a:t>
-            </a:r>
-            <a:r>
-              <a:rPr lang="en-US" sz="1800" dirty="0">
-                <a:solidFill>
-                  <a:srgbClr val="E21F1F"/>
-                </a:solidFill>
-                <a:effectLst/>
-                <a:latin typeface="Cascadia Mono" panose="020B0609020000020004" pitchFamily="49" charset="0"/>
-              </a:rPr>
-              <a:t>"</a:t>
-            </a:r>
-            <a:r>
-              <a:rPr lang="en-US" sz="1800" dirty="0">
-                <a:solidFill>
-                  <a:srgbClr val="A31515"/>
-                </a:solidFill>
-                <a:effectLst/>
-                <a:latin typeface="Cascadia Mono" panose="020B0609020000020004" pitchFamily="49" charset="0"/>
-              </a:rPr>
-              <a:t>, and they lived happily ever after.</a:t>
-            </a:r>
-            <a:r>
-              <a:rPr lang="en-US" sz="1800" dirty="0">
-                <a:solidFill>
-                  <a:srgbClr val="9B4FE7"/>
-                </a:solidFill>
-                <a:effectLst/>
-                <a:latin typeface="Cascadia Mono" panose="020B0609020000020004" pitchFamily="49" charset="0"/>
-              </a:rPr>
-              <a:t>\n</a:t>
-            </a:r>
-            <a:r>
-              <a:rPr lang="en-US" sz="1800" dirty="0">
-                <a:solidFill>
-                  <a:srgbClr val="E21F1F"/>
-                </a:solidFill>
-                <a:effectLst/>
-                <a:latin typeface="Cascadia Mono" panose="020B0609020000020004" pitchFamily="49" charset="0"/>
-              </a:rPr>
-              <a:t>"</a:t>
-            </a:r>
-            <a:r>
-              <a:rPr lang="en-US" sz="1800" dirty="0">
-                <a:solidFill>
-                  <a:srgbClr val="000000"/>
-                </a:solidFill>
-                <a:effectLst/>
-                <a:latin typeface="Cascadia Mono" panose="020B0609020000020004" pitchFamily="49" charset="0"/>
-              </a:rPr>
-              <a:t>;</a:t>
-            </a:r>
-            <a:br>
-              <a:rPr lang="en-US" sz="1800" dirty="0">
-                <a:solidFill>
-                  <a:srgbClr val="000000"/>
-                </a:solidFill>
-                <a:effectLst/>
-                <a:latin typeface="Cascadia Mono" panose="020B0609020000020004" pitchFamily="49" charset="0"/>
-              </a:rPr>
-            </a:br>
-            <a:r>
-              <a:rPr lang="en-US" sz="1800" dirty="0">
-                <a:solidFill>
-                  <a:srgbClr val="000000"/>
-                </a:solidFill>
-                <a:effectLst/>
-                <a:latin typeface="Cascadia Mono" panose="020B0609020000020004" pitchFamily="49" charset="0"/>
-              </a:rPr>
-              <a:t> </a:t>
-            </a:r>
-            <a:br>
-              <a:rPr lang="en-US" sz="1800" dirty="0">
-                <a:solidFill>
-                  <a:srgbClr val="000000"/>
-                </a:solidFill>
-                <a:effectLst/>
-                <a:latin typeface="Cascadia Mono" panose="020B0609020000020004" pitchFamily="49" charset="0"/>
-              </a:rPr>
-            </a:br>
-            <a:r>
-              <a:rPr lang="en-US" sz="1800" dirty="0">
-                <a:solidFill>
-                  <a:srgbClr val="000000"/>
-                </a:solidFill>
-                <a:effectLst/>
-                <a:latin typeface="Cascadia Mono" panose="020B0609020000020004" pitchFamily="49" charset="0"/>
-              </a:rPr>
-              <a:t>        </a:t>
-            </a:r>
-            <a:r>
-              <a:rPr lang="en-US" sz="1800" dirty="0">
-                <a:solidFill>
-                  <a:srgbClr val="8F08C4"/>
-                </a:solidFill>
-                <a:effectLst/>
-                <a:latin typeface="Cascadia Mono" panose="020B0609020000020004" pitchFamily="49" charset="0"/>
-              </a:rPr>
-              <a:t>return</a:t>
-            </a:r>
-            <a:r>
-              <a:rPr lang="en-US" sz="1800" dirty="0">
-                <a:solidFill>
-                  <a:srgbClr val="000000"/>
-                </a:solidFill>
-                <a:effectLst/>
-                <a:latin typeface="Cascadia Mono" panose="020B0609020000020004" pitchFamily="49" charset="0"/>
-              </a:rPr>
-              <a:t> 0; </a:t>
-            </a:r>
-            <a:r>
-              <a:rPr lang="en-US" sz="1800" dirty="0">
-                <a:solidFill>
-                  <a:srgbClr val="066555"/>
-                </a:solidFill>
-                <a:effectLst/>
-                <a:latin typeface="Cascadia Mono" panose="020B0609020000020004" pitchFamily="49" charset="0"/>
-              </a:rPr>
-              <a:t>// Indicate successful program execution</a:t>
-            </a:r>
-            <a:br>
-              <a:rPr lang="en-US" sz="1800" dirty="0">
-                <a:solidFill>
-                  <a:srgbClr val="000000"/>
-                </a:solidFill>
-                <a:effectLst/>
-                <a:latin typeface="Cascadia Mono" panose="020B0609020000020004" pitchFamily="49" charset="0"/>
-              </a:rPr>
-            </a:br>
-            <a:r>
-              <a:rPr lang="en-US" sz="1800" dirty="0">
-                <a:solidFill>
-                  <a:srgbClr val="000000"/>
-                </a:solidFill>
-                <a:effectLst/>
-                <a:latin typeface="Cascadia Mono" panose="020B0609020000020004" pitchFamily="49" charset="0"/>
-              </a:rPr>
-              <a:t>}</a:t>
-            </a:r>
             <a:endParaRPr lang="en-US" dirty="0"/>
           </a:p>
-        </p:txBody>
-      </p:sp>
-      <p:sp>
-        <p:nvSpPr>
-          <p:cNvPr id="5" name="Footer Placeholder 4">
-            <a:extLst>
-              <a:ext uri="{FF2B5EF4-FFF2-40B4-BE49-F238E27FC236}">
-                <a16:creationId xmlns:a16="http://schemas.microsoft.com/office/drawing/2014/main" id="{6A9D101D-5C2D-690A-2C0C-5EF5EBF5D15E}"/>
+          <a:p>
+            <a:pPr lvl="1"/>
+            <a:endParaRPr lang="en-US" dirty="0"/>
+          </a:p>
+        </p:txBody>
+      </p:sp>
+      <p:sp>
+        <p:nvSpPr>
+          <p:cNvPr id="4" name="Footer Placeholder 3">
+            <a:extLst>
+              <a:ext uri="{FF2B5EF4-FFF2-40B4-BE49-F238E27FC236}">
+                <a16:creationId xmlns:a16="http://schemas.microsoft.com/office/drawing/2014/main" id="{A2AA2C54-3147-41DE-0736-4E47834753C7}"/>
               </a:ext>
             </a:extLst>
           </p:cNvPr>
@@ -11406,7 +9225,7 @@
     </p:spTree>
     <p:extLst>
       <p:ext uri="{BB962C8B-B14F-4D97-AF65-F5344CB8AC3E}">
-        <p14:creationId xmlns:p14="http://schemas.microsoft.com/office/powerpoint/2010/main" val="2059197913"/>
+        <p14:creationId xmlns:p14="http://schemas.microsoft.com/office/powerpoint/2010/main" val="1322446758"/>
       </p:ext>
     </p:extLst>
   </p:cSld>
@@ -11438,7 +9257,7 @@
           <p:cNvPr id="2" name="Title 1">
             <a:extLst>
               <a:ext uri="{FF2B5EF4-FFF2-40B4-BE49-F238E27FC236}">
-                <a16:creationId xmlns:a16="http://schemas.microsoft.com/office/drawing/2014/main" id="{C0EFF876-DCA9-DDF0-8507-EDCB5ABEB682}"/>
+                <a16:creationId xmlns:a16="http://schemas.microsoft.com/office/drawing/2014/main" id="{BD969880-CBDC-E452-5F3E-C1A516CCDC8D}"/>
               </a:ext>
             </a:extLst>
           </p:cNvPr>
@@ -11456,7 +9275,7 @@
           <a:p>
             <a:r>
               <a:rPr lang="en-US" dirty="0"/>
-              <a:t>Boss Assignment</a:t>
+              <a:t>Recall , Review</a:t>
             </a:r>
           </a:p>
         </p:txBody>
@@ -11466,7 +9285,7 @@
           <p:cNvPr id="3" name="Content Placeholder 2">
             <a:extLst>
               <a:ext uri="{FF2B5EF4-FFF2-40B4-BE49-F238E27FC236}">
-                <a16:creationId xmlns:a16="http://schemas.microsoft.com/office/drawing/2014/main" id="{2431AECC-DEFA-FF48-C9D3-F60CED7C59C1}"/>
+                <a16:creationId xmlns:a16="http://schemas.microsoft.com/office/drawing/2014/main" id="{0B0236CF-501A-DC05-7261-81A10359EA2E}"/>
               </a:ext>
             </a:extLst>
           </p:cNvPr>
@@ -11479,163 +9298,67 @@
         </p:nvSpPr>
         <p:spPr/>
         <p:txBody>
-          <a:bodyPr>
-            <a:normAutofit fontScale="62500" lnSpcReduction="20000"/>
-          </a:bodyPr>
-          <a:lstStyle/>
-          <a:p>
-            <a:r>
-              <a:rPr lang="en-US" dirty="0"/>
-              <a:t>Input student details </a:t>
-            </a:r>
-          </a:p>
-          <a:p>
-            <a:pPr lvl="1"/>
-            <a:r>
-              <a:rPr lang="en-US" dirty="0"/>
-              <a:t>Student Name</a:t>
-            </a:r>
-          </a:p>
-          <a:p>
-            <a:pPr lvl="1"/>
-            <a:r>
-              <a:rPr lang="en-US" dirty="0"/>
-              <a:t>Subject name </a:t>
-            </a:r>
-          </a:p>
-          <a:p>
-            <a:pPr lvl="1"/>
-            <a:r>
-              <a:rPr lang="en-US" dirty="0"/>
-              <a:t>Marks ( out of 100)</a:t>
-            </a:r>
-          </a:p>
-          <a:p>
-            <a:r>
-              <a:rPr lang="en-US" dirty="0"/>
-              <a:t>Process</a:t>
-            </a:r>
-          </a:p>
-          <a:p>
-            <a:pPr lvl="1"/>
-            <a:r>
-              <a:rPr lang="en-US" dirty="0"/>
-              <a:t>Find grade using this table </a:t>
-            </a:r>
-          </a:p>
-          <a:p>
-            <a:pPr lvl="1"/>
-            <a:r>
-              <a:rPr lang="en-US" dirty="0"/>
-              <a:t>90 &lt;marks </a:t>
-            </a:r>
-            <a:r>
-              <a:rPr lang="en-US" dirty="0">
-                <a:sym typeface="Wingdings" panose="05000000000000000000" pitchFamily="2" charset="2"/>
-              </a:rPr>
-              <a:t>A</a:t>
-            </a:r>
-          </a:p>
-          <a:p>
-            <a:pPr lvl="1"/>
-            <a:r>
-              <a:rPr lang="en-US" dirty="0">
-                <a:sym typeface="Wingdings" panose="05000000000000000000" pitchFamily="2" charset="2"/>
-              </a:rPr>
-              <a:t>75 &lt;= marks &lt; 90  B</a:t>
-            </a:r>
-          </a:p>
-          <a:p>
-            <a:pPr lvl="1"/>
-            <a:r>
-              <a:rPr lang="en-US" dirty="0">
-                <a:sym typeface="Wingdings" panose="05000000000000000000" pitchFamily="2" charset="2"/>
-              </a:rPr>
-              <a:t>60 &lt;= marks &lt;=74 C</a:t>
-            </a:r>
-          </a:p>
-          <a:p>
-            <a:pPr lvl="1"/>
-            <a:r>
-              <a:rPr lang="en-US" dirty="0">
-                <a:sym typeface="Wingdings" panose="05000000000000000000" pitchFamily="2" charset="2"/>
-              </a:rPr>
-              <a:t>marks &lt;60 D</a:t>
-            </a:r>
-          </a:p>
-          <a:p>
-            <a:r>
-              <a:rPr lang="en-US" dirty="0">
-                <a:sym typeface="Wingdings" panose="05000000000000000000" pitchFamily="2" charset="2"/>
-              </a:rPr>
-              <a:t>Output</a:t>
-            </a:r>
-          </a:p>
-          <a:p>
-            <a:pPr lvl="1"/>
-            <a:r>
-              <a:rPr lang="en-US" dirty="0">
-                <a:sym typeface="Wingdings" panose="05000000000000000000" pitchFamily="2" charset="2"/>
-              </a:rPr>
-              <a:t>Grade for the student</a:t>
-            </a:r>
-          </a:p>
-          <a:p>
-            <a:r>
-              <a:rPr lang="en-US" dirty="0">
-                <a:sym typeface="Wingdings" panose="05000000000000000000" pitchFamily="2" charset="2"/>
-              </a:rPr>
-              <a:t>Challenge</a:t>
-            </a:r>
-          </a:p>
-          <a:p>
-            <a:pPr lvl="1"/>
-            <a:r>
-              <a:rPr lang="en-US" dirty="0">
-                <a:sym typeface="Wingdings" panose="05000000000000000000" pitchFamily="2" charset="2"/>
-              </a:rPr>
-              <a:t>Enter multiple students, print how many students had A, B , C and D grades each. </a:t>
-            </a:r>
-          </a:p>
-          <a:p>
-            <a:r>
-              <a:rPr lang="en-US" dirty="0">
-                <a:sym typeface="Wingdings" panose="05000000000000000000" pitchFamily="2" charset="2"/>
-              </a:rPr>
-              <a:t>Hint </a:t>
-            </a:r>
-          </a:p>
-          <a:p>
-            <a:pPr lvl="1"/>
-            <a:r>
-              <a:rPr lang="en-US" dirty="0">
-                <a:sym typeface="Wingdings" panose="05000000000000000000" pitchFamily="2" charset="2"/>
-              </a:rPr>
-              <a:t>Need to know conditional (if-else)</a:t>
-            </a:r>
-          </a:p>
-          <a:p>
-            <a:pPr lvl="1"/>
-            <a:r>
-              <a:rPr lang="en-US" dirty="0">
-                <a:sym typeface="Wingdings" panose="05000000000000000000" pitchFamily="2" charset="2"/>
-              </a:rPr>
-              <a:t>May need to know loop (while)</a:t>
-            </a:r>
-          </a:p>
-          <a:p>
-            <a:pPr lvl="1"/>
-            <a:endParaRPr lang="en-US" dirty="0"/>
-          </a:p>
-          <a:p>
-            <a:pPr marL="914400" lvl="2" indent="0">
-              <a:buNone/>
-            </a:pPr>
-            <a:endParaRPr lang="en-US" dirty="0"/>
-          </a:p>
-          <a:p>
-            <a:pPr lvl="1"/>
-            <a:endParaRPr lang="en-US" dirty="0"/>
+          <a:bodyPr/>
+          <a:lstStyle/>
+          <a:p>
+            <a:r>
+              <a:rPr lang="en-US" dirty="0"/>
+              <a:t>C/C++Keywords we know already</a:t>
+            </a:r>
+          </a:p>
+          <a:p>
+            <a:pPr lvl="1"/>
+            <a:r>
+              <a:rPr lang="en-US" dirty="0"/>
+              <a:t>And few more </a:t>
+            </a:r>
+          </a:p>
+          <a:p>
+            <a:pPr lvl="2"/>
+            <a:r>
+              <a:rPr lang="en-US" dirty="0"/>
+              <a:t>signed , unsigned</a:t>
+            </a:r>
+          </a:p>
+          <a:p>
+            <a:pPr lvl="2"/>
+            <a:r>
+              <a:rPr lang="en-US" dirty="0"/>
+              <a:t>short , long</a:t>
+            </a:r>
+          </a:p>
+          <a:p>
+            <a:r>
+              <a:rPr lang="en-US" dirty="0"/>
+              <a:t>Computers think in 0s and 1s</a:t>
+            </a:r>
+          </a:p>
+          <a:p>
+            <a:pPr lvl="1"/>
+            <a:r>
+              <a:rPr lang="en-US" dirty="0"/>
+              <a:t>What types ?</a:t>
+            </a:r>
+          </a:p>
+          <a:p>
+            <a:r>
+              <a:rPr lang="en-US" dirty="0"/>
+              <a:t>Computer have speed measured in hertz (Hz)</a:t>
+            </a:r>
+          </a:p>
+          <a:p>
+            <a:pPr lvl="1"/>
+            <a:r>
+              <a:rPr lang="en-US" dirty="0"/>
+              <a:t>How much faster is 1Kilo Hertz than 1Hz ? </a:t>
+            </a:r>
+          </a:p>
+          <a:p>
+            <a:pPr lvl="1"/>
+            <a:r>
+              <a:rPr lang="en-US" dirty="0"/>
+              <a:t>What are current computer speeds ?</a:t>
+            </a:r>
           </a:p>
         </p:txBody>
       </p:sp>
@@ -11644,7 +9367,7 @@
           <p:cNvPr id="4" name="Footer Placeholder 3">
             <a:extLst>
               <a:ext uri="{FF2B5EF4-FFF2-40B4-BE49-F238E27FC236}">
-                <a16:creationId xmlns:a16="http://schemas.microsoft.com/office/drawing/2014/main" id="{A2AA2C54-3147-41DE-0736-4E47834753C7}"/>
+                <a16:creationId xmlns:a16="http://schemas.microsoft.com/office/drawing/2014/main" id="{157DFA6A-E311-64DA-8F05-9FA78D473DB1}"/>
               </a:ext>
             </a:extLst>
           </p:cNvPr>
@@ -11662,7 +9385,7 @@
           <a:p>
             <a:r>
               <a:rPr lang="en-US"/>
-              <a:t>Week 3</a:t>
+              <a:t>Week 4</a:t>
             </a:r>
           </a:p>
         </p:txBody>
@@ -11670,7 +9393,7 @@
     </p:spTree>
     <p:extLst>
       <p:ext uri="{BB962C8B-B14F-4D97-AF65-F5344CB8AC3E}">
-        <p14:creationId xmlns:p14="http://schemas.microsoft.com/office/powerpoint/2010/main" val="1322446758"/>
+        <p14:creationId xmlns:p14="http://schemas.microsoft.com/office/powerpoint/2010/main" val="125815382"/>
       </p:ext>
     </p:extLst>
   </p:cSld>
@@ -11702,7 +9425,7 @@
           <p:cNvPr id="2" name="Title 1">
             <a:extLst>
               <a:ext uri="{FF2B5EF4-FFF2-40B4-BE49-F238E27FC236}">
-                <a16:creationId xmlns:a16="http://schemas.microsoft.com/office/drawing/2014/main" id="{A751F430-7C06-CF5B-E6EF-E902F014C4C9}"/>
+                <a16:creationId xmlns:a16="http://schemas.microsoft.com/office/drawing/2014/main" id="{3E3E8121-A09C-5DA0-1A78-B6D417A14D81}"/>
               </a:ext>
             </a:extLst>
           </p:cNvPr>
@@ -11720,7 +9443,11 @@
           <a:p>
             <a:r>
               <a:rPr lang="en-US" dirty="0"/>
-              <a:t>Conditionals</a:t>
+              <a:t>Measuring computer capabilities </a:t>
+            </a:r>
+            <a:r>
+              <a:rPr lang="en-US" sz="2400" dirty="0"/>
+              <a:t>(some more units)</a:t>
             </a:r>
           </a:p>
         </p:txBody>
@@ -11730,7 +9457,162 @@
           <p:cNvPr id="3" name="Content Placeholder 2">
             <a:extLst>
               <a:ext uri="{FF2B5EF4-FFF2-40B4-BE49-F238E27FC236}">
-                <a16:creationId xmlns:a16="http://schemas.microsoft.com/office/drawing/2014/main" id="{BAFADAAE-FBA2-1009-7247-5FD2F5FFDDD2}"/>
+                <a16:creationId xmlns:a16="http://schemas.microsoft.com/office/drawing/2014/main" id="{C0602741-7967-E5EB-84B7-922BEC7A918B}"/>
+              </a:ext>
+            </a:extLst>
+          </p:cNvPr>
+          <p:cNvSpPr>
+            <a:spLocks noGrp="1"/>
+          </p:cNvSpPr>
+          <p:nvPr>
+            <p:ph idx="1"/>
+          </p:nvPr>
+        </p:nvSpPr>
+        <p:spPr/>
+        <p:txBody>
+          <a:bodyPr/>
+          <a:lstStyle/>
+          <a:p>
+            <a:r>
+              <a:rPr lang="en-US" dirty="0"/>
+              <a:t>FLOPS : floating point operations per second</a:t>
+            </a:r>
+          </a:p>
+          <a:p>
+            <a:pPr lvl="1"/>
+            <a:r>
+              <a:rPr lang="en-US" dirty="0"/>
+              <a:t>FP 16, </a:t>
+            </a:r>
+            <a:r>
+              <a:rPr lang="en-US" b="1" dirty="0"/>
+              <a:t>FP 32</a:t>
+            </a:r>
+            <a:r>
+              <a:rPr lang="en-US" dirty="0"/>
+              <a:t>,  FP 64</a:t>
+            </a:r>
+          </a:p>
+          <a:p>
+            <a:r>
+              <a:rPr lang="en-US" dirty="0"/>
+              <a:t>IOPS : Input/Output operations per second</a:t>
+            </a:r>
+          </a:p>
+          <a:p>
+            <a:r>
+              <a:rPr lang="en-US" dirty="0"/>
+              <a:t>Fun facts </a:t>
+            </a:r>
+          </a:p>
+          <a:p>
+            <a:pPr lvl="1"/>
+            <a:r>
+              <a:rPr lang="en-US" dirty="0"/>
+              <a:t>Computers are afraid of floats</a:t>
+            </a:r>
+          </a:p>
+          <a:p>
+            <a:pPr lvl="1"/>
+            <a:r>
+              <a:rPr lang="en-US" dirty="0"/>
+              <a:t>Computers are afraid of division</a:t>
+            </a:r>
+          </a:p>
+        </p:txBody>
+      </p:sp>
+      <p:sp>
+        <p:nvSpPr>
+          <p:cNvPr id="4" name="Footer Placeholder 3">
+            <a:extLst>
+              <a:ext uri="{FF2B5EF4-FFF2-40B4-BE49-F238E27FC236}">
+                <a16:creationId xmlns:a16="http://schemas.microsoft.com/office/drawing/2014/main" id="{D5978473-0F1C-3893-13C9-ECDE43BE52EC}"/>
+              </a:ext>
+            </a:extLst>
+          </p:cNvPr>
+          <p:cNvSpPr>
+            <a:spLocks noGrp="1"/>
+          </p:cNvSpPr>
+          <p:nvPr>
+            <p:ph type="ftr" sz="quarter" idx="11"/>
+          </p:nvPr>
+        </p:nvSpPr>
+        <p:spPr/>
+        <p:txBody>
+          <a:bodyPr/>
+          <a:lstStyle/>
+          <a:p>
+            <a:r>
+              <a:rPr lang="en-US"/>
+              <a:t>Week 4</a:t>
+            </a:r>
+          </a:p>
+        </p:txBody>
+      </p:sp>
+    </p:spTree>
+    <p:extLst>
+      <p:ext uri="{BB962C8B-B14F-4D97-AF65-F5344CB8AC3E}">
+        <p14:creationId xmlns:p14="http://schemas.microsoft.com/office/powerpoint/2010/main" val="1607380028"/>
+      </p:ext>
+    </p:extLst>
+  </p:cSld>
+  <p:clrMapOvr>
+    <a:masterClrMapping/>
+  </p:clrMapOvr>
+</p:sld>
+</file>
+
+<file path=ppt/slides/slide28.xml><?xml version="1.0" encoding="utf-8"?>
+<p:sld xmlns:a="http://schemas.openxmlformats.org/drawingml/2006/main" xmlns:r="http://schemas.openxmlformats.org/officeDocument/2006/relationships" xmlns:p="http://schemas.openxmlformats.org/presentationml/2006/main">
+  <p:cSld>
+    <p:spTree>
+      <p:nvGrpSpPr>
+        <p:cNvPr id="1" name=""/>
+        <p:cNvGrpSpPr/>
+        <p:nvPr/>
+      </p:nvGrpSpPr>
+      <p:grpSpPr>
+        <a:xfrm>
+          <a:off x="0" y="0"/>
+          <a:ext cx="0" cy="0"/>
+          <a:chOff x="0" y="0"/>
+          <a:chExt cx="0" cy="0"/>
+        </a:xfrm>
+      </p:grpSpPr>
+      <p:sp>
+        <p:nvSpPr>
+          <p:cNvPr id="2" name="Title 1">
+            <a:extLst>
+              <a:ext uri="{FF2B5EF4-FFF2-40B4-BE49-F238E27FC236}">
+                <a16:creationId xmlns:a16="http://schemas.microsoft.com/office/drawing/2014/main" id="{DA1F8658-FF89-2DA7-CBD2-00EDC6C9BC60}"/>
+              </a:ext>
+            </a:extLst>
+          </p:cNvPr>
+          <p:cNvSpPr>
+            <a:spLocks noGrp="1"/>
+          </p:cNvSpPr>
+          <p:nvPr>
+            <p:ph type="title"/>
+          </p:nvPr>
+        </p:nvSpPr>
+        <p:spPr/>
+        <p:txBody>
+          <a:bodyPr/>
+          <a:lstStyle/>
+          <a:p>
+            <a:r>
+              <a:rPr lang="en-US" dirty="0"/>
+              <a:t>Computer trends</a:t>
+            </a:r>
+          </a:p>
+        </p:txBody>
+      </p:sp>
+      <p:sp>
+        <p:nvSpPr>
+          <p:cNvPr id="3" name="Content Placeholder 2">
+            <a:extLst>
+              <a:ext uri="{FF2B5EF4-FFF2-40B4-BE49-F238E27FC236}">
+                <a16:creationId xmlns:a16="http://schemas.microsoft.com/office/drawing/2014/main" id="{ABB2187F-4DDE-584D-4259-FE18FAA821C3}"/>
               </a:ext>
             </a:extLst>
           </p:cNvPr>
@@ -11750,113 +9632,270 @@
           <a:p>
             <a:r>
               <a:rPr lang="en-US" dirty="0"/>
-              <a:t>Are you going to store?</a:t>
-            </a:r>
-          </a:p>
-          <a:p>
-            <a:pPr lvl="1"/>
-            <a:r>
-              <a:rPr lang="en-US" dirty="0"/>
-              <a:t>Yes</a:t>
-            </a:r>
-          </a:p>
-          <a:p>
-            <a:r>
-              <a:rPr lang="en-US" dirty="0"/>
-              <a:t>If they have chocolate, get two , if not then get </a:t>
-            </a:r>
-            <a:r>
-              <a:rPr lang="en-US" dirty="0" err="1"/>
-              <a:t>icecream</a:t>
-            </a:r>
+              <a:t>Getting smaller</a:t>
+            </a:r>
+          </a:p>
+          <a:p>
+            <a:pPr lvl="1"/>
+            <a:r>
+              <a:rPr lang="en-US" b="1" dirty="0"/>
+              <a:t>Die</a:t>
+            </a:r>
+            <a:r>
+              <a:rPr lang="en-US" dirty="0"/>
+              <a:t> sizes have been shrinking</a:t>
+            </a:r>
+          </a:p>
+          <a:p>
+            <a:r>
+              <a:rPr lang="en-US" dirty="0"/>
+              <a:t>Getting faster</a:t>
+            </a:r>
+          </a:p>
+          <a:p>
+            <a:pPr lvl="1"/>
+            <a:r>
+              <a:rPr lang="en-US" dirty="0"/>
+              <a:t>Same size </a:t>
+            </a:r>
+            <a:r>
+              <a:rPr lang="en-US" b="1" dirty="0"/>
+              <a:t>die</a:t>
+            </a:r>
+            <a:r>
+              <a:rPr lang="en-US" dirty="0"/>
+              <a:t> have more </a:t>
+            </a:r>
+            <a:r>
+              <a:rPr lang="en-US" b="1" dirty="0"/>
+              <a:t>transistors</a:t>
+            </a:r>
+          </a:p>
+          <a:p>
+            <a:r>
+              <a:rPr lang="en-US" dirty="0"/>
+              <a:t>Getting crowded</a:t>
+            </a:r>
+          </a:p>
+          <a:p>
+            <a:pPr lvl="1"/>
+            <a:r>
+              <a:rPr lang="en-US" dirty="0"/>
+              <a:t>More </a:t>
+            </a:r>
+            <a:r>
+              <a:rPr lang="en-US" b="1" dirty="0"/>
+              <a:t>core</a:t>
+            </a:r>
+            <a:r>
+              <a:rPr lang="en-US" dirty="0"/>
+              <a:t> counts per </a:t>
+            </a:r>
+            <a:r>
+              <a:rPr lang="en-US" b="1" dirty="0"/>
+              <a:t>die</a:t>
+            </a:r>
+          </a:p>
+          <a:p>
+            <a:r>
+              <a:rPr lang="en-US" dirty="0"/>
+              <a:t>Getting chatty</a:t>
+            </a:r>
+          </a:p>
+          <a:p>
+            <a:pPr lvl="1"/>
+            <a:r>
+              <a:rPr lang="en-US" dirty="0"/>
+              <a:t>Networked , internet connected</a:t>
+            </a:r>
+          </a:p>
+          <a:p>
+            <a:r>
+              <a:rPr lang="en-US" dirty="0"/>
+              <a:t>Getting efficient</a:t>
+            </a:r>
+          </a:p>
+          <a:p>
+            <a:pPr lvl="1"/>
+            <a:r>
+              <a:rPr lang="en-US" dirty="0"/>
+              <a:t>More performance per unit of </a:t>
+            </a:r>
+            <a:r>
+              <a:rPr lang="en-US" b="1" dirty="0"/>
+              <a:t>power</a:t>
+            </a:r>
+          </a:p>
+          <a:p>
             <a:endParaRPr lang="en-US" dirty="0"/>
           </a:p>
           <a:p>
-            <a:pPr lvl="1"/>
-            <a:r>
-              <a:rPr lang="en-US" dirty="0"/>
-              <a:t>Ok.</a:t>
-            </a:r>
-          </a:p>
-          <a:p>
-            <a:r>
-              <a:rPr lang="en-US" dirty="0"/>
-              <a:t>Code </a:t>
-            </a:r>
-          </a:p>
-          <a:p>
-            <a:pPr lvl="1"/>
-            <a:r>
-              <a:rPr lang="en-US" dirty="0"/>
-              <a:t>if( </a:t>
-            </a:r>
-            <a:r>
-              <a:rPr lang="en-US" dirty="0" err="1"/>
-              <a:t>haveChocolate</a:t>
-            </a:r>
-            <a:r>
-              <a:rPr lang="en-US" dirty="0"/>
-              <a:t>)</a:t>
-            </a:r>
-            <a:br>
-              <a:rPr lang="en-US" dirty="0"/>
-            </a:br>
-            <a:r>
-              <a:rPr lang="en-US" dirty="0"/>
-              <a:t>{</a:t>
-            </a:r>
-            <a:br>
-              <a:rPr lang="en-US" dirty="0"/>
-            </a:br>
-            <a:r>
-              <a:rPr lang="en-US" dirty="0"/>
-              <a:t>     //Buy 2 chocolate</a:t>
-            </a:r>
-            <a:br>
-              <a:rPr lang="en-US" dirty="0"/>
-            </a:br>
-            <a:r>
-              <a:rPr lang="en-US" dirty="0"/>
-              <a:t>} else</a:t>
-            </a:r>
-            <a:br>
-              <a:rPr lang="en-US" dirty="0"/>
-            </a:br>
-            <a:r>
-              <a:rPr lang="en-US" dirty="0"/>
-              <a:t>{</a:t>
-            </a:r>
-            <a:br>
-              <a:rPr lang="en-US" dirty="0"/>
-            </a:br>
-            <a:r>
-              <a:rPr lang="en-US" dirty="0"/>
-              <a:t>    //Buy </a:t>
-            </a:r>
-            <a:r>
-              <a:rPr lang="en-US" dirty="0" err="1"/>
-              <a:t>icecream</a:t>
-            </a:r>
-            <a:br>
-              <a:rPr lang="en-US" dirty="0"/>
-            </a:br>
-            <a:r>
-              <a:rPr lang="en-US" dirty="0"/>
-              <a:t>}</a:t>
-            </a:r>
-          </a:p>
-          <a:p>
-            <a:pPr marL="0" indent="0">
-              <a:buNone/>
-            </a:pPr>
             <a:endParaRPr lang="en-US" dirty="0"/>
+          </a:p>
+        </p:txBody>
+      </p:sp>
+      <p:sp>
+        <p:nvSpPr>
+          <p:cNvPr id="4" name="Footer Placeholder 3">
+            <a:extLst>
+              <a:ext uri="{FF2B5EF4-FFF2-40B4-BE49-F238E27FC236}">
+                <a16:creationId xmlns:a16="http://schemas.microsoft.com/office/drawing/2014/main" id="{4D481AD4-4FF7-884E-D9FE-CF80AD9E752B}"/>
+              </a:ext>
+            </a:extLst>
+          </p:cNvPr>
+          <p:cNvSpPr>
+            <a:spLocks noGrp="1"/>
+          </p:cNvSpPr>
+          <p:nvPr>
+            <p:ph type="ftr" sz="quarter" idx="11"/>
+          </p:nvPr>
+        </p:nvSpPr>
+        <p:spPr/>
+        <p:txBody>
+          <a:bodyPr/>
+          <a:lstStyle/>
+          <a:p>
+            <a:r>
+              <a:rPr lang="en-US"/>
+              <a:t>Week 4</a:t>
+            </a:r>
           </a:p>
         </p:txBody>
       </p:sp>
     </p:spTree>
     <p:extLst>
       <p:ext uri="{BB962C8B-B14F-4D97-AF65-F5344CB8AC3E}">
-        <p14:creationId xmlns:p14="http://schemas.microsoft.com/office/powerpoint/2010/main" val="3301446926"/>
+        <p14:creationId xmlns:p14="http://schemas.microsoft.com/office/powerpoint/2010/main" val="1204285814"/>
+      </p:ext>
+    </p:extLst>
+  </p:cSld>
+  <p:clrMapOvr>
+    <a:masterClrMapping/>
+  </p:clrMapOvr>
+</p:sld>
+</file>
+
+<file path=ppt/slides/slide29.xml><?xml version="1.0" encoding="utf-8"?>
+<p:sld xmlns:a="http://schemas.openxmlformats.org/drawingml/2006/main" xmlns:r="http://schemas.openxmlformats.org/officeDocument/2006/relationships" xmlns:p="http://schemas.openxmlformats.org/presentationml/2006/main">
+  <p:cSld>
+    <p:spTree>
+      <p:nvGrpSpPr>
+        <p:cNvPr id="1" name=""/>
+        <p:cNvGrpSpPr/>
+        <p:nvPr/>
+      </p:nvGrpSpPr>
+      <p:grpSpPr>
+        <a:xfrm>
+          <a:off x="0" y="0"/>
+          <a:ext cx="0" cy="0"/>
+          <a:chOff x="0" y="0"/>
+          <a:chExt cx="0" cy="0"/>
+        </a:xfrm>
+      </p:grpSpPr>
+      <p:sp>
+        <p:nvSpPr>
+          <p:cNvPr id="2" name="Title 1">
+            <a:extLst>
+              <a:ext uri="{FF2B5EF4-FFF2-40B4-BE49-F238E27FC236}">
+                <a16:creationId xmlns:a16="http://schemas.microsoft.com/office/drawing/2014/main" id="{D598A3DD-FCCE-4129-9206-3560F88E8381}"/>
+              </a:ext>
+            </a:extLst>
+          </p:cNvPr>
+          <p:cNvSpPr>
+            <a:spLocks noGrp="1"/>
+          </p:cNvSpPr>
+          <p:nvPr>
+            <p:ph type="title"/>
+          </p:nvPr>
+        </p:nvSpPr>
+        <p:spPr/>
+        <p:txBody>
+          <a:bodyPr/>
+          <a:lstStyle/>
+          <a:p>
+            <a:r>
+              <a:rPr lang="en-US" dirty="0"/>
+              <a:t>Back to C++, Decision Making &amp; Branching</a:t>
+            </a:r>
+          </a:p>
+        </p:txBody>
+      </p:sp>
+      <p:sp>
+        <p:nvSpPr>
+          <p:cNvPr id="3" name="Content Placeholder 2">
+            <a:extLst>
+              <a:ext uri="{FF2B5EF4-FFF2-40B4-BE49-F238E27FC236}">
+                <a16:creationId xmlns:a16="http://schemas.microsoft.com/office/drawing/2014/main" id="{5109BE7C-8AE3-35A8-4789-D6E0BD6AD492}"/>
+              </a:ext>
+            </a:extLst>
+          </p:cNvPr>
+          <p:cNvSpPr>
+            <a:spLocks noGrp="1"/>
+          </p:cNvSpPr>
+          <p:nvPr>
+            <p:ph idx="1"/>
+          </p:nvPr>
+        </p:nvSpPr>
+        <p:spPr/>
+        <p:txBody>
+          <a:bodyPr/>
+          <a:lstStyle/>
+          <a:p>
+            <a:r>
+              <a:rPr lang="en-US" dirty="0"/>
+              <a:t>if , else </a:t>
+            </a:r>
+          </a:p>
+          <a:p>
+            <a:r>
+              <a:rPr lang="en-US" dirty="0"/>
+              <a:t>switch </a:t>
+            </a:r>
+          </a:p>
+          <a:p>
+            <a:r>
+              <a:rPr lang="en-US" dirty="0" err="1"/>
+              <a:t>goto</a:t>
+            </a:r>
+            <a:r>
+              <a:rPr lang="en-US" dirty="0"/>
+              <a:t> </a:t>
+            </a:r>
+          </a:p>
+        </p:txBody>
+      </p:sp>
+      <p:sp>
+        <p:nvSpPr>
+          <p:cNvPr id="4" name="Footer Placeholder 3">
+            <a:extLst>
+              <a:ext uri="{FF2B5EF4-FFF2-40B4-BE49-F238E27FC236}">
+                <a16:creationId xmlns:a16="http://schemas.microsoft.com/office/drawing/2014/main" id="{A128CB9B-5F79-D6CC-50D9-A45D4DE6CABA}"/>
+              </a:ext>
+            </a:extLst>
+          </p:cNvPr>
+          <p:cNvSpPr>
+            <a:spLocks noGrp="1"/>
+          </p:cNvSpPr>
+          <p:nvPr>
+            <p:ph type="ftr" sz="quarter" idx="11"/>
+          </p:nvPr>
+        </p:nvSpPr>
+        <p:spPr/>
+        <p:txBody>
+          <a:bodyPr/>
+          <a:lstStyle/>
+          <a:p>
+            <a:r>
+              <a:rPr lang="en-US"/>
+              <a:t>Week 4</a:t>
+            </a:r>
+          </a:p>
+        </p:txBody>
+      </p:sp>
+    </p:spTree>
+    <p:extLst>
+      <p:ext uri="{BB962C8B-B14F-4D97-AF65-F5344CB8AC3E}">
+        <p14:creationId xmlns:p14="http://schemas.microsoft.com/office/powerpoint/2010/main" val="357076036"/>
       </p:ext>
     </p:extLst>
   </p:cSld>
@@ -12017,6 +10056,1863 @@
     <p:extLst>
       <p:ext uri="{BB962C8B-B14F-4D97-AF65-F5344CB8AC3E}">
         <p14:creationId xmlns:p14="http://schemas.microsoft.com/office/powerpoint/2010/main" val="2833295415"/>
+      </p:ext>
+    </p:extLst>
+  </p:cSld>
+  <p:clrMapOvr>
+    <a:masterClrMapping/>
+  </p:clrMapOvr>
+</p:sld>
+</file>
+
+<file path=ppt/slides/slide30.xml><?xml version="1.0" encoding="utf-8"?>
+<p:sld xmlns:a="http://schemas.openxmlformats.org/drawingml/2006/main" xmlns:r="http://schemas.openxmlformats.org/officeDocument/2006/relationships" xmlns:p="http://schemas.openxmlformats.org/presentationml/2006/main">
+  <p:cSld>
+    <p:spTree>
+      <p:nvGrpSpPr>
+        <p:cNvPr id="1" name=""/>
+        <p:cNvGrpSpPr/>
+        <p:nvPr/>
+      </p:nvGrpSpPr>
+      <p:grpSpPr>
+        <a:xfrm>
+          <a:off x="0" y="0"/>
+          <a:ext cx="0" cy="0"/>
+          <a:chOff x="0" y="0"/>
+          <a:chExt cx="0" cy="0"/>
+        </a:xfrm>
+      </p:grpSpPr>
+      <p:sp>
+        <p:nvSpPr>
+          <p:cNvPr id="2" name="Title 1">
+            <a:extLst>
+              <a:ext uri="{FF2B5EF4-FFF2-40B4-BE49-F238E27FC236}">
+                <a16:creationId xmlns:a16="http://schemas.microsoft.com/office/drawing/2014/main" id="{6BB8AEFA-C597-97E4-4100-3128A3DD8D47}"/>
+              </a:ext>
+            </a:extLst>
+          </p:cNvPr>
+          <p:cNvSpPr>
+            <a:spLocks noGrp="1"/>
+          </p:cNvSpPr>
+          <p:nvPr>
+            <p:ph type="title"/>
+          </p:nvPr>
+        </p:nvSpPr>
+        <p:spPr/>
+        <p:txBody>
+          <a:bodyPr/>
+          <a:lstStyle/>
+          <a:p>
+            <a:r>
+              <a:rPr lang="en-US" dirty="0"/>
+              <a:t>Making Decisions , using “if”</a:t>
+            </a:r>
+          </a:p>
+        </p:txBody>
+      </p:sp>
+      <p:sp>
+        <p:nvSpPr>
+          <p:cNvPr id="3" name="Content Placeholder 2">
+            <a:extLst>
+              <a:ext uri="{FF2B5EF4-FFF2-40B4-BE49-F238E27FC236}">
+                <a16:creationId xmlns:a16="http://schemas.microsoft.com/office/drawing/2014/main" id="{AC110927-5E1B-5734-DE19-2ABF939B394C}"/>
+              </a:ext>
+            </a:extLst>
+          </p:cNvPr>
+          <p:cNvSpPr>
+            <a:spLocks noGrp="1"/>
+          </p:cNvSpPr>
+          <p:nvPr>
+            <p:ph idx="1"/>
+          </p:nvPr>
+        </p:nvSpPr>
+        <p:spPr/>
+        <p:txBody>
+          <a:bodyPr/>
+          <a:lstStyle/>
+          <a:p>
+            <a:pPr marL="0" indent="0">
+              <a:buNone/>
+            </a:pPr>
+            <a:br>
+              <a:rPr lang="en-US" dirty="0"/>
+            </a:br>
+            <a:endParaRPr lang="en-US" dirty="0"/>
+          </a:p>
+        </p:txBody>
+      </p:sp>
+      <p:pic>
+        <p:nvPicPr>
+          <p:cNvPr id="13" name="Picture 12">
+            <a:extLst>
+              <a:ext uri="{FF2B5EF4-FFF2-40B4-BE49-F238E27FC236}">
+                <a16:creationId xmlns:a16="http://schemas.microsoft.com/office/drawing/2014/main" id="{931BE60D-BBF6-60D1-72AE-DDDBCA9F7AA0}"/>
+              </a:ext>
+            </a:extLst>
+          </p:cNvPr>
+          <p:cNvPicPr>
+            <a:picLocks noChangeAspect="1"/>
+          </p:cNvPicPr>
+          <p:nvPr/>
+        </p:nvPicPr>
+        <p:blipFill>
+          <a:blip r:embed="rId2"/>
+          <a:stretch>
+            <a:fillRect/>
+          </a:stretch>
+        </p:blipFill>
+        <p:spPr>
+          <a:xfrm>
+            <a:off x="5080683" y="1690688"/>
+            <a:ext cx="4402275" cy="4015647"/>
+          </a:xfrm>
+          <a:prstGeom prst="rect">
+            <a:avLst/>
+          </a:prstGeom>
+        </p:spPr>
+      </p:pic>
+      <p:pic>
+        <p:nvPicPr>
+          <p:cNvPr id="15" name="Picture 14">
+            <a:extLst>
+              <a:ext uri="{FF2B5EF4-FFF2-40B4-BE49-F238E27FC236}">
+                <a16:creationId xmlns:a16="http://schemas.microsoft.com/office/drawing/2014/main" id="{628DBD97-A16B-F554-7837-36BB6541EEB1}"/>
+              </a:ext>
+            </a:extLst>
+          </p:cNvPr>
+          <p:cNvPicPr>
+            <a:picLocks noChangeAspect="1"/>
+          </p:cNvPicPr>
+          <p:nvPr/>
+        </p:nvPicPr>
+        <p:blipFill>
+          <a:blip r:embed="rId3"/>
+          <a:stretch>
+            <a:fillRect/>
+          </a:stretch>
+        </p:blipFill>
+        <p:spPr>
+          <a:xfrm>
+            <a:off x="1554855" y="2718000"/>
+            <a:ext cx="3486329" cy="1320868"/>
+          </a:xfrm>
+          <a:prstGeom prst="rect">
+            <a:avLst/>
+          </a:prstGeom>
+        </p:spPr>
+      </p:pic>
+      <p:sp>
+        <p:nvSpPr>
+          <p:cNvPr id="16" name="Footer Placeholder 15">
+            <a:extLst>
+              <a:ext uri="{FF2B5EF4-FFF2-40B4-BE49-F238E27FC236}">
+                <a16:creationId xmlns:a16="http://schemas.microsoft.com/office/drawing/2014/main" id="{881B1D71-1AE5-29F2-B3FE-6248A23D9E9E}"/>
+              </a:ext>
+            </a:extLst>
+          </p:cNvPr>
+          <p:cNvSpPr>
+            <a:spLocks noGrp="1"/>
+          </p:cNvSpPr>
+          <p:nvPr>
+            <p:ph type="ftr" sz="quarter" idx="11"/>
+          </p:nvPr>
+        </p:nvSpPr>
+        <p:spPr/>
+        <p:txBody>
+          <a:bodyPr/>
+          <a:lstStyle/>
+          <a:p>
+            <a:r>
+              <a:rPr lang="en-US"/>
+              <a:t>Week 4</a:t>
+            </a:r>
+          </a:p>
+        </p:txBody>
+      </p:sp>
+    </p:spTree>
+    <p:extLst>
+      <p:ext uri="{BB962C8B-B14F-4D97-AF65-F5344CB8AC3E}">
+        <p14:creationId xmlns:p14="http://schemas.microsoft.com/office/powerpoint/2010/main" val="764207040"/>
+      </p:ext>
+    </p:extLst>
+  </p:cSld>
+  <p:clrMapOvr>
+    <a:masterClrMapping/>
+  </p:clrMapOvr>
+</p:sld>
+</file>
+
+<file path=ppt/slides/slide31.xml><?xml version="1.0" encoding="utf-8"?>
+<p:sld xmlns:a="http://schemas.openxmlformats.org/drawingml/2006/main" xmlns:r="http://schemas.openxmlformats.org/officeDocument/2006/relationships" xmlns:p="http://schemas.openxmlformats.org/presentationml/2006/main">
+  <p:cSld>
+    <p:spTree>
+      <p:nvGrpSpPr>
+        <p:cNvPr id="1" name=""/>
+        <p:cNvGrpSpPr/>
+        <p:nvPr/>
+      </p:nvGrpSpPr>
+      <p:grpSpPr>
+        <a:xfrm>
+          <a:off x="0" y="0"/>
+          <a:ext cx="0" cy="0"/>
+          <a:chOff x="0" y="0"/>
+          <a:chExt cx="0" cy="0"/>
+        </a:xfrm>
+      </p:grpSpPr>
+      <p:sp>
+        <p:nvSpPr>
+          <p:cNvPr id="2" name="Title 1">
+            <a:extLst>
+              <a:ext uri="{FF2B5EF4-FFF2-40B4-BE49-F238E27FC236}">
+                <a16:creationId xmlns:a16="http://schemas.microsoft.com/office/drawing/2014/main" id="{0D47BF83-E9B2-DE02-CF94-ABD0FBD04769}"/>
+              </a:ext>
+            </a:extLst>
+          </p:cNvPr>
+          <p:cNvSpPr>
+            <a:spLocks noGrp="1"/>
+          </p:cNvSpPr>
+          <p:nvPr>
+            <p:ph type="title"/>
+          </p:nvPr>
+        </p:nvSpPr>
+        <p:spPr/>
+        <p:txBody>
+          <a:bodyPr/>
+          <a:lstStyle/>
+          <a:p>
+            <a:r>
+              <a:rPr lang="en-US" dirty="0"/>
+              <a:t>Making Decisions using “if else”</a:t>
+            </a:r>
+          </a:p>
+        </p:txBody>
+      </p:sp>
+      <p:pic>
+        <p:nvPicPr>
+          <p:cNvPr id="5" name="Content Placeholder 4">
+            <a:extLst>
+              <a:ext uri="{FF2B5EF4-FFF2-40B4-BE49-F238E27FC236}">
+                <a16:creationId xmlns:a16="http://schemas.microsoft.com/office/drawing/2014/main" id="{740B9DFF-AE57-8B8F-9163-381ED961B6B2}"/>
+              </a:ext>
+            </a:extLst>
+          </p:cNvPr>
+          <p:cNvPicPr>
+            <a:picLocks noGrp="1" noChangeAspect="1"/>
+          </p:cNvPicPr>
+          <p:nvPr>
+            <p:ph idx="1"/>
+          </p:nvPr>
+        </p:nvPicPr>
+        <p:blipFill>
+          <a:blip r:embed="rId2"/>
+          <a:stretch>
+            <a:fillRect/>
+          </a:stretch>
+        </p:blipFill>
+        <p:spPr>
+          <a:xfrm>
+            <a:off x="1189655" y="2445487"/>
+            <a:ext cx="3664138" cy="2197213"/>
+          </a:xfrm>
+        </p:spPr>
+      </p:pic>
+      <p:pic>
+        <p:nvPicPr>
+          <p:cNvPr id="9" name="Picture 8">
+            <a:extLst>
+              <a:ext uri="{FF2B5EF4-FFF2-40B4-BE49-F238E27FC236}">
+                <a16:creationId xmlns:a16="http://schemas.microsoft.com/office/drawing/2014/main" id="{376770F9-DD8E-65C8-5581-A551F40F25D1}"/>
+              </a:ext>
+            </a:extLst>
+          </p:cNvPr>
+          <p:cNvPicPr>
+            <a:picLocks noChangeAspect="1"/>
+          </p:cNvPicPr>
+          <p:nvPr/>
+        </p:nvPicPr>
+        <p:blipFill>
+          <a:blip r:embed="rId3"/>
+          <a:stretch>
+            <a:fillRect/>
+          </a:stretch>
+        </p:blipFill>
+        <p:spPr>
+          <a:xfrm>
+            <a:off x="5715645" y="1891293"/>
+            <a:ext cx="4196591" cy="3823997"/>
+          </a:xfrm>
+          <a:prstGeom prst="rect">
+            <a:avLst/>
+          </a:prstGeom>
+        </p:spPr>
+      </p:pic>
+      <p:sp>
+        <p:nvSpPr>
+          <p:cNvPr id="10" name="Footer Placeholder 9">
+            <a:extLst>
+              <a:ext uri="{FF2B5EF4-FFF2-40B4-BE49-F238E27FC236}">
+                <a16:creationId xmlns:a16="http://schemas.microsoft.com/office/drawing/2014/main" id="{288E2BAC-F34A-18F1-0156-33C55A0B84DD}"/>
+              </a:ext>
+            </a:extLst>
+          </p:cNvPr>
+          <p:cNvSpPr>
+            <a:spLocks noGrp="1"/>
+          </p:cNvSpPr>
+          <p:nvPr>
+            <p:ph type="ftr" sz="quarter" idx="11"/>
+          </p:nvPr>
+        </p:nvSpPr>
+        <p:spPr/>
+        <p:txBody>
+          <a:bodyPr/>
+          <a:lstStyle/>
+          <a:p>
+            <a:r>
+              <a:rPr lang="en-US"/>
+              <a:t>Week 4</a:t>
+            </a:r>
+          </a:p>
+        </p:txBody>
+      </p:sp>
+    </p:spTree>
+    <p:extLst>
+      <p:ext uri="{BB962C8B-B14F-4D97-AF65-F5344CB8AC3E}">
+        <p14:creationId xmlns:p14="http://schemas.microsoft.com/office/powerpoint/2010/main" val="3112385714"/>
+      </p:ext>
+    </p:extLst>
+  </p:cSld>
+  <p:clrMapOvr>
+    <a:masterClrMapping/>
+  </p:clrMapOvr>
+</p:sld>
+</file>
+
+<file path=ppt/slides/slide32.xml><?xml version="1.0" encoding="utf-8"?>
+<p:sld xmlns:a="http://schemas.openxmlformats.org/drawingml/2006/main" xmlns:r="http://schemas.openxmlformats.org/officeDocument/2006/relationships" xmlns:p="http://schemas.openxmlformats.org/presentationml/2006/main">
+  <p:cSld>
+    <p:spTree>
+      <p:nvGrpSpPr>
+        <p:cNvPr id="1" name=""/>
+        <p:cNvGrpSpPr/>
+        <p:nvPr/>
+      </p:nvGrpSpPr>
+      <p:grpSpPr>
+        <a:xfrm>
+          <a:off x="0" y="0"/>
+          <a:ext cx="0" cy="0"/>
+          <a:chOff x="0" y="0"/>
+          <a:chExt cx="0" cy="0"/>
+        </a:xfrm>
+      </p:grpSpPr>
+      <p:sp>
+        <p:nvSpPr>
+          <p:cNvPr id="2" name="Title 1">
+            <a:extLst>
+              <a:ext uri="{FF2B5EF4-FFF2-40B4-BE49-F238E27FC236}">
+                <a16:creationId xmlns:a16="http://schemas.microsoft.com/office/drawing/2014/main" id="{75098E79-8065-D678-7775-E6AC980684C3}"/>
+              </a:ext>
+            </a:extLst>
+          </p:cNvPr>
+          <p:cNvSpPr>
+            <a:spLocks noGrp="1"/>
+          </p:cNvSpPr>
+          <p:nvPr>
+            <p:ph type="title"/>
+          </p:nvPr>
+        </p:nvSpPr>
+        <p:spPr/>
+        <p:txBody>
+          <a:bodyPr/>
+          <a:lstStyle/>
+          <a:p>
+            <a:r>
+              <a:rPr lang="en-US" dirty="0"/>
+              <a:t>Making decision, If else if else</a:t>
+            </a:r>
+          </a:p>
+        </p:txBody>
+      </p:sp>
+      <p:pic>
+        <p:nvPicPr>
+          <p:cNvPr id="4" name="Content Placeholder 3">
+            <a:extLst>
+              <a:ext uri="{FF2B5EF4-FFF2-40B4-BE49-F238E27FC236}">
+                <a16:creationId xmlns:a16="http://schemas.microsoft.com/office/drawing/2014/main" id="{8759AE85-9434-FA7F-C011-2098A11C4D92}"/>
+              </a:ext>
+            </a:extLst>
+          </p:cNvPr>
+          <p:cNvPicPr>
+            <a:picLocks noGrp="1" noChangeAspect="1"/>
+          </p:cNvPicPr>
+          <p:nvPr>
+            <p:ph idx="1"/>
+          </p:nvPr>
+        </p:nvPicPr>
+        <p:blipFill>
+          <a:blip r:embed="rId2"/>
+          <a:stretch>
+            <a:fillRect/>
+          </a:stretch>
+        </p:blipFill>
+        <p:spPr>
+          <a:xfrm>
+            <a:off x="875548" y="2452018"/>
+            <a:ext cx="4769095" cy="2559182"/>
+          </a:xfrm>
+          <a:prstGeom prst="rect">
+            <a:avLst/>
+          </a:prstGeom>
+        </p:spPr>
+      </p:pic>
+      <p:pic>
+        <p:nvPicPr>
+          <p:cNvPr id="5" name="Picture 4">
+            <a:extLst>
+              <a:ext uri="{FF2B5EF4-FFF2-40B4-BE49-F238E27FC236}">
+                <a16:creationId xmlns:a16="http://schemas.microsoft.com/office/drawing/2014/main" id="{A89B4364-F6BB-F15A-2248-A62EF6D329A4}"/>
+              </a:ext>
+            </a:extLst>
+          </p:cNvPr>
+          <p:cNvPicPr>
+            <a:picLocks noChangeAspect="1"/>
+          </p:cNvPicPr>
+          <p:nvPr/>
+        </p:nvPicPr>
+        <p:blipFill>
+          <a:blip r:embed="rId3"/>
+          <a:stretch>
+            <a:fillRect/>
+          </a:stretch>
+        </p:blipFill>
+        <p:spPr>
+          <a:xfrm>
+            <a:off x="5455542" y="1732921"/>
+            <a:ext cx="5358802" cy="4113447"/>
+          </a:xfrm>
+          <a:prstGeom prst="rect">
+            <a:avLst/>
+          </a:prstGeom>
+        </p:spPr>
+      </p:pic>
+      <p:sp>
+        <p:nvSpPr>
+          <p:cNvPr id="6" name="Footer Placeholder 5">
+            <a:extLst>
+              <a:ext uri="{FF2B5EF4-FFF2-40B4-BE49-F238E27FC236}">
+                <a16:creationId xmlns:a16="http://schemas.microsoft.com/office/drawing/2014/main" id="{90B80B50-1646-27C8-1D18-51E3739DBB0D}"/>
+              </a:ext>
+            </a:extLst>
+          </p:cNvPr>
+          <p:cNvSpPr>
+            <a:spLocks noGrp="1"/>
+          </p:cNvSpPr>
+          <p:nvPr>
+            <p:ph type="ftr" sz="quarter" idx="11"/>
+          </p:nvPr>
+        </p:nvSpPr>
+        <p:spPr/>
+        <p:txBody>
+          <a:bodyPr/>
+          <a:lstStyle/>
+          <a:p>
+            <a:r>
+              <a:rPr lang="en-US"/>
+              <a:t>Week 4</a:t>
+            </a:r>
+          </a:p>
+        </p:txBody>
+      </p:sp>
+    </p:spTree>
+    <p:extLst>
+      <p:ext uri="{BB962C8B-B14F-4D97-AF65-F5344CB8AC3E}">
+        <p14:creationId xmlns:p14="http://schemas.microsoft.com/office/powerpoint/2010/main" val="4260366542"/>
+      </p:ext>
+    </p:extLst>
+  </p:cSld>
+  <p:clrMapOvr>
+    <a:masterClrMapping/>
+  </p:clrMapOvr>
+</p:sld>
+</file>
+
+<file path=ppt/slides/slide33.xml><?xml version="1.0" encoding="utf-8"?>
+<p:sld xmlns:a="http://schemas.openxmlformats.org/drawingml/2006/main" xmlns:r="http://schemas.openxmlformats.org/officeDocument/2006/relationships" xmlns:p="http://schemas.openxmlformats.org/presentationml/2006/main">
+  <p:cSld>
+    <p:spTree>
+      <p:nvGrpSpPr>
+        <p:cNvPr id="1" name=""/>
+        <p:cNvGrpSpPr/>
+        <p:nvPr/>
+      </p:nvGrpSpPr>
+      <p:grpSpPr>
+        <a:xfrm>
+          <a:off x="0" y="0"/>
+          <a:ext cx="0" cy="0"/>
+          <a:chOff x="0" y="0"/>
+          <a:chExt cx="0" cy="0"/>
+        </a:xfrm>
+      </p:grpSpPr>
+      <p:sp>
+        <p:nvSpPr>
+          <p:cNvPr id="2" name="Title 1">
+            <a:extLst>
+              <a:ext uri="{FF2B5EF4-FFF2-40B4-BE49-F238E27FC236}">
+                <a16:creationId xmlns:a16="http://schemas.microsoft.com/office/drawing/2014/main" id="{71C0A683-EA1E-7844-9FD6-D7B6A86B68CD}"/>
+              </a:ext>
+            </a:extLst>
+          </p:cNvPr>
+          <p:cNvSpPr>
+            <a:spLocks noGrp="1"/>
+          </p:cNvSpPr>
+          <p:nvPr>
+            <p:ph type="title"/>
+          </p:nvPr>
+        </p:nvSpPr>
+        <p:spPr/>
+        <p:txBody>
+          <a:bodyPr/>
+          <a:lstStyle/>
+          <a:p>
+            <a:r>
+              <a:rPr lang="en-US" dirty="0"/>
+              <a:t>Relational operators	</a:t>
+            </a:r>
+          </a:p>
+        </p:txBody>
+      </p:sp>
+      <p:sp>
+        <p:nvSpPr>
+          <p:cNvPr id="3" name="Content Placeholder 2">
+            <a:extLst>
+              <a:ext uri="{FF2B5EF4-FFF2-40B4-BE49-F238E27FC236}">
+                <a16:creationId xmlns:a16="http://schemas.microsoft.com/office/drawing/2014/main" id="{759D78FE-ABD4-4594-6092-DD821D5A7729}"/>
+              </a:ext>
+            </a:extLst>
+          </p:cNvPr>
+          <p:cNvSpPr>
+            <a:spLocks noGrp="1"/>
+          </p:cNvSpPr>
+          <p:nvPr>
+            <p:ph idx="1"/>
+          </p:nvPr>
+        </p:nvSpPr>
+        <p:spPr/>
+        <p:txBody>
+          <a:bodyPr>
+            <a:normAutofit fontScale="92500" lnSpcReduction="20000"/>
+          </a:bodyPr>
+          <a:lstStyle/>
+          <a:p>
+            <a:r>
+              <a:rPr lang="en-US" dirty="0"/>
+              <a:t>less than </a:t>
+            </a:r>
+          </a:p>
+          <a:p>
+            <a:pPr lvl="1"/>
+            <a:r>
+              <a:rPr lang="en-US" dirty="0"/>
+              <a:t>&lt;</a:t>
+            </a:r>
+          </a:p>
+          <a:p>
+            <a:r>
+              <a:rPr lang="en-US" dirty="0"/>
+              <a:t>greater than</a:t>
+            </a:r>
+          </a:p>
+          <a:p>
+            <a:pPr lvl="1"/>
+            <a:r>
+              <a:rPr lang="en-US" dirty="0"/>
+              <a:t> &gt;</a:t>
+            </a:r>
+          </a:p>
+          <a:p>
+            <a:r>
+              <a:rPr lang="en-US" dirty="0"/>
+              <a:t>less then or equal to</a:t>
+            </a:r>
+          </a:p>
+          <a:p>
+            <a:pPr lvl="1"/>
+            <a:r>
+              <a:rPr lang="en-US" dirty="0"/>
+              <a:t> &lt;=</a:t>
+            </a:r>
+          </a:p>
+          <a:p>
+            <a:r>
+              <a:rPr lang="en-US" dirty="0"/>
+              <a:t>greater than or equal to</a:t>
+            </a:r>
+          </a:p>
+          <a:p>
+            <a:pPr lvl="1"/>
+            <a:r>
+              <a:rPr lang="en-US" dirty="0"/>
+              <a:t> &gt;= </a:t>
+            </a:r>
+          </a:p>
+          <a:p>
+            <a:r>
+              <a:rPr lang="en-US" dirty="0"/>
+              <a:t>is equal to </a:t>
+            </a:r>
+          </a:p>
+          <a:p>
+            <a:pPr lvl="1"/>
+            <a:r>
+              <a:rPr lang="en-US" dirty="0"/>
+              <a:t> ==</a:t>
+            </a:r>
+          </a:p>
+          <a:p>
+            <a:r>
+              <a:rPr lang="en-US" dirty="0"/>
+              <a:t>is not equal to </a:t>
+            </a:r>
+          </a:p>
+          <a:p>
+            <a:pPr lvl="1"/>
+            <a:r>
+              <a:rPr lang="en-US" dirty="0"/>
+              <a:t>!=</a:t>
+            </a:r>
+          </a:p>
+          <a:p>
+            <a:endParaRPr lang="en-US" dirty="0"/>
+          </a:p>
+        </p:txBody>
+      </p:sp>
+      <p:sp>
+        <p:nvSpPr>
+          <p:cNvPr id="4" name="Footer Placeholder 3">
+            <a:extLst>
+              <a:ext uri="{FF2B5EF4-FFF2-40B4-BE49-F238E27FC236}">
+                <a16:creationId xmlns:a16="http://schemas.microsoft.com/office/drawing/2014/main" id="{E07E1EB8-B39D-E063-F9FA-C285294D56F1}"/>
+              </a:ext>
+            </a:extLst>
+          </p:cNvPr>
+          <p:cNvSpPr>
+            <a:spLocks noGrp="1"/>
+          </p:cNvSpPr>
+          <p:nvPr>
+            <p:ph type="ftr" sz="quarter" idx="11"/>
+          </p:nvPr>
+        </p:nvSpPr>
+        <p:spPr/>
+        <p:txBody>
+          <a:bodyPr/>
+          <a:lstStyle/>
+          <a:p>
+            <a:r>
+              <a:rPr lang="en-US"/>
+              <a:t>Week 4</a:t>
+            </a:r>
+          </a:p>
+        </p:txBody>
+      </p:sp>
+    </p:spTree>
+    <p:extLst>
+      <p:ext uri="{BB962C8B-B14F-4D97-AF65-F5344CB8AC3E}">
+        <p14:creationId xmlns:p14="http://schemas.microsoft.com/office/powerpoint/2010/main" val="84051740"/>
+      </p:ext>
+    </p:extLst>
+  </p:cSld>
+  <p:clrMapOvr>
+    <a:masterClrMapping/>
+  </p:clrMapOvr>
+</p:sld>
+</file>
+
+<file path=ppt/slides/slide34.xml><?xml version="1.0" encoding="utf-8"?>
+<p:sld xmlns:a="http://schemas.openxmlformats.org/drawingml/2006/main" xmlns:r="http://schemas.openxmlformats.org/officeDocument/2006/relationships" xmlns:p="http://schemas.openxmlformats.org/presentationml/2006/main">
+  <p:cSld>
+    <p:spTree>
+      <p:nvGrpSpPr>
+        <p:cNvPr id="1" name=""/>
+        <p:cNvGrpSpPr/>
+        <p:nvPr/>
+      </p:nvGrpSpPr>
+      <p:grpSpPr>
+        <a:xfrm>
+          <a:off x="0" y="0"/>
+          <a:ext cx="0" cy="0"/>
+          <a:chOff x="0" y="0"/>
+          <a:chExt cx="0" cy="0"/>
+        </a:xfrm>
+      </p:grpSpPr>
+      <p:sp>
+        <p:nvSpPr>
+          <p:cNvPr id="2" name="Title 1">
+            <a:extLst>
+              <a:ext uri="{FF2B5EF4-FFF2-40B4-BE49-F238E27FC236}">
+                <a16:creationId xmlns:a16="http://schemas.microsoft.com/office/drawing/2014/main" id="{67D9EEF8-F4A6-F18F-0437-AFCAF9297C0A}"/>
+              </a:ext>
+            </a:extLst>
+          </p:cNvPr>
+          <p:cNvSpPr>
+            <a:spLocks noGrp="1"/>
+          </p:cNvSpPr>
+          <p:nvPr>
+            <p:ph type="title"/>
+          </p:nvPr>
+        </p:nvSpPr>
+        <p:spPr/>
+        <p:txBody>
+          <a:bodyPr/>
+          <a:lstStyle/>
+          <a:p>
+            <a:r>
+              <a:rPr lang="en-US" dirty="0"/>
+              <a:t>Lab (if else)</a:t>
+            </a:r>
+          </a:p>
+        </p:txBody>
+      </p:sp>
+      <p:sp>
+        <p:nvSpPr>
+          <p:cNvPr id="3" name="Content Placeholder 2">
+            <a:extLst>
+              <a:ext uri="{FF2B5EF4-FFF2-40B4-BE49-F238E27FC236}">
+                <a16:creationId xmlns:a16="http://schemas.microsoft.com/office/drawing/2014/main" id="{46840164-11B6-324C-490E-12B6CEBB85AF}"/>
+              </a:ext>
+            </a:extLst>
+          </p:cNvPr>
+          <p:cNvSpPr>
+            <a:spLocks noGrp="1"/>
+          </p:cNvSpPr>
+          <p:nvPr>
+            <p:ph idx="1"/>
+          </p:nvPr>
+        </p:nvSpPr>
+        <p:spPr/>
+        <p:txBody>
+          <a:bodyPr/>
+          <a:lstStyle/>
+          <a:p>
+            <a:r>
+              <a:rPr lang="en-US" dirty="0"/>
+              <a:t>Get user to enter a single digit number</a:t>
+            </a:r>
+          </a:p>
+          <a:p>
+            <a:r>
+              <a:rPr lang="en-US" dirty="0"/>
+              <a:t>Print the digit in English</a:t>
+            </a:r>
+          </a:p>
+          <a:p>
+            <a:pPr lvl="1"/>
+            <a:r>
+              <a:rPr lang="en-US" dirty="0"/>
+              <a:t>0 </a:t>
+            </a:r>
+            <a:r>
+              <a:rPr lang="en-US" dirty="0">
+                <a:sym typeface="Wingdings" panose="05000000000000000000" pitchFamily="2" charset="2"/>
+              </a:rPr>
+              <a:t></a:t>
+            </a:r>
+            <a:r>
+              <a:rPr lang="en-US" dirty="0"/>
+              <a:t> “zero”</a:t>
+            </a:r>
+          </a:p>
+          <a:p>
+            <a:pPr lvl="1"/>
+            <a:r>
+              <a:rPr lang="en-US" dirty="0"/>
+              <a:t>1 </a:t>
+            </a:r>
+            <a:r>
+              <a:rPr lang="en-US" dirty="0">
+                <a:sym typeface="Wingdings" panose="05000000000000000000" pitchFamily="2" charset="2"/>
+              </a:rPr>
+              <a:t> “one”</a:t>
+            </a:r>
+          </a:p>
+          <a:p>
+            <a:pPr lvl="1"/>
+            <a:r>
+              <a:rPr lang="en-US" dirty="0">
+                <a:sym typeface="Wingdings" panose="05000000000000000000" pitchFamily="2" charset="2"/>
+              </a:rPr>
+              <a:t>…</a:t>
+            </a:r>
+          </a:p>
+          <a:p>
+            <a:pPr lvl="1"/>
+            <a:r>
+              <a:rPr lang="en-US" dirty="0">
+                <a:sym typeface="Wingdings" panose="05000000000000000000" pitchFamily="2" charset="2"/>
+              </a:rPr>
+              <a:t>8  “eight”</a:t>
+            </a:r>
+          </a:p>
+          <a:p>
+            <a:pPr lvl="1"/>
+            <a:r>
+              <a:rPr lang="en-US" dirty="0">
+                <a:sym typeface="Wingdings" panose="05000000000000000000" pitchFamily="2" charset="2"/>
+              </a:rPr>
+              <a:t>9  “nine”</a:t>
+            </a:r>
+          </a:p>
+          <a:p>
+            <a:pPr lvl="1"/>
+            <a:r>
+              <a:rPr lang="en-US" dirty="0">
+                <a:sym typeface="Wingdings" panose="05000000000000000000" pitchFamily="2" charset="2"/>
+              </a:rPr>
+              <a:t>(Anything else) “ this is not a single digit number”</a:t>
+            </a:r>
+            <a:endParaRPr lang="en-US" dirty="0"/>
+          </a:p>
+        </p:txBody>
+      </p:sp>
+      <p:pic>
+        <p:nvPicPr>
+          <p:cNvPr id="5" name="Picture 4">
+            <a:extLst>
+              <a:ext uri="{FF2B5EF4-FFF2-40B4-BE49-F238E27FC236}">
+                <a16:creationId xmlns:a16="http://schemas.microsoft.com/office/drawing/2014/main" id="{8F944107-6526-0196-9B19-FB0FA742EAB7}"/>
+              </a:ext>
+            </a:extLst>
+          </p:cNvPr>
+          <p:cNvPicPr>
+            <a:picLocks noChangeAspect="1"/>
+          </p:cNvPicPr>
+          <p:nvPr/>
+        </p:nvPicPr>
+        <p:blipFill>
+          <a:blip r:embed="rId2"/>
+          <a:stretch>
+            <a:fillRect/>
+          </a:stretch>
+        </p:blipFill>
+        <p:spPr>
+          <a:xfrm>
+            <a:off x="7888280" y="2003799"/>
+            <a:ext cx="3127649" cy="2726852"/>
+          </a:xfrm>
+          <a:prstGeom prst="rect">
+            <a:avLst/>
+          </a:prstGeom>
+        </p:spPr>
+      </p:pic>
+      <p:sp>
+        <p:nvSpPr>
+          <p:cNvPr id="6" name="Footer Placeholder 5">
+            <a:extLst>
+              <a:ext uri="{FF2B5EF4-FFF2-40B4-BE49-F238E27FC236}">
+                <a16:creationId xmlns:a16="http://schemas.microsoft.com/office/drawing/2014/main" id="{80DD3A73-72D3-BE6C-73D5-AD3533F23131}"/>
+              </a:ext>
+            </a:extLst>
+          </p:cNvPr>
+          <p:cNvSpPr>
+            <a:spLocks noGrp="1"/>
+          </p:cNvSpPr>
+          <p:nvPr>
+            <p:ph type="ftr" sz="quarter" idx="11"/>
+          </p:nvPr>
+        </p:nvSpPr>
+        <p:spPr/>
+        <p:txBody>
+          <a:bodyPr/>
+          <a:lstStyle/>
+          <a:p>
+            <a:r>
+              <a:rPr lang="en-US"/>
+              <a:t>Week 4</a:t>
+            </a:r>
+          </a:p>
+        </p:txBody>
+      </p:sp>
+    </p:spTree>
+    <p:extLst>
+      <p:ext uri="{BB962C8B-B14F-4D97-AF65-F5344CB8AC3E}">
+        <p14:creationId xmlns:p14="http://schemas.microsoft.com/office/powerpoint/2010/main" val="338567560"/>
+      </p:ext>
+    </p:extLst>
+  </p:cSld>
+  <p:clrMapOvr>
+    <a:masterClrMapping/>
+  </p:clrMapOvr>
+</p:sld>
+</file>
+
+<file path=ppt/slides/slide35.xml><?xml version="1.0" encoding="utf-8"?>
+<p:sld xmlns:a="http://schemas.openxmlformats.org/drawingml/2006/main" xmlns:r="http://schemas.openxmlformats.org/officeDocument/2006/relationships" xmlns:p="http://schemas.openxmlformats.org/presentationml/2006/main">
+  <p:cSld>
+    <p:spTree>
+      <p:nvGrpSpPr>
+        <p:cNvPr id="1" name=""/>
+        <p:cNvGrpSpPr/>
+        <p:nvPr/>
+      </p:nvGrpSpPr>
+      <p:grpSpPr>
+        <a:xfrm>
+          <a:off x="0" y="0"/>
+          <a:ext cx="0" cy="0"/>
+          <a:chOff x="0" y="0"/>
+          <a:chExt cx="0" cy="0"/>
+        </a:xfrm>
+      </p:grpSpPr>
+      <p:sp>
+        <p:nvSpPr>
+          <p:cNvPr id="2" name="Title 1">
+            <a:extLst>
+              <a:ext uri="{FF2B5EF4-FFF2-40B4-BE49-F238E27FC236}">
+                <a16:creationId xmlns:a16="http://schemas.microsoft.com/office/drawing/2014/main" id="{B04A100A-2BAE-7BDF-BF99-FFCD8DACFDF0}"/>
+              </a:ext>
+            </a:extLst>
+          </p:cNvPr>
+          <p:cNvSpPr>
+            <a:spLocks noGrp="1"/>
+          </p:cNvSpPr>
+          <p:nvPr>
+            <p:ph type="title"/>
+          </p:nvPr>
+        </p:nvSpPr>
+        <p:spPr/>
+        <p:txBody>
+          <a:bodyPr/>
+          <a:lstStyle/>
+          <a:p>
+            <a:r>
+              <a:rPr lang="en-US" dirty="0"/>
+              <a:t>Branching using Switch </a:t>
+            </a:r>
+          </a:p>
+        </p:txBody>
+      </p:sp>
+      <p:pic>
+        <p:nvPicPr>
+          <p:cNvPr id="8" name="Picture 7">
+            <a:extLst>
+              <a:ext uri="{FF2B5EF4-FFF2-40B4-BE49-F238E27FC236}">
+                <a16:creationId xmlns:a16="http://schemas.microsoft.com/office/drawing/2014/main" id="{9D710C74-DADD-6B03-20ED-5CAE0AB63745}"/>
+              </a:ext>
+            </a:extLst>
+          </p:cNvPr>
+          <p:cNvPicPr>
+            <a:picLocks noChangeAspect="1"/>
+          </p:cNvPicPr>
+          <p:nvPr/>
+        </p:nvPicPr>
+        <p:blipFill>
+          <a:blip r:embed="rId2"/>
+          <a:stretch>
+            <a:fillRect/>
+          </a:stretch>
+        </p:blipFill>
+        <p:spPr>
+          <a:xfrm>
+            <a:off x="5001811" y="2163663"/>
+            <a:ext cx="3927284" cy="3424017"/>
+          </a:xfrm>
+          <a:prstGeom prst="rect">
+            <a:avLst/>
+          </a:prstGeom>
+        </p:spPr>
+      </p:pic>
+      <p:sp>
+        <p:nvSpPr>
+          <p:cNvPr id="10" name="Content Placeholder 9">
+            <a:extLst>
+              <a:ext uri="{FF2B5EF4-FFF2-40B4-BE49-F238E27FC236}">
+                <a16:creationId xmlns:a16="http://schemas.microsoft.com/office/drawing/2014/main" id="{436C6C7D-6474-A5D8-FD2C-D5DB5FC7E533}"/>
+              </a:ext>
+            </a:extLst>
+          </p:cNvPr>
+          <p:cNvSpPr>
+            <a:spLocks noGrp="1"/>
+          </p:cNvSpPr>
+          <p:nvPr>
+            <p:ph idx="1"/>
+          </p:nvPr>
+        </p:nvSpPr>
+        <p:spPr>
+          <a:xfrm>
+            <a:off x="838200" y="1825625"/>
+            <a:ext cx="10151455" cy="4351338"/>
+          </a:xfrm>
+        </p:spPr>
+        <p:txBody>
+          <a:bodyPr/>
+          <a:lstStyle/>
+          <a:p>
+            <a:pPr marL="0" indent="0">
+              <a:buNone/>
+            </a:pPr>
+            <a:r>
+              <a:rPr lang="en-US" dirty="0"/>
+              <a:t>    </a:t>
+            </a:r>
+          </a:p>
+        </p:txBody>
+      </p:sp>
+      <p:pic>
+        <p:nvPicPr>
+          <p:cNvPr id="12" name="Picture 11">
+            <a:extLst>
+              <a:ext uri="{FF2B5EF4-FFF2-40B4-BE49-F238E27FC236}">
+                <a16:creationId xmlns:a16="http://schemas.microsoft.com/office/drawing/2014/main" id="{B8E3A5F4-8204-CE77-A4A9-1B76446DAD10}"/>
+              </a:ext>
+            </a:extLst>
+          </p:cNvPr>
+          <p:cNvPicPr>
+            <a:picLocks noChangeAspect="1"/>
+          </p:cNvPicPr>
+          <p:nvPr/>
+        </p:nvPicPr>
+        <p:blipFill>
+          <a:blip r:embed="rId3"/>
+          <a:stretch>
+            <a:fillRect/>
+          </a:stretch>
+        </p:blipFill>
+        <p:spPr>
+          <a:xfrm>
+            <a:off x="985537" y="1922086"/>
+            <a:ext cx="2157804" cy="4065759"/>
+          </a:xfrm>
+          <a:prstGeom prst="rect">
+            <a:avLst/>
+          </a:prstGeom>
+        </p:spPr>
+      </p:pic>
+      <p:sp>
+        <p:nvSpPr>
+          <p:cNvPr id="13" name="Footer Placeholder 12">
+            <a:extLst>
+              <a:ext uri="{FF2B5EF4-FFF2-40B4-BE49-F238E27FC236}">
+                <a16:creationId xmlns:a16="http://schemas.microsoft.com/office/drawing/2014/main" id="{3925F229-106F-7A7E-5B74-89C9B6311C1C}"/>
+              </a:ext>
+            </a:extLst>
+          </p:cNvPr>
+          <p:cNvSpPr>
+            <a:spLocks noGrp="1"/>
+          </p:cNvSpPr>
+          <p:nvPr>
+            <p:ph type="ftr" sz="quarter" idx="11"/>
+          </p:nvPr>
+        </p:nvSpPr>
+        <p:spPr/>
+        <p:txBody>
+          <a:bodyPr/>
+          <a:lstStyle/>
+          <a:p>
+            <a:r>
+              <a:rPr lang="en-US"/>
+              <a:t>Week 4</a:t>
+            </a:r>
+          </a:p>
+        </p:txBody>
+      </p:sp>
+    </p:spTree>
+    <p:extLst>
+      <p:ext uri="{BB962C8B-B14F-4D97-AF65-F5344CB8AC3E}">
+        <p14:creationId xmlns:p14="http://schemas.microsoft.com/office/powerpoint/2010/main" val="1942209218"/>
+      </p:ext>
+    </p:extLst>
+  </p:cSld>
+  <p:clrMapOvr>
+    <a:masterClrMapping/>
+  </p:clrMapOvr>
+</p:sld>
+</file>
+
+<file path=ppt/slides/slide36.xml><?xml version="1.0" encoding="utf-8"?>
+<p:sld xmlns:a="http://schemas.openxmlformats.org/drawingml/2006/main" xmlns:r="http://schemas.openxmlformats.org/officeDocument/2006/relationships" xmlns:p="http://schemas.openxmlformats.org/presentationml/2006/main">
+  <p:cSld>
+    <p:spTree>
+      <p:nvGrpSpPr>
+        <p:cNvPr id="1" name=""/>
+        <p:cNvGrpSpPr/>
+        <p:nvPr/>
+      </p:nvGrpSpPr>
+      <p:grpSpPr>
+        <a:xfrm>
+          <a:off x="0" y="0"/>
+          <a:ext cx="0" cy="0"/>
+          <a:chOff x="0" y="0"/>
+          <a:chExt cx="0" cy="0"/>
+        </a:xfrm>
+      </p:grpSpPr>
+      <p:sp>
+        <p:nvSpPr>
+          <p:cNvPr id="2" name="Title 1">
+            <a:extLst>
+              <a:ext uri="{FF2B5EF4-FFF2-40B4-BE49-F238E27FC236}">
+                <a16:creationId xmlns:a16="http://schemas.microsoft.com/office/drawing/2014/main" id="{E40F174E-22E7-A968-A77D-6C74B907C8F0}"/>
+              </a:ext>
+            </a:extLst>
+          </p:cNvPr>
+          <p:cNvSpPr>
+            <a:spLocks noGrp="1"/>
+          </p:cNvSpPr>
+          <p:nvPr>
+            <p:ph type="title"/>
+          </p:nvPr>
+        </p:nvSpPr>
+        <p:spPr/>
+        <p:txBody>
+          <a:bodyPr/>
+          <a:lstStyle/>
+          <a:p>
+            <a:r>
+              <a:rPr lang="en-US" dirty="0"/>
+              <a:t>Lab (switch)</a:t>
+            </a:r>
+          </a:p>
+        </p:txBody>
+      </p:sp>
+      <p:sp>
+        <p:nvSpPr>
+          <p:cNvPr id="3" name="Content Placeholder 2">
+            <a:extLst>
+              <a:ext uri="{FF2B5EF4-FFF2-40B4-BE49-F238E27FC236}">
+                <a16:creationId xmlns:a16="http://schemas.microsoft.com/office/drawing/2014/main" id="{D8B05E26-034F-EAA9-3A0E-5B0808838022}"/>
+              </a:ext>
+            </a:extLst>
+          </p:cNvPr>
+          <p:cNvSpPr>
+            <a:spLocks noGrp="1"/>
+          </p:cNvSpPr>
+          <p:nvPr>
+            <p:ph idx="1"/>
+          </p:nvPr>
+        </p:nvSpPr>
+        <p:spPr/>
+        <p:txBody>
+          <a:bodyPr>
+            <a:normAutofit/>
+          </a:bodyPr>
+          <a:lstStyle/>
+          <a:p>
+            <a:r>
+              <a:rPr lang="en-US" dirty="0"/>
+              <a:t>Get user to enter a single digit number from [1,2,3,4,5,6,7]</a:t>
+            </a:r>
+          </a:p>
+          <a:p>
+            <a:r>
+              <a:rPr lang="en-US" dirty="0"/>
+              <a:t>Convert it into day of week</a:t>
+            </a:r>
+          </a:p>
+          <a:p>
+            <a:pPr lvl="1"/>
+            <a:r>
+              <a:rPr lang="en-US" dirty="0"/>
+              <a:t>1 </a:t>
+            </a:r>
+            <a:r>
+              <a:rPr lang="en-US" dirty="0">
+                <a:sym typeface="Wingdings" panose="05000000000000000000" pitchFamily="2" charset="2"/>
+              </a:rPr>
+              <a:t> “Sunday”</a:t>
+            </a:r>
+          </a:p>
+          <a:p>
+            <a:pPr lvl="1"/>
+            <a:r>
+              <a:rPr lang="en-US" dirty="0">
+                <a:sym typeface="Wingdings" panose="05000000000000000000" pitchFamily="2" charset="2"/>
+              </a:rPr>
+              <a:t>2  “Monday”</a:t>
+            </a:r>
+          </a:p>
+          <a:p>
+            <a:pPr lvl="1"/>
+            <a:r>
+              <a:rPr lang="en-US" dirty="0">
+                <a:sym typeface="Wingdings" panose="05000000000000000000" pitchFamily="2" charset="2"/>
+              </a:rPr>
+              <a:t>3 “Tuesday”</a:t>
+            </a:r>
+          </a:p>
+          <a:p>
+            <a:pPr lvl="1"/>
+            <a:r>
+              <a:rPr lang="en-US" dirty="0">
+                <a:sym typeface="Wingdings" panose="05000000000000000000" pitchFamily="2" charset="2"/>
+              </a:rPr>
+              <a:t>4  “Wednesday”</a:t>
+            </a:r>
+          </a:p>
+          <a:p>
+            <a:pPr lvl="1"/>
+            <a:r>
+              <a:rPr lang="en-US" dirty="0">
+                <a:sym typeface="Wingdings" panose="05000000000000000000" pitchFamily="2" charset="2"/>
+              </a:rPr>
+              <a:t>5  “Thursday”</a:t>
+            </a:r>
+          </a:p>
+          <a:p>
+            <a:pPr lvl="1"/>
+            <a:r>
+              <a:rPr lang="en-US" dirty="0">
+                <a:sym typeface="Wingdings" panose="05000000000000000000" pitchFamily="2" charset="2"/>
+              </a:rPr>
+              <a:t>6  “Friday”</a:t>
+            </a:r>
+          </a:p>
+          <a:p>
+            <a:pPr lvl="1"/>
+            <a:r>
+              <a:rPr lang="en-US" dirty="0">
+                <a:sym typeface="Wingdings" panose="05000000000000000000" pitchFamily="2" charset="2"/>
+              </a:rPr>
+              <a:t>7  “Saturday”</a:t>
+            </a:r>
+          </a:p>
+          <a:p>
+            <a:pPr lvl="1"/>
+            <a:r>
+              <a:rPr lang="en-US" dirty="0">
+                <a:sym typeface="Wingdings" panose="05000000000000000000" pitchFamily="2" charset="2"/>
+              </a:rPr>
+              <a:t>(Anything else)  “Invalid number for a day”</a:t>
+            </a:r>
+            <a:endParaRPr lang="en-US" dirty="0"/>
+          </a:p>
+        </p:txBody>
+      </p:sp>
+      <p:sp>
+        <p:nvSpPr>
+          <p:cNvPr id="4" name="Footer Placeholder 3">
+            <a:extLst>
+              <a:ext uri="{FF2B5EF4-FFF2-40B4-BE49-F238E27FC236}">
+                <a16:creationId xmlns:a16="http://schemas.microsoft.com/office/drawing/2014/main" id="{A35A6FD9-6FF5-D5C2-3B01-66AB54687922}"/>
+              </a:ext>
+            </a:extLst>
+          </p:cNvPr>
+          <p:cNvSpPr>
+            <a:spLocks noGrp="1"/>
+          </p:cNvSpPr>
+          <p:nvPr>
+            <p:ph type="ftr" sz="quarter" idx="11"/>
+          </p:nvPr>
+        </p:nvSpPr>
+        <p:spPr/>
+        <p:txBody>
+          <a:bodyPr/>
+          <a:lstStyle/>
+          <a:p>
+            <a:r>
+              <a:rPr lang="en-US"/>
+              <a:t>Week 4</a:t>
+            </a:r>
+          </a:p>
+        </p:txBody>
+      </p:sp>
+    </p:spTree>
+    <p:extLst>
+      <p:ext uri="{BB962C8B-B14F-4D97-AF65-F5344CB8AC3E}">
+        <p14:creationId xmlns:p14="http://schemas.microsoft.com/office/powerpoint/2010/main" val="1570704322"/>
+      </p:ext>
+    </p:extLst>
+  </p:cSld>
+  <p:clrMapOvr>
+    <a:masterClrMapping/>
+  </p:clrMapOvr>
+</p:sld>
+</file>
+
+<file path=ppt/slides/slide37.xml><?xml version="1.0" encoding="utf-8"?>
+<p:sld xmlns:a="http://schemas.openxmlformats.org/drawingml/2006/main" xmlns:r="http://schemas.openxmlformats.org/officeDocument/2006/relationships" xmlns:p="http://schemas.openxmlformats.org/presentationml/2006/main">
+  <p:cSld>
+    <p:spTree>
+      <p:nvGrpSpPr>
+        <p:cNvPr id="1" name=""/>
+        <p:cNvGrpSpPr/>
+        <p:nvPr/>
+      </p:nvGrpSpPr>
+      <p:grpSpPr>
+        <a:xfrm>
+          <a:off x="0" y="0"/>
+          <a:ext cx="0" cy="0"/>
+          <a:chOff x="0" y="0"/>
+          <a:chExt cx="0" cy="0"/>
+        </a:xfrm>
+      </p:grpSpPr>
+      <p:sp>
+        <p:nvSpPr>
+          <p:cNvPr id="2" name="Title 1">
+            <a:extLst>
+              <a:ext uri="{FF2B5EF4-FFF2-40B4-BE49-F238E27FC236}">
+                <a16:creationId xmlns:a16="http://schemas.microsoft.com/office/drawing/2014/main" id="{FC3D1F38-AB05-B99A-6682-52CE5254FD66}"/>
+              </a:ext>
+            </a:extLst>
+          </p:cNvPr>
+          <p:cNvSpPr>
+            <a:spLocks noGrp="1"/>
+          </p:cNvSpPr>
+          <p:nvPr>
+            <p:ph type="title"/>
+          </p:nvPr>
+        </p:nvSpPr>
+        <p:spPr/>
+        <p:txBody>
+          <a:bodyPr/>
+          <a:lstStyle/>
+          <a:p>
+            <a:r>
+              <a:rPr lang="en-US" dirty="0" err="1"/>
+              <a:t>Asssignment</a:t>
+            </a:r>
+            <a:r>
+              <a:rPr lang="en-US" dirty="0"/>
+              <a:t> , quiz game</a:t>
+            </a:r>
+          </a:p>
+        </p:txBody>
+      </p:sp>
+      <p:sp>
+        <p:nvSpPr>
+          <p:cNvPr id="3" name="Content Placeholder 2">
+            <a:extLst>
+              <a:ext uri="{FF2B5EF4-FFF2-40B4-BE49-F238E27FC236}">
+                <a16:creationId xmlns:a16="http://schemas.microsoft.com/office/drawing/2014/main" id="{26D20816-4909-620C-69BB-3B5A6A0288F7}"/>
+              </a:ext>
+            </a:extLst>
+          </p:cNvPr>
+          <p:cNvSpPr>
+            <a:spLocks noGrp="1"/>
+          </p:cNvSpPr>
+          <p:nvPr>
+            <p:ph idx="1"/>
+          </p:nvPr>
+        </p:nvSpPr>
+        <p:spPr/>
+        <p:txBody>
+          <a:bodyPr>
+            <a:normAutofit fontScale="92500" lnSpcReduction="10000"/>
+          </a:bodyPr>
+          <a:lstStyle/>
+          <a:p>
+            <a:r>
+              <a:rPr lang="en-US" dirty="0"/>
+              <a:t>Create a quiz game containing </a:t>
+            </a:r>
+            <a:r>
+              <a:rPr lang="en-US" dirty="0" err="1"/>
+              <a:t>atleast</a:t>
+            </a:r>
+            <a:r>
+              <a:rPr lang="en-US" dirty="0"/>
+              <a:t> 3 questions. </a:t>
+            </a:r>
+          </a:p>
+          <a:p>
+            <a:r>
+              <a:rPr lang="en-US" dirty="0"/>
+              <a:t>Print question,4 options and ask user to enter a number for option</a:t>
+            </a:r>
+          </a:p>
+          <a:p>
+            <a:r>
+              <a:rPr lang="en-US" dirty="0"/>
+              <a:t>Keep score of how many correct responses user input</a:t>
+            </a:r>
+          </a:p>
+          <a:p>
+            <a:r>
+              <a:rPr lang="en-US" dirty="0"/>
+              <a:t>Print the score (e.g.3 /4 correct , )</a:t>
+            </a:r>
+          </a:p>
+          <a:p>
+            <a:r>
+              <a:rPr lang="en-US" dirty="0"/>
+              <a:t>E.g. </a:t>
+            </a:r>
+          </a:p>
+          <a:p>
+            <a:pPr marL="457200" lvl="1" indent="0">
+              <a:buNone/>
+            </a:pPr>
+            <a:r>
+              <a:rPr lang="en-US" b="1" dirty="0"/>
+              <a:t>What is the capital of USA ?</a:t>
+            </a:r>
+          </a:p>
+          <a:p>
+            <a:pPr marL="457200" lvl="1" indent="0">
+              <a:buNone/>
+            </a:pPr>
+            <a:r>
+              <a:rPr lang="en-US" dirty="0"/>
+              <a:t>1. Seattle</a:t>
+            </a:r>
+          </a:p>
+          <a:p>
+            <a:pPr marL="457200" lvl="1" indent="0">
+              <a:buNone/>
+            </a:pPr>
+            <a:r>
+              <a:rPr lang="en-US" dirty="0"/>
+              <a:t>2. Los Angeles</a:t>
+            </a:r>
+          </a:p>
+          <a:p>
+            <a:pPr marL="457200" lvl="1" indent="0">
+              <a:buNone/>
+            </a:pPr>
+            <a:r>
+              <a:rPr lang="en-US" dirty="0"/>
+              <a:t>3. Washington DC</a:t>
+            </a:r>
+          </a:p>
+          <a:p>
+            <a:pPr marL="457200" lvl="1" indent="0">
+              <a:buNone/>
+            </a:pPr>
+            <a:r>
+              <a:rPr lang="en-US" dirty="0"/>
+              <a:t>4. Chicago</a:t>
+            </a:r>
+          </a:p>
+          <a:p>
+            <a:pPr marL="457200" lvl="1" indent="0">
+              <a:buNone/>
+            </a:pPr>
+            <a:r>
+              <a:rPr lang="en-US" dirty="0"/>
+              <a:t>Enter your response : 	</a:t>
+            </a:r>
+          </a:p>
+          <a:p>
+            <a:pPr marL="457200" lvl="1" indent="0">
+              <a:buNone/>
+            </a:pPr>
+            <a:endParaRPr lang="en-US" dirty="0"/>
+          </a:p>
+        </p:txBody>
+      </p:sp>
+      <p:sp>
+        <p:nvSpPr>
+          <p:cNvPr id="4" name="Footer Placeholder 3">
+            <a:extLst>
+              <a:ext uri="{FF2B5EF4-FFF2-40B4-BE49-F238E27FC236}">
+                <a16:creationId xmlns:a16="http://schemas.microsoft.com/office/drawing/2014/main" id="{C275BF99-23A3-E4C5-A210-C6B4DA3FD8F1}"/>
+              </a:ext>
+            </a:extLst>
+          </p:cNvPr>
+          <p:cNvSpPr>
+            <a:spLocks noGrp="1"/>
+          </p:cNvSpPr>
+          <p:nvPr>
+            <p:ph type="ftr" sz="quarter" idx="11"/>
+          </p:nvPr>
+        </p:nvSpPr>
+        <p:spPr/>
+        <p:txBody>
+          <a:bodyPr/>
+          <a:lstStyle/>
+          <a:p>
+            <a:r>
+              <a:rPr lang="en-US"/>
+              <a:t>Week 4</a:t>
+            </a:r>
+          </a:p>
+        </p:txBody>
+      </p:sp>
+    </p:spTree>
+    <p:extLst>
+      <p:ext uri="{BB962C8B-B14F-4D97-AF65-F5344CB8AC3E}">
+        <p14:creationId xmlns:p14="http://schemas.microsoft.com/office/powerpoint/2010/main" val="1549885375"/>
+      </p:ext>
+    </p:extLst>
+  </p:cSld>
+  <p:clrMapOvr>
+    <a:masterClrMapping/>
+  </p:clrMapOvr>
+</p:sld>
+</file>
+
+<file path=ppt/slides/slide38.xml><?xml version="1.0" encoding="utf-8"?>
+<p:sld xmlns:a="http://schemas.openxmlformats.org/drawingml/2006/main" xmlns:r="http://schemas.openxmlformats.org/officeDocument/2006/relationships" xmlns:p="http://schemas.openxmlformats.org/presentationml/2006/main">
+  <p:cSld>
+    <p:spTree>
+      <p:nvGrpSpPr>
+        <p:cNvPr id="1" name=""/>
+        <p:cNvGrpSpPr/>
+        <p:nvPr/>
+      </p:nvGrpSpPr>
+      <p:grpSpPr>
+        <a:xfrm>
+          <a:off x="0" y="0"/>
+          <a:ext cx="0" cy="0"/>
+          <a:chOff x="0" y="0"/>
+          <a:chExt cx="0" cy="0"/>
+        </a:xfrm>
+      </p:grpSpPr>
+      <p:sp>
+        <p:nvSpPr>
+          <p:cNvPr id="2" name="Title 1">
+            <a:extLst>
+              <a:ext uri="{FF2B5EF4-FFF2-40B4-BE49-F238E27FC236}">
+                <a16:creationId xmlns:a16="http://schemas.microsoft.com/office/drawing/2014/main" id="{F42C2E9F-293F-91E6-1CAA-A55CC0D8E2B7}"/>
+              </a:ext>
+            </a:extLst>
+          </p:cNvPr>
+          <p:cNvSpPr>
+            <a:spLocks noGrp="1"/>
+          </p:cNvSpPr>
+          <p:nvPr>
+            <p:ph type="title"/>
+          </p:nvPr>
+        </p:nvSpPr>
+        <p:spPr/>
+        <p:txBody>
+          <a:bodyPr/>
+          <a:lstStyle/>
+          <a:p>
+            <a:r>
+              <a:rPr lang="en-US" dirty="0"/>
+              <a:t>Boss Assignment </a:t>
+            </a:r>
+            <a:br>
+              <a:rPr lang="en-US" dirty="0"/>
+            </a:br>
+            <a:r>
+              <a:rPr lang="en-US" dirty="0"/>
+              <a:t>Convert a string of 0,1 to decimal</a:t>
+            </a:r>
+          </a:p>
+        </p:txBody>
+      </p:sp>
+      <p:sp>
+        <p:nvSpPr>
+          <p:cNvPr id="3" name="Content Placeholder 2">
+            <a:extLst>
+              <a:ext uri="{FF2B5EF4-FFF2-40B4-BE49-F238E27FC236}">
+                <a16:creationId xmlns:a16="http://schemas.microsoft.com/office/drawing/2014/main" id="{5EC1AEBC-82BF-F137-6A51-3D56C469B92B}"/>
+              </a:ext>
+            </a:extLst>
+          </p:cNvPr>
+          <p:cNvSpPr>
+            <a:spLocks noGrp="1"/>
+          </p:cNvSpPr>
+          <p:nvPr>
+            <p:ph idx="1"/>
+          </p:nvPr>
+        </p:nvSpPr>
+        <p:spPr/>
+        <p:txBody>
+          <a:bodyPr/>
+          <a:lstStyle/>
+          <a:p>
+            <a:r>
+              <a:rPr lang="en-US" dirty="0"/>
+              <a:t>Get a string of 0s and 1s from user </a:t>
+            </a:r>
+          </a:p>
+          <a:p>
+            <a:r>
+              <a:rPr lang="en-US" dirty="0"/>
+              <a:t>Calculate what the decimal number for it is ?</a:t>
+            </a:r>
+          </a:p>
+          <a:p>
+            <a:r>
+              <a:rPr lang="en-US" dirty="0"/>
+              <a:t>Note</a:t>
+            </a:r>
+          </a:p>
+          <a:p>
+            <a:pPr lvl="1"/>
+            <a:r>
+              <a:rPr lang="en-US" dirty="0"/>
+              <a:t>This is very hard , may take days/weeks</a:t>
+            </a:r>
+          </a:p>
+          <a:p>
+            <a:r>
+              <a:rPr lang="en-US" dirty="0"/>
+              <a:t>Hint </a:t>
+            </a:r>
+          </a:p>
+          <a:p>
+            <a:pPr lvl="1"/>
+            <a:r>
+              <a:rPr lang="en-US" dirty="0"/>
+              <a:t>Need to know </a:t>
+            </a:r>
+          </a:p>
+          <a:p>
+            <a:pPr lvl="2"/>
+            <a:r>
+              <a:rPr lang="en-US" dirty="0"/>
+              <a:t>string (or char array)</a:t>
+            </a:r>
+          </a:p>
+          <a:p>
+            <a:pPr lvl="2"/>
+            <a:r>
+              <a:rPr lang="en-US" dirty="0"/>
+              <a:t>Loops (while)</a:t>
+            </a:r>
+          </a:p>
+          <a:p>
+            <a:pPr lvl="2"/>
+            <a:r>
+              <a:rPr lang="en-US" dirty="0"/>
+              <a:t>Binary logic</a:t>
+            </a:r>
+          </a:p>
+          <a:p>
+            <a:pPr lvl="2"/>
+            <a:r>
+              <a:rPr lang="en-US" dirty="0"/>
+              <a:t>*Loops within loops</a:t>
+            </a:r>
+          </a:p>
+          <a:p>
+            <a:pPr lvl="2"/>
+            <a:endParaRPr lang="en-US" dirty="0"/>
+          </a:p>
+          <a:p>
+            <a:pPr marL="457200" lvl="1" indent="0">
+              <a:buNone/>
+            </a:pPr>
+            <a:endParaRPr lang="en-US" dirty="0"/>
+          </a:p>
+        </p:txBody>
+      </p:sp>
+      <p:sp>
+        <p:nvSpPr>
+          <p:cNvPr id="4" name="Footer Placeholder 3">
+            <a:extLst>
+              <a:ext uri="{FF2B5EF4-FFF2-40B4-BE49-F238E27FC236}">
+                <a16:creationId xmlns:a16="http://schemas.microsoft.com/office/drawing/2014/main" id="{29FF52C1-F231-3C36-FA48-7B0C892CFCC2}"/>
+              </a:ext>
+            </a:extLst>
+          </p:cNvPr>
+          <p:cNvSpPr>
+            <a:spLocks noGrp="1"/>
+          </p:cNvSpPr>
+          <p:nvPr>
+            <p:ph type="ftr" sz="quarter" idx="11"/>
+          </p:nvPr>
+        </p:nvSpPr>
+        <p:spPr/>
+        <p:txBody>
+          <a:bodyPr/>
+          <a:lstStyle/>
+          <a:p>
+            <a:r>
+              <a:rPr lang="en-US"/>
+              <a:t>Week 4</a:t>
+            </a:r>
+          </a:p>
+        </p:txBody>
+      </p:sp>
+    </p:spTree>
+    <p:extLst>
+      <p:ext uri="{BB962C8B-B14F-4D97-AF65-F5344CB8AC3E}">
+        <p14:creationId xmlns:p14="http://schemas.microsoft.com/office/powerpoint/2010/main" val="2721297141"/>
+      </p:ext>
+    </p:extLst>
+  </p:cSld>
+  <p:clrMapOvr>
+    <a:masterClrMapping/>
+  </p:clrMapOvr>
+</p:sld>
+</file>
+
+<file path=ppt/slides/slide39.xml><?xml version="1.0" encoding="utf-8"?>
+<p:sld xmlns:a="http://schemas.openxmlformats.org/drawingml/2006/main" xmlns:r="http://schemas.openxmlformats.org/officeDocument/2006/relationships" xmlns:p="http://schemas.openxmlformats.org/presentationml/2006/main">
+  <p:cSld>
+    <p:spTree>
+      <p:nvGrpSpPr>
+        <p:cNvPr id="1" name=""/>
+        <p:cNvGrpSpPr/>
+        <p:nvPr/>
+      </p:nvGrpSpPr>
+      <p:grpSpPr>
+        <a:xfrm>
+          <a:off x="0" y="0"/>
+          <a:ext cx="0" cy="0"/>
+          <a:chOff x="0" y="0"/>
+          <a:chExt cx="0" cy="0"/>
+        </a:xfrm>
+      </p:grpSpPr>
+      <p:sp>
+        <p:nvSpPr>
+          <p:cNvPr id="2" name="Title 1">
+            <a:extLst>
+              <a:ext uri="{FF2B5EF4-FFF2-40B4-BE49-F238E27FC236}">
+                <a16:creationId xmlns:a16="http://schemas.microsoft.com/office/drawing/2014/main" id="{7F3F2022-DBA0-F8BB-70DA-B01A01136D53}"/>
+              </a:ext>
+            </a:extLst>
+          </p:cNvPr>
+          <p:cNvSpPr>
+            <a:spLocks noGrp="1"/>
+          </p:cNvSpPr>
+          <p:nvPr>
+            <p:ph type="title"/>
+          </p:nvPr>
+        </p:nvSpPr>
+        <p:spPr/>
+        <p:txBody>
+          <a:bodyPr/>
+          <a:lstStyle/>
+          <a:p>
+            <a:r>
+              <a:rPr lang="en-US" dirty="0"/>
+              <a:t>string data type</a:t>
+            </a:r>
+          </a:p>
+        </p:txBody>
+      </p:sp>
+      <p:sp>
+        <p:nvSpPr>
+          <p:cNvPr id="3" name="Content Placeholder 2">
+            <a:extLst>
+              <a:ext uri="{FF2B5EF4-FFF2-40B4-BE49-F238E27FC236}">
+                <a16:creationId xmlns:a16="http://schemas.microsoft.com/office/drawing/2014/main" id="{12C7C63C-7B86-C453-D132-93C8AB055AC5}"/>
+              </a:ext>
+            </a:extLst>
+          </p:cNvPr>
+          <p:cNvSpPr>
+            <a:spLocks noGrp="1"/>
+          </p:cNvSpPr>
+          <p:nvPr>
+            <p:ph idx="1"/>
+          </p:nvPr>
+        </p:nvSpPr>
+        <p:spPr/>
+        <p:txBody>
+          <a:bodyPr>
+            <a:normAutofit fontScale="92500" lnSpcReduction="10000"/>
+          </a:bodyPr>
+          <a:lstStyle/>
+          <a:p>
+            <a:r>
+              <a:rPr lang="en-US" dirty="0"/>
+              <a:t>We already know few built in types</a:t>
+            </a:r>
+          </a:p>
+          <a:p>
+            <a:pPr lvl="1"/>
+            <a:r>
+              <a:rPr lang="en-US" dirty="0"/>
+              <a:t>int , float , char, bool</a:t>
+            </a:r>
+          </a:p>
+          <a:p>
+            <a:r>
+              <a:rPr lang="en-US" dirty="0"/>
+              <a:t>string </a:t>
+            </a:r>
+          </a:p>
+          <a:p>
+            <a:pPr lvl="1"/>
+            <a:r>
+              <a:rPr lang="en-US" dirty="0"/>
+              <a:t>Is a derived data type, </a:t>
+            </a:r>
+          </a:p>
+          <a:p>
+            <a:pPr lvl="1"/>
+            <a:r>
+              <a:rPr lang="en-US" dirty="0"/>
+              <a:t>Useful for names, description etc. </a:t>
+            </a:r>
+          </a:p>
+          <a:p>
+            <a:r>
+              <a:rPr lang="en-US" dirty="0"/>
+              <a:t>Header </a:t>
+            </a:r>
+          </a:p>
+          <a:p>
+            <a:pPr lvl="1"/>
+            <a:r>
+              <a:rPr lang="en-US" dirty="0"/>
+              <a:t>#include&lt;string&gt;</a:t>
+            </a:r>
+          </a:p>
+          <a:p>
+            <a:r>
+              <a:rPr lang="en-US" dirty="0"/>
+              <a:t>Usage </a:t>
+            </a:r>
+          </a:p>
+          <a:p>
+            <a:pPr lvl="1"/>
+            <a:r>
+              <a:rPr lang="en-US" dirty="0"/>
+              <a:t>string name;</a:t>
+            </a:r>
+          </a:p>
+          <a:p>
+            <a:pPr lvl="1"/>
+            <a:r>
+              <a:rPr lang="en-US" dirty="0" err="1"/>
+              <a:t>cin</a:t>
+            </a:r>
+            <a:r>
+              <a:rPr lang="en-US" dirty="0"/>
+              <a:t> &gt;&gt; name;</a:t>
+            </a:r>
+          </a:p>
+          <a:p>
+            <a:pPr lvl="1"/>
+            <a:r>
+              <a:rPr lang="en-US" dirty="0" err="1"/>
+              <a:t>cout</a:t>
+            </a:r>
+            <a:r>
+              <a:rPr lang="en-US" dirty="0"/>
+              <a:t> &lt;&lt;name;</a:t>
+            </a:r>
+            <a:br>
+              <a:rPr lang="en-US" dirty="0"/>
+            </a:br>
+            <a:endParaRPr lang="en-US" dirty="0"/>
+          </a:p>
+        </p:txBody>
+      </p:sp>
+      <p:sp>
+        <p:nvSpPr>
+          <p:cNvPr id="4" name="Footer Placeholder 3">
+            <a:extLst>
+              <a:ext uri="{FF2B5EF4-FFF2-40B4-BE49-F238E27FC236}">
+                <a16:creationId xmlns:a16="http://schemas.microsoft.com/office/drawing/2014/main" id="{975DF1C2-BCB7-988E-2E18-DF5C6412B181}"/>
+              </a:ext>
+            </a:extLst>
+          </p:cNvPr>
+          <p:cNvSpPr>
+            <a:spLocks noGrp="1"/>
+          </p:cNvSpPr>
+          <p:nvPr>
+            <p:ph type="ftr" sz="quarter" idx="11"/>
+          </p:nvPr>
+        </p:nvSpPr>
+        <p:spPr/>
+        <p:txBody>
+          <a:bodyPr/>
+          <a:lstStyle/>
+          <a:p>
+            <a:r>
+              <a:rPr lang="en-US"/>
+              <a:t>Week 4</a:t>
+            </a:r>
+          </a:p>
+        </p:txBody>
+      </p:sp>
+    </p:spTree>
+    <p:extLst>
+      <p:ext uri="{BB962C8B-B14F-4D97-AF65-F5344CB8AC3E}">
+        <p14:creationId xmlns:p14="http://schemas.microsoft.com/office/powerpoint/2010/main" val="4193919016"/>
       </p:ext>
     </p:extLst>
   </p:cSld>
@@ -12911,7 +12807,7 @@
       </p:sp>
       <p:pic>
         <p:nvPicPr>
-          <p:cNvPr id="5" name="Content Placeholder 4">
+          <p:cNvPr id="5" name="Content Placeholder 4" descr="Simplified Computer Memory Model">
             <a:extLst>
               <a:ext uri="{FF2B5EF4-FFF2-40B4-BE49-F238E27FC236}">
                 <a16:creationId xmlns:a16="http://schemas.microsoft.com/office/drawing/2014/main" id="{AAE77077-5607-4BC2-9EFF-D85B09A80912}"/>

--- a/all/Intro to Programming_all.pptx
+++ b/all/Intro to Programming_all.pptx
@@ -5,7 +5,7 @@
     <p:sldMasterId id="2147483648" r:id="rId1"/>
   </p:sldMasterIdLst>
   <p:notesMasterIdLst>
-    <p:notesMasterId r:id="rId41"/>
+    <p:notesMasterId r:id="rId50"/>
   </p:notesMasterIdLst>
   <p:sldIdLst>
     <p:sldId id="256" r:id="rId2"/>
@@ -46,7 +46,16 @@
     <p:sldId id="291" r:id="rId37"/>
     <p:sldId id="295" r:id="rId38"/>
     <p:sldId id="296" r:id="rId39"/>
-    <p:sldId id="281" r:id="rId40"/>
+    <p:sldId id="300" r:id="rId40"/>
+    <p:sldId id="301" r:id="rId41"/>
+    <p:sldId id="302" r:id="rId42"/>
+    <p:sldId id="297" r:id="rId43"/>
+    <p:sldId id="298" r:id="rId44"/>
+    <p:sldId id="303" r:id="rId45"/>
+    <p:sldId id="304" r:id="rId46"/>
+    <p:sldId id="306" r:id="rId47"/>
+    <p:sldId id="305" r:id="rId48"/>
+    <p:sldId id="281" r:id="rId49"/>
   </p:sldIdLst>
   <p:sldSz cx="12192000" cy="6858000"/>
   <p:notesSz cx="7315200" cy="9601200"/>
@@ -146,6 +155,62 @@
     </a:lvl9pPr>
   </p:defaultTextStyle>
   <p:extLst>
+    <p:ext uri="{521415D9-36F7-43E2-AB2F-B90AF26B5E84}">
+      <p14:sectionLst xmlns:p14="http://schemas.microsoft.com/office/powerpoint/2010/main">
+        <p14:section name="Untitled Section" id="{6B037823-2F6A-4306-BCD4-ADE155C7FDD3}">
+          <p14:sldIdLst>
+            <p14:sldId id="256"/>
+            <p14:sldId id="258"/>
+            <p14:sldId id="259"/>
+            <p14:sldId id="260"/>
+            <p14:sldId id="261"/>
+            <p14:sldId id="262"/>
+            <p14:sldId id="263"/>
+            <p14:sldId id="264"/>
+            <p14:sldId id="273"/>
+            <p14:sldId id="265"/>
+            <p14:sldId id="266"/>
+            <p14:sldId id="267"/>
+            <p14:sldId id="272"/>
+            <p14:sldId id="268"/>
+            <p14:sldId id="269"/>
+            <p14:sldId id="270"/>
+            <p14:sldId id="271"/>
+            <p14:sldId id="274"/>
+            <p14:sldId id="275"/>
+            <p14:sldId id="276"/>
+            <p14:sldId id="277"/>
+            <p14:sldId id="278"/>
+            <p14:sldId id="279"/>
+            <p14:sldId id="280"/>
+            <p14:sldId id="282"/>
+            <p14:sldId id="292"/>
+            <p14:sldId id="293"/>
+            <p14:sldId id="294"/>
+            <p14:sldId id="283"/>
+            <p14:sldId id="285"/>
+            <p14:sldId id="286"/>
+            <p14:sldId id="288"/>
+            <p14:sldId id="284"/>
+            <p14:sldId id="289"/>
+            <p14:sldId id="290"/>
+            <p14:sldId id="291"/>
+            <p14:sldId id="295"/>
+            <p14:sldId id="296"/>
+            <p14:sldId id="300"/>
+            <p14:sldId id="301"/>
+            <p14:sldId id="302"/>
+            <p14:sldId id="297"/>
+            <p14:sldId id="298"/>
+            <p14:sldId id="303"/>
+            <p14:sldId id="304"/>
+            <p14:sldId id="306"/>
+            <p14:sldId id="305"/>
+            <p14:sldId id="281"/>
+          </p14:sldIdLst>
+        </p14:section>
+      </p14:sectionLst>
+    </p:ext>
     <p:ext uri="{EFAFB233-063F-42B5-8137-9DF3F51BA10A}">
       <p15:sldGuideLst xmlns:p15="http://schemas.microsoft.com/office/powerpoint/2012/main"/>
     </p:ext>
@@ -235,7 +300,7 @@
           <a:p>
             <a:fld id="{03FEC988-D264-4851-9784-E262DEC12FF7}" type="datetimeFigureOut">
               <a:rPr lang="en-US" smtClean="0"/>
-              <a:t>10/9/2025</a:t>
+              <a:t>10/16/2025</a:t>
             </a:fld>
             <a:endParaRPr lang="en-US"/>
           </a:p>
@@ -649,7 +714,7 @@
           <a:p>
             <a:fld id="{FC9FB2DD-DF35-4B84-9135-C0E6A5E9FBB3}" type="datetimeFigureOut">
               <a:rPr lang="en-US" smtClean="0"/>
-              <a:t>10/9/2025</a:t>
+              <a:t>10/16/2025</a:t>
             </a:fld>
             <a:endParaRPr lang="en-US"/>
           </a:p>
@@ -847,7 +912,7 @@
           <a:p>
             <a:fld id="{FC9FB2DD-DF35-4B84-9135-C0E6A5E9FBB3}" type="datetimeFigureOut">
               <a:rPr lang="en-US" smtClean="0"/>
-              <a:t>10/9/2025</a:t>
+              <a:t>10/16/2025</a:t>
             </a:fld>
             <a:endParaRPr lang="en-US"/>
           </a:p>
@@ -1055,7 +1120,7 @@
           <a:p>
             <a:fld id="{FC9FB2DD-DF35-4B84-9135-C0E6A5E9FBB3}" type="datetimeFigureOut">
               <a:rPr lang="en-US" smtClean="0"/>
-              <a:t>10/9/2025</a:t>
+              <a:t>10/16/2025</a:t>
             </a:fld>
             <a:endParaRPr lang="en-US"/>
           </a:p>
@@ -1253,7 +1318,7 @@
           <a:p>
             <a:fld id="{FC9FB2DD-DF35-4B84-9135-C0E6A5E9FBB3}" type="datetimeFigureOut">
               <a:rPr lang="en-US" smtClean="0"/>
-              <a:t>10/9/2025</a:t>
+              <a:t>10/16/2025</a:t>
             </a:fld>
             <a:endParaRPr lang="en-US"/>
           </a:p>
@@ -1528,7 +1593,7 @@
           <a:p>
             <a:fld id="{FC9FB2DD-DF35-4B84-9135-C0E6A5E9FBB3}" type="datetimeFigureOut">
               <a:rPr lang="en-US" smtClean="0"/>
-              <a:t>10/9/2025</a:t>
+              <a:t>10/16/2025</a:t>
             </a:fld>
             <a:endParaRPr lang="en-US"/>
           </a:p>
@@ -1793,7 +1858,7 @@
           <a:p>
             <a:fld id="{FC9FB2DD-DF35-4B84-9135-C0E6A5E9FBB3}" type="datetimeFigureOut">
               <a:rPr lang="en-US" smtClean="0"/>
-              <a:t>10/9/2025</a:t>
+              <a:t>10/16/2025</a:t>
             </a:fld>
             <a:endParaRPr lang="en-US"/>
           </a:p>
@@ -2205,7 +2270,7 @@
           <a:p>
             <a:fld id="{FC9FB2DD-DF35-4B84-9135-C0E6A5E9FBB3}" type="datetimeFigureOut">
               <a:rPr lang="en-US" smtClean="0"/>
-              <a:t>10/9/2025</a:t>
+              <a:t>10/16/2025</a:t>
             </a:fld>
             <a:endParaRPr lang="en-US"/>
           </a:p>
@@ -2346,7 +2411,7 @@
           <a:p>
             <a:fld id="{FC9FB2DD-DF35-4B84-9135-C0E6A5E9FBB3}" type="datetimeFigureOut">
               <a:rPr lang="en-US" smtClean="0"/>
-              <a:t>10/9/2025</a:t>
+              <a:t>10/16/2025</a:t>
             </a:fld>
             <a:endParaRPr lang="en-US"/>
           </a:p>
@@ -2459,7 +2524,7 @@
           <a:p>
             <a:fld id="{FC9FB2DD-DF35-4B84-9135-C0E6A5E9FBB3}" type="datetimeFigureOut">
               <a:rPr lang="en-US" smtClean="0"/>
-              <a:t>10/9/2025</a:t>
+              <a:t>10/16/2025</a:t>
             </a:fld>
             <a:endParaRPr lang="en-US"/>
           </a:p>
@@ -2770,7 +2835,7 @@
           <a:p>
             <a:fld id="{FC9FB2DD-DF35-4B84-9135-C0E6A5E9FBB3}" type="datetimeFigureOut">
               <a:rPr lang="en-US" smtClean="0"/>
-              <a:t>10/9/2025</a:t>
+              <a:t>10/16/2025</a:t>
             </a:fld>
             <a:endParaRPr lang="en-US"/>
           </a:p>
@@ -3058,7 +3123,7 @@
           <a:p>
             <a:fld id="{FC9FB2DD-DF35-4B84-9135-C0E6A5E9FBB3}" type="datetimeFigureOut">
               <a:rPr lang="en-US" smtClean="0"/>
-              <a:t>10/9/2025</a:t>
+              <a:t>10/16/2025</a:t>
             </a:fld>
             <a:endParaRPr lang="en-US"/>
           </a:p>
@@ -3299,7 +3364,7 @@
           <a:p>
             <a:fld id="{FC9FB2DD-DF35-4B84-9135-C0E6A5E9FBB3}" type="datetimeFigureOut">
               <a:rPr lang="en-US" smtClean="0"/>
-              <a:t>10/9/2025</a:t>
+              <a:t>10/16/2025</a:t>
             </a:fld>
             <a:endParaRPr lang="en-US"/>
           </a:p>
@@ -3812,6 +3877,35 @@
           </a:p>
         </p:txBody>
       </p:sp>
+      <p:sp>
+        <p:nvSpPr>
+          <p:cNvPr id="4" name="Slide Number Placeholder 3">
+            <a:extLst>
+              <a:ext uri="{FF2B5EF4-FFF2-40B4-BE49-F238E27FC236}">
+                <a16:creationId xmlns:a16="http://schemas.microsoft.com/office/drawing/2014/main" id="{88F6E1C6-C9A6-8A3A-FF13-C912993D78C3}"/>
+              </a:ext>
+            </a:extLst>
+          </p:cNvPr>
+          <p:cNvSpPr>
+            <a:spLocks noGrp="1"/>
+          </p:cNvSpPr>
+          <p:nvPr>
+            <p:ph type="sldNum" sz="quarter" idx="12"/>
+          </p:nvPr>
+        </p:nvSpPr>
+        <p:spPr/>
+        <p:txBody>
+          <a:bodyPr/>
+          <a:lstStyle/>
+          <a:p>
+            <a:fld id="{3EC9E123-0CB8-4CD3-A52F-DDEB9B17898B}" type="slidenum">
+              <a:rPr lang="en-US" smtClean="0"/>
+              <a:t>1</a:t>
+            </a:fld>
+            <a:endParaRPr lang="en-US"/>
+          </a:p>
+        </p:txBody>
+      </p:sp>
     </p:spTree>
     <p:extLst>
       <p:ext uri="{BB962C8B-B14F-4D97-AF65-F5344CB8AC3E}">
@@ -4007,6 +4101,35 @@
           </a:p>
         </p:txBody>
       </p:sp>
+      <p:sp>
+        <p:nvSpPr>
+          <p:cNvPr id="4" name="Slide Number Placeholder 3">
+            <a:extLst>
+              <a:ext uri="{FF2B5EF4-FFF2-40B4-BE49-F238E27FC236}">
+                <a16:creationId xmlns:a16="http://schemas.microsoft.com/office/drawing/2014/main" id="{B45C3F6A-0043-7757-E23A-2CB1DEDA6167}"/>
+              </a:ext>
+            </a:extLst>
+          </p:cNvPr>
+          <p:cNvSpPr>
+            <a:spLocks noGrp="1"/>
+          </p:cNvSpPr>
+          <p:nvPr>
+            <p:ph type="sldNum" sz="quarter" idx="12"/>
+          </p:nvPr>
+        </p:nvSpPr>
+        <p:spPr/>
+        <p:txBody>
+          <a:bodyPr/>
+          <a:lstStyle/>
+          <a:p>
+            <a:fld id="{3EC9E123-0CB8-4CD3-A52F-DDEB9B17898B}" type="slidenum">
+              <a:rPr lang="en-US" smtClean="0"/>
+              <a:t>10</a:t>
+            </a:fld>
+            <a:endParaRPr lang="en-US"/>
+          </a:p>
+        </p:txBody>
+      </p:sp>
     </p:spTree>
     <p:extLst>
       <p:ext uri="{BB962C8B-B14F-4D97-AF65-F5344CB8AC3E}">
@@ -4168,6 +4291,35 @@
           </a:p>
         </p:txBody>
       </p:sp>
+      <p:sp>
+        <p:nvSpPr>
+          <p:cNvPr id="4" name="Slide Number Placeholder 3">
+            <a:extLst>
+              <a:ext uri="{FF2B5EF4-FFF2-40B4-BE49-F238E27FC236}">
+                <a16:creationId xmlns:a16="http://schemas.microsoft.com/office/drawing/2014/main" id="{325C1721-D56D-E686-FB01-D55BDA6DA411}"/>
+              </a:ext>
+            </a:extLst>
+          </p:cNvPr>
+          <p:cNvSpPr>
+            <a:spLocks noGrp="1"/>
+          </p:cNvSpPr>
+          <p:nvPr>
+            <p:ph type="sldNum" sz="quarter" idx="12"/>
+          </p:nvPr>
+        </p:nvSpPr>
+        <p:spPr/>
+        <p:txBody>
+          <a:bodyPr/>
+          <a:lstStyle/>
+          <a:p>
+            <a:fld id="{3EC9E123-0CB8-4CD3-A52F-DDEB9B17898B}" type="slidenum">
+              <a:rPr lang="en-US" smtClean="0"/>
+              <a:t>11</a:t>
+            </a:fld>
+            <a:endParaRPr lang="en-US"/>
+          </a:p>
+        </p:txBody>
+      </p:sp>
     </p:spTree>
     <p:extLst>
       <p:ext uri="{BB962C8B-B14F-4D97-AF65-F5344CB8AC3E}">
@@ -4355,6 +4507,35 @@
           </a:p>
         </p:txBody>
       </p:sp>
+      <p:sp>
+        <p:nvSpPr>
+          <p:cNvPr id="4" name="Slide Number Placeholder 3">
+            <a:extLst>
+              <a:ext uri="{FF2B5EF4-FFF2-40B4-BE49-F238E27FC236}">
+                <a16:creationId xmlns:a16="http://schemas.microsoft.com/office/drawing/2014/main" id="{6A7932ED-F971-B54C-3771-D20402204CAE}"/>
+              </a:ext>
+            </a:extLst>
+          </p:cNvPr>
+          <p:cNvSpPr>
+            <a:spLocks noGrp="1"/>
+          </p:cNvSpPr>
+          <p:nvPr>
+            <p:ph type="sldNum" sz="quarter" idx="12"/>
+          </p:nvPr>
+        </p:nvSpPr>
+        <p:spPr/>
+        <p:txBody>
+          <a:bodyPr/>
+          <a:lstStyle/>
+          <a:p>
+            <a:fld id="{3EC9E123-0CB8-4CD3-A52F-DDEB9B17898B}" type="slidenum">
+              <a:rPr lang="en-US" smtClean="0"/>
+              <a:t>12</a:t>
+            </a:fld>
+            <a:endParaRPr lang="en-US"/>
+          </a:p>
+        </p:txBody>
+      </p:sp>
     </p:spTree>
     <p:extLst>
       <p:ext uri="{BB962C8B-B14F-4D97-AF65-F5344CB8AC3E}">
@@ -4560,6 +4741,35 @@
               <a:rPr lang="en-US"/>
               <a:t>Week 2</a:t>
             </a:r>
+          </a:p>
+        </p:txBody>
+      </p:sp>
+      <p:sp>
+        <p:nvSpPr>
+          <p:cNvPr id="4" name="Slide Number Placeholder 3">
+            <a:extLst>
+              <a:ext uri="{FF2B5EF4-FFF2-40B4-BE49-F238E27FC236}">
+                <a16:creationId xmlns:a16="http://schemas.microsoft.com/office/drawing/2014/main" id="{3D334221-7B67-FEE1-231D-55394D996567}"/>
+              </a:ext>
+            </a:extLst>
+          </p:cNvPr>
+          <p:cNvSpPr>
+            <a:spLocks noGrp="1"/>
+          </p:cNvSpPr>
+          <p:nvPr>
+            <p:ph type="sldNum" sz="quarter" idx="12"/>
+          </p:nvPr>
+        </p:nvSpPr>
+        <p:spPr/>
+        <p:txBody>
+          <a:bodyPr/>
+          <a:lstStyle/>
+          <a:p>
+            <a:fld id="{3EC9E123-0CB8-4CD3-A52F-DDEB9B17898B}" type="slidenum">
+              <a:rPr lang="en-US" smtClean="0"/>
+              <a:t>13</a:t>
+            </a:fld>
+            <a:endParaRPr lang="en-US"/>
           </a:p>
         </p:txBody>
       </p:sp>
@@ -6883,6 +7093,35 @@
           </a:p>
         </p:txBody>
       </p:sp>
+      <p:sp>
+        <p:nvSpPr>
+          <p:cNvPr id="2" name="Slide Number Placeholder 1">
+            <a:extLst>
+              <a:ext uri="{FF2B5EF4-FFF2-40B4-BE49-F238E27FC236}">
+                <a16:creationId xmlns:a16="http://schemas.microsoft.com/office/drawing/2014/main" id="{2311E124-D5C3-4EEE-9E95-96448A74E7DF}"/>
+              </a:ext>
+            </a:extLst>
+          </p:cNvPr>
+          <p:cNvSpPr>
+            <a:spLocks noGrp="1"/>
+          </p:cNvSpPr>
+          <p:nvPr>
+            <p:ph type="sldNum" sz="quarter" idx="12"/>
+          </p:nvPr>
+        </p:nvSpPr>
+        <p:spPr/>
+        <p:txBody>
+          <a:bodyPr/>
+          <a:lstStyle/>
+          <a:p>
+            <a:fld id="{3EC9E123-0CB8-4CD3-A52F-DDEB9B17898B}" type="slidenum">
+              <a:rPr lang="en-US" smtClean="0"/>
+              <a:t>14</a:t>
+            </a:fld>
+            <a:endParaRPr lang="en-US"/>
+          </a:p>
+        </p:txBody>
+      </p:sp>
     </p:spTree>
     <p:extLst>
       <p:ext uri="{BB962C8B-B14F-4D97-AF65-F5344CB8AC3E}">
@@ -7106,6 +7345,35 @@
           </a:p>
         </p:txBody>
       </p:sp>
+      <p:sp>
+        <p:nvSpPr>
+          <p:cNvPr id="4" name="Slide Number Placeholder 3">
+            <a:extLst>
+              <a:ext uri="{FF2B5EF4-FFF2-40B4-BE49-F238E27FC236}">
+                <a16:creationId xmlns:a16="http://schemas.microsoft.com/office/drawing/2014/main" id="{F0030814-CC1A-7770-E354-A2A271A7E51E}"/>
+              </a:ext>
+            </a:extLst>
+          </p:cNvPr>
+          <p:cNvSpPr>
+            <a:spLocks noGrp="1"/>
+          </p:cNvSpPr>
+          <p:nvPr>
+            <p:ph type="sldNum" sz="quarter" idx="12"/>
+          </p:nvPr>
+        </p:nvSpPr>
+        <p:spPr/>
+        <p:txBody>
+          <a:bodyPr/>
+          <a:lstStyle/>
+          <a:p>
+            <a:fld id="{3EC9E123-0CB8-4CD3-A52F-DDEB9B17898B}" type="slidenum">
+              <a:rPr lang="en-US" smtClean="0"/>
+              <a:t>15</a:t>
+            </a:fld>
+            <a:endParaRPr lang="en-US"/>
+          </a:p>
+        </p:txBody>
+      </p:sp>
     </p:spTree>
     <p:extLst>
       <p:ext uri="{BB962C8B-B14F-4D97-AF65-F5344CB8AC3E}">
@@ -7295,6 +7563,35 @@
           </a:p>
         </p:txBody>
       </p:sp>
+      <p:sp>
+        <p:nvSpPr>
+          <p:cNvPr id="4" name="Slide Number Placeholder 3">
+            <a:extLst>
+              <a:ext uri="{FF2B5EF4-FFF2-40B4-BE49-F238E27FC236}">
+                <a16:creationId xmlns:a16="http://schemas.microsoft.com/office/drawing/2014/main" id="{C1BA4E4D-37F3-80A8-B6B9-4EA870EAF68F}"/>
+              </a:ext>
+            </a:extLst>
+          </p:cNvPr>
+          <p:cNvSpPr>
+            <a:spLocks noGrp="1"/>
+          </p:cNvSpPr>
+          <p:nvPr>
+            <p:ph type="sldNum" sz="quarter" idx="12"/>
+          </p:nvPr>
+        </p:nvSpPr>
+        <p:spPr/>
+        <p:txBody>
+          <a:bodyPr/>
+          <a:lstStyle/>
+          <a:p>
+            <a:fld id="{3EC9E123-0CB8-4CD3-A52F-DDEB9B17898B}" type="slidenum">
+              <a:rPr lang="en-US" smtClean="0"/>
+              <a:t>16</a:t>
+            </a:fld>
+            <a:endParaRPr lang="en-US"/>
+          </a:p>
+        </p:txBody>
+      </p:sp>
     </p:spTree>
     <p:extLst>
       <p:ext uri="{BB962C8B-B14F-4D97-AF65-F5344CB8AC3E}">
@@ -7515,6 +7812,35 @@
           </a:p>
         </p:txBody>
       </p:sp>
+      <p:sp>
+        <p:nvSpPr>
+          <p:cNvPr id="4" name="Slide Number Placeholder 3">
+            <a:extLst>
+              <a:ext uri="{FF2B5EF4-FFF2-40B4-BE49-F238E27FC236}">
+                <a16:creationId xmlns:a16="http://schemas.microsoft.com/office/drawing/2014/main" id="{4E28C7A6-9E56-3256-788D-FBE686C55012}"/>
+              </a:ext>
+            </a:extLst>
+          </p:cNvPr>
+          <p:cNvSpPr>
+            <a:spLocks noGrp="1"/>
+          </p:cNvSpPr>
+          <p:nvPr>
+            <p:ph type="sldNum" sz="quarter" idx="12"/>
+          </p:nvPr>
+        </p:nvSpPr>
+        <p:spPr/>
+        <p:txBody>
+          <a:bodyPr/>
+          <a:lstStyle/>
+          <a:p>
+            <a:fld id="{3EC9E123-0CB8-4CD3-A52F-DDEB9B17898B}" type="slidenum">
+              <a:rPr lang="en-US" smtClean="0"/>
+              <a:t>17</a:t>
+            </a:fld>
+            <a:endParaRPr lang="en-US"/>
+          </a:p>
+        </p:txBody>
+      </p:sp>
     </p:spTree>
     <p:extLst>
       <p:ext uri="{BB962C8B-B14F-4D97-AF65-F5344CB8AC3E}">
@@ -7706,6 +8032,35 @@
           </a:p>
         </p:txBody>
       </p:sp>
+      <p:sp>
+        <p:nvSpPr>
+          <p:cNvPr id="5" name="Slide Number Placeholder 4">
+            <a:extLst>
+              <a:ext uri="{FF2B5EF4-FFF2-40B4-BE49-F238E27FC236}">
+                <a16:creationId xmlns:a16="http://schemas.microsoft.com/office/drawing/2014/main" id="{62FA6500-1243-0208-BE9B-0BE36A8225BA}"/>
+              </a:ext>
+            </a:extLst>
+          </p:cNvPr>
+          <p:cNvSpPr>
+            <a:spLocks noGrp="1"/>
+          </p:cNvSpPr>
+          <p:nvPr>
+            <p:ph type="sldNum" sz="quarter" idx="12"/>
+          </p:nvPr>
+        </p:nvSpPr>
+        <p:spPr/>
+        <p:txBody>
+          <a:bodyPr/>
+          <a:lstStyle/>
+          <a:p>
+            <a:fld id="{3EC9E123-0CB8-4CD3-A52F-DDEB9B17898B}" type="slidenum">
+              <a:rPr lang="en-US" smtClean="0"/>
+              <a:t>18</a:t>
+            </a:fld>
+            <a:endParaRPr lang="en-US"/>
+          </a:p>
+        </p:txBody>
+      </p:sp>
     </p:spTree>
     <p:extLst>
       <p:ext uri="{BB962C8B-B14F-4D97-AF65-F5344CB8AC3E}">
@@ -7883,6 +8238,35 @@
           </a:p>
         </p:txBody>
       </p:sp>
+      <p:sp>
+        <p:nvSpPr>
+          <p:cNvPr id="5" name="Slide Number Placeholder 4">
+            <a:extLst>
+              <a:ext uri="{FF2B5EF4-FFF2-40B4-BE49-F238E27FC236}">
+                <a16:creationId xmlns:a16="http://schemas.microsoft.com/office/drawing/2014/main" id="{033FFE79-852C-78B9-4CDD-2596320D80E3}"/>
+              </a:ext>
+            </a:extLst>
+          </p:cNvPr>
+          <p:cNvSpPr>
+            <a:spLocks noGrp="1"/>
+          </p:cNvSpPr>
+          <p:nvPr>
+            <p:ph type="sldNum" sz="quarter" idx="12"/>
+          </p:nvPr>
+        </p:nvSpPr>
+        <p:spPr/>
+        <p:txBody>
+          <a:bodyPr/>
+          <a:lstStyle/>
+          <a:p>
+            <a:fld id="{3EC9E123-0CB8-4CD3-A52F-DDEB9B17898B}" type="slidenum">
+              <a:rPr lang="en-US" smtClean="0"/>
+              <a:t>19</a:t>
+            </a:fld>
+            <a:endParaRPr lang="en-US"/>
+          </a:p>
+        </p:txBody>
+      </p:sp>
     </p:spTree>
     <p:extLst>
       <p:ext uri="{BB962C8B-B14F-4D97-AF65-F5344CB8AC3E}">
@@ -8060,6 +8444,35 @@
           </a:p>
         </p:txBody>
       </p:sp>
+      <p:sp>
+        <p:nvSpPr>
+          <p:cNvPr id="4" name="Slide Number Placeholder 3">
+            <a:extLst>
+              <a:ext uri="{FF2B5EF4-FFF2-40B4-BE49-F238E27FC236}">
+                <a16:creationId xmlns:a16="http://schemas.microsoft.com/office/drawing/2014/main" id="{E499F2AC-BAA4-8E3C-F53E-3B184171795E}"/>
+              </a:ext>
+            </a:extLst>
+          </p:cNvPr>
+          <p:cNvSpPr>
+            <a:spLocks noGrp="1"/>
+          </p:cNvSpPr>
+          <p:nvPr>
+            <p:ph type="sldNum" sz="quarter" idx="12"/>
+          </p:nvPr>
+        </p:nvSpPr>
+        <p:spPr/>
+        <p:txBody>
+          <a:bodyPr/>
+          <a:lstStyle/>
+          <a:p>
+            <a:fld id="{3EC9E123-0CB8-4CD3-A52F-DDEB9B17898B}" type="slidenum">
+              <a:rPr lang="en-US" smtClean="0"/>
+              <a:t>2</a:t>
+            </a:fld>
+            <a:endParaRPr lang="en-US"/>
+          </a:p>
+        </p:txBody>
+      </p:sp>
     </p:spTree>
     <p:extLst>
       <p:ext uri="{BB962C8B-B14F-4D97-AF65-F5344CB8AC3E}">
@@ -8240,6 +8653,35 @@
           </a:p>
         </p:txBody>
       </p:sp>
+      <p:sp>
+        <p:nvSpPr>
+          <p:cNvPr id="5" name="Slide Number Placeholder 4">
+            <a:extLst>
+              <a:ext uri="{FF2B5EF4-FFF2-40B4-BE49-F238E27FC236}">
+                <a16:creationId xmlns:a16="http://schemas.microsoft.com/office/drawing/2014/main" id="{84EB30ED-8FA4-0AF3-13F2-86B46E13D6A4}"/>
+              </a:ext>
+            </a:extLst>
+          </p:cNvPr>
+          <p:cNvSpPr>
+            <a:spLocks noGrp="1"/>
+          </p:cNvSpPr>
+          <p:nvPr>
+            <p:ph type="sldNum" sz="quarter" idx="12"/>
+          </p:nvPr>
+        </p:nvSpPr>
+        <p:spPr/>
+        <p:txBody>
+          <a:bodyPr/>
+          <a:lstStyle/>
+          <a:p>
+            <a:fld id="{3EC9E123-0CB8-4CD3-A52F-DDEB9B17898B}" type="slidenum">
+              <a:rPr lang="en-US" smtClean="0"/>
+              <a:t>20</a:t>
+            </a:fld>
+            <a:endParaRPr lang="en-US"/>
+          </a:p>
+        </p:txBody>
+      </p:sp>
     </p:spTree>
     <p:extLst>
       <p:ext uri="{BB962C8B-B14F-4D97-AF65-F5344CB8AC3E}">
@@ -8427,6 +8869,35 @@
           </a:p>
         </p:txBody>
       </p:sp>
+      <p:sp>
+        <p:nvSpPr>
+          <p:cNvPr id="5" name="Slide Number Placeholder 4">
+            <a:extLst>
+              <a:ext uri="{FF2B5EF4-FFF2-40B4-BE49-F238E27FC236}">
+                <a16:creationId xmlns:a16="http://schemas.microsoft.com/office/drawing/2014/main" id="{6E0FBA7A-6595-4395-B178-9B62D54B51A6}"/>
+              </a:ext>
+            </a:extLst>
+          </p:cNvPr>
+          <p:cNvSpPr>
+            <a:spLocks noGrp="1"/>
+          </p:cNvSpPr>
+          <p:nvPr>
+            <p:ph type="sldNum" sz="quarter" idx="12"/>
+          </p:nvPr>
+        </p:nvSpPr>
+        <p:spPr/>
+        <p:txBody>
+          <a:bodyPr/>
+          <a:lstStyle/>
+          <a:p>
+            <a:fld id="{3EC9E123-0CB8-4CD3-A52F-DDEB9B17898B}" type="slidenum">
+              <a:rPr lang="en-US" smtClean="0"/>
+              <a:t>21</a:t>
+            </a:fld>
+            <a:endParaRPr lang="en-US"/>
+          </a:p>
+        </p:txBody>
+      </p:sp>
     </p:spTree>
     <p:extLst>
       <p:ext uri="{BB962C8B-B14F-4D97-AF65-F5344CB8AC3E}">
@@ -8637,6 +9108,35 @@
           </a:p>
         </p:txBody>
       </p:sp>
+      <p:sp>
+        <p:nvSpPr>
+          <p:cNvPr id="5" name="Slide Number Placeholder 4">
+            <a:extLst>
+              <a:ext uri="{FF2B5EF4-FFF2-40B4-BE49-F238E27FC236}">
+                <a16:creationId xmlns:a16="http://schemas.microsoft.com/office/drawing/2014/main" id="{19B5CEE8-92E4-04C5-95BC-C81B0B563705}"/>
+              </a:ext>
+            </a:extLst>
+          </p:cNvPr>
+          <p:cNvSpPr>
+            <a:spLocks noGrp="1"/>
+          </p:cNvSpPr>
+          <p:nvPr>
+            <p:ph type="sldNum" sz="quarter" idx="12"/>
+          </p:nvPr>
+        </p:nvSpPr>
+        <p:spPr/>
+        <p:txBody>
+          <a:bodyPr/>
+          <a:lstStyle/>
+          <a:p>
+            <a:fld id="{3EC9E123-0CB8-4CD3-A52F-DDEB9B17898B}" type="slidenum">
+              <a:rPr lang="en-US" smtClean="0"/>
+              <a:t>22</a:t>
+            </a:fld>
+            <a:endParaRPr lang="en-US"/>
+          </a:p>
+        </p:txBody>
+      </p:sp>
     </p:spTree>
     <p:extLst>
       <p:ext uri="{BB962C8B-B14F-4D97-AF65-F5344CB8AC3E}">
@@ -8842,6 +9342,35 @@
           </a:p>
         </p:txBody>
       </p:sp>
+      <p:sp>
+        <p:nvSpPr>
+          <p:cNvPr id="5" name="Slide Number Placeholder 4">
+            <a:extLst>
+              <a:ext uri="{FF2B5EF4-FFF2-40B4-BE49-F238E27FC236}">
+                <a16:creationId xmlns:a16="http://schemas.microsoft.com/office/drawing/2014/main" id="{EA969ED2-922E-8947-402C-A604FA3705A8}"/>
+              </a:ext>
+            </a:extLst>
+          </p:cNvPr>
+          <p:cNvSpPr>
+            <a:spLocks noGrp="1"/>
+          </p:cNvSpPr>
+          <p:nvPr>
+            <p:ph type="sldNum" sz="quarter" idx="12"/>
+          </p:nvPr>
+        </p:nvSpPr>
+        <p:spPr/>
+        <p:txBody>
+          <a:bodyPr/>
+          <a:lstStyle/>
+          <a:p>
+            <a:fld id="{3EC9E123-0CB8-4CD3-A52F-DDEB9B17898B}" type="slidenum">
+              <a:rPr lang="en-US" smtClean="0"/>
+              <a:t>23</a:t>
+            </a:fld>
+            <a:endParaRPr lang="en-US"/>
+          </a:p>
+        </p:txBody>
+      </p:sp>
     </p:spTree>
     <p:extLst>
       <p:ext uri="{BB962C8B-B14F-4D97-AF65-F5344CB8AC3E}">
@@ -8958,6 +9487,35 @@
           </a:prstGeom>
         </p:spPr>
       </p:pic>
+      <p:sp>
+        <p:nvSpPr>
+          <p:cNvPr id="3" name="Slide Number Placeholder 2">
+            <a:extLst>
+              <a:ext uri="{FF2B5EF4-FFF2-40B4-BE49-F238E27FC236}">
+                <a16:creationId xmlns:a16="http://schemas.microsoft.com/office/drawing/2014/main" id="{2B5725CE-C286-F82F-5DE3-D835228FAAB7}"/>
+              </a:ext>
+            </a:extLst>
+          </p:cNvPr>
+          <p:cNvSpPr>
+            <a:spLocks noGrp="1"/>
+          </p:cNvSpPr>
+          <p:nvPr>
+            <p:ph type="sldNum" sz="quarter" idx="12"/>
+          </p:nvPr>
+        </p:nvSpPr>
+        <p:spPr/>
+        <p:txBody>
+          <a:bodyPr/>
+          <a:lstStyle/>
+          <a:p>
+            <a:fld id="{3EC9E123-0CB8-4CD3-A52F-DDEB9B17898B}" type="slidenum">
+              <a:rPr lang="en-US" smtClean="0"/>
+              <a:t>24</a:t>
+            </a:fld>
+            <a:endParaRPr lang="en-US"/>
+          </a:p>
+        </p:txBody>
+      </p:sp>
     </p:spTree>
     <p:extLst>
       <p:ext uri="{BB962C8B-B14F-4D97-AF65-F5344CB8AC3E}">
@@ -9222,6 +9780,35 @@
           </a:p>
         </p:txBody>
       </p:sp>
+      <p:sp>
+        <p:nvSpPr>
+          <p:cNvPr id="5" name="Slide Number Placeholder 4">
+            <a:extLst>
+              <a:ext uri="{FF2B5EF4-FFF2-40B4-BE49-F238E27FC236}">
+                <a16:creationId xmlns:a16="http://schemas.microsoft.com/office/drawing/2014/main" id="{36A52E6A-93AD-4545-00FB-956E87692920}"/>
+              </a:ext>
+            </a:extLst>
+          </p:cNvPr>
+          <p:cNvSpPr>
+            <a:spLocks noGrp="1"/>
+          </p:cNvSpPr>
+          <p:nvPr>
+            <p:ph type="sldNum" sz="quarter" idx="12"/>
+          </p:nvPr>
+        </p:nvSpPr>
+        <p:spPr/>
+        <p:txBody>
+          <a:bodyPr/>
+          <a:lstStyle/>
+          <a:p>
+            <a:fld id="{3EC9E123-0CB8-4CD3-A52F-DDEB9B17898B}" type="slidenum">
+              <a:rPr lang="en-US" smtClean="0"/>
+              <a:t>25</a:t>
+            </a:fld>
+            <a:endParaRPr lang="en-US"/>
+          </a:p>
+        </p:txBody>
+      </p:sp>
     </p:spTree>
     <p:extLst>
       <p:ext uri="{BB962C8B-B14F-4D97-AF65-F5344CB8AC3E}">
@@ -9390,6 +9977,35 @@
           </a:p>
         </p:txBody>
       </p:sp>
+      <p:sp>
+        <p:nvSpPr>
+          <p:cNvPr id="5" name="Slide Number Placeholder 4">
+            <a:extLst>
+              <a:ext uri="{FF2B5EF4-FFF2-40B4-BE49-F238E27FC236}">
+                <a16:creationId xmlns:a16="http://schemas.microsoft.com/office/drawing/2014/main" id="{B160B358-7246-A2AC-8955-46612639E26C}"/>
+              </a:ext>
+            </a:extLst>
+          </p:cNvPr>
+          <p:cNvSpPr>
+            <a:spLocks noGrp="1"/>
+          </p:cNvSpPr>
+          <p:nvPr>
+            <p:ph type="sldNum" sz="quarter" idx="12"/>
+          </p:nvPr>
+        </p:nvSpPr>
+        <p:spPr/>
+        <p:txBody>
+          <a:bodyPr/>
+          <a:lstStyle/>
+          <a:p>
+            <a:fld id="{3EC9E123-0CB8-4CD3-A52F-DDEB9B17898B}" type="slidenum">
+              <a:rPr lang="en-US" smtClean="0"/>
+              <a:t>26</a:t>
+            </a:fld>
+            <a:endParaRPr lang="en-US"/>
+          </a:p>
+        </p:txBody>
+      </p:sp>
     </p:spTree>
     <p:extLst>
       <p:ext uri="{BB962C8B-B14F-4D97-AF65-F5344CB8AC3E}">
@@ -9549,6 +10165,35 @@
           </a:p>
         </p:txBody>
       </p:sp>
+      <p:sp>
+        <p:nvSpPr>
+          <p:cNvPr id="5" name="Slide Number Placeholder 4">
+            <a:extLst>
+              <a:ext uri="{FF2B5EF4-FFF2-40B4-BE49-F238E27FC236}">
+                <a16:creationId xmlns:a16="http://schemas.microsoft.com/office/drawing/2014/main" id="{04FB6D3E-D2DB-6A77-CCCF-D13AACBFDD50}"/>
+              </a:ext>
+            </a:extLst>
+          </p:cNvPr>
+          <p:cNvSpPr>
+            <a:spLocks noGrp="1"/>
+          </p:cNvSpPr>
+          <p:nvPr>
+            <p:ph type="sldNum" sz="quarter" idx="12"/>
+          </p:nvPr>
+        </p:nvSpPr>
+        <p:spPr/>
+        <p:txBody>
+          <a:bodyPr/>
+          <a:lstStyle/>
+          <a:p>
+            <a:fld id="{3EC9E123-0CB8-4CD3-A52F-DDEB9B17898B}" type="slidenum">
+              <a:rPr lang="en-US" smtClean="0"/>
+              <a:t>27</a:t>
+            </a:fld>
+            <a:endParaRPr lang="en-US"/>
+          </a:p>
+        </p:txBody>
+      </p:sp>
     </p:spTree>
     <p:extLst>
       <p:ext uri="{BB962C8B-B14F-4D97-AF65-F5344CB8AC3E}">
@@ -9762,6 +10407,35 @@
           </a:p>
         </p:txBody>
       </p:sp>
+      <p:sp>
+        <p:nvSpPr>
+          <p:cNvPr id="5" name="Slide Number Placeholder 4">
+            <a:extLst>
+              <a:ext uri="{FF2B5EF4-FFF2-40B4-BE49-F238E27FC236}">
+                <a16:creationId xmlns:a16="http://schemas.microsoft.com/office/drawing/2014/main" id="{8815B942-E4DD-753A-F87F-D462B1E7B1C4}"/>
+              </a:ext>
+            </a:extLst>
+          </p:cNvPr>
+          <p:cNvSpPr>
+            <a:spLocks noGrp="1"/>
+          </p:cNvSpPr>
+          <p:nvPr>
+            <p:ph type="sldNum" sz="quarter" idx="12"/>
+          </p:nvPr>
+        </p:nvSpPr>
+        <p:spPr/>
+        <p:txBody>
+          <a:bodyPr/>
+          <a:lstStyle/>
+          <a:p>
+            <a:fld id="{3EC9E123-0CB8-4CD3-A52F-DDEB9B17898B}" type="slidenum">
+              <a:rPr lang="en-US" smtClean="0"/>
+              <a:t>28</a:t>
+            </a:fld>
+            <a:endParaRPr lang="en-US"/>
+          </a:p>
+        </p:txBody>
+      </p:sp>
     </p:spTree>
     <p:extLst>
       <p:ext uri="{BB962C8B-B14F-4D97-AF65-F5344CB8AC3E}">
@@ -9892,6 +10566,35 @@
           </a:p>
         </p:txBody>
       </p:sp>
+      <p:sp>
+        <p:nvSpPr>
+          <p:cNvPr id="5" name="Slide Number Placeholder 4">
+            <a:extLst>
+              <a:ext uri="{FF2B5EF4-FFF2-40B4-BE49-F238E27FC236}">
+                <a16:creationId xmlns:a16="http://schemas.microsoft.com/office/drawing/2014/main" id="{9872240D-243D-D2C5-7D7E-DBB051FE43FD}"/>
+              </a:ext>
+            </a:extLst>
+          </p:cNvPr>
+          <p:cNvSpPr>
+            <a:spLocks noGrp="1"/>
+          </p:cNvSpPr>
+          <p:nvPr>
+            <p:ph type="sldNum" sz="quarter" idx="12"/>
+          </p:nvPr>
+        </p:nvSpPr>
+        <p:spPr/>
+        <p:txBody>
+          <a:bodyPr/>
+          <a:lstStyle/>
+          <a:p>
+            <a:fld id="{3EC9E123-0CB8-4CD3-A52F-DDEB9B17898B}" type="slidenum">
+              <a:rPr lang="en-US" smtClean="0"/>
+              <a:t>29</a:t>
+            </a:fld>
+            <a:endParaRPr lang="en-US"/>
+          </a:p>
+        </p:txBody>
+      </p:sp>
     </p:spTree>
     <p:extLst>
       <p:ext uri="{BB962C8B-B14F-4D97-AF65-F5344CB8AC3E}">
@@ -10052,6 +10755,35 @@
           </a:p>
         </p:txBody>
       </p:sp>
+      <p:sp>
+        <p:nvSpPr>
+          <p:cNvPr id="4" name="Slide Number Placeholder 3">
+            <a:extLst>
+              <a:ext uri="{FF2B5EF4-FFF2-40B4-BE49-F238E27FC236}">
+                <a16:creationId xmlns:a16="http://schemas.microsoft.com/office/drawing/2014/main" id="{778285C1-A054-741B-5975-35BF62721F1C}"/>
+              </a:ext>
+            </a:extLst>
+          </p:cNvPr>
+          <p:cNvSpPr>
+            <a:spLocks noGrp="1"/>
+          </p:cNvSpPr>
+          <p:nvPr>
+            <p:ph type="sldNum" sz="quarter" idx="12"/>
+          </p:nvPr>
+        </p:nvSpPr>
+        <p:spPr/>
+        <p:txBody>
+          <a:bodyPr/>
+          <a:lstStyle/>
+          <a:p>
+            <a:fld id="{3EC9E123-0CB8-4CD3-A52F-DDEB9B17898B}" type="slidenum">
+              <a:rPr lang="en-US" smtClean="0"/>
+              <a:t>3</a:t>
+            </a:fld>
+            <a:endParaRPr lang="en-US"/>
+          </a:p>
+        </p:txBody>
+      </p:sp>
     </p:spTree>
     <p:extLst>
       <p:ext uri="{BB962C8B-B14F-4D97-AF65-F5344CB8AC3E}">
@@ -10229,6 +10961,35 @@
           </a:p>
         </p:txBody>
       </p:sp>
+      <p:sp>
+        <p:nvSpPr>
+          <p:cNvPr id="4" name="Slide Number Placeholder 3">
+            <a:extLst>
+              <a:ext uri="{FF2B5EF4-FFF2-40B4-BE49-F238E27FC236}">
+                <a16:creationId xmlns:a16="http://schemas.microsoft.com/office/drawing/2014/main" id="{A5B1D1C8-2EE2-78EC-6327-868EC283C1D5}"/>
+              </a:ext>
+            </a:extLst>
+          </p:cNvPr>
+          <p:cNvSpPr>
+            <a:spLocks noGrp="1"/>
+          </p:cNvSpPr>
+          <p:nvPr>
+            <p:ph type="sldNum" sz="quarter" idx="12"/>
+          </p:nvPr>
+        </p:nvSpPr>
+        <p:spPr/>
+        <p:txBody>
+          <a:bodyPr/>
+          <a:lstStyle/>
+          <a:p>
+            <a:fld id="{3EC9E123-0CB8-4CD3-A52F-DDEB9B17898B}" type="slidenum">
+              <a:rPr lang="en-US" smtClean="0"/>
+              <a:t>30</a:t>
+            </a:fld>
+            <a:endParaRPr lang="en-US"/>
+          </a:p>
+        </p:txBody>
+      </p:sp>
     </p:spTree>
     <p:extLst>
       <p:ext uri="{BB962C8B-B14F-4D97-AF65-F5344CB8AC3E}">
@@ -10374,6 +11135,35 @@
           </a:p>
         </p:txBody>
       </p:sp>
+      <p:sp>
+        <p:nvSpPr>
+          <p:cNvPr id="3" name="Slide Number Placeholder 2">
+            <a:extLst>
+              <a:ext uri="{FF2B5EF4-FFF2-40B4-BE49-F238E27FC236}">
+                <a16:creationId xmlns:a16="http://schemas.microsoft.com/office/drawing/2014/main" id="{FAB7E276-5326-948C-4798-80F8BC6E2CE0}"/>
+              </a:ext>
+            </a:extLst>
+          </p:cNvPr>
+          <p:cNvSpPr>
+            <a:spLocks noGrp="1"/>
+          </p:cNvSpPr>
+          <p:nvPr>
+            <p:ph type="sldNum" sz="quarter" idx="12"/>
+          </p:nvPr>
+        </p:nvSpPr>
+        <p:spPr/>
+        <p:txBody>
+          <a:bodyPr/>
+          <a:lstStyle/>
+          <a:p>
+            <a:fld id="{3EC9E123-0CB8-4CD3-A52F-DDEB9B17898B}" type="slidenum">
+              <a:rPr lang="en-US" smtClean="0"/>
+              <a:t>31</a:t>
+            </a:fld>
+            <a:endParaRPr lang="en-US"/>
+          </a:p>
+        </p:txBody>
+      </p:sp>
     </p:spTree>
     <p:extLst>
       <p:ext uri="{BB962C8B-B14F-4D97-AF65-F5344CB8AC3E}">
@@ -10522,6 +11312,35 @@
           </a:p>
         </p:txBody>
       </p:sp>
+      <p:sp>
+        <p:nvSpPr>
+          <p:cNvPr id="3" name="Slide Number Placeholder 2">
+            <a:extLst>
+              <a:ext uri="{FF2B5EF4-FFF2-40B4-BE49-F238E27FC236}">
+                <a16:creationId xmlns:a16="http://schemas.microsoft.com/office/drawing/2014/main" id="{54AE0087-3E57-4A6C-BDBD-2F6235FB0C05}"/>
+              </a:ext>
+            </a:extLst>
+          </p:cNvPr>
+          <p:cNvSpPr>
+            <a:spLocks noGrp="1"/>
+          </p:cNvSpPr>
+          <p:nvPr>
+            <p:ph type="sldNum" sz="quarter" idx="12"/>
+          </p:nvPr>
+        </p:nvSpPr>
+        <p:spPr/>
+        <p:txBody>
+          <a:bodyPr/>
+          <a:lstStyle/>
+          <a:p>
+            <a:fld id="{3EC9E123-0CB8-4CD3-A52F-DDEB9B17898B}" type="slidenum">
+              <a:rPr lang="en-US" smtClean="0"/>
+              <a:t>32</a:t>
+            </a:fld>
+            <a:endParaRPr lang="en-US"/>
+          </a:p>
+        </p:txBody>
+      </p:sp>
     </p:spTree>
     <p:extLst>
       <p:ext uri="{BB962C8B-B14F-4D97-AF65-F5344CB8AC3E}">
@@ -10713,6 +11532,35 @@
           </a:p>
         </p:txBody>
       </p:sp>
+      <p:sp>
+        <p:nvSpPr>
+          <p:cNvPr id="5" name="Slide Number Placeholder 4">
+            <a:extLst>
+              <a:ext uri="{FF2B5EF4-FFF2-40B4-BE49-F238E27FC236}">
+                <a16:creationId xmlns:a16="http://schemas.microsoft.com/office/drawing/2014/main" id="{8809DF45-29F2-A47C-8EA4-79631F6C55AB}"/>
+              </a:ext>
+            </a:extLst>
+          </p:cNvPr>
+          <p:cNvSpPr>
+            <a:spLocks noGrp="1"/>
+          </p:cNvSpPr>
+          <p:nvPr>
+            <p:ph type="sldNum" sz="quarter" idx="12"/>
+          </p:nvPr>
+        </p:nvSpPr>
+        <p:spPr/>
+        <p:txBody>
+          <a:bodyPr/>
+          <a:lstStyle/>
+          <a:p>
+            <a:fld id="{3EC9E123-0CB8-4CD3-A52F-DDEB9B17898B}" type="slidenum">
+              <a:rPr lang="en-US" smtClean="0"/>
+              <a:t>33</a:t>
+            </a:fld>
+            <a:endParaRPr lang="en-US"/>
+          </a:p>
+        </p:txBody>
+      </p:sp>
     </p:spTree>
     <p:extLst>
       <p:ext uri="{BB962C8B-B14F-4D97-AF65-F5344CB8AC3E}">
@@ -10930,6 +11778,35 @@
           </a:p>
         </p:txBody>
       </p:sp>
+      <p:sp>
+        <p:nvSpPr>
+          <p:cNvPr id="4" name="Slide Number Placeholder 3">
+            <a:extLst>
+              <a:ext uri="{FF2B5EF4-FFF2-40B4-BE49-F238E27FC236}">
+                <a16:creationId xmlns:a16="http://schemas.microsoft.com/office/drawing/2014/main" id="{5DEAFD4B-5B95-5CDF-E0C8-A8B2D61FD801}"/>
+              </a:ext>
+            </a:extLst>
+          </p:cNvPr>
+          <p:cNvSpPr>
+            <a:spLocks noGrp="1"/>
+          </p:cNvSpPr>
+          <p:nvPr>
+            <p:ph type="sldNum" sz="quarter" idx="12"/>
+          </p:nvPr>
+        </p:nvSpPr>
+        <p:spPr/>
+        <p:txBody>
+          <a:bodyPr/>
+          <a:lstStyle/>
+          <a:p>
+            <a:fld id="{3EC9E123-0CB8-4CD3-A52F-DDEB9B17898B}" type="slidenum">
+              <a:rPr lang="en-US" smtClean="0"/>
+              <a:t>34</a:t>
+            </a:fld>
+            <a:endParaRPr lang="en-US"/>
+          </a:p>
+        </p:txBody>
+      </p:sp>
     </p:spTree>
     <p:extLst>
       <p:ext uri="{BB962C8B-B14F-4D97-AF65-F5344CB8AC3E}">
@@ -11112,6 +11989,35 @@
           </a:p>
         </p:txBody>
       </p:sp>
+      <p:sp>
+        <p:nvSpPr>
+          <p:cNvPr id="3" name="Slide Number Placeholder 2">
+            <a:extLst>
+              <a:ext uri="{FF2B5EF4-FFF2-40B4-BE49-F238E27FC236}">
+                <a16:creationId xmlns:a16="http://schemas.microsoft.com/office/drawing/2014/main" id="{72B93D8A-F7AE-5620-B049-8B71C34FF233}"/>
+              </a:ext>
+            </a:extLst>
+          </p:cNvPr>
+          <p:cNvSpPr>
+            <a:spLocks noGrp="1"/>
+          </p:cNvSpPr>
+          <p:nvPr>
+            <p:ph type="sldNum" sz="quarter" idx="12"/>
+          </p:nvPr>
+        </p:nvSpPr>
+        <p:spPr/>
+        <p:txBody>
+          <a:bodyPr/>
+          <a:lstStyle/>
+          <a:p>
+            <a:fld id="{3EC9E123-0CB8-4CD3-A52F-DDEB9B17898B}" type="slidenum">
+              <a:rPr lang="en-US" smtClean="0"/>
+              <a:t>35</a:t>
+            </a:fld>
+            <a:endParaRPr lang="en-US"/>
+          </a:p>
+        </p:txBody>
+      </p:sp>
     </p:spTree>
     <p:extLst>
       <p:ext uri="{BB962C8B-B14F-4D97-AF65-F5344CB8AC3E}">
@@ -11311,6 +12217,35 @@
           </a:p>
         </p:txBody>
       </p:sp>
+      <p:sp>
+        <p:nvSpPr>
+          <p:cNvPr id="5" name="Slide Number Placeholder 4">
+            <a:extLst>
+              <a:ext uri="{FF2B5EF4-FFF2-40B4-BE49-F238E27FC236}">
+                <a16:creationId xmlns:a16="http://schemas.microsoft.com/office/drawing/2014/main" id="{8E26DE46-B755-F06A-8DF7-A3AFF0BB9624}"/>
+              </a:ext>
+            </a:extLst>
+          </p:cNvPr>
+          <p:cNvSpPr>
+            <a:spLocks noGrp="1"/>
+          </p:cNvSpPr>
+          <p:nvPr>
+            <p:ph type="sldNum" sz="quarter" idx="12"/>
+          </p:nvPr>
+        </p:nvSpPr>
+        <p:spPr/>
+        <p:txBody>
+          <a:bodyPr/>
+          <a:lstStyle/>
+          <a:p>
+            <a:fld id="{3EC9E123-0CB8-4CD3-A52F-DDEB9B17898B}" type="slidenum">
+              <a:rPr lang="en-US" smtClean="0"/>
+              <a:t>36</a:t>
+            </a:fld>
+            <a:endParaRPr lang="en-US"/>
+          </a:p>
+        </p:txBody>
+      </p:sp>
     </p:spTree>
     <p:extLst>
       <p:ext uri="{BB962C8B-B14F-4D97-AF65-F5344CB8AC3E}">
@@ -11392,7 +12327,7 @@
         <p:spPr/>
         <p:txBody>
           <a:bodyPr>
-            <a:normAutofit fontScale="92500" lnSpcReduction="10000"/>
+            <a:normAutofit fontScale="92500" lnSpcReduction="20000"/>
           </a:bodyPr>
           <a:lstStyle/>
           <a:p>
@@ -11410,12 +12345,28 @@
             </a:r>
           </a:p>
           <a:p>
-            <a:r>
-              <a:rPr lang="en-US" dirty="0"/>
-              <a:t>Print question,4 options and ask user to enter a number for option</a:t>
-            </a:r>
-          </a:p>
-          <a:p>
+            <a:pPr lvl="1"/>
+            <a:r>
+              <a:rPr lang="en-US" dirty="0"/>
+              <a:t>Print a question ,</a:t>
+            </a:r>
+          </a:p>
+          <a:p>
+            <a:pPr lvl="1"/>
+            <a:r>
+              <a:rPr lang="en-US" dirty="0"/>
+              <a:t>provide 4 numbered options ,</a:t>
+            </a:r>
+          </a:p>
+          <a:p>
+            <a:pPr lvl="1"/>
+            <a:r>
+              <a:rPr lang="en-US" dirty="0"/>
+              <a:t>User enters the option number and verifies result.</a:t>
+            </a:r>
+          </a:p>
+          <a:p>
+            <a:pPr lvl="1"/>
             <a:r>
               <a:rPr lang="en-US" dirty="0"/>
               <a:t>Keep score of how many correct responses user input</a:t>
@@ -11430,7 +12381,14 @@
           <a:p>
             <a:r>
               <a:rPr lang="en-US" dirty="0"/>
-              <a:t>E.g. </a:t>
+              <a:t>An example</a:t>
+            </a:r>
+            <a:br>
+              <a:rPr lang="en-US" dirty="0"/>
+            </a:br>
+            <a:r>
+              <a:rPr lang="en-US" dirty="0"/>
+              <a:t>Q1. What is the capital of USA ?</a:t>
             </a:r>
           </a:p>
           <a:p>
@@ -11438,8 +12396,8 @@
               <a:buNone/>
             </a:pPr>
             <a:r>
-              <a:rPr lang="en-US" b="1" dirty="0"/>
-              <a:t>What is the capital of USA ?</a:t>
+              <a:rPr lang="en-US" dirty="0"/>
+              <a:t>1. Seattle</a:t>
             </a:r>
           </a:p>
           <a:p>
@@ -11448,7 +12406,7 @@
             </a:pPr>
             <a:r>
               <a:rPr lang="en-US" dirty="0"/>
-              <a:t>1. Seattle</a:t>
+              <a:t>2. Los Angeles</a:t>
             </a:r>
           </a:p>
           <a:p>
@@ -11457,7 +12415,7 @@
             </a:pPr>
             <a:r>
               <a:rPr lang="en-US" dirty="0"/>
-              <a:t>2. Los Angeles</a:t>
+              <a:t>3. Washington DC</a:t>
             </a:r>
           </a:p>
           <a:p>
@@ -11466,7 +12424,7 @@
             </a:pPr>
             <a:r>
               <a:rPr lang="en-US" dirty="0"/>
-              <a:t>3. Washington DC</a:t>
+              <a:t>4. Chicago</a:t>
             </a:r>
           </a:p>
           <a:p>
@@ -11475,23 +12433,8 @@
             </a:pPr>
             <a:r>
               <a:rPr lang="en-US" dirty="0"/>
-              <a:t>4. Chicago</a:t>
-            </a:r>
-          </a:p>
-          <a:p>
-            <a:pPr marL="457200" lvl="1" indent="0">
-              <a:buNone/>
-            </a:pPr>
-            <a:r>
-              <a:rPr lang="en-US" dirty="0"/>
-              <a:t>Enter your response : 	</a:t>
-            </a:r>
-          </a:p>
-          <a:p>
-            <a:pPr marL="457200" lvl="1" indent="0">
-              <a:buNone/>
-            </a:pPr>
-            <a:endParaRPr lang="en-US" dirty="0"/>
+              <a:t>Enter your response : _</a:t>
+            </a:r>
           </a:p>
         </p:txBody>
       </p:sp>
@@ -11520,6 +12463,35 @@
               <a:rPr lang="en-US"/>
               <a:t>Week 4</a:t>
             </a:r>
+          </a:p>
+        </p:txBody>
+      </p:sp>
+      <p:sp>
+        <p:nvSpPr>
+          <p:cNvPr id="5" name="Slide Number Placeholder 4">
+            <a:extLst>
+              <a:ext uri="{FF2B5EF4-FFF2-40B4-BE49-F238E27FC236}">
+                <a16:creationId xmlns:a16="http://schemas.microsoft.com/office/drawing/2014/main" id="{32FFEB64-9CC8-B086-083B-C289C7338711}"/>
+              </a:ext>
+            </a:extLst>
+          </p:cNvPr>
+          <p:cNvSpPr>
+            <a:spLocks noGrp="1"/>
+          </p:cNvSpPr>
+          <p:nvPr>
+            <p:ph type="sldNum" sz="quarter" idx="12"/>
+          </p:nvPr>
+        </p:nvSpPr>
+        <p:spPr/>
+        <p:txBody>
+          <a:bodyPr/>
+          <a:lstStyle/>
+          <a:p>
+            <a:fld id="{3EC9E123-0CB8-4CD3-A52F-DDEB9B17898B}" type="slidenum">
+              <a:rPr lang="en-US" smtClean="0"/>
+              <a:t>37</a:t>
+            </a:fld>
+            <a:endParaRPr lang="en-US"/>
           </a:p>
         </p:txBody>
       </p:sp>
@@ -11630,7 +12602,7 @@
             <a:pPr lvl="1"/>
             <a:r>
               <a:rPr lang="en-US" dirty="0"/>
-              <a:t>This is very hard , may take days/weeks</a:t>
+              <a:t>This is very hard , may take hours/days/weeks</a:t>
             </a:r>
           </a:p>
           <a:p>
@@ -11643,7 +12615,7 @@
             <a:pPr lvl="1"/>
             <a:r>
               <a:rPr lang="en-US" dirty="0"/>
-              <a:t>Need to know </a:t>
+              <a:t>You would need to know </a:t>
             </a:r>
           </a:p>
           <a:p>
@@ -11711,6 +12683,35 @@
               <a:rPr lang="en-US"/>
               <a:t>Week 4</a:t>
             </a:r>
+          </a:p>
+        </p:txBody>
+      </p:sp>
+      <p:sp>
+        <p:nvSpPr>
+          <p:cNvPr id="5" name="Slide Number Placeholder 4">
+            <a:extLst>
+              <a:ext uri="{FF2B5EF4-FFF2-40B4-BE49-F238E27FC236}">
+                <a16:creationId xmlns:a16="http://schemas.microsoft.com/office/drawing/2014/main" id="{0853D289-A9F0-CEDB-0417-778EEBDD7BBE}"/>
+              </a:ext>
+            </a:extLst>
+          </p:cNvPr>
+          <p:cNvSpPr>
+            <a:spLocks noGrp="1"/>
+          </p:cNvSpPr>
+          <p:nvPr>
+            <p:ph type="sldNum" sz="quarter" idx="12"/>
+          </p:nvPr>
+        </p:nvSpPr>
+        <p:spPr/>
+        <p:txBody>
+          <a:bodyPr/>
+          <a:lstStyle/>
+          <a:p>
+            <a:fld id="{3EC9E123-0CB8-4CD3-A52F-DDEB9B17898B}" type="slidenum">
+              <a:rPr lang="en-US" smtClean="0"/>
+              <a:t>38</a:t>
+            </a:fld>
+            <a:endParaRPr lang="en-US"/>
           </a:p>
         </p:txBody>
       </p:sp>
@@ -11749,7 +12750,7 @@
           <p:cNvPr id="2" name="Title 1">
             <a:extLst>
               <a:ext uri="{FF2B5EF4-FFF2-40B4-BE49-F238E27FC236}">
-                <a16:creationId xmlns:a16="http://schemas.microsoft.com/office/drawing/2014/main" id="{7F3F2022-DBA0-F8BB-70DA-B01A01136D53}"/>
+                <a16:creationId xmlns:a16="http://schemas.microsoft.com/office/drawing/2014/main" id="{5581C213-294D-B388-DF27-4686BDB6E2BC}"/>
               </a:ext>
             </a:extLst>
           </p:cNvPr>
@@ -11767,7 +12768,7 @@
           <a:p>
             <a:r>
               <a:rPr lang="en-US" dirty="0"/>
-              <a:t>string data type</a:t>
+              <a:t>Code, as seen by computer : HelloWorld</a:t>
             </a:r>
           </a:p>
         </p:txBody>
@@ -11777,7 +12778,7 @@
           <p:cNvPr id="3" name="Content Placeholder 2">
             <a:extLst>
               <a:ext uri="{FF2B5EF4-FFF2-40B4-BE49-F238E27FC236}">
-                <a16:creationId xmlns:a16="http://schemas.microsoft.com/office/drawing/2014/main" id="{12C7C63C-7B86-C453-D132-93C8AB055AC5}"/>
+                <a16:creationId xmlns:a16="http://schemas.microsoft.com/office/drawing/2014/main" id="{52B951DA-B969-AAA8-9888-B01A3A9C2B0F}"/>
               </a:ext>
             </a:extLst>
           </p:cNvPr>
@@ -11788,92 +12789,29 @@
             <p:ph idx="1"/>
           </p:nvPr>
         </p:nvSpPr>
-        <p:spPr/>
-        <p:txBody>
-          <a:bodyPr>
-            <a:normAutofit fontScale="92500" lnSpcReduction="10000"/>
-          </a:bodyPr>
-          <a:lstStyle/>
-          <a:p>
-            <a:r>
-              <a:rPr lang="en-US" dirty="0"/>
-              <a:t>We already know few built in types</a:t>
-            </a:r>
-          </a:p>
-          <a:p>
-            <a:pPr lvl="1"/>
-            <a:r>
-              <a:rPr lang="en-US" dirty="0"/>
-              <a:t>int , float , char, bool</a:t>
-            </a:r>
-          </a:p>
-          <a:p>
-            <a:r>
-              <a:rPr lang="en-US" dirty="0"/>
-              <a:t>string </a:t>
-            </a:r>
-          </a:p>
-          <a:p>
-            <a:pPr lvl="1"/>
-            <a:r>
-              <a:rPr lang="en-US" dirty="0"/>
-              <a:t>Is a derived data type, </a:t>
-            </a:r>
-          </a:p>
-          <a:p>
-            <a:pPr lvl="1"/>
-            <a:r>
-              <a:rPr lang="en-US" dirty="0"/>
-              <a:t>Useful for names, description etc. </a:t>
-            </a:r>
-          </a:p>
-          <a:p>
-            <a:r>
-              <a:rPr lang="en-US" dirty="0"/>
-              <a:t>Header </a:t>
-            </a:r>
-          </a:p>
-          <a:p>
-            <a:pPr lvl="1"/>
-            <a:r>
-              <a:rPr lang="en-US" dirty="0"/>
-              <a:t>#include&lt;string&gt;</a:t>
-            </a:r>
-          </a:p>
-          <a:p>
-            <a:r>
-              <a:rPr lang="en-US" dirty="0"/>
-              <a:t>Usage </a:t>
-            </a:r>
-          </a:p>
-          <a:p>
-            <a:pPr lvl="1"/>
-            <a:r>
-              <a:rPr lang="en-US" dirty="0"/>
-              <a:t>string name;</a:t>
-            </a:r>
-          </a:p>
-          <a:p>
-            <a:pPr lvl="1"/>
+        <p:spPr>
+          <a:xfrm>
+            <a:off x="838200" y="1829839"/>
+            <a:ext cx="10515600" cy="4351338"/>
+          </a:xfrm>
+        </p:spPr>
+        <p:txBody>
+          <a:bodyPr/>
+          <a:lstStyle/>
+          <a:p>
             <a:r>
               <a:rPr lang="en-US" dirty="0" err="1"/>
-              <a:t>cin</a:t>
-            </a:r>
-            <a:r>
-              <a:rPr lang="en-US" dirty="0"/>
-              <a:t> &gt;&gt; name;</a:t>
-            </a:r>
-          </a:p>
-          <a:p>
-            <a:pPr lvl="1"/>
-            <a:r>
-              <a:rPr lang="en-US" dirty="0" err="1"/>
-              <a:t>cout</a:t>
-            </a:r>
-            <a:r>
-              <a:rPr lang="en-US" dirty="0"/>
-              <a:t> &lt;&lt;name;</a:t>
-            </a:r>
+              <a:t>Cpp</a:t>
+            </a:r>
+            <a:r>
+              <a:rPr lang="en-US" dirty="0"/>
+              <a:t> vs assembly</a:t>
+            </a:r>
+          </a:p>
+          <a:p>
+            <a:pPr marL="0" indent="0">
+              <a:buNone/>
+            </a:pPr>
             <a:br>
               <a:rPr lang="en-US" dirty="0"/>
             </a:br>
@@ -11881,38 +12819,70 @@
           </a:p>
         </p:txBody>
       </p:sp>
-      <p:sp>
-        <p:nvSpPr>
-          <p:cNvPr id="4" name="Footer Placeholder 3">
-            <a:extLst>
-              <a:ext uri="{FF2B5EF4-FFF2-40B4-BE49-F238E27FC236}">
-                <a16:creationId xmlns:a16="http://schemas.microsoft.com/office/drawing/2014/main" id="{975DF1C2-BCB7-988E-2E18-DF5C6412B181}"/>
-              </a:ext>
-            </a:extLst>
-          </p:cNvPr>
-          <p:cNvSpPr>
-            <a:spLocks noGrp="1"/>
-          </p:cNvSpPr>
-          <p:nvPr>
-            <p:ph type="ftr" sz="quarter" idx="11"/>
-          </p:nvPr>
-        </p:nvSpPr>
-        <p:spPr/>
-        <p:txBody>
-          <a:bodyPr/>
-          <a:lstStyle/>
-          <a:p>
-            <a:r>
-              <a:rPr lang="en-US"/>
-              <a:t>Week 4</a:t>
-            </a:r>
-          </a:p>
-        </p:txBody>
-      </p:sp>
+      <p:pic>
+        <p:nvPicPr>
+          <p:cNvPr id="5" name="Picture 4">
+            <a:extLst>
+              <a:ext uri="{FF2B5EF4-FFF2-40B4-BE49-F238E27FC236}">
+                <a16:creationId xmlns:a16="http://schemas.microsoft.com/office/drawing/2014/main" id="{08B736C9-F0FA-12CD-FDC6-9D228E62EC1E}"/>
+              </a:ext>
+            </a:extLst>
+          </p:cNvPr>
+          <p:cNvPicPr>
+            <a:picLocks noChangeAspect="1"/>
+          </p:cNvPicPr>
+          <p:nvPr/>
+        </p:nvPicPr>
+        <p:blipFill>
+          <a:blip r:embed="rId2"/>
+          <a:stretch>
+            <a:fillRect/>
+          </a:stretch>
+        </p:blipFill>
+        <p:spPr>
+          <a:xfrm>
+            <a:off x="5769229" y="2736997"/>
+            <a:ext cx="5016758" cy="2209914"/>
+          </a:xfrm>
+          <a:prstGeom prst="rect">
+            <a:avLst/>
+          </a:prstGeom>
+        </p:spPr>
+      </p:pic>
+      <p:pic>
+        <p:nvPicPr>
+          <p:cNvPr id="7" name="Picture 6">
+            <a:extLst>
+              <a:ext uri="{FF2B5EF4-FFF2-40B4-BE49-F238E27FC236}">
+                <a16:creationId xmlns:a16="http://schemas.microsoft.com/office/drawing/2014/main" id="{B68DCA2A-9673-30DF-5594-6CED18461EE6}"/>
+              </a:ext>
+            </a:extLst>
+          </p:cNvPr>
+          <p:cNvPicPr>
+            <a:picLocks noChangeAspect="1"/>
+          </p:cNvPicPr>
+          <p:nvPr/>
+        </p:nvPicPr>
+        <p:blipFill>
+          <a:blip r:embed="rId3"/>
+          <a:stretch>
+            <a:fillRect/>
+          </a:stretch>
+        </p:blipFill>
+        <p:spPr>
+          <a:xfrm>
+            <a:off x="1057322" y="2736997"/>
+            <a:ext cx="3723695" cy="1151119"/>
+          </a:xfrm>
+          <a:prstGeom prst="rect">
+            <a:avLst/>
+          </a:prstGeom>
+        </p:spPr>
+      </p:pic>
     </p:spTree>
     <p:extLst>
       <p:ext uri="{BB962C8B-B14F-4D97-AF65-F5344CB8AC3E}">
-        <p14:creationId xmlns:p14="http://schemas.microsoft.com/office/powerpoint/2010/main" val="4193919016"/>
+        <p14:creationId xmlns:p14="http://schemas.microsoft.com/office/powerpoint/2010/main" val="1144883398"/>
       </p:ext>
     </p:extLst>
   </p:cSld>
@@ -12060,10 +13030,1465 @@
           </a:p>
         </p:txBody>
       </p:sp>
+      <p:sp>
+        <p:nvSpPr>
+          <p:cNvPr id="4" name="Slide Number Placeholder 3">
+            <a:extLst>
+              <a:ext uri="{FF2B5EF4-FFF2-40B4-BE49-F238E27FC236}">
+                <a16:creationId xmlns:a16="http://schemas.microsoft.com/office/drawing/2014/main" id="{4171DC80-3317-1C0C-ED40-45192ECCB7DA}"/>
+              </a:ext>
+            </a:extLst>
+          </p:cNvPr>
+          <p:cNvSpPr>
+            <a:spLocks noGrp="1"/>
+          </p:cNvSpPr>
+          <p:nvPr>
+            <p:ph type="sldNum" sz="quarter" idx="12"/>
+          </p:nvPr>
+        </p:nvSpPr>
+        <p:spPr/>
+        <p:txBody>
+          <a:bodyPr/>
+          <a:lstStyle/>
+          <a:p>
+            <a:fld id="{3EC9E123-0CB8-4CD3-A52F-DDEB9B17898B}" type="slidenum">
+              <a:rPr lang="en-US" smtClean="0"/>
+              <a:t>4</a:t>
+            </a:fld>
+            <a:endParaRPr lang="en-US"/>
+          </a:p>
+        </p:txBody>
+      </p:sp>
     </p:spTree>
     <p:extLst>
       <p:ext uri="{BB962C8B-B14F-4D97-AF65-F5344CB8AC3E}">
         <p14:creationId xmlns:p14="http://schemas.microsoft.com/office/powerpoint/2010/main" val="3416413326"/>
+      </p:ext>
+    </p:extLst>
+  </p:cSld>
+  <p:clrMapOvr>
+    <a:masterClrMapping/>
+  </p:clrMapOvr>
+</p:sld>
+</file>
+
+<file path=ppt/slides/slide40.xml><?xml version="1.0" encoding="utf-8"?>
+<p:sld xmlns:a="http://schemas.openxmlformats.org/drawingml/2006/main" xmlns:r="http://schemas.openxmlformats.org/officeDocument/2006/relationships" xmlns:p="http://schemas.openxmlformats.org/presentationml/2006/main">
+  <p:cSld>
+    <p:spTree>
+      <p:nvGrpSpPr>
+        <p:cNvPr id="1" name=""/>
+        <p:cNvGrpSpPr/>
+        <p:nvPr/>
+      </p:nvGrpSpPr>
+      <p:grpSpPr>
+        <a:xfrm>
+          <a:off x="0" y="0"/>
+          <a:ext cx="0" cy="0"/>
+          <a:chOff x="0" y="0"/>
+          <a:chExt cx="0" cy="0"/>
+        </a:xfrm>
+      </p:grpSpPr>
+      <p:sp>
+        <p:nvSpPr>
+          <p:cNvPr id="2" name="Title 1">
+            <a:extLst>
+              <a:ext uri="{FF2B5EF4-FFF2-40B4-BE49-F238E27FC236}">
+                <a16:creationId xmlns:a16="http://schemas.microsoft.com/office/drawing/2014/main" id="{5ACC1430-3EDB-9C54-8828-E84C7E5F1ACA}"/>
+              </a:ext>
+            </a:extLst>
+          </p:cNvPr>
+          <p:cNvSpPr>
+            <a:spLocks noGrp="1"/>
+          </p:cNvSpPr>
+          <p:nvPr>
+            <p:ph type="title"/>
+          </p:nvPr>
+        </p:nvSpPr>
+        <p:spPr/>
+        <p:txBody>
+          <a:bodyPr/>
+          <a:lstStyle/>
+          <a:p>
+            <a:r>
+              <a:rPr lang="en-US" dirty="0"/>
+              <a:t>Code , as seen by computer : Find larger num.</a:t>
+            </a:r>
+          </a:p>
+        </p:txBody>
+      </p:sp>
+      <p:sp>
+        <p:nvSpPr>
+          <p:cNvPr id="3" name="Content Placeholder 2">
+            <a:extLst>
+              <a:ext uri="{FF2B5EF4-FFF2-40B4-BE49-F238E27FC236}">
+                <a16:creationId xmlns:a16="http://schemas.microsoft.com/office/drawing/2014/main" id="{6BEEC10D-73A9-4D35-4E77-7AE793810AB2}"/>
+              </a:ext>
+            </a:extLst>
+          </p:cNvPr>
+          <p:cNvSpPr>
+            <a:spLocks noGrp="1"/>
+          </p:cNvSpPr>
+          <p:nvPr>
+            <p:ph idx="1"/>
+          </p:nvPr>
+        </p:nvSpPr>
+        <p:spPr/>
+        <p:txBody>
+          <a:bodyPr/>
+          <a:lstStyle/>
+          <a:p>
+            <a:r>
+              <a:rPr lang="en-US" dirty="0" err="1"/>
+              <a:t>Cpp</a:t>
+            </a:r>
+            <a:r>
+              <a:rPr lang="en-US" dirty="0"/>
+              <a:t> vs Assembly</a:t>
+            </a:r>
+          </a:p>
+          <a:p>
+            <a:pPr marL="0" indent="0">
+              <a:buNone/>
+            </a:pPr>
+            <a:endParaRPr lang="en-US" dirty="0"/>
+          </a:p>
+        </p:txBody>
+      </p:sp>
+      <p:pic>
+        <p:nvPicPr>
+          <p:cNvPr id="5" name="Picture 4">
+            <a:extLst>
+              <a:ext uri="{FF2B5EF4-FFF2-40B4-BE49-F238E27FC236}">
+                <a16:creationId xmlns:a16="http://schemas.microsoft.com/office/drawing/2014/main" id="{ED7E3FA0-B80A-1F3F-15F3-5F25AC7CE2E1}"/>
+              </a:ext>
+            </a:extLst>
+          </p:cNvPr>
+          <p:cNvPicPr>
+            <a:picLocks noChangeAspect="1"/>
+          </p:cNvPicPr>
+          <p:nvPr/>
+        </p:nvPicPr>
+        <p:blipFill>
+          <a:blip r:embed="rId2"/>
+          <a:stretch>
+            <a:fillRect/>
+          </a:stretch>
+        </p:blipFill>
+        <p:spPr>
+          <a:xfrm>
+            <a:off x="1076018" y="2769046"/>
+            <a:ext cx="2825895" cy="2019404"/>
+          </a:xfrm>
+          <a:prstGeom prst="rect">
+            <a:avLst/>
+          </a:prstGeom>
+        </p:spPr>
+      </p:pic>
+      <p:pic>
+        <p:nvPicPr>
+          <p:cNvPr id="7" name="Picture 6">
+            <a:extLst>
+              <a:ext uri="{FF2B5EF4-FFF2-40B4-BE49-F238E27FC236}">
+                <a16:creationId xmlns:a16="http://schemas.microsoft.com/office/drawing/2014/main" id="{98E5932C-54A7-9045-4CB4-8596ACCC6FEB}"/>
+              </a:ext>
+            </a:extLst>
+          </p:cNvPr>
+          <p:cNvPicPr>
+            <a:picLocks noChangeAspect="1"/>
+          </p:cNvPicPr>
+          <p:nvPr/>
+        </p:nvPicPr>
+        <p:blipFill>
+          <a:blip r:embed="rId3"/>
+          <a:stretch>
+            <a:fillRect/>
+          </a:stretch>
+        </p:blipFill>
+        <p:spPr>
+          <a:xfrm>
+            <a:off x="5322501" y="2769046"/>
+            <a:ext cx="5086611" cy="2616334"/>
+          </a:xfrm>
+          <a:prstGeom prst="rect">
+            <a:avLst/>
+          </a:prstGeom>
+        </p:spPr>
+      </p:pic>
+    </p:spTree>
+    <p:extLst>
+      <p:ext uri="{BB962C8B-B14F-4D97-AF65-F5344CB8AC3E}">
+        <p14:creationId xmlns:p14="http://schemas.microsoft.com/office/powerpoint/2010/main" val="2863976357"/>
+      </p:ext>
+    </p:extLst>
+  </p:cSld>
+  <p:clrMapOvr>
+    <a:masterClrMapping/>
+  </p:clrMapOvr>
+</p:sld>
+</file>
+
+<file path=ppt/slides/slide41.xml><?xml version="1.0" encoding="utf-8"?>
+<p:sld xmlns:a="http://schemas.openxmlformats.org/drawingml/2006/main" xmlns:r="http://schemas.openxmlformats.org/officeDocument/2006/relationships" xmlns:p="http://schemas.openxmlformats.org/presentationml/2006/main">
+  <p:cSld>
+    <p:spTree>
+      <p:nvGrpSpPr>
+        <p:cNvPr id="1" name=""/>
+        <p:cNvGrpSpPr/>
+        <p:nvPr/>
+      </p:nvGrpSpPr>
+      <p:grpSpPr>
+        <a:xfrm>
+          <a:off x="0" y="0"/>
+          <a:ext cx="0" cy="0"/>
+          <a:chOff x="0" y="0"/>
+          <a:chExt cx="0" cy="0"/>
+        </a:xfrm>
+      </p:grpSpPr>
+      <p:sp>
+        <p:nvSpPr>
+          <p:cNvPr id="2" name="Title 1">
+            <a:extLst>
+              <a:ext uri="{FF2B5EF4-FFF2-40B4-BE49-F238E27FC236}">
+                <a16:creationId xmlns:a16="http://schemas.microsoft.com/office/drawing/2014/main" id="{01725CFD-971B-FF73-3235-45B8D5556082}"/>
+              </a:ext>
+            </a:extLst>
+          </p:cNvPr>
+          <p:cNvSpPr>
+            <a:spLocks noGrp="1"/>
+          </p:cNvSpPr>
+          <p:nvPr>
+            <p:ph type="title"/>
+          </p:nvPr>
+        </p:nvSpPr>
+        <p:spPr/>
+        <p:txBody>
+          <a:bodyPr/>
+          <a:lstStyle/>
+          <a:p>
+            <a:r>
+              <a:rPr lang="en-US" dirty="0"/>
+              <a:t>Branching visualized</a:t>
+            </a:r>
+          </a:p>
+        </p:txBody>
+      </p:sp>
+      <p:sp>
+        <p:nvSpPr>
+          <p:cNvPr id="3" name="Content Placeholder 2">
+            <a:extLst>
+              <a:ext uri="{FF2B5EF4-FFF2-40B4-BE49-F238E27FC236}">
+                <a16:creationId xmlns:a16="http://schemas.microsoft.com/office/drawing/2014/main" id="{EAAEB182-8CA0-F886-3E79-69C68697ED2E}"/>
+              </a:ext>
+            </a:extLst>
+          </p:cNvPr>
+          <p:cNvSpPr>
+            <a:spLocks noGrp="1"/>
+          </p:cNvSpPr>
+          <p:nvPr>
+            <p:ph idx="1"/>
+          </p:nvPr>
+        </p:nvSpPr>
+        <p:spPr/>
+        <p:txBody>
+          <a:bodyPr/>
+          <a:lstStyle/>
+          <a:p>
+            <a:r>
+              <a:rPr lang="en-US" dirty="0"/>
+              <a:t>Code looks sequential </a:t>
+            </a:r>
+          </a:p>
+          <a:p>
+            <a:r>
+              <a:rPr lang="en-US" dirty="0"/>
+              <a:t>But really has branches</a:t>
+            </a:r>
+          </a:p>
+          <a:p>
+            <a:endParaRPr lang="en-US" dirty="0"/>
+          </a:p>
+        </p:txBody>
+      </p:sp>
+      <p:pic>
+        <p:nvPicPr>
+          <p:cNvPr id="5" name="Picture 4">
+            <a:extLst>
+              <a:ext uri="{FF2B5EF4-FFF2-40B4-BE49-F238E27FC236}">
+                <a16:creationId xmlns:a16="http://schemas.microsoft.com/office/drawing/2014/main" id="{E2D340D6-2B79-664A-8CFE-F66921325949}"/>
+              </a:ext>
+            </a:extLst>
+          </p:cNvPr>
+          <p:cNvPicPr>
+            <a:picLocks noChangeAspect="1"/>
+          </p:cNvPicPr>
+          <p:nvPr/>
+        </p:nvPicPr>
+        <p:blipFill>
+          <a:blip r:embed="rId2"/>
+          <a:stretch>
+            <a:fillRect/>
+          </a:stretch>
+        </p:blipFill>
+        <p:spPr>
+          <a:xfrm>
+            <a:off x="838200" y="2737930"/>
+            <a:ext cx="3991948" cy="3060293"/>
+          </a:xfrm>
+          <a:prstGeom prst="rect">
+            <a:avLst/>
+          </a:prstGeom>
+        </p:spPr>
+      </p:pic>
+      <p:pic>
+        <p:nvPicPr>
+          <p:cNvPr id="6" name="Picture 5">
+            <a:extLst>
+              <a:ext uri="{FF2B5EF4-FFF2-40B4-BE49-F238E27FC236}">
+                <a16:creationId xmlns:a16="http://schemas.microsoft.com/office/drawing/2014/main" id="{3C2593B2-DAAB-191A-B748-304047EC15C2}"/>
+              </a:ext>
+            </a:extLst>
+          </p:cNvPr>
+          <p:cNvPicPr>
+            <a:picLocks noChangeAspect="1"/>
+          </p:cNvPicPr>
+          <p:nvPr/>
+        </p:nvPicPr>
+        <p:blipFill>
+          <a:blip r:embed="rId3"/>
+          <a:stretch>
+            <a:fillRect/>
+          </a:stretch>
+        </p:blipFill>
+        <p:spPr>
+          <a:xfrm>
+            <a:off x="5845657" y="1090072"/>
+            <a:ext cx="2825895" cy="2019404"/>
+          </a:xfrm>
+          <a:prstGeom prst="rect">
+            <a:avLst/>
+          </a:prstGeom>
+        </p:spPr>
+      </p:pic>
+      <p:pic>
+        <p:nvPicPr>
+          <p:cNvPr id="7" name="Picture 6">
+            <a:extLst>
+              <a:ext uri="{FF2B5EF4-FFF2-40B4-BE49-F238E27FC236}">
+                <a16:creationId xmlns:a16="http://schemas.microsoft.com/office/drawing/2014/main" id="{DAAF9F61-14A3-1EB1-6C54-C1C3222F89F9}"/>
+              </a:ext>
+            </a:extLst>
+          </p:cNvPr>
+          <p:cNvPicPr>
+            <a:picLocks noChangeAspect="1"/>
+          </p:cNvPicPr>
+          <p:nvPr/>
+        </p:nvPicPr>
+        <p:blipFill>
+          <a:blip r:embed="rId4"/>
+          <a:stretch>
+            <a:fillRect/>
+          </a:stretch>
+        </p:blipFill>
+        <p:spPr>
+          <a:xfrm>
+            <a:off x="5845657" y="3460112"/>
+            <a:ext cx="5086611" cy="2616334"/>
+          </a:xfrm>
+          <a:prstGeom prst="rect">
+            <a:avLst/>
+          </a:prstGeom>
+        </p:spPr>
+      </p:pic>
+    </p:spTree>
+    <p:extLst>
+      <p:ext uri="{BB962C8B-B14F-4D97-AF65-F5344CB8AC3E}">
+        <p14:creationId xmlns:p14="http://schemas.microsoft.com/office/powerpoint/2010/main" val="2143319209"/>
+      </p:ext>
+    </p:extLst>
+  </p:cSld>
+  <p:clrMapOvr>
+    <a:masterClrMapping/>
+  </p:clrMapOvr>
+</p:sld>
+</file>
+
+<file path=ppt/slides/slide42.xml><?xml version="1.0" encoding="utf-8"?>
+<p:sld xmlns:a="http://schemas.openxmlformats.org/drawingml/2006/main" xmlns:r="http://schemas.openxmlformats.org/officeDocument/2006/relationships" xmlns:p="http://schemas.openxmlformats.org/presentationml/2006/main">
+  <p:cSld>
+    <p:spTree>
+      <p:nvGrpSpPr>
+        <p:cNvPr id="1" name=""/>
+        <p:cNvGrpSpPr/>
+        <p:nvPr/>
+      </p:nvGrpSpPr>
+      <p:grpSpPr>
+        <a:xfrm>
+          <a:off x="0" y="0"/>
+          <a:ext cx="0" cy="0"/>
+          <a:chOff x="0" y="0"/>
+          <a:chExt cx="0" cy="0"/>
+        </a:xfrm>
+      </p:grpSpPr>
+      <p:sp>
+        <p:nvSpPr>
+          <p:cNvPr id="2" name="Title 1">
+            <a:extLst>
+              <a:ext uri="{FF2B5EF4-FFF2-40B4-BE49-F238E27FC236}">
+                <a16:creationId xmlns:a16="http://schemas.microsoft.com/office/drawing/2014/main" id="{C25076E8-0BB3-CFF6-FE9B-D9FFBB5E4F3F}"/>
+              </a:ext>
+            </a:extLst>
+          </p:cNvPr>
+          <p:cNvSpPr>
+            <a:spLocks noGrp="1"/>
+          </p:cNvSpPr>
+          <p:nvPr>
+            <p:ph type="title"/>
+          </p:nvPr>
+        </p:nvSpPr>
+        <p:spPr/>
+        <p:txBody>
+          <a:bodyPr/>
+          <a:lstStyle/>
+          <a:p>
+            <a:r>
+              <a:rPr lang="en-US" dirty="0"/>
+              <a:t>Loops : Things that happen over and over …</a:t>
+            </a:r>
+          </a:p>
+        </p:txBody>
+      </p:sp>
+      <p:sp>
+        <p:nvSpPr>
+          <p:cNvPr id="3" name="Content Placeholder 2">
+            <a:extLst>
+              <a:ext uri="{FF2B5EF4-FFF2-40B4-BE49-F238E27FC236}">
+                <a16:creationId xmlns:a16="http://schemas.microsoft.com/office/drawing/2014/main" id="{96F3C847-6C6E-BB15-EF03-8B5E0964DC0C}"/>
+              </a:ext>
+            </a:extLst>
+          </p:cNvPr>
+          <p:cNvSpPr>
+            <a:spLocks noGrp="1"/>
+          </p:cNvSpPr>
+          <p:nvPr>
+            <p:ph idx="1"/>
+          </p:nvPr>
+        </p:nvSpPr>
+        <p:spPr/>
+        <p:txBody>
+          <a:bodyPr>
+            <a:normAutofit/>
+          </a:bodyPr>
+          <a:lstStyle/>
+          <a:p>
+            <a:r>
+              <a:rPr lang="en-US" dirty="0"/>
+              <a:t>Years</a:t>
+            </a:r>
+          </a:p>
+          <a:p>
+            <a:pPr lvl="1"/>
+            <a:r>
+              <a:rPr lang="en-US" dirty="0"/>
+              <a:t>…,2024,2025, …</a:t>
+            </a:r>
+          </a:p>
+          <a:p>
+            <a:r>
+              <a:rPr lang="en-US" dirty="0"/>
+              <a:t>Seasons</a:t>
+            </a:r>
+          </a:p>
+          <a:p>
+            <a:pPr lvl="1"/>
+            <a:r>
+              <a:rPr lang="en-US" dirty="0"/>
+              <a:t>Spring, summer, fall, winter</a:t>
+            </a:r>
+          </a:p>
+          <a:p>
+            <a:r>
+              <a:rPr lang="en-US" dirty="0"/>
+              <a:t>School </a:t>
+            </a:r>
+          </a:p>
+          <a:p>
+            <a:pPr lvl="1"/>
+            <a:r>
+              <a:rPr lang="en-US" dirty="0"/>
+              <a:t>Learn , Homework, Tests </a:t>
+            </a:r>
+          </a:p>
+          <a:p>
+            <a:pPr lvl="1"/>
+            <a:r>
+              <a:rPr lang="en-US" dirty="0"/>
+              <a:t>Scoring</a:t>
+            </a:r>
+          </a:p>
+          <a:p>
+            <a:r>
+              <a:rPr lang="en-US" dirty="0"/>
+              <a:t>Reading a book </a:t>
+            </a:r>
+          </a:p>
+          <a:p>
+            <a:pPr lvl="1"/>
+            <a:r>
+              <a:rPr lang="en-US" dirty="0"/>
+              <a:t>Title,… page, </a:t>
+            </a:r>
+            <a:r>
+              <a:rPr lang="en-US" dirty="0" err="1"/>
+              <a:t>page,page</a:t>
+            </a:r>
+            <a:r>
+              <a:rPr lang="en-US" dirty="0"/>
+              <a:t> …,the end</a:t>
+            </a:r>
+          </a:p>
+        </p:txBody>
+      </p:sp>
+    </p:spTree>
+    <p:extLst>
+      <p:ext uri="{BB962C8B-B14F-4D97-AF65-F5344CB8AC3E}">
+        <p14:creationId xmlns:p14="http://schemas.microsoft.com/office/powerpoint/2010/main" val="3602718269"/>
+      </p:ext>
+    </p:extLst>
+  </p:cSld>
+  <p:clrMapOvr>
+    <a:masterClrMapping/>
+  </p:clrMapOvr>
+</p:sld>
+</file>
+
+<file path=ppt/slides/slide43.xml><?xml version="1.0" encoding="utf-8"?>
+<p:sld xmlns:a="http://schemas.openxmlformats.org/drawingml/2006/main" xmlns:r="http://schemas.openxmlformats.org/officeDocument/2006/relationships" xmlns:p="http://schemas.openxmlformats.org/presentationml/2006/main">
+  <p:cSld>
+    <p:spTree>
+      <p:nvGrpSpPr>
+        <p:cNvPr id="1" name=""/>
+        <p:cNvGrpSpPr/>
+        <p:nvPr/>
+      </p:nvGrpSpPr>
+      <p:grpSpPr>
+        <a:xfrm>
+          <a:off x="0" y="0"/>
+          <a:ext cx="0" cy="0"/>
+          <a:chOff x="0" y="0"/>
+          <a:chExt cx="0" cy="0"/>
+        </a:xfrm>
+      </p:grpSpPr>
+      <p:sp>
+        <p:nvSpPr>
+          <p:cNvPr id="2" name="Title 1">
+            <a:extLst>
+              <a:ext uri="{FF2B5EF4-FFF2-40B4-BE49-F238E27FC236}">
+                <a16:creationId xmlns:a16="http://schemas.microsoft.com/office/drawing/2014/main" id="{B1359789-A42E-9258-03F9-AF669749687F}"/>
+              </a:ext>
+            </a:extLst>
+          </p:cNvPr>
+          <p:cNvSpPr>
+            <a:spLocks noGrp="1"/>
+          </p:cNvSpPr>
+          <p:nvPr>
+            <p:ph type="title"/>
+          </p:nvPr>
+        </p:nvSpPr>
+        <p:spPr/>
+        <p:txBody>
+          <a:bodyPr/>
+          <a:lstStyle/>
+          <a:p>
+            <a:r>
+              <a:rPr lang="en-US" dirty="0"/>
+              <a:t>Decision making and looping</a:t>
+            </a:r>
+          </a:p>
+        </p:txBody>
+      </p:sp>
+      <p:sp>
+        <p:nvSpPr>
+          <p:cNvPr id="3" name="Content Placeholder 2">
+            <a:extLst>
+              <a:ext uri="{FF2B5EF4-FFF2-40B4-BE49-F238E27FC236}">
+                <a16:creationId xmlns:a16="http://schemas.microsoft.com/office/drawing/2014/main" id="{002CE3C7-238B-E65F-87BF-4603F54C703D}"/>
+              </a:ext>
+            </a:extLst>
+          </p:cNvPr>
+          <p:cNvSpPr>
+            <a:spLocks noGrp="1"/>
+          </p:cNvSpPr>
+          <p:nvPr>
+            <p:ph idx="1"/>
+          </p:nvPr>
+        </p:nvSpPr>
+        <p:spPr/>
+        <p:txBody>
+          <a:bodyPr/>
+          <a:lstStyle/>
+          <a:p>
+            <a:r>
+              <a:rPr lang="en-US" dirty="0"/>
+              <a:t>Loops</a:t>
+            </a:r>
+          </a:p>
+          <a:p>
+            <a:pPr lvl="1"/>
+            <a:r>
+              <a:rPr lang="en-US" dirty="0"/>
+              <a:t>Print “Hello”10 times </a:t>
+            </a:r>
+          </a:p>
+          <a:p>
+            <a:pPr lvl="1"/>
+            <a:r>
+              <a:rPr lang="en-US" dirty="0"/>
+              <a:t>10 x </a:t>
+            </a:r>
+            <a:r>
+              <a:rPr lang="en-US" dirty="0" err="1"/>
+              <a:t>cout</a:t>
+            </a:r>
+            <a:r>
+              <a:rPr lang="en-US" dirty="0"/>
+              <a:t> ?</a:t>
+            </a:r>
+          </a:p>
+          <a:p>
+            <a:r>
+              <a:rPr lang="en-US" dirty="0"/>
+              <a:t>What if 100 times ?</a:t>
+            </a:r>
+          </a:p>
+          <a:p>
+            <a:pPr lvl="1"/>
+            <a:r>
+              <a:rPr lang="en-US" dirty="0"/>
+              <a:t>100 x </a:t>
+            </a:r>
+            <a:r>
+              <a:rPr lang="en-US" dirty="0" err="1"/>
+              <a:t>cout</a:t>
+            </a:r>
+            <a:r>
+              <a:rPr lang="en-US" dirty="0"/>
+              <a:t> ??</a:t>
+            </a:r>
+          </a:p>
+          <a:p>
+            <a:r>
+              <a:rPr lang="en-US" dirty="0"/>
+              <a:t>Can we do better ?</a:t>
+            </a:r>
+          </a:p>
+          <a:p>
+            <a:pPr lvl="2"/>
+            <a:endParaRPr lang="en-US" dirty="0"/>
+          </a:p>
+          <a:p>
+            <a:pPr lvl="1"/>
+            <a:endParaRPr lang="en-US" dirty="0"/>
+          </a:p>
+        </p:txBody>
+      </p:sp>
+    </p:spTree>
+    <p:extLst>
+      <p:ext uri="{BB962C8B-B14F-4D97-AF65-F5344CB8AC3E}">
+        <p14:creationId xmlns:p14="http://schemas.microsoft.com/office/powerpoint/2010/main" val="1344970800"/>
+      </p:ext>
+    </p:extLst>
+  </p:cSld>
+  <p:clrMapOvr>
+    <a:masterClrMapping/>
+  </p:clrMapOvr>
+</p:sld>
+</file>
+
+<file path=ppt/slides/slide44.xml><?xml version="1.0" encoding="utf-8"?>
+<p:sld xmlns:a="http://schemas.openxmlformats.org/drawingml/2006/main" xmlns:r="http://schemas.openxmlformats.org/officeDocument/2006/relationships" xmlns:p="http://schemas.openxmlformats.org/presentationml/2006/main">
+  <p:cSld>
+    <p:spTree>
+      <p:nvGrpSpPr>
+        <p:cNvPr id="1" name="">
+          <a:extLst>
+            <a:ext uri="{FF2B5EF4-FFF2-40B4-BE49-F238E27FC236}">
+              <a16:creationId xmlns:a16="http://schemas.microsoft.com/office/drawing/2014/main" id="{315B8555-A075-D1CE-05B2-B7DC07630ED8}"/>
+            </a:ext>
+          </a:extLst>
+        </p:cNvPr>
+        <p:cNvGrpSpPr/>
+        <p:nvPr/>
+      </p:nvGrpSpPr>
+      <p:grpSpPr>
+        <a:xfrm>
+          <a:off x="0" y="0"/>
+          <a:ext cx="0" cy="0"/>
+          <a:chOff x="0" y="0"/>
+          <a:chExt cx="0" cy="0"/>
+        </a:xfrm>
+      </p:grpSpPr>
+      <p:sp>
+        <p:nvSpPr>
+          <p:cNvPr id="2" name="Title 1">
+            <a:extLst>
+              <a:ext uri="{FF2B5EF4-FFF2-40B4-BE49-F238E27FC236}">
+                <a16:creationId xmlns:a16="http://schemas.microsoft.com/office/drawing/2014/main" id="{93E3057B-A503-0805-4FD2-C9C3DA9DA4E4}"/>
+              </a:ext>
+            </a:extLst>
+          </p:cNvPr>
+          <p:cNvSpPr>
+            <a:spLocks noGrp="1"/>
+          </p:cNvSpPr>
+          <p:nvPr>
+            <p:ph type="title"/>
+          </p:nvPr>
+        </p:nvSpPr>
+        <p:spPr/>
+        <p:txBody>
+          <a:bodyPr/>
+          <a:lstStyle/>
+          <a:p>
+            <a:r>
+              <a:rPr lang="en-US" dirty="0"/>
+              <a:t>Loop : visualized</a:t>
+            </a:r>
+          </a:p>
+        </p:txBody>
+      </p:sp>
+      <p:sp>
+        <p:nvSpPr>
+          <p:cNvPr id="3" name="Content Placeholder 2">
+            <a:extLst>
+              <a:ext uri="{FF2B5EF4-FFF2-40B4-BE49-F238E27FC236}">
+                <a16:creationId xmlns:a16="http://schemas.microsoft.com/office/drawing/2014/main" id="{3661D233-B4DB-D7B3-8011-C488F41B019A}"/>
+              </a:ext>
+            </a:extLst>
+          </p:cNvPr>
+          <p:cNvSpPr>
+            <a:spLocks noGrp="1"/>
+          </p:cNvSpPr>
+          <p:nvPr>
+            <p:ph idx="1"/>
+          </p:nvPr>
+        </p:nvSpPr>
+        <p:spPr/>
+        <p:txBody>
+          <a:bodyPr/>
+          <a:lstStyle/>
+          <a:p>
+            <a:r>
+              <a:rPr lang="en-US" dirty="0"/>
+              <a:t>Print “Hello”10 times </a:t>
+            </a:r>
+          </a:p>
+          <a:p>
+            <a:endParaRPr lang="en-US" dirty="0"/>
+          </a:p>
+        </p:txBody>
+      </p:sp>
+      <p:pic>
+        <p:nvPicPr>
+          <p:cNvPr id="7" name="Picture 6">
+            <a:extLst>
+              <a:ext uri="{FF2B5EF4-FFF2-40B4-BE49-F238E27FC236}">
+                <a16:creationId xmlns:a16="http://schemas.microsoft.com/office/drawing/2014/main" id="{255B35AA-AB5C-638B-90EE-7E6DAA7AD210}"/>
+              </a:ext>
+            </a:extLst>
+          </p:cNvPr>
+          <p:cNvPicPr>
+            <a:picLocks noChangeAspect="1"/>
+          </p:cNvPicPr>
+          <p:nvPr/>
+        </p:nvPicPr>
+        <p:blipFill>
+          <a:blip r:embed="rId2"/>
+          <a:stretch>
+            <a:fillRect/>
+          </a:stretch>
+        </p:blipFill>
+        <p:spPr>
+          <a:xfrm>
+            <a:off x="6096000" y="1027906"/>
+            <a:ext cx="4915153" cy="4438878"/>
+          </a:xfrm>
+          <a:prstGeom prst="rect">
+            <a:avLst/>
+          </a:prstGeom>
+        </p:spPr>
+      </p:pic>
+    </p:spTree>
+    <p:extLst>
+      <p:ext uri="{BB962C8B-B14F-4D97-AF65-F5344CB8AC3E}">
+        <p14:creationId xmlns:p14="http://schemas.microsoft.com/office/powerpoint/2010/main" val="2263755667"/>
+      </p:ext>
+    </p:extLst>
+  </p:cSld>
+  <p:clrMapOvr>
+    <a:masterClrMapping/>
+  </p:clrMapOvr>
+</p:sld>
+</file>
+
+<file path=ppt/slides/slide45.xml><?xml version="1.0" encoding="utf-8"?>
+<p:sld xmlns:a="http://schemas.openxmlformats.org/drawingml/2006/main" xmlns:r="http://schemas.openxmlformats.org/officeDocument/2006/relationships" xmlns:p="http://schemas.openxmlformats.org/presentationml/2006/main">
+  <p:cSld>
+    <p:spTree>
+      <p:nvGrpSpPr>
+        <p:cNvPr id="1" name="">
+          <a:extLst>
+            <a:ext uri="{FF2B5EF4-FFF2-40B4-BE49-F238E27FC236}">
+              <a16:creationId xmlns:a16="http://schemas.microsoft.com/office/drawing/2014/main" id="{60A43008-7D6E-C007-AACF-5DF835D6D2D0}"/>
+            </a:ext>
+          </a:extLst>
+        </p:cNvPr>
+        <p:cNvGrpSpPr/>
+        <p:nvPr/>
+      </p:nvGrpSpPr>
+      <p:grpSpPr>
+        <a:xfrm>
+          <a:off x="0" y="0"/>
+          <a:ext cx="0" cy="0"/>
+          <a:chOff x="0" y="0"/>
+          <a:chExt cx="0" cy="0"/>
+        </a:xfrm>
+      </p:grpSpPr>
+      <p:sp>
+        <p:nvSpPr>
+          <p:cNvPr id="2" name="Title 1">
+            <a:extLst>
+              <a:ext uri="{FF2B5EF4-FFF2-40B4-BE49-F238E27FC236}">
+                <a16:creationId xmlns:a16="http://schemas.microsoft.com/office/drawing/2014/main" id="{8A716EF8-9045-2652-616F-1BFA15A3D976}"/>
+              </a:ext>
+            </a:extLst>
+          </p:cNvPr>
+          <p:cNvSpPr>
+            <a:spLocks noGrp="1"/>
+          </p:cNvSpPr>
+          <p:nvPr>
+            <p:ph type="title"/>
+          </p:nvPr>
+        </p:nvSpPr>
+        <p:spPr/>
+        <p:txBody>
+          <a:bodyPr/>
+          <a:lstStyle/>
+          <a:p>
+            <a:r>
+              <a:rPr lang="en-US" dirty="0"/>
+              <a:t>Loop : visualized</a:t>
+            </a:r>
+          </a:p>
+        </p:txBody>
+      </p:sp>
+      <p:sp>
+        <p:nvSpPr>
+          <p:cNvPr id="3" name="Content Placeholder 2">
+            <a:extLst>
+              <a:ext uri="{FF2B5EF4-FFF2-40B4-BE49-F238E27FC236}">
+                <a16:creationId xmlns:a16="http://schemas.microsoft.com/office/drawing/2014/main" id="{FA446D31-DFCC-08B0-EA5B-2765391D75EA}"/>
+              </a:ext>
+            </a:extLst>
+          </p:cNvPr>
+          <p:cNvSpPr>
+            <a:spLocks noGrp="1"/>
+          </p:cNvSpPr>
+          <p:nvPr>
+            <p:ph idx="1"/>
+          </p:nvPr>
+        </p:nvSpPr>
+        <p:spPr/>
+        <p:txBody>
+          <a:bodyPr/>
+          <a:lstStyle/>
+          <a:p>
+            <a:r>
+              <a:rPr lang="en-US" dirty="0"/>
+              <a:t>Print “Hello”10 times </a:t>
+            </a:r>
+          </a:p>
+          <a:p>
+            <a:endParaRPr lang="en-US" dirty="0"/>
+          </a:p>
+        </p:txBody>
+      </p:sp>
+      <p:pic>
+        <p:nvPicPr>
+          <p:cNvPr id="7" name="Picture 6">
+            <a:extLst>
+              <a:ext uri="{FF2B5EF4-FFF2-40B4-BE49-F238E27FC236}">
+                <a16:creationId xmlns:a16="http://schemas.microsoft.com/office/drawing/2014/main" id="{7C9284C7-EA80-259A-C31F-64A02CD7DA51}"/>
+              </a:ext>
+            </a:extLst>
+          </p:cNvPr>
+          <p:cNvPicPr>
+            <a:picLocks noChangeAspect="1"/>
+          </p:cNvPicPr>
+          <p:nvPr/>
+        </p:nvPicPr>
+        <p:blipFill>
+          <a:blip r:embed="rId2"/>
+          <a:stretch>
+            <a:fillRect/>
+          </a:stretch>
+        </p:blipFill>
+        <p:spPr>
+          <a:xfrm>
+            <a:off x="6096000" y="1027906"/>
+            <a:ext cx="4915153" cy="4438878"/>
+          </a:xfrm>
+          <a:prstGeom prst="rect">
+            <a:avLst/>
+          </a:prstGeom>
+        </p:spPr>
+      </p:pic>
+      <p:pic>
+        <p:nvPicPr>
+          <p:cNvPr id="5" name="Picture 4">
+            <a:extLst>
+              <a:ext uri="{FF2B5EF4-FFF2-40B4-BE49-F238E27FC236}">
+                <a16:creationId xmlns:a16="http://schemas.microsoft.com/office/drawing/2014/main" id="{3C91174E-8174-7A8F-2D69-3FB67EAA7E38}"/>
+              </a:ext>
+            </a:extLst>
+          </p:cNvPr>
+          <p:cNvPicPr>
+            <a:picLocks noChangeAspect="1"/>
+          </p:cNvPicPr>
+          <p:nvPr/>
+        </p:nvPicPr>
+        <p:blipFill>
+          <a:blip r:embed="rId3"/>
+          <a:stretch>
+            <a:fillRect/>
+          </a:stretch>
+        </p:blipFill>
+        <p:spPr>
+          <a:xfrm>
+            <a:off x="631941" y="2796788"/>
+            <a:ext cx="4007056" cy="2273417"/>
+          </a:xfrm>
+          <a:prstGeom prst="rect">
+            <a:avLst/>
+          </a:prstGeom>
+        </p:spPr>
+      </p:pic>
+    </p:spTree>
+    <p:extLst>
+      <p:ext uri="{BB962C8B-B14F-4D97-AF65-F5344CB8AC3E}">
+        <p14:creationId xmlns:p14="http://schemas.microsoft.com/office/powerpoint/2010/main" val="3420885344"/>
+      </p:ext>
+    </p:extLst>
+  </p:cSld>
+  <p:clrMapOvr>
+    <a:masterClrMapping/>
+  </p:clrMapOvr>
+</p:sld>
+</file>
+
+<file path=ppt/slides/slide46.xml><?xml version="1.0" encoding="utf-8"?>
+<p:sld xmlns:a="http://schemas.openxmlformats.org/drawingml/2006/main" xmlns:r="http://schemas.openxmlformats.org/officeDocument/2006/relationships" xmlns:p="http://schemas.openxmlformats.org/presentationml/2006/main">
+  <p:cSld>
+    <p:spTree>
+      <p:nvGrpSpPr>
+        <p:cNvPr id="1" name=""/>
+        <p:cNvGrpSpPr/>
+        <p:nvPr/>
+      </p:nvGrpSpPr>
+      <p:grpSpPr>
+        <a:xfrm>
+          <a:off x="0" y="0"/>
+          <a:ext cx="0" cy="0"/>
+          <a:chOff x="0" y="0"/>
+          <a:chExt cx="0" cy="0"/>
+        </a:xfrm>
+      </p:grpSpPr>
+      <p:sp>
+        <p:nvSpPr>
+          <p:cNvPr id="2" name="Title 1">
+            <a:extLst>
+              <a:ext uri="{FF2B5EF4-FFF2-40B4-BE49-F238E27FC236}">
+                <a16:creationId xmlns:a16="http://schemas.microsoft.com/office/drawing/2014/main" id="{B0DF9E3C-4249-314B-58BC-621F15F9001D}"/>
+              </a:ext>
+            </a:extLst>
+          </p:cNvPr>
+          <p:cNvSpPr>
+            <a:spLocks noGrp="1"/>
+          </p:cNvSpPr>
+          <p:nvPr>
+            <p:ph type="title"/>
+          </p:nvPr>
+        </p:nvSpPr>
+        <p:spPr/>
+        <p:txBody>
+          <a:bodyPr/>
+          <a:lstStyle/>
+          <a:p>
+            <a:r>
+              <a:rPr lang="en-US" dirty="0"/>
+              <a:t>Assignment 1, Guess the number </a:t>
+            </a:r>
+          </a:p>
+        </p:txBody>
+      </p:sp>
+      <p:sp>
+        <p:nvSpPr>
+          <p:cNvPr id="3" name="Content Placeholder 2">
+            <a:extLst>
+              <a:ext uri="{FF2B5EF4-FFF2-40B4-BE49-F238E27FC236}">
+                <a16:creationId xmlns:a16="http://schemas.microsoft.com/office/drawing/2014/main" id="{5E9C0CF7-4E0A-2390-E846-E2CCDEE23F1E}"/>
+              </a:ext>
+            </a:extLst>
+          </p:cNvPr>
+          <p:cNvSpPr>
+            <a:spLocks noGrp="1"/>
+          </p:cNvSpPr>
+          <p:nvPr>
+            <p:ph idx="1"/>
+          </p:nvPr>
+        </p:nvSpPr>
+        <p:spPr/>
+        <p:txBody>
+          <a:bodyPr/>
+          <a:lstStyle/>
+          <a:p>
+            <a:r>
+              <a:rPr lang="en-US" dirty="0"/>
+              <a:t>Computer finds a random number between 0..9</a:t>
+            </a:r>
+          </a:p>
+          <a:p>
+            <a:r>
+              <a:rPr lang="en-US" dirty="0"/>
+              <a:t>User guesses it </a:t>
+            </a:r>
+          </a:p>
+          <a:p>
+            <a:r>
+              <a:rPr lang="en-US" dirty="0"/>
+              <a:t>If user fail .. they tries again … </a:t>
+            </a:r>
+            <a:br>
+              <a:rPr lang="en-US" dirty="0"/>
+            </a:br>
+            <a:endParaRPr lang="en-US" dirty="0"/>
+          </a:p>
+        </p:txBody>
+      </p:sp>
+      <p:pic>
+        <p:nvPicPr>
+          <p:cNvPr id="5" name="Picture 4">
+            <a:extLst>
+              <a:ext uri="{FF2B5EF4-FFF2-40B4-BE49-F238E27FC236}">
+                <a16:creationId xmlns:a16="http://schemas.microsoft.com/office/drawing/2014/main" id="{D72559B9-1E37-4DC1-EF97-C9DEDB111087}"/>
+              </a:ext>
+            </a:extLst>
+          </p:cNvPr>
+          <p:cNvPicPr>
+            <a:picLocks noChangeAspect="1"/>
+          </p:cNvPicPr>
+          <p:nvPr/>
+        </p:nvPicPr>
+        <p:blipFill>
+          <a:blip r:embed="rId2"/>
+          <a:stretch>
+            <a:fillRect/>
+          </a:stretch>
+        </p:blipFill>
+        <p:spPr>
+          <a:xfrm>
+            <a:off x="943466" y="3429000"/>
+            <a:ext cx="6458282" cy="2635385"/>
+          </a:xfrm>
+          <a:prstGeom prst="rect">
+            <a:avLst/>
+          </a:prstGeom>
+        </p:spPr>
+      </p:pic>
+    </p:spTree>
+    <p:extLst>
+      <p:ext uri="{BB962C8B-B14F-4D97-AF65-F5344CB8AC3E}">
+        <p14:creationId xmlns:p14="http://schemas.microsoft.com/office/powerpoint/2010/main" val="2913874138"/>
+      </p:ext>
+    </p:extLst>
+  </p:cSld>
+  <p:clrMapOvr>
+    <a:masterClrMapping/>
+  </p:clrMapOvr>
+</p:sld>
+</file>
+
+<file path=ppt/slides/slide47.xml><?xml version="1.0" encoding="utf-8"?>
+<p:sld xmlns:a="http://schemas.openxmlformats.org/drawingml/2006/main" xmlns:r="http://schemas.openxmlformats.org/officeDocument/2006/relationships" xmlns:p="http://schemas.openxmlformats.org/presentationml/2006/main">
+  <p:cSld>
+    <p:spTree>
+      <p:nvGrpSpPr>
+        <p:cNvPr id="1" name=""/>
+        <p:cNvGrpSpPr/>
+        <p:nvPr/>
+      </p:nvGrpSpPr>
+      <p:grpSpPr>
+        <a:xfrm>
+          <a:off x="0" y="0"/>
+          <a:ext cx="0" cy="0"/>
+          <a:chOff x="0" y="0"/>
+          <a:chExt cx="0" cy="0"/>
+        </a:xfrm>
+      </p:grpSpPr>
+      <p:sp>
+        <p:nvSpPr>
+          <p:cNvPr id="2" name="Title 1">
+            <a:extLst>
+              <a:ext uri="{FF2B5EF4-FFF2-40B4-BE49-F238E27FC236}">
+                <a16:creationId xmlns:a16="http://schemas.microsoft.com/office/drawing/2014/main" id="{DC8E0761-169B-2FE7-BE97-3FFA899602F3}"/>
+              </a:ext>
+            </a:extLst>
+          </p:cNvPr>
+          <p:cNvSpPr>
+            <a:spLocks noGrp="1"/>
+          </p:cNvSpPr>
+          <p:nvPr>
+            <p:ph type="title"/>
+          </p:nvPr>
+        </p:nvSpPr>
+        <p:spPr/>
+        <p:txBody>
+          <a:bodyPr/>
+          <a:lstStyle/>
+          <a:p>
+            <a:r>
+              <a:rPr lang="en-US" dirty="0"/>
+              <a:t>Boss Assignment </a:t>
+            </a:r>
+          </a:p>
+        </p:txBody>
+      </p:sp>
+      <p:sp>
+        <p:nvSpPr>
+          <p:cNvPr id="3" name="Content Placeholder 2">
+            <a:extLst>
+              <a:ext uri="{FF2B5EF4-FFF2-40B4-BE49-F238E27FC236}">
+                <a16:creationId xmlns:a16="http://schemas.microsoft.com/office/drawing/2014/main" id="{5F342128-04D1-6CDA-85AC-E8798BF804F7}"/>
+              </a:ext>
+            </a:extLst>
+          </p:cNvPr>
+          <p:cNvSpPr>
+            <a:spLocks noGrp="1"/>
+          </p:cNvSpPr>
+          <p:nvPr>
+            <p:ph idx="1"/>
+          </p:nvPr>
+        </p:nvSpPr>
+        <p:spPr/>
+        <p:txBody>
+          <a:bodyPr/>
+          <a:lstStyle/>
+          <a:p>
+            <a:r>
+              <a:rPr lang="en-US" dirty="0"/>
+              <a:t>Get a number from user</a:t>
+            </a:r>
+          </a:p>
+          <a:p>
+            <a:r>
+              <a:rPr lang="en-US" dirty="0"/>
+              <a:t>Convert the number(int) into binary.</a:t>
+            </a:r>
+          </a:p>
+          <a:p>
+            <a:r>
+              <a:rPr lang="en-US" dirty="0"/>
+              <a:t>Examples</a:t>
+            </a:r>
+          </a:p>
+          <a:p>
+            <a:pPr lvl="1"/>
+            <a:r>
+              <a:rPr lang="en-US" dirty="0"/>
+              <a:t>0  </a:t>
+            </a:r>
+            <a:r>
+              <a:rPr lang="en-US" dirty="0">
+                <a:sym typeface="Wingdings" panose="05000000000000000000" pitchFamily="2" charset="2"/>
+              </a:rPr>
+              <a:t>      0</a:t>
+            </a:r>
+          </a:p>
+          <a:p>
+            <a:pPr lvl="1"/>
+            <a:r>
+              <a:rPr lang="en-US" dirty="0">
+                <a:sym typeface="Wingdings" panose="05000000000000000000" pitchFamily="2" charset="2"/>
+              </a:rPr>
+              <a:t>1         1</a:t>
+            </a:r>
+          </a:p>
+          <a:p>
+            <a:pPr lvl="1"/>
+            <a:r>
+              <a:rPr lang="en-US" dirty="0">
+                <a:sym typeface="Wingdings" panose="05000000000000000000" pitchFamily="2" charset="2"/>
+              </a:rPr>
+              <a:t>7    111</a:t>
+            </a:r>
+          </a:p>
+          <a:p>
+            <a:pPr lvl="1"/>
+            <a:r>
+              <a:rPr lang="en-US" dirty="0">
+                <a:sym typeface="Wingdings" panose="05000000000000000000" pitchFamily="2" charset="2"/>
+              </a:rPr>
+              <a:t>8  1000</a:t>
+            </a:r>
+          </a:p>
+          <a:p>
+            <a:pPr lvl="1"/>
+            <a:r>
+              <a:rPr lang="en-US" dirty="0">
+                <a:sym typeface="Wingdings" panose="05000000000000000000" pitchFamily="2" charset="2"/>
+              </a:rPr>
+              <a:t>121100</a:t>
+            </a:r>
+          </a:p>
+          <a:p>
+            <a:pPr lvl="1"/>
+            <a:r>
+              <a:rPr lang="en-US" dirty="0">
+                <a:sym typeface="Wingdings" panose="05000000000000000000" pitchFamily="2" charset="2"/>
+              </a:rPr>
+              <a:t>15 1111</a:t>
+            </a:r>
+            <a:endParaRPr lang="en-US" dirty="0"/>
+          </a:p>
+        </p:txBody>
+      </p:sp>
+    </p:spTree>
+    <p:extLst>
+      <p:ext uri="{BB962C8B-B14F-4D97-AF65-F5344CB8AC3E}">
+        <p14:creationId xmlns:p14="http://schemas.microsoft.com/office/powerpoint/2010/main" val="2591528235"/>
+      </p:ext>
+    </p:extLst>
+  </p:cSld>
+  <p:clrMapOvr>
+    <a:masterClrMapping/>
+  </p:clrMapOvr>
+</p:sld>
+</file>
+
+<file path=ppt/slides/slide48.xml><?xml version="1.0" encoding="utf-8"?>
+<p:sld xmlns:a="http://schemas.openxmlformats.org/drawingml/2006/main" xmlns:r="http://schemas.openxmlformats.org/officeDocument/2006/relationships" xmlns:p="http://schemas.openxmlformats.org/presentationml/2006/main">
+  <p:cSld>
+    <p:spTree>
+      <p:nvGrpSpPr>
+        <p:cNvPr id="1" name=""/>
+        <p:cNvGrpSpPr/>
+        <p:nvPr/>
+      </p:nvGrpSpPr>
+      <p:grpSpPr>
+        <a:xfrm>
+          <a:off x="0" y="0"/>
+          <a:ext cx="0" cy="0"/>
+          <a:chOff x="0" y="0"/>
+          <a:chExt cx="0" cy="0"/>
+        </a:xfrm>
+      </p:grpSpPr>
+      <p:sp>
+        <p:nvSpPr>
+          <p:cNvPr id="2" name="Title 1">
+            <a:extLst>
+              <a:ext uri="{FF2B5EF4-FFF2-40B4-BE49-F238E27FC236}">
+                <a16:creationId xmlns:a16="http://schemas.microsoft.com/office/drawing/2014/main" id="{7F3F2022-DBA0-F8BB-70DA-B01A01136D53}"/>
+              </a:ext>
+            </a:extLst>
+          </p:cNvPr>
+          <p:cNvSpPr>
+            <a:spLocks noGrp="1"/>
+          </p:cNvSpPr>
+          <p:nvPr>
+            <p:ph type="title"/>
+          </p:nvPr>
+        </p:nvSpPr>
+        <p:spPr/>
+        <p:txBody>
+          <a:bodyPr/>
+          <a:lstStyle/>
+          <a:p>
+            <a:r>
+              <a:rPr lang="en-US" dirty="0"/>
+              <a:t>string data type</a:t>
+            </a:r>
+          </a:p>
+        </p:txBody>
+      </p:sp>
+      <p:sp>
+        <p:nvSpPr>
+          <p:cNvPr id="3" name="Content Placeholder 2">
+            <a:extLst>
+              <a:ext uri="{FF2B5EF4-FFF2-40B4-BE49-F238E27FC236}">
+                <a16:creationId xmlns:a16="http://schemas.microsoft.com/office/drawing/2014/main" id="{12C7C63C-7B86-C453-D132-93C8AB055AC5}"/>
+              </a:ext>
+            </a:extLst>
+          </p:cNvPr>
+          <p:cNvSpPr>
+            <a:spLocks noGrp="1"/>
+          </p:cNvSpPr>
+          <p:nvPr>
+            <p:ph idx="1"/>
+          </p:nvPr>
+        </p:nvSpPr>
+        <p:spPr/>
+        <p:txBody>
+          <a:bodyPr>
+            <a:normAutofit fontScale="92500" lnSpcReduction="10000"/>
+          </a:bodyPr>
+          <a:lstStyle/>
+          <a:p>
+            <a:r>
+              <a:rPr lang="en-US" dirty="0"/>
+              <a:t>We already know few built in types</a:t>
+            </a:r>
+          </a:p>
+          <a:p>
+            <a:pPr lvl="1"/>
+            <a:r>
+              <a:rPr lang="en-US" dirty="0"/>
+              <a:t>int , float , char, bool</a:t>
+            </a:r>
+          </a:p>
+          <a:p>
+            <a:r>
+              <a:rPr lang="en-US" dirty="0"/>
+              <a:t>string </a:t>
+            </a:r>
+          </a:p>
+          <a:p>
+            <a:pPr lvl="1"/>
+            <a:r>
+              <a:rPr lang="en-US" dirty="0"/>
+              <a:t>Is a derived data type, </a:t>
+            </a:r>
+          </a:p>
+          <a:p>
+            <a:pPr lvl="1"/>
+            <a:r>
+              <a:rPr lang="en-US" dirty="0"/>
+              <a:t>Useful for names, description etc. </a:t>
+            </a:r>
+          </a:p>
+          <a:p>
+            <a:r>
+              <a:rPr lang="en-US" dirty="0"/>
+              <a:t>Header </a:t>
+            </a:r>
+          </a:p>
+          <a:p>
+            <a:pPr lvl="1"/>
+            <a:r>
+              <a:rPr lang="en-US" dirty="0"/>
+              <a:t>#include&lt;string&gt;</a:t>
+            </a:r>
+          </a:p>
+          <a:p>
+            <a:r>
+              <a:rPr lang="en-US" dirty="0"/>
+              <a:t>Usage </a:t>
+            </a:r>
+          </a:p>
+          <a:p>
+            <a:pPr lvl="1"/>
+            <a:r>
+              <a:rPr lang="en-US" dirty="0"/>
+              <a:t>string name;</a:t>
+            </a:r>
+          </a:p>
+          <a:p>
+            <a:pPr lvl="1"/>
+            <a:r>
+              <a:rPr lang="en-US" dirty="0" err="1"/>
+              <a:t>cin</a:t>
+            </a:r>
+            <a:r>
+              <a:rPr lang="en-US" dirty="0"/>
+              <a:t> &gt;&gt; name;</a:t>
+            </a:r>
+          </a:p>
+          <a:p>
+            <a:pPr lvl="1"/>
+            <a:r>
+              <a:rPr lang="en-US" dirty="0" err="1"/>
+              <a:t>cout</a:t>
+            </a:r>
+            <a:r>
+              <a:rPr lang="en-US" dirty="0"/>
+              <a:t> &lt;&lt;name;</a:t>
+            </a:r>
+            <a:br>
+              <a:rPr lang="en-US" dirty="0"/>
+            </a:br>
+            <a:endParaRPr lang="en-US" dirty="0"/>
+          </a:p>
+        </p:txBody>
+      </p:sp>
+      <p:sp>
+        <p:nvSpPr>
+          <p:cNvPr id="4" name="Footer Placeholder 3">
+            <a:extLst>
+              <a:ext uri="{FF2B5EF4-FFF2-40B4-BE49-F238E27FC236}">
+                <a16:creationId xmlns:a16="http://schemas.microsoft.com/office/drawing/2014/main" id="{975DF1C2-BCB7-988E-2E18-DF5C6412B181}"/>
+              </a:ext>
+            </a:extLst>
+          </p:cNvPr>
+          <p:cNvSpPr>
+            <a:spLocks noGrp="1"/>
+          </p:cNvSpPr>
+          <p:nvPr>
+            <p:ph type="ftr" sz="quarter" idx="11"/>
+          </p:nvPr>
+        </p:nvSpPr>
+        <p:spPr/>
+        <p:txBody>
+          <a:bodyPr/>
+          <a:lstStyle/>
+          <a:p>
+            <a:r>
+              <a:rPr lang="en-US"/>
+              <a:t>Week 4</a:t>
+            </a:r>
+          </a:p>
+        </p:txBody>
+      </p:sp>
+      <p:sp>
+        <p:nvSpPr>
+          <p:cNvPr id="5" name="Slide Number Placeholder 4">
+            <a:extLst>
+              <a:ext uri="{FF2B5EF4-FFF2-40B4-BE49-F238E27FC236}">
+                <a16:creationId xmlns:a16="http://schemas.microsoft.com/office/drawing/2014/main" id="{43357A0E-A54D-5BCE-A42F-833CB4760EC1}"/>
+              </a:ext>
+            </a:extLst>
+          </p:cNvPr>
+          <p:cNvSpPr>
+            <a:spLocks noGrp="1"/>
+          </p:cNvSpPr>
+          <p:nvPr>
+            <p:ph type="sldNum" sz="quarter" idx="12"/>
+          </p:nvPr>
+        </p:nvSpPr>
+        <p:spPr/>
+        <p:txBody>
+          <a:bodyPr/>
+          <a:lstStyle/>
+          <a:p>
+            <a:fld id="{3EC9E123-0CB8-4CD3-A52F-DDEB9B17898B}" type="slidenum">
+              <a:rPr lang="en-US" smtClean="0"/>
+              <a:t>48</a:t>
+            </a:fld>
+            <a:endParaRPr lang="en-US"/>
+          </a:p>
+        </p:txBody>
+      </p:sp>
+    </p:spTree>
+    <p:extLst>
+      <p:ext uri="{BB962C8B-B14F-4D97-AF65-F5344CB8AC3E}">
+        <p14:creationId xmlns:p14="http://schemas.microsoft.com/office/powerpoint/2010/main" val="4193919016"/>
       </p:ext>
     </p:extLst>
   </p:cSld>
@@ -12234,6 +14659,35 @@
               <a:rPr lang="en-US"/>
               <a:t>Week 1</a:t>
             </a:r>
+          </a:p>
+        </p:txBody>
+      </p:sp>
+      <p:sp>
+        <p:nvSpPr>
+          <p:cNvPr id="4" name="Slide Number Placeholder 3">
+            <a:extLst>
+              <a:ext uri="{FF2B5EF4-FFF2-40B4-BE49-F238E27FC236}">
+                <a16:creationId xmlns:a16="http://schemas.microsoft.com/office/drawing/2014/main" id="{ADAE5499-DA5F-5BF1-2EEA-031D37DA59B4}"/>
+              </a:ext>
+            </a:extLst>
+          </p:cNvPr>
+          <p:cNvSpPr>
+            <a:spLocks noGrp="1"/>
+          </p:cNvSpPr>
+          <p:nvPr>
+            <p:ph type="sldNum" sz="quarter" idx="12"/>
+          </p:nvPr>
+        </p:nvSpPr>
+        <p:spPr/>
+        <p:txBody>
+          <a:bodyPr/>
+          <a:lstStyle/>
+          <a:p>
+            <a:fld id="{3EC9E123-0CB8-4CD3-A52F-DDEB9B17898B}" type="slidenum">
+              <a:rPr lang="en-US" smtClean="0"/>
+              <a:t>5</a:t>
+            </a:fld>
+            <a:endParaRPr lang="en-US"/>
           </a:p>
         </p:txBody>
       </p:sp>
@@ -12388,6 +14842,35 @@
           </a:p>
         </p:txBody>
       </p:sp>
+      <p:sp>
+        <p:nvSpPr>
+          <p:cNvPr id="4" name="Slide Number Placeholder 3">
+            <a:extLst>
+              <a:ext uri="{FF2B5EF4-FFF2-40B4-BE49-F238E27FC236}">
+                <a16:creationId xmlns:a16="http://schemas.microsoft.com/office/drawing/2014/main" id="{88582396-5AEF-FB20-A842-96188B5686B7}"/>
+              </a:ext>
+            </a:extLst>
+          </p:cNvPr>
+          <p:cNvSpPr>
+            <a:spLocks noGrp="1"/>
+          </p:cNvSpPr>
+          <p:nvPr>
+            <p:ph type="sldNum" sz="quarter" idx="12"/>
+          </p:nvPr>
+        </p:nvSpPr>
+        <p:spPr/>
+        <p:txBody>
+          <a:bodyPr/>
+          <a:lstStyle/>
+          <a:p>
+            <a:fld id="{3EC9E123-0CB8-4CD3-A52F-DDEB9B17898B}" type="slidenum">
+              <a:rPr lang="en-US" smtClean="0"/>
+              <a:t>6</a:t>
+            </a:fld>
+            <a:endParaRPr lang="en-US"/>
+          </a:p>
+        </p:txBody>
+      </p:sp>
     </p:spTree>
     <p:extLst>
       <p:ext uri="{BB962C8B-B14F-4D97-AF65-F5344CB8AC3E}">
@@ -12594,6 +15077,35 @@
           </a:p>
         </p:txBody>
       </p:sp>
+      <p:sp>
+        <p:nvSpPr>
+          <p:cNvPr id="4" name="Slide Number Placeholder 3">
+            <a:extLst>
+              <a:ext uri="{FF2B5EF4-FFF2-40B4-BE49-F238E27FC236}">
+                <a16:creationId xmlns:a16="http://schemas.microsoft.com/office/drawing/2014/main" id="{7D48307B-D1E5-0054-D22C-490CE24FD4E2}"/>
+              </a:ext>
+            </a:extLst>
+          </p:cNvPr>
+          <p:cNvSpPr>
+            <a:spLocks noGrp="1"/>
+          </p:cNvSpPr>
+          <p:nvPr>
+            <p:ph type="sldNum" sz="quarter" idx="12"/>
+          </p:nvPr>
+        </p:nvSpPr>
+        <p:spPr/>
+        <p:txBody>
+          <a:bodyPr/>
+          <a:lstStyle/>
+          <a:p>
+            <a:fld id="{3EC9E123-0CB8-4CD3-A52F-DDEB9B17898B}" type="slidenum">
+              <a:rPr lang="en-US" smtClean="0"/>
+              <a:t>7</a:t>
+            </a:fld>
+            <a:endParaRPr lang="en-US"/>
+          </a:p>
+        </p:txBody>
+      </p:sp>
     </p:spTree>
     <p:extLst>
       <p:ext uri="{BB962C8B-B14F-4D97-AF65-F5344CB8AC3E}">
@@ -12747,6 +15259,35 @@
           </a:p>
         </p:txBody>
       </p:sp>
+      <p:sp>
+        <p:nvSpPr>
+          <p:cNvPr id="4" name="Slide Number Placeholder 3">
+            <a:extLst>
+              <a:ext uri="{FF2B5EF4-FFF2-40B4-BE49-F238E27FC236}">
+                <a16:creationId xmlns:a16="http://schemas.microsoft.com/office/drawing/2014/main" id="{7CF461A6-DE5F-D70D-FF1D-79B87407CF8B}"/>
+              </a:ext>
+            </a:extLst>
+          </p:cNvPr>
+          <p:cNvSpPr>
+            <a:spLocks noGrp="1"/>
+          </p:cNvSpPr>
+          <p:nvPr>
+            <p:ph type="sldNum" sz="quarter" idx="12"/>
+          </p:nvPr>
+        </p:nvSpPr>
+        <p:spPr/>
+        <p:txBody>
+          <a:bodyPr/>
+          <a:lstStyle/>
+          <a:p>
+            <a:fld id="{3EC9E123-0CB8-4CD3-A52F-DDEB9B17898B}" type="slidenum">
+              <a:rPr lang="en-US" smtClean="0"/>
+              <a:t>8</a:t>
+            </a:fld>
+            <a:endParaRPr lang="en-US"/>
+          </a:p>
+        </p:txBody>
+      </p:sp>
     </p:spTree>
     <p:extLst>
       <p:ext uri="{BB962C8B-B14F-4D97-AF65-F5344CB8AC3E}">
@@ -12859,6 +15400,35 @@
               <a:rPr lang="en-US"/>
               <a:t>Week 2</a:t>
             </a:r>
+          </a:p>
+        </p:txBody>
+      </p:sp>
+      <p:sp>
+        <p:nvSpPr>
+          <p:cNvPr id="3" name="Slide Number Placeholder 2">
+            <a:extLst>
+              <a:ext uri="{FF2B5EF4-FFF2-40B4-BE49-F238E27FC236}">
+                <a16:creationId xmlns:a16="http://schemas.microsoft.com/office/drawing/2014/main" id="{89BC49CC-CDDF-991D-0ED5-6A95C23AB88B}"/>
+              </a:ext>
+            </a:extLst>
+          </p:cNvPr>
+          <p:cNvSpPr>
+            <a:spLocks noGrp="1"/>
+          </p:cNvSpPr>
+          <p:nvPr>
+            <p:ph type="sldNum" sz="quarter" idx="12"/>
+          </p:nvPr>
+        </p:nvSpPr>
+        <p:spPr/>
+        <p:txBody>
+          <a:bodyPr/>
+          <a:lstStyle/>
+          <a:p>
+            <a:fld id="{3EC9E123-0CB8-4CD3-A52F-DDEB9B17898B}" type="slidenum">
+              <a:rPr lang="en-US" smtClean="0"/>
+              <a:t>9</a:t>
+            </a:fld>
+            <a:endParaRPr lang="en-US"/>
           </a:p>
         </p:txBody>
       </p:sp>

--- a/all/Intro to Programming_all.pptx
+++ b/all/Intro to Programming_all.pptx
@@ -5,7 +5,7 @@
     <p:sldMasterId id="2147483648" r:id="rId1"/>
   </p:sldMasterIdLst>
   <p:notesMasterIdLst>
-    <p:notesMasterId r:id="rId50"/>
+    <p:notesMasterId r:id="rId51"/>
   </p:notesMasterIdLst>
   <p:sldIdLst>
     <p:sldId id="256" r:id="rId2"/>
@@ -55,7 +55,8 @@
     <p:sldId id="304" r:id="rId46"/>
     <p:sldId id="306" r:id="rId47"/>
     <p:sldId id="305" r:id="rId48"/>
-    <p:sldId id="281" r:id="rId49"/>
+    <p:sldId id="307" r:id="rId49"/>
+    <p:sldId id="281" r:id="rId50"/>
   </p:sldIdLst>
   <p:sldSz cx="12192000" cy="6858000"/>
   <p:notesSz cx="7315200" cy="9601200"/>
@@ -206,6 +207,7 @@
             <p14:sldId id="304"/>
             <p14:sldId id="306"/>
             <p14:sldId id="305"/>
+            <p14:sldId id="307"/>
             <p14:sldId id="281"/>
           </p14:sldIdLst>
         </p14:section>
@@ -300,7 +302,7 @@
           <a:p>
             <a:fld id="{03FEC988-D264-4851-9784-E262DEC12FF7}" type="datetimeFigureOut">
               <a:rPr lang="en-US" smtClean="0"/>
-              <a:t>10/16/2025</a:t>
+              <a:t>10/23/2025</a:t>
             </a:fld>
             <a:endParaRPr lang="en-US"/>
           </a:p>
@@ -714,7 +716,7 @@
           <a:p>
             <a:fld id="{FC9FB2DD-DF35-4B84-9135-C0E6A5E9FBB3}" type="datetimeFigureOut">
               <a:rPr lang="en-US" smtClean="0"/>
-              <a:t>10/16/2025</a:t>
+              <a:t>10/23/2025</a:t>
             </a:fld>
             <a:endParaRPr lang="en-US"/>
           </a:p>
@@ -912,7 +914,7 @@
           <a:p>
             <a:fld id="{FC9FB2DD-DF35-4B84-9135-C0E6A5E9FBB3}" type="datetimeFigureOut">
               <a:rPr lang="en-US" smtClean="0"/>
-              <a:t>10/16/2025</a:t>
+              <a:t>10/23/2025</a:t>
             </a:fld>
             <a:endParaRPr lang="en-US"/>
           </a:p>
@@ -1120,7 +1122,7 @@
           <a:p>
             <a:fld id="{FC9FB2DD-DF35-4B84-9135-C0E6A5E9FBB3}" type="datetimeFigureOut">
               <a:rPr lang="en-US" smtClean="0"/>
-              <a:t>10/16/2025</a:t>
+              <a:t>10/23/2025</a:t>
             </a:fld>
             <a:endParaRPr lang="en-US"/>
           </a:p>
@@ -1318,7 +1320,7 @@
           <a:p>
             <a:fld id="{FC9FB2DD-DF35-4B84-9135-C0E6A5E9FBB3}" type="datetimeFigureOut">
               <a:rPr lang="en-US" smtClean="0"/>
-              <a:t>10/16/2025</a:t>
+              <a:t>10/23/2025</a:t>
             </a:fld>
             <a:endParaRPr lang="en-US"/>
           </a:p>
@@ -1593,7 +1595,7 @@
           <a:p>
             <a:fld id="{FC9FB2DD-DF35-4B84-9135-C0E6A5E9FBB3}" type="datetimeFigureOut">
               <a:rPr lang="en-US" smtClean="0"/>
-              <a:t>10/16/2025</a:t>
+              <a:t>10/23/2025</a:t>
             </a:fld>
             <a:endParaRPr lang="en-US"/>
           </a:p>
@@ -1858,7 +1860,7 @@
           <a:p>
             <a:fld id="{FC9FB2DD-DF35-4B84-9135-C0E6A5E9FBB3}" type="datetimeFigureOut">
               <a:rPr lang="en-US" smtClean="0"/>
-              <a:t>10/16/2025</a:t>
+              <a:t>10/23/2025</a:t>
             </a:fld>
             <a:endParaRPr lang="en-US"/>
           </a:p>
@@ -2270,7 +2272,7 @@
           <a:p>
             <a:fld id="{FC9FB2DD-DF35-4B84-9135-C0E6A5E9FBB3}" type="datetimeFigureOut">
               <a:rPr lang="en-US" smtClean="0"/>
-              <a:t>10/16/2025</a:t>
+              <a:t>10/23/2025</a:t>
             </a:fld>
             <a:endParaRPr lang="en-US"/>
           </a:p>
@@ -2411,7 +2413,7 @@
           <a:p>
             <a:fld id="{FC9FB2DD-DF35-4B84-9135-C0E6A5E9FBB3}" type="datetimeFigureOut">
               <a:rPr lang="en-US" smtClean="0"/>
-              <a:t>10/16/2025</a:t>
+              <a:t>10/23/2025</a:t>
             </a:fld>
             <a:endParaRPr lang="en-US"/>
           </a:p>
@@ -2524,7 +2526,7 @@
           <a:p>
             <a:fld id="{FC9FB2DD-DF35-4B84-9135-C0E6A5E9FBB3}" type="datetimeFigureOut">
               <a:rPr lang="en-US" smtClean="0"/>
-              <a:t>10/16/2025</a:t>
+              <a:t>10/23/2025</a:t>
             </a:fld>
             <a:endParaRPr lang="en-US"/>
           </a:p>
@@ -2835,7 +2837,7 @@
           <a:p>
             <a:fld id="{FC9FB2DD-DF35-4B84-9135-C0E6A5E9FBB3}" type="datetimeFigureOut">
               <a:rPr lang="en-US" smtClean="0"/>
-              <a:t>10/16/2025</a:t>
+              <a:t>10/23/2025</a:t>
             </a:fld>
             <a:endParaRPr lang="en-US"/>
           </a:p>
@@ -3123,7 +3125,7 @@
           <a:p>
             <a:fld id="{FC9FB2DD-DF35-4B84-9135-C0E6A5E9FBB3}" type="datetimeFigureOut">
               <a:rPr lang="en-US" smtClean="0"/>
-              <a:t>10/16/2025</a:t>
+              <a:t>10/23/2025</a:t>
             </a:fld>
             <a:endParaRPr lang="en-US"/>
           </a:p>
@@ -3364,7 +3366,7 @@
           <a:p>
             <a:fld id="{FC9FB2DD-DF35-4B84-9135-C0E6A5E9FBB3}" type="datetimeFigureOut">
               <a:rPr lang="en-US" smtClean="0"/>
-              <a:t>10/16/2025</a:t>
+              <a:t>10/23/2025</a:t>
             </a:fld>
             <a:endParaRPr lang="en-US"/>
           </a:p>
@@ -12879,6 +12881,63 @@
           </a:prstGeom>
         </p:spPr>
       </p:pic>
+      <p:sp>
+        <p:nvSpPr>
+          <p:cNvPr id="4" name="Footer Placeholder 3">
+            <a:extLst>
+              <a:ext uri="{FF2B5EF4-FFF2-40B4-BE49-F238E27FC236}">
+                <a16:creationId xmlns:a16="http://schemas.microsoft.com/office/drawing/2014/main" id="{6431C907-3628-FE53-688E-BF00CAB1CCF9}"/>
+              </a:ext>
+            </a:extLst>
+          </p:cNvPr>
+          <p:cNvSpPr>
+            <a:spLocks noGrp="1"/>
+          </p:cNvSpPr>
+          <p:nvPr>
+            <p:ph type="ftr" sz="quarter" idx="11"/>
+          </p:nvPr>
+        </p:nvSpPr>
+        <p:spPr/>
+        <p:txBody>
+          <a:bodyPr/>
+          <a:lstStyle/>
+          <a:p>
+            <a:r>
+              <a:rPr lang="en-US"/>
+              <a:t>Week 5</a:t>
+            </a:r>
+          </a:p>
+        </p:txBody>
+      </p:sp>
+      <p:sp>
+        <p:nvSpPr>
+          <p:cNvPr id="6" name="Slide Number Placeholder 5">
+            <a:extLst>
+              <a:ext uri="{FF2B5EF4-FFF2-40B4-BE49-F238E27FC236}">
+                <a16:creationId xmlns:a16="http://schemas.microsoft.com/office/drawing/2014/main" id="{9CDB1602-C797-420A-87EC-35380CA7F76F}"/>
+              </a:ext>
+            </a:extLst>
+          </p:cNvPr>
+          <p:cNvSpPr>
+            <a:spLocks noGrp="1"/>
+          </p:cNvSpPr>
+          <p:nvPr>
+            <p:ph type="sldNum" sz="quarter" idx="12"/>
+          </p:nvPr>
+        </p:nvSpPr>
+        <p:spPr/>
+        <p:txBody>
+          <a:bodyPr/>
+          <a:lstStyle/>
+          <a:p>
+            <a:fld id="{3EC9E123-0CB8-4CD3-A52F-DDEB9B17898B}" type="slidenum">
+              <a:rPr lang="en-US" smtClean="0"/>
+              <a:t>39</a:t>
+            </a:fld>
+            <a:endParaRPr lang="en-US"/>
+          </a:p>
+        </p:txBody>
+      </p:sp>
     </p:spTree>
     <p:extLst>
       <p:ext uri="{BB962C8B-B14F-4D97-AF65-F5344CB8AC3E}">
@@ -13215,6 +13274,63 @@
           </a:prstGeom>
         </p:spPr>
       </p:pic>
+      <p:sp>
+        <p:nvSpPr>
+          <p:cNvPr id="4" name="Footer Placeholder 3">
+            <a:extLst>
+              <a:ext uri="{FF2B5EF4-FFF2-40B4-BE49-F238E27FC236}">
+                <a16:creationId xmlns:a16="http://schemas.microsoft.com/office/drawing/2014/main" id="{43727642-34A7-8A5A-3518-A809FE513B04}"/>
+              </a:ext>
+            </a:extLst>
+          </p:cNvPr>
+          <p:cNvSpPr>
+            <a:spLocks noGrp="1"/>
+          </p:cNvSpPr>
+          <p:nvPr>
+            <p:ph type="ftr" sz="quarter" idx="11"/>
+          </p:nvPr>
+        </p:nvSpPr>
+        <p:spPr/>
+        <p:txBody>
+          <a:bodyPr/>
+          <a:lstStyle/>
+          <a:p>
+            <a:r>
+              <a:rPr lang="en-US"/>
+              <a:t>Week 5</a:t>
+            </a:r>
+          </a:p>
+        </p:txBody>
+      </p:sp>
+      <p:sp>
+        <p:nvSpPr>
+          <p:cNvPr id="6" name="Slide Number Placeholder 5">
+            <a:extLst>
+              <a:ext uri="{FF2B5EF4-FFF2-40B4-BE49-F238E27FC236}">
+                <a16:creationId xmlns:a16="http://schemas.microsoft.com/office/drawing/2014/main" id="{D427AC12-3381-38C5-13DC-A131D6F552B0}"/>
+              </a:ext>
+            </a:extLst>
+          </p:cNvPr>
+          <p:cNvSpPr>
+            <a:spLocks noGrp="1"/>
+          </p:cNvSpPr>
+          <p:nvPr>
+            <p:ph type="sldNum" sz="quarter" idx="12"/>
+          </p:nvPr>
+        </p:nvSpPr>
+        <p:spPr/>
+        <p:txBody>
+          <a:bodyPr/>
+          <a:lstStyle/>
+          <a:p>
+            <a:fld id="{3EC9E123-0CB8-4CD3-A52F-DDEB9B17898B}" type="slidenum">
+              <a:rPr lang="en-US" smtClean="0"/>
+              <a:t>40</a:t>
+            </a:fld>
+            <a:endParaRPr lang="en-US"/>
+          </a:p>
+        </p:txBody>
+      </p:sp>
     </p:spTree>
     <p:extLst>
       <p:ext uri="{BB962C8B-B14F-4D97-AF65-F5344CB8AC3E}">
@@ -13400,6 +13516,63 @@
           </a:prstGeom>
         </p:spPr>
       </p:pic>
+      <p:sp>
+        <p:nvSpPr>
+          <p:cNvPr id="4" name="Footer Placeholder 3">
+            <a:extLst>
+              <a:ext uri="{FF2B5EF4-FFF2-40B4-BE49-F238E27FC236}">
+                <a16:creationId xmlns:a16="http://schemas.microsoft.com/office/drawing/2014/main" id="{2F702E66-597F-151E-7584-4F104389FF2D}"/>
+              </a:ext>
+            </a:extLst>
+          </p:cNvPr>
+          <p:cNvSpPr>
+            <a:spLocks noGrp="1"/>
+          </p:cNvSpPr>
+          <p:nvPr>
+            <p:ph type="ftr" sz="quarter" idx="11"/>
+          </p:nvPr>
+        </p:nvSpPr>
+        <p:spPr/>
+        <p:txBody>
+          <a:bodyPr/>
+          <a:lstStyle/>
+          <a:p>
+            <a:r>
+              <a:rPr lang="en-US"/>
+              <a:t>Week 5</a:t>
+            </a:r>
+          </a:p>
+        </p:txBody>
+      </p:sp>
+      <p:sp>
+        <p:nvSpPr>
+          <p:cNvPr id="8" name="Slide Number Placeholder 7">
+            <a:extLst>
+              <a:ext uri="{FF2B5EF4-FFF2-40B4-BE49-F238E27FC236}">
+                <a16:creationId xmlns:a16="http://schemas.microsoft.com/office/drawing/2014/main" id="{452582CE-AE50-6A9E-C037-C7565076C6BB}"/>
+              </a:ext>
+            </a:extLst>
+          </p:cNvPr>
+          <p:cNvSpPr>
+            <a:spLocks noGrp="1"/>
+          </p:cNvSpPr>
+          <p:nvPr>
+            <p:ph type="sldNum" sz="quarter" idx="12"/>
+          </p:nvPr>
+        </p:nvSpPr>
+        <p:spPr/>
+        <p:txBody>
+          <a:bodyPr/>
+          <a:lstStyle/>
+          <a:p>
+            <a:fld id="{3EC9E123-0CB8-4CD3-A52F-DDEB9B17898B}" type="slidenum">
+              <a:rPr lang="en-US" smtClean="0"/>
+              <a:t>41</a:t>
+            </a:fld>
+            <a:endParaRPr lang="en-US"/>
+          </a:p>
+        </p:txBody>
+      </p:sp>
     </p:spTree>
     <p:extLst>
       <p:ext uri="{BB962C8B-B14F-4D97-AF65-F5344CB8AC3E}">
@@ -13549,6 +13722,63 @@
           </a:p>
         </p:txBody>
       </p:sp>
+      <p:sp>
+        <p:nvSpPr>
+          <p:cNvPr id="4" name="Footer Placeholder 3">
+            <a:extLst>
+              <a:ext uri="{FF2B5EF4-FFF2-40B4-BE49-F238E27FC236}">
+                <a16:creationId xmlns:a16="http://schemas.microsoft.com/office/drawing/2014/main" id="{5AB59F75-38C3-BA71-382D-65180DF38B77}"/>
+              </a:ext>
+            </a:extLst>
+          </p:cNvPr>
+          <p:cNvSpPr>
+            <a:spLocks noGrp="1"/>
+          </p:cNvSpPr>
+          <p:nvPr>
+            <p:ph type="ftr" sz="quarter" idx="11"/>
+          </p:nvPr>
+        </p:nvSpPr>
+        <p:spPr/>
+        <p:txBody>
+          <a:bodyPr/>
+          <a:lstStyle/>
+          <a:p>
+            <a:r>
+              <a:rPr lang="en-US"/>
+              <a:t>Week 5</a:t>
+            </a:r>
+          </a:p>
+        </p:txBody>
+      </p:sp>
+      <p:sp>
+        <p:nvSpPr>
+          <p:cNvPr id="5" name="Slide Number Placeholder 4">
+            <a:extLst>
+              <a:ext uri="{FF2B5EF4-FFF2-40B4-BE49-F238E27FC236}">
+                <a16:creationId xmlns:a16="http://schemas.microsoft.com/office/drawing/2014/main" id="{C539E957-22C1-65F6-C5B6-AAA3F36EFB00}"/>
+              </a:ext>
+            </a:extLst>
+          </p:cNvPr>
+          <p:cNvSpPr>
+            <a:spLocks noGrp="1"/>
+          </p:cNvSpPr>
+          <p:nvPr>
+            <p:ph type="sldNum" sz="quarter" idx="12"/>
+          </p:nvPr>
+        </p:nvSpPr>
+        <p:spPr/>
+        <p:txBody>
+          <a:bodyPr/>
+          <a:lstStyle/>
+          <a:p>
+            <a:fld id="{3EC9E123-0CB8-4CD3-A52F-DDEB9B17898B}" type="slidenum">
+              <a:rPr lang="en-US" smtClean="0"/>
+              <a:t>42</a:t>
+            </a:fld>
+            <a:endParaRPr lang="en-US"/>
+          </a:p>
+        </p:txBody>
+      </p:sp>
     </p:spTree>
     <p:extLst>
       <p:ext uri="{BB962C8B-B14F-4D97-AF65-F5344CB8AC3E}">
@@ -13689,6 +13919,63 @@
           <a:p>
             <a:pPr lvl="1"/>
             <a:endParaRPr lang="en-US" dirty="0"/>
+          </a:p>
+        </p:txBody>
+      </p:sp>
+      <p:sp>
+        <p:nvSpPr>
+          <p:cNvPr id="4" name="Footer Placeholder 3">
+            <a:extLst>
+              <a:ext uri="{FF2B5EF4-FFF2-40B4-BE49-F238E27FC236}">
+                <a16:creationId xmlns:a16="http://schemas.microsoft.com/office/drawing/2014/main" id="{B56AF0E7-92DA-59B4-26E2-0B6E9E9303FA}"/>
+              </a:ext>
+            </a:extLst>
+          </p:cNvPr>
+          <p:cNvSpPr>
+            <a:spLocks noGrp="1"/>
+          </p:cNvSpPr>
+          <p:nvPr>
+            <p:ph type="ftr" sz="quarter" idx="11"/>
+          </p:nvPr>
+        </p:nvSpPr>
+        <p:spPr/>
+        <p:txBody>
+          <a:bodyPr/>
+          <a:lstStyle/>
+          <a:p>
+            <a:r>
+              <a:rPr lang="en-US"/>
+              <a:t>Week 5</a:t>
+            </a:r>
+          </a:p>
+        </p:txBody>
+      </p:sp>
+      <p:sp>
+        <p:nvSpPr>
+          <p:cNvPr id="5" name="Slide Number Placeholder 4">
+            <a:extLst>
+              <a:ext uri="{FF2B5EF4-FFF2-40B4-BE49-F238E27FC236}">
+                <a16:creationId xmlns:a16="http://schemas.microsoft.com/office/drawing/2014/main" id="{ABE2CE91-4258-FFBA-E5C6-8C8067E44379}"/>
+              </a:ext>
+            </a:extLst>
+          </p:cNvPr>
+          <p:cNvSpPr>
+            <a:spLocks noGrp="1"/>
+          </p:cNvSpPr>
+          <p:nvPr>
+            <p:ph type="sldNum" sz="quarter" idx="12"/>
+          </p:nvPr>
+        </p:nvSpPr>
+        <p:spPr/>
+        <p:txBody>
+          <a:bodyPr/>
+          <a:lstStyle/>
+          <a:p>
+            <a:fld id="{3EC9E123-0CB8-4CD3-A52F-DDEB9B17898B}" type="slidenum">
+              <a:rPr lang="en-US" smtClean="0"/>
+              <a:t>43</a:t>
+            </a:fld>
+            <a:endParaRPr lang="en-US"/>
           </a:p>
         </p:txBody>
       </p:sp>
@@ -13817,6 +14104,63 @@
           </a:prstGeom>
         </p:spPr>
       </p:pic>
+      <p:sp>
+        <p:nvSpPr>
+          <p:cNvPr id="4" name="Footer Placeholder 3">
+            <a:extLst>
+              <a:ext uri="{FF2B5EF4-FFF2-40B4-BE49-F238E27FC236}">
+                <a16:creationId xmlns:a16="http://schemas.microsoft.com/office/drawing/2014/main" id="{DC20F214-9E16-EBC7-AAC4-1C1E448B7E98}"/>
+              </a:ext>
+            </a:extLst>
+          </p:cNvPr>
+          <p:cNvSpPr>
+            <a:spLocks noGrp="1"/>
+          </p:cNvSpPr>
+          <p:nvPr>
+            <p:ph type="ftr" sz="quarter" idx="11"/>
+          </p:nvPr>
+        </p:nvSpPr>
+        <p:spPr/>
+        <p:txBody>
+          <a:bodyPr/>
+          <a:lstStyle/>
+          <a:p>
+            <a:r>
+              <a:rPr lang="en-US"/>
+              <a:t>Week 5</a:t>
+            </a:r>
+          </a:p>
+        </p:txBody>
+      </p:sp>
+      <p:sp>
+        <p:nvSpPr>
+          <p:cNvPr id="5" name="Slide Number Placeholder 4">
+            <a:extLst>
+              <a:ext uri="{FF2B5EF4-FFF2-40B4-BE49-F238E27FC236}">
+                <a16:creationId xmlns:a16="http://schemas.microsoft.com/office/drawing/2014/main" id="{317730C8-DA8F-19AD-7F40-C788692AAC67}"/>
+              </a:ext>
+            </a:extLst>
+          </p:cNvPr>
+          <p:cNvSpPr>
+            <a:spLocks noGrp="1"/>
+          </p:cNvSpPr>
+          <p:nvPr>
+            <p:ph type="sldNum" sz="quarter" idx="12"/>
+          </p:nvPr>
+        </p:nvSpPr>
+        <p:spPr/>
+        <p:txBody>
+          <a:bodyPr/>
+          <a:lstStyle/>
+          <a:p>
+            <a:fld id="{3EC9E123-0CB8-4CD3-A52F-DDEB9B17898B}" type="slidenum">
+              <a:rPr lang="en-US" smtClean="0"/>
+              <a:t>44</a:t>
+            </a:fld>
+            <a:endParaRPr lang="en-US"/>
+          </a:p>
+        </p:txBody>
+      </p:sp>
     </p:spTree>
     <p:extLst>
       <p:ext uri="{BB962C8B-B14F-4D97-AF65-F5344CB8AC3E}">
@@ -13972,6 +14316,63 @@
           </a:prstGeom>
         </p:spPr>
       </p:pic>
+      <p:sp>
+        <p:nvSpPr>
+          <p:cNvPr id="4" name="Footer Placeholder 3">
+            <a:extLst>
+              <a:ext uri="{FF2B5EF4-FFF2-40B4-BE49-F238E27FC236}">
+                <a16:creationId xmlns:a16="http://schemas.microsoft.com/office/drawing/2014/main" id="{63007465-220D-3AAC-D23C-81587BD1A0E1}"/>
+              </a:ext>
+            </a:extLst>
+          </p:cNvPr>
+          <p:cNvSpPr>
+            <a:spLocks noGrp="1"/>
+          </p:cNvSpPr>
+          <p:nvPr>
+            <p:ph type="ftr" sz="quarter" idx="11"/>
+          </p:nvPr>
+        </p:nvSpPr>
+        <p:spPr/>
+        <p:txBody>
+          <a:bodyPr/>
+          <a:lstStyle/>
+          <a:p>
+            <a:r>
+              <a:rPr lang="en-US"/>
+              <a:t>Week 5</a:t>
+            </a:r>
+          </a:p>
+        </p:txBody>
+      </p:sp>
+      <p:sp>
+        <p:nvSpPr>
+          <p:cNvPr id="6" name="Slide Number Placeholder 5">
+            <a:extLst>
+              <a:ext uri="{FF2B5EF4-FFF2-40B4-BE49-F238E27FC236}">
+                <a16:creationId xmlns:a16="http://schemas.microsoft.com/office/drawing/2014/main" id="{E52F075C-ED2E-8FC0-A183-8D6D5C0A0078}"/>
+              </a:ext>
+            </a:extLst>
+          </p:cNvPr>
+          <p:cNvSpPr>
+            <a:spLocks noGrp="1"/>
+          </p:cNvSpPr>
+          <p:nvPr>
+            <p:ph type="sldNum" sz="quarter" idx="12"/>
+          </p:nvPr>
+        </p:nvSpPr>
+        <p:spPr/>
+        <p:txBody>
+          <a:bodyPr/>
+          <a:lstStyle/>
+          <a:p>
+            <a:fld id="{3EC9E123-0CB8-4CD3-A52F-DDEB9B17898B}" type="slidenum">
+              <a:rPr lang="en-US" smtClean="0"/>
+              <a:t>45</a:t>
+            </a:fld>
+            <a:endParaRPr lang="en-US"/>
+          </a:p>
+        </p:txBody>
+      </p:sp>
     </p:spTree>
     <p:extLst>
       <p:ext uri="{BB962C8B-B14F-4D97-AF65-F5344CB8AC3E}">
@@ -14065,8 +14466,10 @@
           <a:p>
             <a:r>
               <a:rPr lang="en-US" dirty="0"/>
-              <a:t>If user fail .. they tries again … </a:t>
-            </a:r>
+              <a:t>If user fails .. they try again … (*use while loop)</a:t>
+            </a:r>
+          </a:p>
+          <a:p>
             <a:br>
               <a:rPr lang="en-US" dirty="0"/>
             </a:br>
@@ -14104,6 +14507,63 @@
           </a:prstGeom>
         </p:spPr>
       </p:pic>
+      <p:sp>
+        <p:nvSpPr>
+          <p:cNvPr id="4" name="Footer Placeholder 3">
+            <a:extLst>
+              <a:ext uri="{FF2B5EF4-FFF2-40B4-BE49-F238E27FC236}">
+                <a16:creationId xmlns:a16="http://schemas.microsoft.com/office/drawing/2014/main" id="{8AA4317D-FC1A-7B4B-50F4-2DEAD560D8DE}"/>
+              </a:ext>
+            </a:extLst>
+          </p:cNvPr>
+          <p:cNvSpPr>
+            <a:spLocks noGrp="1"/>
+          </p:cNvSpPr>
+          <p:nvPr>
+            <p:ph type="ftr" sz="quarter" idx="11"/>
+          </p:nvPr>
+        </p:nvSpPr>
+        <p:spPr/>
+        <p:txBody>
+          <a:bodyPr/>
+          <a:lstStyle/>
+          <a:p>
+            <a:r>
+              <a:rPr lang="en-US"/>
+              <a:t>Week 5</a:t>
+            </a:r>
+          </a:p>
+        </p:txBody>
+      </p:sp>
+      <p:sp>
+        <p:nvSpPr>
+          <p:cNvPr id="6" name="Slide Number Placeholder 5">
+            <a:extLst>
+              <a:ext uri="{FF2B5EF4-FFF2-40B4-BE49-F238E27FC236}">
+                <a16:creationId xmlns:a16="http://schemas.microsoft.com/office/drawing/2014/main" id="{E656C5E6-C9AF-BA2C-9141-FBB58F446928}"/>
+              </a:ext>
+            </a:extLst>
+          </p:cNvPr>
+          <p:cNvSpPr>
+            <a:spLocks noGrp="1"/>
+          </p:cNvSpPr>
+          <p:nvPr>
+            <p:ph type="sldNum" sz="quarter" idx="12"/>
+          </p:nvPr>
+        </p:nvSpPr>
+        <p:spPr/>
+        <p:txBody>
+          <a:bodyPr/>
+          <a:lstStyle/>
+          <a:p>
+            <a:fld id="{3EC9E123-0CB8-4CD3-A52F-DDEB9B17898B}" type="slidenum">
+              <a:rPr lang="en-US" smtClean="0"/>
+              <a:t>46</a:t>
+            </a:fld>
+            <a:endParaRPr lang="en-US"/>
+          </a:p>
+        </p:txBody>
+      </p:sp>
     </p:spTree>
     <p:extLst>
       <p:ext uri="{BB962C8B-B14F-4D97-AF65-F5344CB8AC3E}">
@@ -14261,6 +14721,63 @@
           </a:p>
         </p:txBody>
       </p:sp>
+      <p:sp>
+        <p:nvSpPr>
+          <p:cNvPr id="4" name="Footer Placeholder 3">
+            <a:extLst>
+              <a:ext uri="{FF2B5EF4-FFF2-40B4-BE49-F238E27FC236}">
+                <a16:creationId xmlns:a16="http://schemas.microsoft.com/office/drawing/2014/main" id="{D7FCD2E3-B331-C1C7-C15B-2FBCAE190813}"/>
+              </a:ext>
+            </a:extLst>
+          </p:cNvPr>
+          <p:cNvSpPr>
+            <a:spLocks noGrp="1"/>
+          </p:cNvSpPr>
+          <p:nvPr>
+            <p:ph type="ftr" sz="quarter" idx="11"/>
+          </p:nvPr>
+        </p:nvSpPr>
+        <p:spPr/>
+        <p:txBody>
+          <a:bodyPr/>
+          <a:lstStyle/>
+          <a:p>
+            <a:r>
+              <a:rPr lang="en-US"/>
+              <a:t>Week 5</a:t>
+            </a:r>
+          </a:p>
+        </p:txBody>
+      </p:sp>
+      <p:sp>
+        <p:nvSpPr>
+          <p:cNvPr id="5" name="Slide Number Placeholder 4">
+            <a:extLst>
+              <a:ext uri="{FF2B5EF4-FFF2-40B4-BE49-F238E27FC236}">
+                <a16:creationId xmlns:a16="http://schemas.microsoft.com/office/drawing/2014/main" id="{BEB1911B-95BE-5E6A-3357-BDF1ABDD4127}"/>
+              </a:ext>
+            </a:extLst>
+          </p:cNvPr>
+          <p:cNvSpPr>
+            <a:spLocks noGrp="1"/>
+          </p:cNvSpPr>
+          <p:nvPr>
+            <p:ph type="sldNum" sz="quarter" idx="12"/>
+          </p:nvPr>
+        </p:nvSpPr>
+        <p:spPr/>
+        <p:txBody>
+          <a:bodyPr/>
+          <a:lstStyle/>
+          <a:p>
+            <a:fld id="{3EC9E123-0CB8-4CD3-A52F-DDEB9B17898B}" type="slidenum">
+              <a:rPr lang="en-US" smtClean="0"/>
+              <a:t>47</a:t>
+            </a:fld>
+            <a:endParaRPr lang="en-US"/>
+          </a:p>
+        </p:txBody>
+      </p:sp>
     </p:spTree>
     <p:extLst>
       <p:ext uri="{BB962C8B-B14F-4D97-AF65-F5344CB8AC3E}">
@@ -14296,6 +14813,273 @@
           <p:cNvPr id="2" name="Title 1">
             <a:extLst>
               <a:ext uri="{FF2B5EF4-FFF2-40B4-BE49-F238E27FC236}">
+                <a16:creationId xmlns:a16="http://schemas.microsoft.com/office/drawing/2014/main" id="{D7442C1E-BC97-8BDE-C427-F0F007B8D26C}"/>
+              </a:ext>
+            </a:extLst>
+          </p:cNvPr>
+          <p:cNvSpPr>
+            <a:spLocks noGrp="1"/>
+          </p:cNvSpPr>
+          <p:nvPr>
+            <p:ph type="title"/>
+          </p:nvPr>
+        </p:nvSpPr>
+        <p:spPr/>
+        <p:txBody>
+          <a:bodyPr/>
+          <a:lstStyle/>
+          <a:p>
+            <a:r>
+              <a:rPr lang="en-US" dirty="0"/>
+              <a:t>Assignment 2.* </a:t>
+            </a:r>
+            <a:r>
+              <a:rPr lang="en-US" sz="1400" i="1"/>
+              <a:t>(hint : use </a:t>
+            </a:r>
+            <a:r>
+              <a:rPr lang="en-US" sz="1400" i="1" dirty="0"/>
+              <a:t>while) </a:t>
+            </a:r>
+          </a:p>
+        </p:txBody>
+      </p:sp>
+      <p:sp>
+        <p:nvSpPr>
+          <p:cNvPr id="3" name="Content Placeholder 2">
+            <a:extLst>
+              <a:ext uri="{FF2B5EF4-FFF2-40B4-BE49-F238E27FC236}">
+                <a16:creationId xmlns:a16="http://schemas.microsoft.com/office/drawing/2014/main" id="{169C5318-9B55-B542-259D-4CEC67C5530F}"/>
+              </a:ext>
+            </a:extLst>
+          </p:cNvPr>
+          <p:cNvSpPr>
+            <a:spLocks noGrp="1"/>
+          </p:cNvSpPr>
+          <p:nvPr>
+            <p:ph idx="1"/>
+          </p:nvPr>
+        </p:nvSpPr>
+        <p:spPr/>
+        <p:txBody>
+          <a:bodyPr>
+            <a:normAutofit/>
+          </a:bodyPr>
+          <a:lstStyle/>
+          <a:p>
+            <a:r>
+              <a:rPr lang="en-US" dirty="0">
+                <a:highlight>
+                  <a:srgbClr val="00FF00"/>
+                </a:highlight>
+              </a:rPr>
+              <a:t>Print first 10 numbers</a:t>
+            </a:r>
+          </a:p>
+          <a:p>
+            <a:r>
+              <a:rPr lang="en-US" dirty="0">
+                <a:highlight>
+                  <a:srgbClr val="FFFF00"/>
+                </a:highlight>
+              </a:rPr>
+              <a:t>Print the sum of first N numbers </a:t>
+            </a:r>
+          </a:p>
+          <a:p>
+            <a:pPr lvl="1"/>
+            <a:r>
+              <a:rPr lang="en-US" dirty="0"/>
+              <a:t>N is provided by the user</a:t>
+            </a:r>
+          </a:p>
+          <a:p>
+            <a:r>
+              <a:rPr lang="en-US" dirty="0">
+                <a:highlight>
+                  <a:srgbClr val="FFFF00"/>
+                </a:highlight>
+              </a:rPr>
+              <a:t>Find the sum of first N odd numbers</a:t>
+            </a:r>
+          </a:p>
+          <a:p>
+            <a:r>
+              <a:rPr lang="en-US" dirty="0">
+                <a:highlight>
+                  <a:srgbClr val="FF0000"/>
+                </a:highlight>
+              </a:rPr>
+              <a:t>Find smallest number divisible by all numbers between 1 to 20. </a:t>
+            </a:r>
+          </a:p>
+          <a:p>
+            <a:r>
+              <a:rPr lang="en-US" dirty="0">
+                <a:highlight>
+                  <a:srgbClr val="FF0000"/>
+                </a:highlight>
+              </a:rPr>
+              <a:t>Find the greatest common factor of 2 numbers .</a:t>
+            </a:r>
+          </a:p>
+          <a:p>
+            <a:pPr lvl="1"/>
+            <a:r>
+              <a:rPr lang="en-US" dirty="0">
+                <a:highlight>
+                  <a:srgbClr val="FF0000"/>
+                </a:highlight>
+              </a:rPr>
+              <a:t>2,4  </a:t>
+            </a:r>
+            <a:r>
+              <a:rPr lang="en-US" dirty="0">
+                <a:highlight>
+                  <a:srgbClr val="FF0000"/>
+                </a:highlight>
+                <a:sym typeface="Wingdings" panose="05000000000000000000" pitchFamily="2" charset="2"/>
+              </a:rPr>
+              <a:t> 2</a:t>
+            </a:r>
+          </a:p>
+          <a:p>
+            <a:pPr lvl="1"/>
+            <a:r>
+              <a:rPr lang="en-US" dirty="0">
+                <a:highlight>
+                  <a:srgbClr val="FF0000"/>
+                </a:highlight>
+                <a:sym typeface="Wingdings" panose="05000000000000000000" pitchFamily="2" charset="2"/>
+              </a:rPr>
+              <a:t>6,9   3</a:t>
+            </a:r>
+            <a:endParaRPr lang="en-US" dirty="0">
+              <a:highlight>
+                <a:srgbClr val="FF0000"/>
+              </a:highlight>
+            </a:endParaRPr>
+          </a:p>
+          <a:p>
+            <a:r>
+              <a:rPr lang="en-US" dirty="0">
+                <a:highlight>
+                  <a:srgbClr val="00FF00"/>
+                </a:highlight>
+              </a:rPr>
+              <a:t>EASY</a:t>
+            </a:r>
+            <a:r>
+              <a:rPr lang="en-US" dirty="0">
+                <a:highlight>
+                  <a:srgbClr val="FFFF00"/>
+                </a:highlight>
+              </a:rPr>
+              <a:t>MEDIUM</a:t>
+            </a:r>
+            <a:r>
+              <a:rPr lang="en-US" dirty="0">
+                <a:highlight>
+                  <a:srgbClr val="FF0000"/>
+                </a:highlight>
+              </a:rPr>
+              <a:t>HARD</a:t>
+            </a:r>
+          </a:p>
+        </p:txBody>
+      </p:sp>
+      <p:sp>
+        <p:nvSpPr>
+          <p:cNvPr id="4" name="Footer Placeholder 3">
+            <a:extLst>
+              <a:ext uri="{FF2B5EF4-FFF2-40B4-BE49-F238E27FC236}">
+                <a16:creationId xmlns:a16="http://schemas.microsoft.com/office/drawing/2014/main" id="{D8261EB2-9B93-5AB5-A1A0-6F06345126AC}"/>
+              </a:ext>
+            </a:extLst>
+          </p:cNvPr>
+          <p:cNvSpPr>
+            <a:spLocks noGrp="1"/>
+          </p:cNvSpPr>
+          <p:nvPr>
+            <p:ph type="ftr" sz="quarter" idx="11"/>
+          </p:nvPr>
+        </p:nvSpPr>
+        <p:spPr/>
+        <p:txBody>
+          <a:bodyPr/>
+          <a:lstStyle/>
+          <a:p>
+            <a:r>
+              <a:rPr lang="en-US"/>
+              <a:t>Week 6</a:t>
+            </a:r>
+          </a:p>
+        </p:txBody>
+      </p:sp>
+      <p:sp>
+        <p:nvSpPr>
+          <p:cNvPr id="5" name="Slide Number Placeholder 4">
+            <a:extLst>
+              <a:ext uri="{FF2B5EF4-FFF2-40B4-BE49-F238E27FC236}">
+                <a16:creationId xmlns:a16="http://schemas.microsoft.com/office/drawing/2014/main" id="{2342D7E4-3CF2-5597-4F4A-10548F87B8B2}"/>
+              </a:ext>
+            </a:extLst>
+          </p:cNvPr>
+          <p:cNvSpPr>
+            <a:spLocks noGrp="1"/>
+          </p:cNvSpPr>
+          <p:nvPr>
+            <p:ph type="sldNum" sz="quarter" idx="12"/>
+          </p:nvPr>
+        </p:nvSpPr>
+        <p:spPr/>
+        <p:txBody>
+          <a:bodyPr/>
+          <a:lstStyle/>
+          <a:p>
+            <a:fld id="{3EC9E123-0CB8-4CD3-A52F-DDEB9B17898B}" type="slidenum">
+              <a:rPr lang="en-US" smtClean="0"/>
+              <a:t>48</a:t>
+            </a:fld>
+            <a:endParaRPr lang="en-US"/>
+          </a:p>
+        </p:txBody>
+      </p:sp>
+    </p:spTree>
+    <p:extLst>
+      <p:ext uri="{BB962C8B-B14F-4D97-AF65-F5344CB8AC3E}">
+        <p14:creationId xmlns:p14="http://schemas.microsoft.com/office/powerpoint/2010/main" val="1760768779"/>
+      </p:ext>
+    </p:extLst>
+  </p:cSld>
+  <p:clrMapOvr>
+    <a:masterClrMapping/>
+  </p:clrMapOvr>
+</p:sld>
+</file>
+
+<file path=ppt/slides/slide49.xml><?xml version="1.0" encoding="utf-8"?>
+<p:sld xmlns:a="http://schemas.openxmlformats.org/drawingml/2006/main" xmlns:r="http://schemas.openxmlformats.org/officeDocument/2006/relationships" xmlns:p="http://schemas.openxmlformats.org/presentationml/2006/main">
+  <p:cSld>
+    <p:spTree>
+      <p:nvGrpSpPr>
+        <p:cNvPr id="1" name=""/>
+        <p:cNvGrpSpPr/>
+        <p:nvPr/>
+      </p:nvGrpSpPr>
+      <p:grpSpPr>
+        <a:xfrm>
+          <a:off x="0" y="0"/>
+          <a:ext cx="0" cy="0"/>
+          <a:chOff x="0" y="0"/>
+          <a:chExt cx="0" cy="0"/>
+        </a:xfrm>
+      </p:grpSpPr>
+      <p:sp>
+        <p:nvSpPr>
+          <p:cNvPr id="2" name="Title 1">
+            <a:extLst>
+              <a:ext uri="{FF2B5EF4-FFF2-40B4-BE49-F238E27FC236}">
                 <a16:creationId xmlns:a16="http://schemas.microsoft.com/office/drawing/2014/main" id="{7F3F2022-DBA0-F8BB-70DA-B01A01136D53}"/>
               </a:ext>
             </a:extLst>
@@ -14479,7 +15263,7 @@
           <a:p>
             <a:fld id="{3EC9E123-0CB8-4CD3-A52F-DDEB9B17898B}" type="slidenum">
               <a:rPr lang="en-US" smtClean="0"/>
-              <a:t>48</a:t>
+              <a:t>49</a:t>
             </a:fld>
             <a:endParaRPr lang="en-US"/>
           </a:p>

--- a/all/Intro to Programming_all.pptx
+++ b/all/Intro to Programming_all.pptx
@@ -5,7 +5,7 @@
     <p:sldMasterId id="2147483648" r:id="rId1"/>
   </p:sldMasterIdLst>
   <p:notesMasterIdLst>
-    <p:notesMasterId r:id="rId51"/>
+    <p:notesMasterId r:id="rId58"/>
   </p:notesMasterIdLst>
   <p:sldIdLst>
     <p:sldId id="256" r:id="rId2"/>
@@ -56,7 +56,14 @@
     <p:sldId id="306" r:id="rId47"/>
     <p:sldId id="305" r:id="rId48"/>
     <p:sldId id="307" r:id="rId49"/>
-    <p:sldId id="281" r:id="rId50"/>
+    <p:sldId id="308" r:id="rId50"/>
+    <p:sldId id="309" r:id="rId51"/>
+    <p:sldId id="310" r:id="rId52"/>
+    <p:sldId id="311" r:id="rId53"/>
+    <p:sldId id="312" r:id="rId54"/>
+    <p:sldId id="313" r:id="rId55"/>
+    <p:sldId id="314" r:id="rId56"/>
+    <p:sldId id="281" r:id="rId57"/>
   </p:sldIdLst>
   <p:sldSz cx="12192000" cy="6858000"/>
   <p:notesSz cx="7315200" cy="9601200"/>
@@ -208,6 +215,13 @@
             <p14:sldId id="306"/>
             <p14:sldId id="305"/>
             <p14:sldId id="307"/>
+            <p14:sldId id="308"/>
+            <p14:sldId id="309"/>
+            <p14:sldId id="310"/>
+            <p14:sldId id="311"/>
+            <p14:sldId id="312"/>
+            <p14:sldId id="313"/>
+            <p14:sldId id="314"/>
             <p14:sldId id="281"/>
           </p14:sldIdLst>
         </p14:section>
@@ -302,7 +316,7 @@
           <a:p>
             <a:fld id="{03FEC988-D264-4851-9784-E262DEC12FF7}" type="datetimeFigureOut">
               <a:rPr lang="en-US" smtClean="0"/>
-              <a:t>10/23/2025</a:t>
+              <a:t>10/30/2025</a:t>
             </a:fld>
             <a:endParaRPr lang="en-US"/>
           </a:p>
@@ -716,7 +730,7 @@
           <a:p>
             <a:fld id="{FC9FB2DD-DF35-4B84-9135-C0E6A5E9FBB3}" type="datetimeFigureOut">
               <a:rPr lang="en-US" smtClean="0"/>
-              <a:t>10/23/2025</a:t>
+              <a:t>10/30/2025</a:t>
             </a:fld>
             <a:endParaRPr lang="en-US"/>
           </a:p>
@@ -914,7 +928,7 @@
           <a:p>
             <a:fld id="{FC9FB2DD-DF35-4B84-9135-C0E6A5E9FBB3}" type="datetimeFigureOut">
               <a:rPr lang="en-US" smtClean="0"/>
-              <a:t>10/23/2025</a:t>
+              <a:t>10/30/2025</a:t>
             </a:fld>
             <a:endParaRPr lang="en-US"/>
           </a:p>
@@ -1122,7 +1136,7 @@
           <a:p>
             <a:fld id="{FC9FB2DD-DF35-4B84-9135-C0E6A5E9FBB3}" type="datetimeFigureOut">
               <a:rPr lang="en-US" smtClean="0"/>
-              <a:t>10/23/2025</a:t>
+              <a:t>10/30/2025</a:t>
             </a:fld>
             <a:endParaRPr lang="en-US"/>
           </a:p>
@@ -1320,7 +1334,7 @@
           <a:p>
             <a:fld id="{FC9FB2DD-DF35-4B84-9135-C0E6A5E9FBB3}" type="datetimeFigureOut">
               <a:rPr lang="en-US" smtClean="0"/>
-              <a:t>10/23/2025</a:t>
+              <a:t>10/30/2025</a:t>
             </a:fld>
             <a:endParaRPr lang="en-US"/>
           </a:p>
@@ -1595,7 +1609,7 @@
           <a:p>
             <a:fld id="{FC9FB2DD-DF35-4B84-9135-C0E6A5E9FBB3}" type="datetimeFigureOut">
               <a:rPr lang="en-US" smtClean="0"/>
-              <a:t>10/23/2025</a:t>
+              <a:t>10/30/2025</a:t>
             </a:fld>
             <a:endParaRPr lang="en-US"/>
           </a:p>
@@ -1860,7 +1874,7 @@
           <a:p>
             <a:fld id="{FC9FB2DD-DF35-4B84-9135-C0E6A5E9FBB3}" type="datetimeFigureOut">
               <a:rPr lang="en-US" smtClean="0"/>
-              <a:t>10/23/2025</a:t>
+              <a:t>10/30/2025</a:t>
             </a:fld>
             <a:endParaRPr lang="en-US"/>
           </a:p>
@@ -2272,7 +2286,7 @@
           <a:p>
             <a:fld id="{FC9FB2DD-DF35-4B84-9135-C0E6A5E9FBB3}" type="datetimeFigureOut">
               <a:rPr lang="en-US" smtClean="0"/>
-              <a:t>10/23/2025</a:t>
+              <a:t>10/30/2025</a:t>
             </a:fld>
             <a:endParaRPr lang="en-US"/>
           </a:p>
@@ -2413,7 +2427,7 @@
           <a:p>
             <a:fld id="{FC9FB2DD-DF35-4B84-9135-C0E6A5E9FBB3}" type="datetimeFigureOut">
               <a:rPr lang="en-US" smtClean="0"/>
-              <a:t>10/23/2025</a:t>
+              <a:t>10/30/2025</a:t>
             </a:fld>
             <a:endParaRPr lang="en-US"/>
           </a:p>
@@ -2526,7 +2540,7 @@
           <a:p>
             <a:fld id="{FC9FB2DD-DF35-4B84-9135-C0E6A5E9FBB3}" type="datetimeFigureOut">
               <a:rPr lang="en-US" smtClean="0"/>
-              <a:t>10/23/2025</a:t>
+              <a:t>10/30/2025</a:t>
             </a:fld>
             <a:endParaRPr lang="en-US"/>
           </a:p>
@@ -2837,7 +2851,7 @@
           <a:p>
             <a:fld id="{FC9FB2DD-DF35-4B84-9135-C0E6A5E9FBB3}" type="datetimeFigureOut">
               <a:rPr lang="en-US" smtClean="0"/>
-              <a:t>10/23/2025</a:t>
+              <a:t>10/30/2025</a:t>
             </a:fld>
             <a:endParaRPr lang="en-US"/>
           </a:p>
@@ -3125,7 +3139,7 @@
           <a:p>
             <a:fld id="{FC9FB2DD-DF35-4B84-9135-C0E6A5E9FBB3}" type="datetimeFigureOut">
               <a:rPr lang="en-US" smtClean="0"/>
-              <a:t>10/23/2025</a:t>
+              <a:t>10/30/2025</a:t>
             </a:fld>
             <a:endParaRPr lang="en-US"/>
           </a:p>
@@ -3366,7 +3380,7 @@
           <a:p>
             <a:fld id="{FC9FB2DD-DF35-4B84-9135-C0E6A5E9FBB3}" type="datetimeFigureOut">
               <a:rPr lang="en-US" smtClean="0"/>
-              <a:t>10/23/2025</a:t>
+              <a:t>10/30/2025</a:t>
             </a:fld>
             <a:endParaRPr lang="en-US"/>
           </a:p>
@@ -14499,7 +14513,7 @@
         </p:blipFill>
         <p:spPr>
           <a:xfrm>
-            <a:off x="943466" y="3429000"/>
+            <a:off x="1082522" y="3475352"/>
             <a:ext cx="6458282" cy="2635385"/>
           </a:xfrm>
           <a:prstGeom prst="rect">
@@ -15080,7 +15094,7 @@
           <p:cNvPr id="2" name="Title 1">
             <a:extLst>
               <a:ext uri="{FF2B5EF4-FFF2-40B4-BE49-F238E27FC236}">
-                <a16:creationId xmlns:a16="http://schemas.microsoft.com/office/drawing/2014/main" id="{7F3F2022-DBA0-F8BB-70DA-B01A01136D53}"/>
+                <a16:creationId xmlns:a16="http://schemas.microsoft.com/office/drawing/2014/main" id="{AC5B18E8-A187-47F8-5219-376E0F51811B}"/>
               </a:ext>
             </a:extLst>
           </p:cNvPr>
@@ -15098,7 +15112,7 @@
           <a:p>
             <a:r>
               <a:rPr lang="en-US" dirty="0"/>
-              <a:t>string data type</a:t>
+              <a:t>Decision Making at a glance</a:t>
             </a:r>
           </a:p>
         </p:txBody>
@@ -15108,7 +15122,7 @@
           <p:cNvPr id="3" name="Content Placeholder 2">
             <a:extLst>
               <a:ext uri="{FF2B5EF4-FFF2-40B4-BE49-F238E27FC236}">
-                <a16:creationId xmlns:a16="http://schemas.microsoft.com/office/drawing/2014/main" id="{12C7C63C-7B86-C453-D132-93C8AB055AC5}"/>
+                <a16:creationId xmlns:a16="http://schemas.microsoft.com/office/drawing/2014/main" id="{0731CECF-78E8-4009-48AD-3131BF2B701E}"/>
               </a:ext>
             </a:extLst>
           </p:cNvPr>
@@ -15122,94 +15136,108 @@
         <p:spPr/>
         <p:txBody>
           <a:bodyPr>
-            <a:normAutofit fontScale="92500" lnSpcReduction="10000"/>
+            <a:normAutofit fontScale="92500" lnSpcReduction="20000"/>
           </a:bodyPr>
           <a:lstStyle/>
           <a:p>
             <a:r>
               <a:rPr lang="en-US" dirty="0"/>
-              <a:t>We already know few built in types</a:t>
-            </a:r>
-          </a:p>
-          <a:p>
-            <a:pPr lvl="1"/>
-            <a:r>
-              <a:rPr lang="en-US" dirty="0"/>
-              <a:t>int , float , char, bool</a:t>
-            </a:r>
-          </a:p>
-          <a:p>
-            <a:r>
-              <a:rPr lang="en-US" dirty="0"/>
-              <a:t>string </a:t>
-            </a:r>
-          </a:p>
-          <a:p>
-            <a:pPr lvl="1"/>
-            <a:r>
-              <a:rPr lang="en-US" dirty="0"/>
-              <a:t>Is a derived data type, </a:t>
-            </a:r>
-          </a:p>
-          <a:p>
-            <a:pPr lvl="1"/>
-            <a:r>
-              <a:rPr lang="en-US" dirty="0"/>
-              <a:t>Useful for names, description etc. </a:t>
-            </a:r>
-          </a:p>
-          <a:p>
-            <a:r>
-              <a:rPr lang="en-US" dirty="0"/>
-              <a:t>Header </a:t>
-            </a:r>
-          </a:p>
-          <a:p>
-            <a:pPr lvl="1"/>
-            <a:r>
-              <a:rPr lang="en-US" dirty="0"/>
-              <a:t>#include&lt;string&gt;</a:t>
-            </a:r>
-          </a:p>
-          <a:p>
-            <a:r>
-              <a:rPr lang="en-US" dirty="0"/>
-              <a:t>Usage </a:t>
-            </a:r>
-          </a:p>
-          <a:p>
-            <a:pPr lvl="1"/>
-            <a:r>
-              <a:rPr lang="en-US" dirty="0"/>
-              <a:t>string name;</a:t>
+              <a:t>Branching</a:t>
+            </a:r>
+          </a:p>
+          <a:p>
+            <a:pPr lvl="1"/>
+            <a:r>
+              <a:rPr lang="en-US" dirty="0"/>
+              <a:t>If/else </a:t>
+            </a:r>
+          </a:p>
+          <a:p>
+            <a:pPr lvl="2"/>
+            <a:r>
+              <a:rPr lang="en-US" dirty="0"/>
+              <a:t>slides 30 - 32</a:t>
+            </a:r>
+          </a:p>
+          <a:p>
+            <a:pPr lvl="1"/>
+            <a:r>
+              <a:rPr lang="en-US" dirty="0"/>
+              <a:t>switch</a:t>
             </a:r>
           </a:p>
           <a:p>
             <a:pPr lvl="1"/>
             <a:r>
               <a:rPr lang="en-US" dirty="0" err="1"/>
-              <a:t>cin</a:t>
-            </a:r>
-            <a:r>
-              <a:rPr lang="en-US" dirty="0"/>
-              <a:t> &gt;&gt; name;</a:t>
-            </a:r>
-          </a:p>
-          <a:p>
-            <a:pPr lvl="1"/>
-            <a:r>
-              <a:rPr lang="en-US" dirty="0" err="1"/>
-              <a:t>cout</a:t>
-            </a:r>
-            <a:r>
-              <a:rPr lang="en-US" dirty="0"/>
-              <a:t> &lt;&lt;name;</a:t>
-            </a:r>
-            <a:br>
-              <a:rPr lang="en-US" dirty="0"/>
-            </a:br>
+              <a:t>goto</a:t>
+            </a:r>
             <a:endParaRPr lang="en-US" dirty="0"/>
           </a:p>
+          <a:p>
+            <a:r>
+              <a:rPr lang="en-US" dirty="0"/>
+              <a:t>Looping</a:t>
+            </a:r>
+          </a:p>
+          <a:p>
+            <a:pPr lvl="1"/>
+            <a:r>
+              <a:rPr lang="en-US" dirty="0"/>
+              <a:t>while</a:t>
+            </a:r>
+          </a:p>
+          <a:p>
+            <a:pPr lvl="2"/>
+            <a:r>
+              <a:rPr lang="en-US" dirty="0"/>
+              <a:t>slide 45</a:t>
+            </a:r>
+          </a:p>
+          <a:p>
+            <a:pPr lvl="1"/>
+            <a:r>
+              <a:rPr lang="en-US" dirty="0"/>
+              <a:t>do/while</a:t>
+            </a:r>
+          </a:p>
+          <a:p>
+            <a:pPr lvl="1"/>
+            <a:r>
+              <a:rPr lang="en-US" dirty="0"/>
+              <a:t>for</a:t>
+            </a:r>
+          </a:p>
+          <a:p>
+            <a:r>
+              <a:rPr lang="en-US" dirty="0"/>
+              <a:t>Jumps in loops</a:t>
+            </a:r>
+          </a:p>
+          <a:p>
+            <a:pPr lvl="1"/>
+            <a:r>
+              <a:rPr lang="en-US" dirty="0"/>
+              <a:t>break</a:t>
+            </a:r>
+          </a:p>
+          <a:p>
+            <a:pPr lvl="1"/>
+            <a:r>
+              <a:rPr lang="en-US" dirty="0"/>
+              <a:t>continue</a:t>
+            </a:r>
+          </a:p>
+          <a:p>
+            <a:pPr marL="914400" lvl="2" indent="0">
+              <a:buNone/>
+            </a:pPr>
+            <a:endParaRPr lang="en-US" dirty="0"/>
+          </a:p>
+          <a:p>
+            <a:pPr lvl="2"/>
+            <a:endParaRPr lang="en-US" dirty="0"/>
+          </a:p>
         </p:txBody>
       </p:sp>
       <p:sp>
@@ -15217,7 +15245,7 @@
           <p:cNvPr id="4" name="Footer Placeholder 3">
             <a:extLst>
               <a:ext uri="{FF2B5EF4-FFF2-40B4-BE49-F238E27FC236}">
-                <a16:creationId xmlns:a16="http://schemas.microsoft.com/office/drawing/2014/main" id="{975DF1C2-BCB7-988E-2E18-DF5C6412B181}"/>
+                <a16:creationId xmlns:a16="http://schemas.microsoft.com/office/drawing/2014/main" id="{C6CEAEDC-EFE6-81ED-BF64-4D1320B4675A}"/>
               </a:ext>
             </a:extLst>
           </p:cNvPr>
@@ -15235,44 +15263,15 @@
           <a:p>
             <a:r>
               <a:rPr lang="en-US"/>
-              <a:t>Week 4</a:t>
-            </a:r>
-          </a:p>
-        </p:txBody>
-      </p:sp>
-      <p:sp>
-        <p:nvSpPr>
-          <p:cNvPr id="5" name="Slide Number Placeholder 4">
-            <a:extLst>
-              <a:ext uri="{FF2B5EF4-FFF2-40B4-BE49-F238E27FC236}">
-                <a16:creationId xmlns:a16="http://schemas.microsoft.com/office/drawing/2014/main" id="{43357A0E-A54D-5BCE-A42F-833CB4760EC1}"/>
-              </a:ext>
-            </a:extLst>
-          </p:cNvPr>
-          <p:cNvSpPr>
-            <a:spLocks noGrp="1"/>
-          </p:cNvSpPr>
-          <p:nvPr>
-            <p:ph type="sldNum" sz="quarter" idx="12"/>
-          </p:nvPr>
-        </p:nvSpPr>
-        <p:spPr/>
-        <p:txBody>
-          <a:bodyPr/>
-          <a:lstStyle/>
-          <a:p>
-            <a:fld id="{3EC9E123-0CB8-4CD3-A52F-DDEB9B17898B}" type="slidenum">
-              <a:rPr lang="en-US" smtClean="0"/>
-              <a:t>49</a:t>
-            </a:fld>
-            <a:endParaRPr lang="en-US"/>
+              <a:t>Week 7</a:t>
+            </a:r>
           </a:p>
         </p:txBody>
       </p:sp>
     </p:spTree>
     <p:extLst>
       <p:ext uri="{BB962C8B-B14F-4D97-AF65-F5344CB8AC3E}">
-        <p14:creationId xmlns:p14="http://schemas.microsoft.com/office/powerpoint/2010/main" val="4193919016"/>
+        <p14:creationId xmlns:p14="http://schemas.microsoft.com/office/powerpoint/2010/main" val="38523592"/>
       </p:ext>
     </p:extLst>
   </p:cSld>
@@ -15479,6 +15478,1485 @@
     <p:extLst>
       <p:ext uri="{BB962C8B-B14F-4D97-AF65-F5344CB8AC3E}">
         <p14:creationId xmlns:p14="http://schemas.microsoft.com/office/powerpoint/2010/main" val="94644513"/>
+      </p:ext>
+    </p:extLst>
+  </p:cSld>
+  <p:clrMapOvr>
+    <a:masterClrMapping/>
+  </p:clrMapOvr>
+</p:sld>
+</file>
+
+<file path=ppt/slides/slide50.xml><?xml version="1.0" encoding="utf-8"?>
+<p:sld xmlns:a="http://schemas.openxmlformats.org/drawingml/2006/main" xmlns:r="http://schemas.openxmlformats.org/officeDocument/2006/relationships" xmlns:p="http://schemas.openxmlformats.org/presentationml/2006/main">
+  <p:cSld>
+    <p:spTree>
+      <p:nvGrpSpPr>
+        <p:cNvPr id="1" name=""/>
+        <p:cNvGrpSpPr/>
+        <p:nvPr/>
+      </p:nvGrpSpPr>
+      <p:grpSpPr>
+        <a:xfrm>
+          <a:off x="0" y="0"/>
+          <a:ext cx="0" cy="0"/>
+          <a:chOff x="0" y="0"/>
+          <a:chExt cx="0" cy="0"/>
+        </a:xfrm>
+      </p:grpSpPr>
+      <p:sp>
+        <p:nvSpPr>
+          <p:cNvPr id="2" name="Title 1">
+            <a:extLst>
+              <a:ext uri="{FF2B5EF4-FFF2-40B4-BE49-F238E27FC236}">
+                <a16:creationId xmlns:a16="http://schemas.microsoft.com/office/drawing/2014/main" id="{015029C2-4E43-2B17-B28C-36F01BF9563D}"/>
+              </a:ext>
+            </a:extLst>
+          </p:cNvPr>
+          <p:cNvSpPr>
+            <a:spLocks noGrp="1"/>
+          </p:cNvSpPr>
+          <p:nvPr>
+            <p:ph type="title"/>
+          </p:nvPr>
+        </p:nvSpPr>
+        <p:spPr/>
+        <p:txBody>
+          <a:bodyPr/>
+          <a:lstStyle/>
+          <a:p>
+            <a:r>
+              <a:rPr lang="en-US" dirty="0"/>
+              <a:t>Do-while loop</a:t>
+            </a:r>
+          </a:p>
+        </p:txBody>
+      </p:sp>
+      <p:sp>
+        <p:nvSpPr>
+          <p:cNvPr id="3" name="Content Placeholder 2">
+            <a:extLst>
+              <a:ext uri="{FF2B5EF4-FFF2-40B4-BE49-F238E27FC236}">
+                <a16:creationId xmlns:a16="http://schemas.microsoft.com/office/drawing/2014/main" id="{7AA4E219-6060-92C9-7E07-DB9A987AE9B5}"/>
+              </a:ext>
+            </a:extLst>
+          </p:cNvPr>
+          <p:cNvSpPr>
+            <a:spLocks noGrp="1"/>
+          </p:cNvSpPr>
+          <p:nvPr>
+            <p:ph idx="1"/>
+          </p:nvPr>
+        </p:nvSpPr>
+        <p:spPr/>
+        <p:txBody>
+          <a:bodyPr/>
+          <a:lstStyle/>
+          <a:p>
+            <a:r>
+              <a:rPr lang="en-US" dirty="0"/>
+              <a:t>Do-while is an exit controlled loop</a:t>
+            </a:r>
+          </a:p>
+          <a:p>
+            <a:pPr lvl="1"/>
+            <a:r>
+              <a:rPr lang="en-US" i="1" dirty="0"/>
+              <a:t>( while is entry controlled)</a:t>
+            </a:r>
+          </a:p>
+          <a:p>
+            <a:pPr lvl="1"/>
+            <a:r>
+              <a:rPr lang="en-US" dirty="0"/>
+              <a:t>When loop content should execute at least once</a:t>
+            </a:r>
+          </a:p>
+          <a:p>
+            <a:r>
+              <a:rPr lang="en-US" dirty="0" err="1"/>
+              <a:t>E.g</a:t>
+            </a:r>
+            <a:endParaRPr lang="en-US" dirty="0"/>
+          </a:p>
+          <a:p>
+            <a:pPr lvl="1"/>
+            <a:r>
+              <a:rPr lang="en-US" dirty="0"/>
+              <a:t>Looping until user enters valid value</a:t>
+            </a:r>
+          </a:p>
+          <a:p>
+            <a:pPr lvl="1"/>
+            <a:r>
+              <a:rPr lang="en-US" dirty="0"/>
+              <a:t>Gather game input for game loop</a:t>
+            </a:r>
+          </a:p>
+          <a:p>
+            <a:pPr lvl="1"/>
+            <a:endParaRPr lang="en-US" dirty="0"/>
+          </a:p>
+        </p:txBody>
+      </p:sp>
+      <p:pic>
+        <p:nvPicPr>
+          <p:cNvPr id="5" name="Picture 4">
+            <a:extLst>
+              <a:ext uri="{FF2B5EF4-FFF2-40B4-BE49-F238E27FC236}">
+                <a16:creationId xmlns:a16="http://schemas.microsoft.com/office/drawing/2014/main" id="{27AF7430-391A-CFA1-606D-1CD2C7A95F41}"/>
+              </a:ext>
+            </a:extLst>
+          </p:cNvPr>
+          <p:cNvPicPr>
+            <a:picLocks noChangeAspect="1"/>
+          </p:cNvPicPr>
+          <p:nvPr/>
+        </p:nvPicPr>
+        <p:blipFill>
+          <a:blip r:embed="rId2"/>
+          <a:stretch>
+            <a:fillRect/>
+          </a:stretch>
+        </p:blipFill>
+        <p:spPr>
+          <a:xfrm>
+            <a:off x="1146973" y="4390806"/>
+            <a:ext cx="3776888" cy="1723434"/>
+          </a:xfrm>
+          <a:prstGeom prst="rect">
+            <a:avLst/>
+          </a:prstGeom>
+        </p:spPr>
+      </p:pic>
+      <p:sp>
+        <p:nvSpPr>
+          <p:cNvPr id="6" name="Footer Placeholder 5">
+            <a:extLst>
+              <a:ext uri="{FF2B5EF4-FFF2-40B4-BE49-F238E27FC236}">
+                <a16:creationId xmlns:a16="http://schemas.microsoft.com/office/drawing/2014/main" id="{9EB7E55C-C8F4-CC6B-13C0-2D799E1CF685}"/>
+              </a:ext>
+            </a:extLst>
+          </p:cNvPr>
+          <p:cNvSpPr>
+            <a:spLocks noGrp="1"/>
+          </p:cNvSpPr>
+          <p:nvPr>
+            <p:ph type="ftr" sz="quarter" idx="11"/>
+          </p:nvPr>
+        </p:nvSpPr>
+        <p:spPr/>
+        <p:txBody>
+          <a:bodyPr/>
+          <a:lstStyle/>
+          <a:p>
+            <a:r>
+              <a:rPr lang="en-US"/>
+              <a:t>Week 7</a:t>
+            </a:r>
+          </a:p>
+        </p:txBody>
+      </p:sp>
+    </p:spTree>
+    <p:extLst>
+      <p:ext uri="{BB962C8B-B14F-4D97-AF65-F5344CB8AC3E}">
+        <p14:creationId xmlns:p14="http://schemas.microsoft.com/office/powerpoint/2010/main" val="246317307"/>
+      </p:ext>
+    </p:extLst>
+  </p:cSld>
+  <p:clrMapOvr>
+    <a:masterClrMapping/>
+  </p:clrMapOvr>
+</p:sld>
+</file>
+
+<file path=ppt/slides/slide51.xml><?xml version="1.0" encoding="utf-8"?>
+<p:sld xmlns:a="http://schemas.openxmlformats.org/drawingml/2006/main" xmlns:r="http://schemas.openxmlformats.org/officeDocument/2006/relationships" xmlns:p="http://schemas.openxmlformats.org/presentationml/2006/main">
+  <p:cSld>
+    <p:spTree>
+      <p:nvGrpSpPr>
+        <p:cNvPr id="1" name=""/>
+        <p:cNvGrpSpPr/>
+        <p:nvPr/>
+      </p:nvGrpSpPr>
+      <p:grpSpPr>
+        <a:xfrm>
+          <a:off x="0" y="0"/>
+          <a:ext cx="0" cy="0"/>
+          <a:chOff x="0" y="0"/>
+          <a:chExt cx="0" cy="0"/>
+        </a:xfrm>
+      </p:grpSpPr>
+      <p:sp>
+        <p:nvSpPr>
+          <p:cNvPr id="2" name="Title 1">
+            <a:extLst>
+              <a:ext uri="{FF2B5EF4-FFF2-40B4-BE49-F238E27FC236}">
+                <a16:creationId xmlns:a16="http://schemas.microsoft.com/office/drawing/2014/main" id="{B80ED334-D62C-A073-A858-D1AB2B11DB31}"/>
+              </a:ext>
+            </a:extLst>
+          </p:cNvPr>
+          <p:cNvSpPr>
+            <a:spLocks noGrp="1"/>
+          </p:cNvSpPr>
+          <p:nvPr>
+            <p:ph type="title"/>
+          </p:nvPr>
+        </p:nvSpPr>
+        <p:spPr/>
+        <p:txBody>
+          <a:bodyPr/>
+          <a:lstStyle/>
+          <a:p>
+            <a:r>
+              <a:rPr lang="en-US" dirty="0"/>
+              <a:t>Do while : example</a:t>
+            </a:r>
+          </a:p>
+        </p:txBody>
+      </p:sp>
+      <p:sp>
+        <p:nvSpPr>
+          <p:cNvPr id="3" name="Content Placeholder 2">
+            <a:extLst>
+              <a:ext uri="{FF2B5EF4-FFF2-40B4-BE49-F238E27FC236}">
+                <a16:creationId xmlns:a16="http://schemas.microsoft.com/office/drawing/2014/main" id="{F3BD6B03-D8CA-595C-9B9C-F181D7A5E2B0}"/>
+              </a:ext>
+            </a:extLst>
+          </p:cNvPr>
+          <p:cNvSpPr>
+            <a:spLocks noGrp="1"/>
+          </p:cNvSpPr>
+          <p:nvPr>
+            <p:ph idx="1"/>
+          </p:nvPr>
+        </p:nvSpPr>
+        <p:spPr/>
+        <p:txBody>
+          <a:bodyPr/>
+          <a:lstStyle/>
+          <a:p>
+            <a:r>
+              <a:rPr lang="en-US" dirty="0"/>
+              <a:t>Get a number between 1 and 4 from user.</a:t>
+            </a:r>
+          </a:p>
+          <a:p>
+            <a:pPr lvl="1"/>
+            <a:r>
+              <a:rPr lang="en-US" dirty="0"/>
+              <a:t>Ask again if the numbers is not in range</a:t>
+            </a:r>
+          </a:p>
+          <a:p>
+            <a:pPr lvl="1"/>
+            <a:r>
+              <a:rPr lang="en-US" dirty="0"/>
+              <a:t>Print the number and stop if it is in range. </a:t>
+            </a:r>
+          </a:p>
+          <a:p>
+            <a:endParaRPr lang="en-US" dirty="0"/>
+          </a:p>
+        </p:txBody>
+      </p:sp>
+      <p:pic>
+        <p:nvPicPr>
+          <p:cNvPr id="5" name="Picture 4">
+            <a:extLst>
+              <a:ext uri="{FF2B5EF4-FFF2-40B4-BE49-F238E27FC236}">
+                <a16:creationId xmlns:a16="http://schemas.microsoft.com/office/drawing/2014/main" id="{B5F95056-5204-8686-4992-502097F5CCC7}"/>
+              </a:ext>
+            </a:extLst>
+          </p:cNvPr>
+          <p:cNvPicPr>
+            <a:picLocks noChangeAspect="1"/>
+          </p:cNvPicPr>
+          <p:nvPr/>
+        </p:nvPicPr>
+        <p:blipFill>
+          <a:blip r:embed="rId2"/>
+          <a:stretch>
+            <a:fillRect/>
+          </a:stretch>
+        </p:blipFill>
+        <p:spPr>
+          <a:xfrm>
+            <a:off x="1347790" y="3459550"/>
+            <a:ext cx="5497794" cy="1918006"/>
+          </a:xfrm>
+          <a:prstGeom prst="rect">
+            <a:avLst/>
+          </a:prstGeom>
+        </p:spPr>
+      </p:pic>
+      <p:sp>
+        <p:nvSpPr>
+          <p:cNvPr id="6" name="Footer Placeholder 5">
+            <a:extLst>
+              <a:ext uri="{FF2B5EF4-FFF2-40B4-BE49-F238E27FC236}">
+                <a16:creationId xmlns:a16="http://schemas.microsoft.com/office/drawing/2014/main" id="{469D5AEE-D845-27DE-8C49-19F310C1EEFC}"/>
+              </a:ext>
+            </a:extLst>
+          </p:cNvPr>
+          <p:cNvSpPr>
+            <a:spLocks noGrp="1"/>
+          </p:cNvSpPr>
+          <p:nvPr>
+            <p:ph type="ftr" sz="quarter" idx="11"/>
+          </p:nvPr>
+        </p:nvSpPr>
+        <p:spPr/>
+        <p:txBody>
+          <a:bodyPr/>
+          <a:lstStyle/>
+          <a:p>
+            <a:r>
+              <a:rPr lang="en-US"/>
+              <a:t>Week 7</a:t>
+            </a:r>
+          </a:p>
+        </p:txBody>
+      </p:sp>
+    </p:spTree>
+    <p:extLst>
+      <p:ext uri="{BB962C8B-B14F-4D97-AF65-F5344CB8AC3E}">
+        <p14:creationId xmlns:p14="http://schemas.microsoft.com/office/powerpoint/2010/main" val="3041925564"/>
+      </p:ext>
+    </p:extLst>
+  </p:cSld>
+  <p:clrMapOvr>
+    <a:masterClrMapping/>
+  </p:clrMapOvr>
+</p:sld>
+</file>
+
+<file path=ppt/slides/slide52.xml><?xml version="1.0" encoding="utf-8"?>
+<p:sld xmlns:a="http://schemas.openxmlformats.org/drawingml/2006/main" xmlns:r="http://schemas.openxmlformats.org/officeDocument/2006/relationships" xmlns:p="http://schemas.openxmlformats.org/presentationml/2006/main">
+  <p:cSld>
+    <p:spTree>
+      <p:nvGrpSpPr>
+        <p:cNvPr id="1" name=""/>
+        <p:cNvGrpSpPr/>
+        <p:nvPr/>
+      </p:nvGrpSpPr>
+      <p:grpSpPr>
+        <a:xfrm>
+          <a:off x="0" y="0"/>
+          <a:ext cx="0" cy="0"/>
+          <a:chOff x="0" y="0"/>
+          <a:chExt cx="0" cy="0"/>
+        </a:xfrm>
+      </p:grpSpPr>
+      <p:sp>
+        <p:nvSpPr>
+          <p:cNvPr id="2" name="Title 1">
+            <a:extLst>
+              <a:ext uri="{FF2B5EF4-FFF2-40B4-BE49-F238E27FC236}">
+                <a16:creationId xmlns:a16="http://schemas.microsoft.com/office/drawing/2014/main" id="{0219AF27-ADC2-1725-2C87-0E5DED4B833D}"/>
+              </a:ext>
+            </a:extLst>
+          </p:cNvPr>
+          <p:cNvSpPr>
+            <a:spLocks noGrp="1"/>
+          </p:cNvSpPr>
+          <p:nvPr>
+            <p:ph type="title"/>
+          </p:nvPr>
+        </p:nvSpPr>
+        <p:spPr/>
+        <p:txBody>
+          <a:bodyPr/>
+          <a:lstStyle/>
+          <a:p>
+            <a:r>
+              <a:rPr lang="en-US" dirty="0"/>
+              <a:t>While vs do-while,  visualized </a:t>
+            </a:r>
+          </a:p>
+        </p:txBody>
+      </p:sp>
+      <p:pic>
+        <p:nvPicPr>
+          <p:cNvPr id="5" name="Content Placeholder 4">
+            <a:extLst>
+              <a:ext uri="{FF2B5EF4-FFF2-40B4-BE49-F238E27FC236}">
+                <a16:creationId xmlns:a16="http://schemas.microsoft.com/office/drawing/2014/main" id="{6ED216E6-F218-B850-60EB-475F49847BC4}"/>
+              </a:ext>
+            </a:extLst>
+          </p:cNvPr>
+          <p:cNvPicPr>
+            <a:picLocks noGrp="1" noChangeAspect="1"/>
+          </p:cNvPicPr>
+          <p:nvPr>
+            <p:ph idx="1"/>
+          </p:nvPr>
+        </p:nvPicPr>
+        <p:blipFill>
+          <a:blip r:embed="rId2"/>
+          <a:stretch>
+            <a:fillRect/>
+          </a:stretch>
+        </p:blipFill>
+        <p:spPr>
+          <a:xfrm>
+            <a:off x="1504177" y="1963490"/>
+            <a:ext cx="4438878" cy="3797495"/>
+          </a:xfrm>
+        </p:spPr>
+      </p:pic>
+      <p:pic>
+        <p:nvPicPr>
+          <p:cNvPr id="7" name="Picture 6">
+            <a:extLst>
+              <a:ext uri="{FF2B5EF4-FFF2-40B4-BE49-F238E27FC236}">
+                <a16:creationId xmlns:a16="http://schemas.microsoft.com/office/drawing/2014/main" id="{DAFF7599-D6A1-8304-3E27-30C89418B373}"/>
+              </a:ext>
+            </a:extLst>
+          </p:cNvPr>
+          <p:cNvPicPr>
+            <a:picLocks noChangeAspect="1"/>
+          </p:cNvPicPr>
+          <p:nvPr/>
+        </p:nvPicPr>
+        <p:blipFill>
+          <a:blip r:embed="rId3"/>
+          <a:stretch>
+            <a:fillRect/>
+          </a:stretch>
+        </p:blipFill>
+        <p:spPr>
+          <a:xfrm>
+            <a:off x="6603201" y="1963490"/>
+            <a:ext cx="4311872" cy="3626036"/>
+          </a:xfrm>
+          <a:prstGeom prst="rect">
+            <a:avLst/>
+          </a:prstGeom>
+        </p:spPr>
+      </p:pic>
+      <p:sp>
+        <p:nvSpPr>
+          <p:cNvPr id="8" name="Footer Placeholder 7">
+            <a:extLst>
+              <a:ext uri="{FF2B5EF4-FFF2-40B4-BE49-F238E27FC236}">
+                <a16:creationId xmlns:a16="http://schemas.microsoft.com/office/drawing/2014/main" id="{F3AF26E5-3E15-C34F-6007-96562E8D5DFB}"/>
+              </a:ext>
+            </a:extLst>
+          </p:cNvPr>
+          <p:cNvSpPr>
+            <a:spLocks noGrp="1"/>
+          </p:cNvSpPr>
+          <p:nvPr>
+            <p:ph type="ftr" sz="quarter" idx="11"/>
+          </p:nvPr>
+        </p:nvSpPr>
+        <p:spPr/>
+        <p:txBody>
+          <a:bodyPr/>
+          <a:lstStyle/>
+          <a:p>
+            <a:r>
+              <a:rPr lang="en-US"/>
+              <a:t>Week 7</a:t>
+            </a:r>
+          </a:p>
+        </p:txBody>
+      </p:sp>
+    </p:spTree>
+    <p:extLst>
+      <p:ext uri="{BB962C8B-B14F-4D97-AF65-F5344CB8AC3E}">
+        <p14:creationId xmlns:p14="http://schemas.microsoft.com/office/powerpoint/2010/main" val="667479275"/>
+      </p:ext>
+    </p:extLst>
+  </p:cSld>
+  <p:clrMapOvr>
+    <a:masterClrMapping/>
+  </p:clrMapOvr>
+</p:sld>
+</file>
+
+<file path=ppt/slides/slide53.xml><?xml version="1.0" encoding="utf-8"?>
+<p:sld xmlns:a="http://schemas.openxmlformats.org/drawingml/2006/main" xmlns:r="http://schemas.openxmlformats.org/officeDocument/2006/relationships" xmlns:p="http://schemas.openxmlformats.org/presentationml/2006/main">
+  <p:cSld>
+    <p:spTree>
+      <p:nvGrpSpPr>
+        <p:cNvPr id="1" name=""/>
+        <p:cNvGrpSpPr/>
+        <p:nvPr/>
+      </p:nvGrpSpPr>
+      <p:grpSpPr>
+        <a:xfrm>
+          <a:off x="0" y="0"/>
+          <a:ext cx="0" cy="0"/>
+          <a:chOff x="0" y="0"/>
+          <a:chExt cx="0" cy="0"/>
+        </a:xfrm>
+      </p:grpSpPr>
+      <p:sp>
+        <p:nvSpPr>
+          <p:cNvPr id="2" name="Title 1">
+            <a:extLst>
+              <a:ext uri="{FF2B5EF4-FFF2-40B4-BE49-F238E27FC236}">
+                <a16:creationId xmlns:a16="http://schemas.microsoft.com/office/drawing/2014/main" id="{BADC1895-2302-41E4-8C0D-610D102161C8}"/>
+              </a:ext>
+            </a:extLst>
+          </p:cNvPr>
+          <p:cNvSpPr>
+            <a:spLocks noGrp="1"/>
+          </p:cNvSpPr>
+          <p:nvPr>
+            <p:ph type="title"/>
+          </p:nvPr>
+        </p:nvSpPr>
+        <p:spPr/>
+        <p:txBody>
+          <a:bodyPr/>
+          <a:lstStyle/>
+          <a:p>
+            <a:r>
+              <a:rPr lang="en-US" dirty="0"/>
+              <a:t>Jumps in loops</a:t>
+            </a:r>
+          </a:p>
+        </p:txBody>
+      </p:sp>
+      <p:sp>
+        <p:nvSpPr>
+          <p:cNvPr id="3" name="Content Placeholder 2">
+            <a:extLst>
+              <a:ext uri="{FF2B5EF4-FFF2-40B4-BE49-F238E27FC236}">
+                <a16:creationId xmlns:a16="http://schemas.microsoft.com/office/drawing/2014/main" id="{B43B9F74-A16C-C4FB-104C-35D174D532E9}"/>
+              </a:ext>
+            </a:extLst>
+          </p:cNvPr>
+          <p:cNvSpPr>
+            <a:spLocks noGrp="1"/>
+          </p:cNvSpPr>
+          <p:nvPr>
+            <p:ph idx="1"/>
+          </p:nvPr>
+        </p:nvSpPr>
+        <p:spPr/>
+        <p:txBody>
+          <a:bodyPr/>
+          <a:lstStyle/>
+          <a:p>
+            <a:r>
+              <a:rPr lang="en-US" dirty="0"/>
+              <a:t>Break</a:t>
+            </a:r>
+          </a:p>
+          <a:p>
+            <a:pPr lvl="1"/>
+            <a:r>
+              <a:rPr lang="en-US" dirty="0"/>
+              <a:t>Jump to after the end of loop</a:t>
+            </a:r>
+          </a:p>
+          <a:p>
+            <a:pPr lvl="1"/>
+            <a:r>
+              <a:rPr lang="en-US" dirty="0"/>
+              <a:t>Loop does not execute</a:t>
+            </a:r>
+          </a:p>
+          <a:p>
+            <a:pPr marL="457200" lvl="1" indent="0">
+              <a:buNone/>
+            </a:pPr>
+            <a:endParaRPr lang="en-US" dirty="0"/>
+          </a:p>
+          <a:p>
+            <a:pPr marL="457200" lvl="1" indent="0">
+              <a:buNone/>
+            </a:pPr>
+            <a:endParaRPr lang="en-US" dirty="0"/>
+          </a:p>
+          <a:p>
+            <a:pPr marL="457200" lvl="1" indent="0">
+              <a:buNone/>
+            </a:pPr>
+            <a:endParaRPr lang="en-US" dirty="0"/>
+          </a:p>
+          <a:p>
+            <a:r>
+              <a:rPr lang="en-US" dirty="0"/>
+              <a:t>Continue </a:t>
+            </a:r>
+          </a:p>
+          <a:p>
+            <a:pPr lvl="1"/>
+            <a:r>
+              <a:rPr lang="en-US" dirty="0"/>
+              <a:t>Jump to the beginning of the loop</a:t>
+            </a:r>
+          </a:p>
+          <a:p>
+            <a:pPr lvl="1"/>
+            <a:r>
+              <a:rPr lang="en-US" dirty="0"/>
+              <a:t>Loop continues to execute</a:t>
+            </a:r>
+          </a:p>
+          <a:p>
+            <a:pPr lvl="1"/>
+            <a:endParaRPr lang="en-US" dirty="0"/>
+          </a:p>
+          <a:p>
+            <a:pPr lvl="1"/>
+            <a:endParaRPr lang="en-US" dirty="0"/>
+          </a:p>
+          <a:p>
+            <a:endParaRPr lang="en-US" dirty="0"/>
+          </a:p>
+        </p:txBody>
+      </p:sp>
+      <p:pic>
+        <p:nvPicPr>
+          <p:cNvPr id="5" name="Picture 4">
+            <a:extLst>
+              <a:ext uri="{FF2B5EF4-FFF2-40B4-BE49-F238E27FC236}">
+                <a16:creationId xmlns:a16="http://schemas.microsoft.com/office/drawing/2014/main" id="{3994A46D-4943-A008-CC9A-E7252859E574}"/>
+              </a:ext>
+            </a:extLst>
+          </p:cNvPr>
+          <p:cNvPicPr>
+            <a:picLocks noChangeAspect="1"/>
+          </p:cNvPicPr>
+          <p:nvPr/>
+        </p:nvPicPr>
+        <p:blipFill>
+          <a:blip r:embed="rId2"/>
+          <a:stretch>
+            <a:fillRect/>
+          </a:stretch>
+        </p:blipFill>
+        <p:spPr>
+          <a:xfrm>
+            <a:off x="5860725" y="1457178"/>
+            <a:ext cx="6331275" cy="1701887"/>
+          </a:xfrm>
+          <a:prstGeom prst="rect">
+            <a:avLst/>
+          </a:prstGeom>
+        </p:spPr>
+      </p:pic>
+      <p:pic>
+        <p:nvPicPr>
+          <p:cNvPr id="9" name="Picture 8">
+            <a:extLst>
+              <a:ext uri="{FF2B5EF4-FFF2-40B4-BE49-F238E27FC236}">
+                <a16:creationId xmlns:a16="http://schemas.microsoft.com/office/drawing/2014/main" id="{C2E834D4-412C-0A1B-D26B-9F55A86636C7}"/>
+              </a:ext>
+            </a:extLst>
+          </p:cNvPr>
+          <p:cNvPicPr>
+            <a:picLocks noChangeAspect="1"/>
+          </p:cNvPicPr>
+          <p:nvPr/>
+        </p:nvPicPr>
+        <p:blipFill>
+          <a:blip r:embed="rId3"/>
+          <a:stretch>
+            <a:fillRect/>
+          </a:stretch>
+        </p:blipFill>
+        <p:spPr>
+          <a:xfrm>
+            <a:off x="5967301" y="3742827"/>
+            <a:ext cx="4597636" cy="2305168"/>
+          </a:xfrm>
+          <a:prstGeom prst="rect">
+            <a:avLst/>
+          </a:prstGeom>
+        </p:spPr>
+      </p:pic>
+      <p:sp>
+        <p:nvSpPr>
+          <p:cNvPr id="10" name="Footer Placeholder 9">
+            <a:extLst>
+              <a:ext uri="{FF2B5EF4-FFF2-40B4-BE49-F238E27FC236}">
+                <a16:creationId xmlns:a16="http://schemas.microsoft.com/office/drawing/2014/main" id="{7E01874D-7BE1-0B74-BF62-3FA4C18DB605}"/>
+              </a:ext>
+            </a:extLst>
+          </p:cNvPr>
+          <p:cNvSpPr>
+            <a:spLocks noGrp="1"/>
+          </p:cNvSpPr>
+          <p:nvPr>
+            <p:ph type="ftr" sz="quarter" idx="11"/>
+          </p:nvPr>
+        </p:nvSpPr>
+        <p:spPr/>
+        <p:txBody>
+          <a:bodyPr/>
+          <a:lstStyle/>
+          <a:p>
+            <a:r>
+              <a:rPr lang="en-US"/>
+              <a:t>Week 7</a:t>
+            </a:r>
+          </a:p>
+        </p:txBody>
+      </p:sp>
+    </p:spTree>
+    <p:extLst>
+      <p:ext uri="{BB962C8B-B14F-4D97-AF65-F5344CB8AC3E}">
+        <p14:creationId xmlns:p14="http://schemas.microsoft.com/office/powerpoint/2010/main" val="705037982"/>
+      </p:ext>
+    </p:extLst>
+  </p:cSld>
+  <p:clrMapOvr>
+    <a:masterClrMapping/>
+  </p:clrMapOvr>
+</p:sld>
+</file>
+
+<file path=ppt/slides/slide54.xml><?xml version="1.0" encoding="utf-8"?>
+<p:sld xmlns:a="http://schemas.openxmlformats.org/drawingml/2006/main" xmlns:r="http://schemas.openxmlformats.org/officeDocument/2006/relationships" xmlns:p="http://schemas.openxmlformats.org/presentationml/2006/main">
+  <p:cSld>
+    <p:spTree>
+      <p:nvGrpSpPr>
+        <p:cNvPr id="1" name=""/>
+        <p:cNvGrpSpPr/>
+        <p:nvPr/>
+      </p:nvGrpSpPr>
+      <p:grpSpPr>
+        <a:xfrm>
+          <a:off x="0" y="0"/>
+          <a:ext cx="0" cy="0"/>
+          <a:chOff x="0" y="0"/>
+          <a:chExt cx="0" cy="0"/>
+        </a:xfrm>
+      </p:grpSpPr>
+      <p:sp>
+        <p:nvSpPr>
+          <p:cNvPr id="2" name="Title 1">
+            <a:extLst>
+              <a:ext uri="{FF2B5EF4-FFF2-40B4-BE49-F238E27FC236}">
+                <a16:creationId xmlns:a16="http://schemas.microsoft.com/office/drawing/2014/main" id="{58C875F9-759F-7174-95E2-D9BA9AFF9253}"/>
+              </a:ext>
+            </a:extLst>
+          </p:cNvPr>
+          <p:cNvSpPr>
+            <a:spLocks noGrp="1"/>
+          </p:cNvSpPr>
+          <p:nvPr>
+            <p:ph type="title"/>
+          </p:nvPr>
+        </p:nvSpPr>
+        <p:spPr/>
+        <p:txBody>
+          <a:bodyPr/>
+          <a:lstStyle/>
+          <a:p>
+            <a:r>
+              <a:rPr lang="en-US" sz="2000" dirty="0"/>
+              <a:t>Assignment 1: </a:t>
+            </a:r>
+            <a:br>
+              <a:rPr lang="en-US" dirty="0"/>
+            </a:br>
+            <a:r>
+              <a:rPr lang="en-US" dirty="0"/>
+              <a:t>Create a </a:t>
+            </a:r>
+            <a:r>
+              <a:rPr lang="en-US" b="1" dirty="0"/>
+              <a:t>menu</a:t>
+            </a:r>
+            <a:r>
+              <a:rPr lang="en-US" dirty="0"/>
+              <a:t> driven </a:t>
+            </a:r>
+            <a:r>
+              <a:rPr lang="en-US" b="1" dirty="0"/>
+              <a:t>calculator</a:t>
+            </a:r>
+          </a:p>
+        </p:txBody>
+      </p:sp>
+      <p:sp>
+        <p:nvSpPr>
+          <p:cNvPr id="3" name="Content Placeholder 2">
+            <a:extLst>
+              <a:ext uri="{FF2B5EF4-FFF2-40B4-BE49-F238E27FC236}">
+                <a16:creationId xmlns:a16="http://schemas.microsoft.com/office/drawing/2014/main" id="{0DD7622E-6574-1823-2F00-0EB8BA1CCFD0}"/>
+              </a:ext>
+            </a:extLst>
+          </p:cNvPr>
+          <p:cNvSpPr>
+            <a:spLocks noGrp="1"/>
+          </p:cNvSpPr>
+          <p:nvPr>
+            <p:ph idx="1"/>
+          </p:nvPr>
+        </p:nvSpPr>
+        <p:spPr/>
+        <p:txBody>
+          <a:bodyPr>
+            <a:normAutofit fontScale="92500" lnSpcReduction="20000"/>
+          </a:bodyPr>
+          <a:lstStyle/>
+          <a:p>
+            <a:r>
+              <a:rPr lang="en-US" dirty="0"/>
+              <a:t>Enter 2 numbers </a:t>
+            </a:r>
+          </a:p>
+          <a:p>
+            <a:r>
+              <a:rPr lang="en-US" dirty="0"/>
+              <a:t>Get user option ( 0 to 5) repeatedly</a:t>
+            </a:r>
+          </a:p>
+          <a:p>
+            <a:pPr lvl="1"/>
+            <a:r>
+              <a:rPr lang="en-US" dirty="0"/>
+              <a:t>1 </a:t>
+            </a:r>
+            <a:r>
+              <a:rPr lang="en-US" dirty="0">
+                <a:sym typeface="Wingdings" panose="05000000000000000000" pitchFamily="2" charset="2"/>
+              </a:rPr>
+              <a:t> add the two numbers and print</a:t>
+            </a:r>
+          </a:p>
+          <a:p>
+            <a:pPr lvl="1"/>
+            <a:r>
+              <a:rPr lang="en-US" dirty="0">
+                <a:sym typeface="Wingdings" panose="05000000000000000000" pitchFamily="2" charset="2"/>
+              </a:rPr>
+              <a:t>2  subtract 2</a:t>
+            </a:r>
+            <a:r>
+              <a:rPr lang="en-US" baseline="30000" dirty="0">
+                <a:sym typeface="Wingdings" panose="05000000000000000000" pitchFamily="2" charset="2"/>
+              </a:rPr>
+              <a:t>nd</a:t>
+            </a:r>
+            <a:r>
+              <a:rPr lang="en-US" dirty="0">
+                <a:sym typeface="Wingdings" panose="05000000000000000000" pitchFamily="2" charset="2"/>
+              </a:rPr>
+              <a:t> from first number and print</a:t>
+            </a:r>
+          </a:p>
+          <a:p>
+            <a:pPr lvl="1"/>
+            <a:r>
+              <a:rPr lang="en-US" dirty="0">
+                <a:sym typeface="Wingdings" panose="05000000000000000000" pitchFamily="2" charset="2"/>
+              </a:rPr>
+              <a:t>3  multiply the two numbers and print</a:t>
+            </a:r>
+          </a:p>
+          <a:p>
+            <a:pPr lvl="1"/>
+            <a:r>
+              <a:rPr lang="en-US" dirty="0">
+                <a:sym typeface="Wingdings" panose="05000000000000000000" pitchFamily="2" charset="2"/>
+              </a:rPr>
+              <a:t>4 divide 2</a:t>
+            </a:r>
+            <a:r>
+              <a:rPr lang="en-US" baseline="30000" dirty="0">
+                <a:sym typeface="Wingdings" panose="05000000000000000000" pitchFamily="2" charset="2"/>
+              </a:rPr>
+              <a:t>nd</a:t>
+            </a:r>
+            <a:r>
+              <a:rPr lang="en-US" dirty="0">
+                <a:sym typeface="Wingdings" panose="05000000000000000000" pitchFamily="2" charset="2"/>
+              </a:rPr>
+              <a:t> by first number and print</a:t>
+            </a:r>
+          </a:p>
+          <a:p>
+            <a:pPr lvl="1"/>
+            <a:r>
+              <a:rPr lang="en-US" b="1" dirty="0">
+                <a:sym typeface="Wingdings" panose="05000000000000000000" pitchFamily="2" charset="2"/>
+              </a:rPr>
+              <a:t>5 do nothing , and restart </a:t>
+            </a:r>
+          </a:p>
+          <a:p>
+            <a:pPr lvl="1"/>
+            <a:r>
+              <a:rPr lang="en-US" dirty="0">
+                <a:sym typeface="Wingdings" panose="05000000000000000000" pitchFamily="2" charset="2"/>
+              </a:rPr>
+              <a:t>0 stop the loop</a:t>
+            </a:r>
+          </a:p>
+          <a:p>
+            <a:r>
+              <a:rPr lang="en-US" dirty="0">
+                <a:sym typeface="Wingdings" panose="05000000000000000000" pitchFamily="2" charset="2"/>
+              </a:rPr>
+              <a:t>Try using both loops and compare result</a:t>
+            </a:r>
+          </a:p>
+          <a:p>
+            <a:pPr lvl="1"/>
+            <a:r>
+              <a:rPr lang="en-US" dirty="0">
+                <a:sym typeface="Wingdings" panose="05000000000000000000" pitchFamily="2" charset="2"/>
+              </a:rPr>
+              <a:t>while </a:t>
+            </a:r>
+          </a:p>
+          <a:p>
+            <a:pPr lvl="1"/>
+            <a:r>
+              <a:rPr lang="en-US" dirty="0">
+                <a:sym typeface="Wingdings" panose="05000000000000000000" pitchFamily="2" charset="2"/>
+              </a:rPr>
+              <a:t>Do/while </a:t>
+            </a:r>
+          </a:p>
+          <a:p>
+            <a:r>
+              <a:rPr lang="en-US" dirty="0">
+                <a:sym typeface="Wingdings" panose="05000000000000000000" pitchFamily="2" charset="2"/>
+              </a:rPr>
+              <a:t>Use</a:t>
+            </a:r>
+            <a:r>
+              <a:rPr lang="en-US" b="1" dirty="0">
+                <a:sym typeface="Wingdings" panose="05000000000000000000" pitchFamily="2" charset="2"/>
+              </a:rPr>
+              <a:t> break </a:t>
+            </a:r>
+            <a:r>
+              <a:rPr lang="en-US" dirty="0">
+                <a:sym typeface="Wingdings" panose="05000000000000000000" pitchFamily="2" charset="2"/>
+              </a:rPr>
+              <a:t>and</a:t>
+            </a:r>
+            <a:r>
+              <a:rPr lang="en-US" b="1" dirty="0">
+                <a:sym typeface="Wingdings" panose="05000000000000000000" pitchFamily="2" charset="2"/>
+              </a:rPr>
+              <a:t> continue </a:t>
+            </a:r>
+          </a:p>
+          <a:p>
+            <a:pPr lvl="1"/>
+            <a:endParaRPr lang="en-US" dirty="0">
+              <a:sym typeface="Wingdings" panose="05000000000000000000" pitchFamily="2" charset="2"/>
+            </a:endParaRPr>
+          </a:p>
+          <a:p>
+            <a:pPr lvl="1"/>
+            <a:endParaRPr lang="en-US" dirty="0"/>
+          </a:p>
+        </p:txBody>
+      </p:sp>
+      <p:sp>
+        <p:nvSpPr>
+          <p:cNvPr id="6" name="Footer Placeholder 5">
+            <a:extLst>
+              <a:ext uri="{FF2B5EF4-FFF2-40B4-BE49-F238E27FC236}">
+                <a16:creationId xmlns:a16="http://schemas.microsoft.com/office/drawing/2014/main" id="{42495384-3D5F-AD86-36ED-935E49FC69EC}"/>
+              </a:ext>
+            </a:extLst>
+          </p:cNvPr>
+          <p:cNvSpPr>
+            <a:spLocks noGrp="1"/>
+          </p:cNvSpPr>
+          <p:nvPr>
+            <p:ph type="ftr" sz="quarter" idx="11"/>
+          </p:nvPr>
+        </p:nvSpPr>
+        <p:spPr/>
+        <p:txBody>
+          <a:bodyPr/>
+          <a:lstStyle/>
+          <a:p>
+            <a:r>
+              <a:rPr lang="en-US"/>
+              <a:t>Week 7</a:t>
+            </a:r>
+          </a:p>
+        </p:txBody>
+      </p:sp>
+    </p:spTree>
+    <p:extLst>
+      <p:ext uri="{BB962C8B-B14F-4D97-AF65-F5344CB8AC3E}">
+        <p14:creationId xmlns:p14="http://schemas.microsoft.com/office/powerpoint/2010/main" val="4292128598"/>
+      </p:ext>
+    </p:extLst>
+  </p:cSld>
+  <p:clrMapOvr>
+    <a:masterClrMapping/>
+  </p:clrMapOvr>
+</p:sld>
+</file>
+
+<file path=ppt/slides/slide55.xml><?xml version="1.0" encoding="utf-8"?>
+<p:sld xmlns:a="http://schemas.openxmlformats.org/drawingml/2006/main" xmlns:r="http://schemas.openxmlformats.org/officeDocument/2006/relationships" xmlns:p="http://schemas.openxmlformats.org/presentationml/2006/main">
+  <p:cSld>
+    <p:spTree>
+      <p:nvGrpSpPr>
+        <p:cNvPr id="1" name=""/>
+        <p:cNvGrpSpPr/>
+        <p:nvPr/>
+      </p:nvGrpSpPr>
+      <p:grpSpPr>
+        <a:xfrm>
+          <a:off x="0" y="0"/>
+          <a:ext cx="0" cy="0"/>
+          <a:chOff x="0" y="0"/>
+          <a:chExt cx="0" cy="0"/>
+        </a:xfrm>
+      </p:grpSpPr>
+      <p:sp>
+        <p:nvSpPr>
+          <p:cNvPr id="2" name="Title 1">
+            <a:extLst>
+              <a:ext uri="{FF2B5EF4-FFF2-40B4-BE49-F238E27FC236}">
+                <a16:creationId xmlns:a16="http://schemas.microsoft.com/office/drawing/2014/main" id="{A8CDDDC4-7A06-DD30-C053-A3AC33917744}"/>
+              </a:ext>
+            </a:extLst>
+          </p:cNvPr>
+          <p:cNvSpPr>
+            <a:spLocks noGrp="1"/>
+          </p:cNvSpPr>
+          <p:nvPr>
+            <p:ph type="title"/>
+          </p:nvPr>
+        </p:nvSpPr>
+        <p:spPr/>
+        <p:txBody>
+          <a:bodyPr/>
+          <a:lstStyle/>
+          <a:p>
+            <a:r>
+              <a:rPr lang="en-US" sz="2000" dirty="0"/>
+              <a:t>Boss Assignment:</a:t>
+            </a:r>
+            <a:br>
+              <a:rPr lang="en-US" dirty="0"/>
+            </a:br>
+            <a:r>
+              <a:rPr lang="en-US" dirty="0"/>
+              <a:t>Menu driven multi purpose program</a:t>
+            </a:r>
+          </a:p>
+        </p:txBody>
+      </p:sp>
+      <p:sp>
+        <p:nvSpPr>
+          <p:cNvPr id="3" name="Content Placeholder 2">
+            <a:extLst>
+              <a:ext uri="{FF2B5EF4-FFF2-40B4-BE49-F238E27FC236}">
+                <a16:creationId xmlns:a16="http://schemas.microsoft.com/office/drawing/2014/main" id="{920F33EC-AF7F-C6F8-7FE1-1774834BE20B}"/>
+              </a:ext>
+            </a:extLst>
+          </p:cNvPr>
+          <p:cNvSpPr>
+            <a:spLocks noGrp="1"/>
+          </p:cNvSpPr>
+          <p:nvPr>
+            <p:ph idx="1"/>
+          </p:nvPr>
+        </p:nvSpPr>
+        <p:spPr/>
+        <p:txBody>
+          <a:bodyPr>
+            <a:normAutofit lnSpcReduction="10000"/>
+          </a:bodyPr>
+          <a:lstStyle/>
+          <a:p>
+            <a:r>
+              <a:rPr lang="en-US" dirty="0"/>
+              <a:t>Create a multi purpose program running until user enters 0</a:t>
+            </a:r>
+          </a:p>
+          <a:p>
+            <a:r>
+              <a:rPr lang="en-US" dirty="0"/>
+              <a:t>Enter 2 numbers e.g. a, b;</a:t>
+            </a:r>
+          </a:p>
+          <a:p>
+            <a:r>
+              <a:rPr lang="en-US" dirty="0"/>
+              <a:t>Get user options repeatedly and perform the operation</a:t>
+            </a:r>
+          </a:p>
+          <a:p>
+            <a:pPr lvl="1"/>
+            <a:r>
+              <a:rPr lang="en-US" dirty="0"/>
+              <a:t>1</a:t>
+            </a:r>
+            <a:r>
+              <a:rPr lang="en-US" dirty="0">
+                <a:sym typeface="Wingdings" panose="05000000000000000000" pitchFamily="2" charset="2"/>
+              </a:rPr>
+              <a:t>  find the least common multiple of 2 numbers</a:t>
+            </a:r>
+          </a:p>
+          <a:p>
+            <a:pPr lvl="1"/>
+            <a:r>
+              <a:rPr lang="en-US" dirty="0">
+                <a:sym typeface="Wingdings" panose="05000000000000000000" pitchFamily="2" charset="2"/>
+              </a:rPr>
+              <a:t>2  find the highest common factor of the 2 numbers</a:t>
+            </a:r>
+          </a:p>
+          <a:p>
+            <a:pPr lvl="1" algn="just"/>
+            <a:r>
+              <a:rPr lang="en-US" dirty="0">
+                <a:sym typeface="Wingdings" panose="05000000000000000000" pitchFamily="2" charset="2"/>
+              </a:rPr>
+              <a:t>3  find ‘a’ raised to the power of ‘b’ using loops : a</a:t>
+            </a:r>
+            <a:r>
+              <a:rPr lang="en-US" baseline="30000" dirty="0">
+                <a:sym typeface="Wingdings" panose="05000000000000000000" pitchFamily="2" charset="2"/>
+              </a:rPr>
+              <a:t>b</a:t>
+            </a:r>
+            <a:endParaRPr lang="en-US" dirty="0">
+              <a:sym typeface="Wingdings" panose="05000000000000000000" pitchFamily="2" charset="2"/>
+            </a:endParaRPr>
+          </a:p>
+          <a:p>
+            <a:pPr lvl="1" algn="just"/>
+            <a:r>
+              <a:rPr lang="en-US" dirty="0">
+                <a:sym typeface="Wingdings" panose="05000000000000000000" pitchFamily="2" charset="2"/>
+              </a:rPr>
+              <a:t>4  find  1/a</a:t>
+            </a:r>
+            <a:r>
+              <a:rPr lang="en-US" baseline="30000" dirty="0">
+                <a:sym typeface="Wingdings" panose="05000000000000000000" pitchFamily="2" charset="2"/>
+              </a:rPr>
+              <a:t>b </a:t>
+            </a:r>
+            <a:r>
+              <a:rPr lang="en-US" dirty="0">
+                <a:sym typeface="Wingdings" panose="05000000000000000000" pitchFamily="2" charset="2"/>
+              </a:rPr>
+              <a:t>using loops</a:t>
+            </a:r>
+          </a:p>
+          <a:p>
+            <a:pPr lvl="1" algn="just"/>
+            <a:r>
+              <a:rPr lang="en-US" dirty="0">
+                <a:sym typeface="Wingdings" panose="05000000000000000000" pitchFamily="2" charset="2"/>
+              </a:rPr>
+              <a:t>5  do something random from between 1 and 4 </a:t>
+            </a:r>
+          </a:p>
+          <a:p>
+            <a:pPr lvl="2" algn="just"/>
+            <a:r>
+              <a:rPr lang="en-US" dirty="0">
+                <a:sym typeface="Wingdings" panose="05000000000000000000" pitchFamily="2" charset="2"/>
+              </a:rPr>
+              <a:t>#include&lt;cstdlib &gt;</a:t>
+            </a:r>
+          </a:p>
+          <a:p>
+            <a:pPr lvl="2" algn="just"/>
+            <a:r>
+              <a:rPr lang="en-US" dirty="0">
+                <a:sym typeface="Wingdings" panose="05000000000000000000" pitchFamily="2" charset="2"/>
+              </a:rPr>
+              <a:t>int rand = 1+ rand()%4;</a:t>
+            </a:r>
+          </a:p>
+          <a:p>
+            <a:pPr lvl="1" algn="just"/>
+            <a:r>
+              <a:rPr lang="en-US" dirty="0">
+                <a:sym typeface="Wingdings" panose="05000000000000000000" pitchFamily="2" charset="2"/>
+              </a:rPr>
+              <a:t>0  Exit the program</a:t>
+            </a:r>
+          </a:p>
+          <a:p>
+            <a:pPr lvl="1" algn="just"/>
+            <a:endParaRPr lang="en-US" baseline="30000" dirty="0">
+              <a:sym typeface="Wingdings" panose="05000000000000000000" pitchFamily="2" charset="2"/>
+            </a:endParaRPr>
+          </a:p>
+          <a:p>
+            <a:pPr marL="457200" lvl="1" indent="0" algn="just">
+              <a:buNone/>
+            </a:pPr>
+            <a:endParaRPr lang="en-US" baseline="30000" dirty="0"/>
+          </a:p>
+        </p:txBody>
+      </p:sp>
+      <p:sp>
+        <p:nvSpPr>
+          <p:cNvPr id="4" name="Footer Placeholder 3">
+            <a:extLst>
+              <a:ext uri="{FF2B5EF4-FFF2-40B4-BE49-F238E27FC236}">
+                <a16:creationId xmlns:a16="http://schemas.microsoft.com/office/drawing/2014/main" id="{FB3BA2EC-BB6A-5D88-5CBF-B05F36535221}"/>
+              </a:ext>
+            </a:extLst>
+          </p:cNvPr>
+          <p:cNvSpPr>
+            <a:spLocks noGrp="1"/>
+          </p:cNvSpPr>
+          <p:nvPr>
+            <p:ph type="ftr" sz="quarter" idx="11"/>
+          </p:nvPr>
+        </p:nvSpPr>
+        <p:spPr/>
+        <p:txBody>
+          <a:bodyPr/>
+          <a:lstStyle/>
+          <a:p>
+            <a:r>
+              <a:rPr lang="en-US"/>
+              <a:t>Week 7</a:t>
+            </a:r>
+          </a:p>
+        </p:txBody>
+      </p:sp>
+    </p:spTree>
+    <p:extLst>
+      <p:ext uri="{BB962C8B-B14F-4D97-AF65-F5344CB8AC3E}">
+        <p14:creationId xmlns:p14="http://schemas.microsoft.com/office/powerpoint/2010/main" val="1862556464"/>
+      </p:ext>
+    </p:extLst>
+  </p:cSld>
+  <p:clrMapOvr>
+    <a:masterClrMapping/>
+  </p:clrMapOvr>
+</p:sld>
+</file>
+
+<file path=ppt/slides/slide56.xml><?xml version="1.0" encoding="utf-8"?>
+<p:sld xmlns:a="http://schemas.openxmlformats.org/drawingml/2006/main" xmlns:r="http://schemas.openxmlformats.org/officeDocument/2006/relationships" xmlns:p="http://schemas.openxmlformats.org/presentationml/2006/main">
+  <p:cSld>
+    <p:spTree>
+      <p:nvGrpSpPr>
+        <p:cNvPr id="1" name=""/>
+        <p:cNvGrpSpPr/>
+        <p:nvPr/>
+      </p:nvGrpSpPr>
+      <p:grpSpPr>
+        <a:xfrm>
+          <a:off x="0" y="0"/>
+          <a:ext cx="0" cy="0"/>
+          <a:chOff x="0" y="0"/>
+          <a:chExt cx="0" cy="0"/>
+        </a:xfrm>
+      </p:grpSpPr>
+      <p:sp>
+        <p:nvSpPr>
+          <p:cNvPr id="2" name="Title 1">
+            <a:extLst>
+              <a:ext uri="{FF2B5EF4-FFF2-40B4-BE49-F238E27FC236}">
+                <a16:creationId xmlns:a16="http://schemas.microsoft.com/office/drawing/2014/main" id="{7F3F2022-DBA0-F8BB-70DA-B01A01136D53}"/>
+              </a:ext>
+            </a:extLst>
+          </p:cNvPr>
+          <p:cNvSpPr>
+            <a:spLocks noGrp="1"/>
+          </p:cNvSpPr>
+          <p:nvPr>
+            <p:ph type="title"/>
+          </p:nvPr>
+        </p:nvSpPr>
+        <p:spPr/>
+        <p:txBody>
+          <a:bodyPr/>
+          <a:lstStyle/>
+          <a:p>
+            <a:r>
+              <a:rPr lang="en-US" dirty="0"/>
+              <a:t>string data type</a:t>
+            </a:r>
+          </a:p>
+        </p:txBody>
+      </p:sp>
+      <p:sp>
+        <p:nvSpPr>
+          <p:cNvPr id="3" name="Content Placeholder 2">
+            <a:extLst>
+              <a:ext uri="{FF2B5EF4-FFF2-40B4-BE49-F238E27FC236}">
+                <a16:creationId xmlns:a16="http://schemas.microsoft.com/office/drawing/2014/main" id="{12C7C63C-7B86-C453-D132-93C8AB055AC5}"/>
+              </a:ext>
+            </a:extLst>
+          </p:cNvPr>
+          <p:cNvSpPr>
+            <a:spLocks noGrp="1"/>
+          </p:cNvSpPr>
+          <p:nvPr>
+            <p:ph idx="1"/>
+          </p:nvPr>
+        </p:nvSpPr>
+        <p:spPr/>
+        <p:txBody>
+          <a:bodyPr>
+            <a:normAutofit fontScale="92500" lnSpcReduction="10000"/>
+          </a:bodyPr>
+          <a:lstStyle/>
+          <a:p>
+            <a:r>
+              <a:rPr lang="en-US" dirty="0"/>
+              <a:t>We already know few built in types</a:t>
+            </a:r>
+          </a:p>
+          <a:p>
+            <a:pPr lvl="1"/>
+            <a:r>
+              <a:rPr lang="en-US" dirty="0"/>
+              <a:t>int , float , char, bool</a:t>
+            </a:r>
+          </a:p>
+          <a:p>
+            <a:r>
+              <a:rPr lang="en-US" dirty="0"/>
+              <a:t>string </a:t>
+            </a:r>
+          </a:p>
+          <a:p>
+            <a:pPr lvl="1"/>
+            <a:r>
+              <a:rPr lang="en-US" dirty="0"/>
+              <a:t>Is a derived data type, </a:t>
+            </a:r>
+          </a:p>
+          <a:p>
+            <a:pPr lvl="1"/>
+            <a:r>
+              <a:rPr lang="en-US" dirty="0"/>
+              <a:t>Useful for names, description etc. </a:t>
+            </a:r>
+          </a:p>
+          <a:p>
+            <a:r>
+              <a:rPr lang="en-US" dirty="0"/>
+              <a:t>Header </a:t>
+            </a:r>
+          </a:p>
+          <a:p>
+            <a:pPr lvl="1"/>
+            <a:r>
+              <a:rPr lang="en-US" dirty="0"/>
+              <a:t>#include&lt;string&gt;</a:t>
+            </a:r>
+          </a:p>
+          <a:p>
+            <a:r>
+              <a:rPr lang="en-US" dirty="0"/>
+              <a:t>Usage </a:t>
+            </a:r>
+          </a:p>
+          <a:p>
+            <a:pPr lvl="1"/>
+            <a:r>
+              <a:rPr lang="en-US" dirty="0"/>
+              <a:t>string name;</a:t>
+            </a:r>
+          </a:p>
+          <a:p>
+            <a:pPr lvl="1"/>
+            <a:r>
+              <a:rPr lang="en-US" dirty="0" err="1"/>
+              <a:t>cin</a:t>
+            </a:r>
+            <a:r>
+              <a:rPr lang="en-US" dirty="0"/>
+              <a:t> &gt;&gt; name;</a:t>
+            </a:r>
+          </a:p>
+          <a:p>
+            <a:pPr lvl="1"/>
+            <a:r>
+              <a:rPr lang="en-US" dirty="0" err="1"/>
+              <a:t>cout</a:t>
+            </a:r>
+            <a:r>
+              <a:rPr lang="en-US" dirty="0"/>
+              <a:t> &lt;&lt;name;</a:t>
+            </a:r>
+            <a:br>
+              <a:rPr lang="en-US" dirty="0"/>
+            </a:br>
+            <a:endParaRPr lang="en-US" dirty="0"/>
+          </a:p>
+        </p:txBody>
+      </p:sp>
+      <p:sp>
+        <p:nvSpPr>
+          <p:cNvPr id="4" name="Footer Placeholder 3">
+            <a:extLst>
+              <a:ext uri="{FF2B5EF4-FFF2-40B4-BE49-F238E27FC236}">
+                <a16:creationId xmlns:a16="http://schemas.microsoft.com/office/drawing/2014/main" id="{975DF1C2-BCB7-988E-2E18-DF5C6412B181}"/>
+              </a:ext>
+            </a:extLst>
+          </p:cNvPr>
+          <p:cNvSpPr>
+            <a:spLocks noGrp="1"/>
+          </p:cNvSpPr>
+          <p:nvPr>
+            <p:ph type="ftr" sz="quarter" idx="11"/>
+          </p:nvPr>
+        </p:nvSpPr>
+        <p:spPr/>
+        <p:txBody>
+          <a:bodyPr/>
+          <a:lstStyle/>
+          <a:p>
+            <a:r>
+              <a:rPr lang="en-US"/>
+              <a:t>Week 4</a:t>
+            </a:r>
+          </a:p>
+        </p:txBody>
+      </p:sp>
+      <p:sp>
+        <p:nvSpPr>
+          <p:cNvPr id="5" name="Slide Number Placeholder 4">
+            <a:extLst>
+              <a:ext uri="{FF2B5EF4-FFF2-40B4-BE49-F238E27FC236}">
+                <a16:creationId xmlns:a16="http://schemas.microsoft.com/office/drawing/2014/main" id="{43357A0E-A54D-5BCE-A42F-833CB4760EC1}"/>
+              </a:ext>
+            </a:extLst>
+          </p:cNvPr>
+          <p:cNvSpPr>
+            <a:spLocks noGrp="1"/>
+          </p:cNvSpPr>
+          <p:nvPr>
+            <p:ph type="sldNum" sz="quarter" idx="12"/>
+          </p:nvPr>
+        </p:nvSpPr>
+        <p:spPr/>
+        <p:txBody>
+          <a:bodyPr/>
+          <a:lstStyle/>
+          <a:p>
+            <a:fld id="{3EC9E123-0CB8-4CD3-A52F-DDEB9B17898B}" type="slidenum">
+              <a:rPr lang="en-US" smtClean="0"/>
+              <a:t>56</a:t>
+            </a:fld>
+            <a:endParaRPr lang="en-US"/>
+          </a:p>
+        </p:txBody>
+      </p:sp>
+    </p:spTree>
+    <p:extLst>
+      <p:ext uri="{BB962C8B-B14F-4D97-AF65-F5344CB8AC3E}">
+        <p14:creationId xmlns:p14="http://schemas.microsoft.com/office/powerpoint/2010/main" val="4193919016"/>
       </p:ext>
     </p:extLst>
   </p:cSld>
